--- a/Objected Oriented Programming Concepts Using C++ & Data Structures/OOPs with C++.pptx
+++ b/Objected Oriented Programming Concepts Using C++ & Data Structures/OOPs with C++.pptx
@@ -4920,10 +4920,16 @@
           <a:bodyPr/>
           <a:p>
             <a:r>
-              <a:rPr lang="en-US" altLang="en-US"/>
+              <a:rPr lang="en-US" altLang="en-US">
+                <a:latin typeface="Noto Serif CJK JP" panose="02020400000000000000" charset="-122"/>
+                <a:ea typeface="Noto Serif CJK JP" panose="02020400000000000000" charset="-122"/>
+              </a:rPr>
               <a:t>Example</a:t>
             </a:r>
-            <a:endParaRPr lang="en-US" altLang="en-US"/>
+            <a:endParaRPr lang="en-US" altLang="en-US">
+              <a:latin typeface="Noto Serif CJK JP" panose="02020400000000000000" charset="-122"/>
+              <a:ea typeface="Noto Serif CJK JP" panose="02020400000000000000" charset="-122"/>
+            </a:endParaRPr>
           </a:p>
         </p:txBody>
       </p:sp>
@@ -5532,10 +5538,16 @@
           <a:bodyPr/>
           <a:p>
             <a:r>
-              <a:rPr lang="en-US" altLang="en-US"/>
+              <a:rPr lang="en-US" altLang="en-US">
+                <a:latin typeface="Noto Serif CJK JP" panose="02020400000000000000" charset="-122"/>
+                <a:ea typeface="Noto Serif CJK JP" panose="02020400000000000000" charset="-122"/>
+              </a:rPr>
               <a:t>Example</a:t>
             </a:r>
-            <a:endParaRPr lang="en-US" altLang="en-US"/>
+            <a:endParaRPr lang="en-US" altLang="en-US">
+              <a:latin typeface="Noto Serif CJK JP" panose="02020400000000000000" charset="-122"/>
+              <a:ea typeface="Noto Serif CJK JP" panose="02020400000000000000" charset="-122"/>
+            </a:endParaRPr>
           </a:p>
         </p:txBody>
       </p:sp>
@@ -6206,7 +6218,12 @@
             <p:ph type="title"/>
           </p:nvPr>
         </p:nvSpPr>
-        <p:spPr/>
+        <p:spPr>
+          <a:xfrm>
+            <a:off x="401320" y="80010"/>
+            <a:ext cx="7772400" cy="1143000"/>
+          </a:xfrm>
+        </p:spPr>
         <p:txBody>
           <a:bodyPr/>
           <a:p>
@@ -6234,32 +6251,52 @@
             <p:ph idx="1"/>
           </p:nvPr>
         </p:nvSpPr>
-        <p:spPr/>
+        <p:spPr>
+          <a:xfrm>
+            <a:off x="685800" y="1223010"/>
+            <a:ext cx="7772400" cy="5417820"/>
+          </a:xfrm>
+        </p:spPr>
         <p:txBody>
           <a:bodyPr/>
           <a:p>
-            <a:pPr marL="0" indent="0">
-              <a:buNone/>
-            </a:pPr>
+            <a:pPr>
+              <a:lnSpc>
+                <a:spcPct val="120000"/>
+              </a:lnSpc>
+            </a:pPr>
+            <a:r>
+              <a:rPr lang="en-US" altLang="en-US" sz="2400">
+                <a:latin typeface="Noto Serif CJK JP" panose="02020400000000000000" charset="-122"/>
+                <a:ea typeface="Noto Serif CJK JP" panose="02020400000000000000" charset="-122"/>
+              </a:rPr>
+              <a:t>B</a:t>
+            </a:r>
+            <a:r>
+              <a:rPr lang="en-US" sz="2400">
+                <a:latin typeface="Noto Serif CJK JP" panose="02020400000000000000" charset="-122"/>
+                <a:ea typeface="Noto Serif CJK JP" panose="02020400000000000000" charset="-122"/>
+              </a:rPr>
+              <a:t>ehaves differently in different situation.</a:t>
+            </a:r>
             <a:endParaRPr lang="en-US" sz="2400">
               <a:latin typeface="Noto Serif CJK JP" panose="02020400000000000000" charset="-122"/>
               <a:ea typeface="Noto Serif CJK JP" panose="02020400000000000000" charset="-122"/>
             </a:endParaRPr>
           </a:p>
           <a:p>
-            <a:r>
-              <a:rPr lang="en-US" altLang="en-US" sz="2400">
-                <a:latin typeface="Noto Serif CJK JP" panose="02020400000000000000" charset="-122"/>
-                <a:ea typeface="Noto Serif CJK JP" panose="02020400000000000000" charset="-122"/>
-              </a:rPr>
-              <a:t>B</a:t>
-            </a:r>
+            <a:pPr>
+              <a:lnSpc>
+                <a:spcPct val="120000"/>
+              </a:lnSpc>
+            </a:pPr>
             <a:r>
               <a:rPr lang="en-US" sz="2400">
                 <a:latin typeface="Noto Serif CJK JP" panose="02020400000000000000" charset="-122"/>
                 <a:ea typeface="Noto Serif CJK JP" panose="02020400000000000000" charset="-122"/>
-              </a:rPr>
-              <a:t>ehaves differently in different situation.</a:t>
+                <a:sym typeface="+mn-ea"/>
+              </a:rPr>
+              <a:t>Function overloading and Operator overloading </a:t>
             </a:r>
             <a:endParaRPr lang="en-US" sz="2400">
               <a:latin typeface="Noto Serif CJK JP" panose="02020400000000000000" charset="-122"/>
@@ -6267,20 +6304,11 @@
             </a:endParaRPr>
           </a:p>
           <a:p>
-            <a:r>
-              <a:rPr lang="en-US" sz="2400">
-                <a:latin typeface="Noto Serif CJK JP" panose="02020400000000000000" charset="-122"/>
-                <a:ea typeface="Noto Serif CJK JP" panose="02020400000000000000" charset="-122"/>
-                <a:sym typeface="+mn-ea"/>
-              </a:rPr>
-              <a:t>Function overloading and Operator overloading </a:t>
-            </a:r>
-            <a:endParaRPr lang="en-US" sz="2400">
-              <a:latin typeface="Noto Serif CJK JP" panose="02020400000000000000" charset="-122"/>
-              <a:ea typeface="Noto Serif CJK JP" panose="02020400000000000000" charset="-122"/>
-            </a:endParaRPr>
-          </a:p>
-          <a:p>
+            <a:pPr>
+              <a:lnSpc>
+                <a:spcPct val="120000"/>
+              </a:lnSpc>
+            </a:pPr>
             <a:r>
               <a:rPr lang="en-US" altLang="en-US" sz="2400">
                 <a:latin typeface="Noto Serif CJK JP" panose="02020400000000000000" charset="-122"/>
@@ -6336,6 +6364,11 @@
             </a:endParaRPr>
           </a:p>
           <a:p>
+            <a:pPr>
+              <a:lnSpc>
+                <a:spcPct val="120000"/>
+              </a:lnSpc>
+            </a:pPr>
             <a:r>
               <a:rPr lang="en-US" sz="2400">
                 <a:latin typeface="Noto Serif CJK JP" panose="02020400000000000000" charset="-122"/>
@@ -6352,7 +6385,76 @@
               </a:rPr>
               <a:t>: same operator perform different functionality by differentiate the type of arguments</a:t>
             </a:r>
-            <a:endParaRPr lang="en-US" sz="2400">
+            <a:endParaRPr lang="en-US" altLang="en-US" sz="2400">
+              <a:latin typeface="Noto Serif CJK JP" panose="02020400000000000000" charset="-122"/>
+              <a:ea typeface="Noto Serif CJK JP" panose="02020400000000000000" charset="-122"/>
+              <a:sym typeface="+mn-ea"/>
+            </a:endParaRPr>
+          </a:p>
+          <a:p>
+            <a:pPr>
+              <a:lnSpc>
+                <a:spcPct val="120000"/>
+              </a:lnSpc>
+            </a:pPr>
+            <a:r>
+              <a:rPr lang="" altLang="en-US" sz="2400">
+                <a:latin typeface="Noto Serif CJK JP" panose="02020400000000000000" charset="-122"/>
+                <a:ea typeface="Noto Serif CJK JP" panose="02020400000000000000" charset="-122"/>
+              </a:rPr>
+              <a:t>Types of Polymorphism : </a:t>
+            </a:r>
+            <a:endParaRPr lang="" altLang="en-US" sz="2400">
+              <a:latin typeface="Noto Serif CJK JP" panose="02020400000000000000" charset="-122"/>
+              <a:ea typeface="Noto Serif CJK JP" panose="02020400000000000000" charset="-122"/>
+            </a:endParaRPr>
+          </a:p>
+          <a:p>
+            <a:pPr lvl="1">
+              <a:lnSpc>
+                <a:spcPct val="120000"/>
+              </a:lnSpc>
+            </a:pPr>
+            <a:r>
+              <a:rPr lang="en-US" sz="2100">
+                <a:latin typeface="Noto Serif CJK JP" panose="02020400000000000000" charset="-122"/>
+                <a:ea typeface="Noto Serif CJK JP" panose="02020400000000000000" charset="-122"/>
+              </a:rPr>
+              <a:t>Compile time  </a:t>
+            </a:r>
+            <a:r>
+              <a:rPr lang="" altLang="en-US" sz="2100">
+                <a:latin typeface="Noto Serif CJK JP" panose="02020400000000000000" charset="-122"/>
+                <a:ea typeface="Noto Serif CJK JP" panose="02020400000000000000" charset="-122"/>
+              </a:rPr>
+              <a:t>: -  Function or Operator overloading.</a:t>
+            </a:r>
+            <a:endParaRPr lang="" altLang="en-US" sz="2100">
+              <a:latin typeface="Noto Serif CJK JP" panose="02020400000000000000" charset="-122"/>
+              <a:ea typeface="Noto Serif CJK JP" panose="02020400000000000000" charset="-122"/>
+            </a:endParaRPr>
+          </a:p>
+          <a:p>
+            <a:pPr lvl="1">
+              <a:lnSpc>
+                <a:spcPct val="120000"/>
+              </a:lnSpc>
+            </a:pPr>
+            <a:r>
+              <a:rPr lang="en-US" sz="2100">
+                <a:latin typeface="Noto Serif CJK JP" panose="02020400000000000000" charset="-122"/>
+                <a:ea typeface="Noto Serif CJK JP" panose="02020400000000000000" charset="-122"/>
+              </a:rPr>
+              <a:t>Runtime </a:t>
+            </a:r>
+            <a:r>
+              <a:rPr lang="" altLang="en-US" sz="2100">
+                <a:latin typeface="Noto Serif CJK JP" panose="02020400000000000000" charset="-122"/>
+                <a:ea typeface="Noto Serif CJK JP" panose="02020400000000000000" charset="-122"/>
+              </a:rPr>
+              <a:t>:- Function overriding</a:t>
+            </a:r>
+            <a:endParaRPr lang="" altLang="en-US" sz="2100">
               <a:latin typeface="Noto Serif CJK JP" panose="02020400000000000000" charset="-122"/>
               <a:ea typeface="Noto Serif CJK JP" panose="02020400000000000000" charset="-122"/>
             </a:endParaRPr>
@@ -6845,6 +6947,39 @@
           </a:p>
         </p:txBody>
       </p:sp>
+      <p:sp>
+        <p:nvSpPr>
+          <p:cNvPr id="2" name="Title 1"/>
+          <p:cNvSpPr>
+            <a:spLocks noGrp="1"/>
+          </p:cNvSpPr>
+          <p:nvPr>
+            <p:ph type="title"/>
+          </p:nvPr>
+        </p:nvSpPr>
+        <p:spPr>
+          <a:xfrm>
+            <a:off x="466090" y="15875"/>
+            <a:ext cx="7772400" cy="911860"/>
+          </a:xfrm>
+        </p:spPr>
+        <p:txBody>
+          <a:bodyPr/>
+          <a:p>
+            <a:r>
+              <a:rPr lang="en-US" altLang="en-US">
+                <a:latin typeface="Noto Serif CJK JP" panose="02020400000000000000" charset="-122"/>
+                <a:ea typeface="Noto Serif CJK JP" panose="02020400000000000000" charset="-122"/>
+              </a:rPr>
+              <a:t>Example</a:t>
+            </a:r>
+            <a:endParaRPr lang="en-US" altLang="en-US">
+              <a:latin typeface="Noto Serif CJK JP" panose="02020400000000000000" charset="-122"/>
+              <a:ea typeface="Noto Serif CJK JP" panose="02020400000000000000" charset="-122"/>
+            </a:endParaRPr>
+          </a:p>
+        </p:txBody>
+      </p:sp>
     </p:spTree>
   </p:cSld>
   <p:clrMapOvr>
@@ -7183,6 +7318,39 @@
           </a:p>
         </p:txBody>
       </p:sp>
+      <p:sp>
+        <p:nvSpPr>
+          <p:cNvPr id="2" name="Title 1"/>
+          <p:cNvSpPr>
+            <a:spLocks noGrp="1"/>
+          </p:cNvSpPr>
+          <p:nvPr>
+            <p:ph type="title"/>
+          </p:nvPr>
+        </p:nvSpPr>
+        <p:spPr>
+          <a:xfrm>
+            <a:off x="556260" y="41275"/>
+            <a:ext cx="7772400" cy="1143000"/>
+          </a:xfrm>
+        </p:spPr>
+        <p:txBody>
+          <a:bodyPr/>
+          <a:p>
+            <a:r>
+              <a:rPr lang="" altLang="en-US">
+                <a:latin typeface="Noto Serif CJK JP" panose="02020400000000000000" charset="-122"/>
+                <a:ea typeface="Noto Serif CJK JP" panose="02020400000000000000" charset="-122"/>
+              </a:rPr>
+              <a:t>Cont.</a:t>
+            </a:r>
+            <a:endParaRPr lang="" altLang="en-US">
+              <a:latin typeface="Noto Serif CJK JP" panose="02020400000000000000" charset="-122"/>
+              <a:ea typeface="Noto Serif CJK JP" panose="02020400000000000000" charset="-122"/>
+            </a:endParaRPr>
+          </a:p>
+        </p:txBody>
+      </p:sp>
     </p:spTree>
   </p:cSld>
   <p:clrMapOvr>
@@ -7216,10 +7384,16 @@
           <a:bodyPr/>
           <a:p>
             <a:r>
-              <a:rPr lang="en-US" altLang="en-US"/>
+              <a:rPr lang="en-US" altLang="en-US">
+                <a:latin typeface="Noto Serif CJK JP" panose="02020400000000000000" charset="-122"/>
+                <a:ea typeface="Noto Serif CJK JP" panose="02020400000000000000" charset="-122"/>
+              </a:rPr>
               <a:t>Why ?</a:t>
             </a:r>
-            <a:endParaRPr lang="en-US" altLang="en-US"/>
+            <a:endParaRPr lang="en-US" altLang="en-US">
+              <a:latin typeface="Noto Serif CJK JP" panose="02020400000000000000" charset="-122"/>
+              <a:ea typeface="Noto Serif CJK JP" panose="02020400000000000000" charset="-122"/>
+            </a:endParaRPr>
           </a:p>
         </p:txBody>
       </p:sp>
@@ -7412,10 +7586,16 @@
           <a:bodyPr/>
           <a:p>
             <a:r>
-              <a:rPr lang="en-US" altLang="en-US"/>
+              <a:rPr lang="en-US" altLang="en-US">
+                <a:latin typeface="Noto Serif CJK JP" panose="02020400000000000000" charset="-122"/>
+                <a:ea typeface="Noto Serif CJK JP" panose="02020400000000000000" charset="-122"/>
+              </a:rPr>
               <a:t>Concepts</a:t>
             </a:r>
-            <a:endParaRPr lang="en-US" altLang="en-US"/>
+            <a:endParaRPr lang="en-US" altLang="en-US">
+              <a:latin typeface="Noto Serif CJK JP" panose="02020400000000000000" charset="-122"/>
+              <a:ea typeface="Noto Serif CJK JP" panose="02020400000000000000" charset="-122"/>
+            </a:endParaRPr>
           </a:p>
         </p:txBody>
       </p:sp>
@@ -7800,10 +7980,16 @@
           <a:bodyPr/>
           <a:p>
             <a:r>
-              <a:rPr lang="en-US" altLang="en-US"/>
+              <a:rPr lang="en-US" altLang="en-US">
+                <a:latin typeface="Noto Serif CJK JP" panose="02020400000000000000" charset="-122"/>
+                <a:ea typeface="Noto Serif CJK JP" panose="02020400000000000000" charset="-122"/>
+              </a:rPr>
               <a:t>Example</a:t>
             </a:r>
-            <a:endParaRPr lang="en-US" altLang="en-US"/>
+            <a:endParaRPr lang="en-US" altLang="en-US">
+              <a:latin typeface="Noto Serif CJK JP" panose="02020400000000000000" charset="-122"/>
+              <a:ea typeface="Noto Serif CJK JP" panose="02020400000000000000" charset="-122"/>
+            </a:endParaRPr>
           </a:p>
         </p:txBody>
       </p:sp>
@@ -8723,7 +8909,12 @@
             <p:ph type="title"/>
           </p:nvPr>
         </p:nvSpPr>
-        <p:spPr/>
+        <p:spPr>
+          <a:xfrm>
+            <a:off x="685800" y="182880"/>
+            <a:ext cx="7772400" cy="1143000"/>
+          </a:xfrm>
+        </p:spPr>
         <p:txBody>
           <a:bodyPr/>
           <a:p>
@@ -8751,29 +8942,32 @@
             <p:ph idx="1"/>
           </p:nvPr>
         </p:nvSpPr>
-        <p:spPr/>
+        <p:spPr>
+          <a:xfrm>
+            <a:off x="504825" y="1325880"/>
+            <a:ext cx="7772400" cy="4114800"/>
+          </a:xfrm>
+        </p:spPr>
         <p:txBody>
           <a:bodyPr/>
+          <a:p>
+            <a:pPr marL="0" indent="0">
+              <a:lnSpc>
+                <a:spcPct val="60000"/>
+              </a:lnSpc>
+              <a:buNone/>
+            </a:pPr>
+            <a:endParaRPr lang="en-US" sz="2400">
+              <a:latin typeface="Noto Serif CJK JP" panose="02020400000000000000" charset="-122"/>
+              <a:ea typeface="Noto Serif CJK JP" panose="02020400000000000000" charset="-122"/>
+            </a:endParaRPr>
+          </a:p>
           <a:p>
             <a:pPr>
               <a:lnSpc>
                 <a:spcPct val="60000"/>
               </a:lnSpc>
             </a:pPr>
-            <a:r>
-              <a:rPr lang="en-US" altLang="en-US" sz="2400">
-                <a:latin typeface="Noto Serif CJK JP" panose="02020400000000000000" charset="-122"/>
-                <a:ea typeface="Noto Serif CJK JP" panose="02020400000000000000" charset="-122"/>
-              </a:rPr>
-              <a:t>V</a:t>
-            </a:r>
-            <a:r>
-              <a:rPr lang="en-US" sz="2400">
-                <a:latin typeface="Noto Serif CJK JP" panose="02020400000000000000" charset="-122"/>
-                <a:ea typeface="Noto Serif CJK JP" panose="02020400000000000000" charset="-122"/>
-              </a:rPr>
-              <a:t>iew point to the context </a:t>
-            </a:r>
             <a:endParaRPr lang="en-US" sz="2400">
               <a:latin typeface="Noto Serif CJK JP" panose="02020400000000000000" charset="-122"/>
               <a:ea typeface="Noto Serif CJK JP" panose="02020400000000000000" charset="-122"/>
@@ -8785,6 +8979,20 @@
                 <a:spcPct val="60000"/>
               </a:lnSpc>
             </a:pPr>
+            <a:r>
+              <a:rPr lang="" altLang="en-US" sz="2400">
+                <a:latin typeface="Noto Serif CJK JP" panose="02020400000000000000" charset="-122"/>
+                <a:ea typeface="Noto Serif CJK JP" panose="02020400000000000000" charset="-122"/>
+              </a:rPr>
+              <a:t>Reveal only r</a:t>
+            </a:r>
+            <a:r>
+              <a:rPr lang="en-US" sz="2400">
+                <a:latin typeface="Noto Serif CJK JP" panose="02020400000000000000" charset="-122"/>
+                <a:ea typeface="Noto Serif CJK JP" panose="02020400000000000000" charset="-122"/>
+              </a:rPr>
+              <a:t>elevant to the context</a:t>
+            </a:r>
             <a:endParaRPr lang="en-US" sz="2400">
               <a:latin typeface="Noto Serif CJK JP" panose="02020400000000000000" charset="-122"/>
               <a:ea typeface="Noto Serif CJK JP" panose="02020400000000000000" charset="-122"/>
@@ -8796,20 +9004,6 @@
                 <a:spcPct val="60000"/>
               </a:lnSpc>
             </a:pPr>
-            <a:r>
-              <a:rPr lang="en-US" altLang="en-US" sz="2400">
-                <a:latin typeface="Noto Serif CJK JP" panose="02020400000000000000" charset="-122"/>
-                <a:ea typeface="Noto Serif CJK JP" panose="02020400000000000000" charset="-122"/>
-              </a:rPr>
-              <a:t>R</a:t>
-            </a:r>
-            <a:r>
-              <a:rPr lang="en-US" sz="2400">
-                <a:latin typeface="Noto Serif CJK JP" panose="02020400000000000000" charset="-122"/>
-                <a:ea typeface="Noto Serif CJK JP" panose="02020400000000000000" charset="-122"/>
-              </a:rPr>
-              <a:t>elevant to the context</a:t>
-            </a:r>
             <a:endParaRPr lang="en-US" sz="2400">
               <a:latin typeface="Noto Serif CJK JP" panose="02020400000000000000" charset="-122"/>
               <a:ea typeface="Noto Serif CJK JP" panose="02020400000000000000" charset="-122"/>
@@ -8821,6 +9015,34 @@
                 <a:spcPct val="60000"/>
               </a:lnSpc>
             </a:pPr>
+            <a:r>
+              <a:rPr lang="" altLang="en-US" sz="2400">
+                <a:latin typeface="Noto Serif CJK JP" panose="02020400000000000000" charset="-122"/>
+                <a:ea typeface="Noto Serif CJK JP" panose="02020400000000000000" charset="-122"/>
+              </a:rPr>
+              <a:t>Hiding </a:t>
+            </a:r>
+            <a:r>
+              <a:rPr lang="en-US" sz="2400">
+                <a:latin typeface="Noto Serif CJK JP" panose="02020400000000000000" charset="-122"/>
+                <a:ea typeface="Noto Serif CJK JP" panose="02020400000000000000" charset="-122"/>
+              </a:rPr>
+              <a:t>the </a:t>
+            </a:r>
+            <a:r>
+              <a:rPr lang="" altLang="en-US" sz="2400">
+                <a:latin typeface="Noto Serif CJK JP" panose="02020400000000000000" charset="-122"/>
+                <a:ea typeface="Noto Serif CJK JP" panose="02020400000000000000" charset="-122"/>
+              </a:rPr>
+              <a:t>background</a:t>
+            </a:r>
+            <a:r>
+              <a:rPr lang="en-US" sz="2400">
+                <a:latin typeface="Noto Serif CJK JP" panose="02020400000000000000" charset="-122"/>
+                <a:ea typeface="Noto Serif CJK JP" panose="02020400000000000000" charset="-122"/>
+              </a:rPr>
+              <a:t> details</a:t>
+            </a:r>
             <a:endParaRPr lang="en-US" sz="2400">
               <a:latin typeface="Noto Serif CJK JP" panose="02020400000000000000" charset="-122"/>
               <a:ea typeface="Noto Serif CJK JP" panose="02020400000000000000" charset="-122"/>
@@ -8832,20 +9054,6 @@
                 <a:spcPct val="60000"/>
               </a:lnSpc>
             </a:pPr>
-            <a:r>
-              <a:rPr lang="en-US" altLang="en-US" sz="2400">
-                <a:latin typeface="Noto Serif CJK JP" panose="02020400000000000000" charset="-122"/>
-                <a:ea typeface="Noto Serif CJK JP" panose="02020400000000000000" charset="-122"/>
-              </a:rPr>
-              <a:t>E</a:t>
-            </a:r>
-            <a:r>
-              <a:rPr lang="en-US" sz="2400">
-                <a:latin typeface="Noto Serif CJK JP" panose="02020400000000000000" charset="-122"/>
-                <a:ea typeface="Noto Serif CJK JP" panose="02020400000000000000" charset="-122"/>
-              </a:rPr>
-              <a:t>xposing only the required details</a:t>
-            </a:r>
             <a:endParaRPr lang="en-US" sz="2400">
               <a:latin typeface="Noto Serif CJK JP" panose="02020400000000000000" charset="-122"/>
               <a:ea typeface="Noto Serif CJK JP" panose="02020400000000000000" charset="-122"/>
@@ -8857,7 +9065,21 @@
                 <a:spcPct val="60000"/>
               </a:lnSpc>
             </a:pPr>
-            <a:endParaRPr lang="en-US" sz="2400">
+            <a:r>
+              <a:rPr lang="en-US" altLang="en-US" sz="2400">
+                <a:latin typeface="Noto Serif CJK JP" panose="02020400000000000000" charset="-122"/>
+                <a:ea typeface="Noto Serif CJK JP" panose="02020400000000000000" charset="-122"/>
+              </a:rPr>
+              <a:t>Yields to property : </a:t>
+            </a:r>
+            <a:r>
+              <a:rPr lang="en-US" altLang="en-US" sz="2400" b="1">
+                <a:latin typeface="Noto Serif CJK JP" panose="02020400000000000000" charset="-122"/>
+                <a:ea typeface="Noto Serif CJK JP" panose="02020400000000000000" charset="-122"/>
+              </a:rPr>
+              <a:t>data hiding </a:t>
+            </a:r>
+            <a:endParaRPr lang="en-US" altLang="en-US" sz="2400">
               <a:latin typeface="Noto Serif CJK JP" panose="02020400000000000000" charset="-122"/>
               <a:ea typeface="Noto Serif CJK JP" panose="02020400000000000000" charset="-122"/>
             </a:endParaRPr>
@@ -8868,13 +9090,6 @@
                 <a:spcPct val="60000"/>
               </a:lnSpc>
             </a:pPr>
-            <a:r>
-              <a:rPr lang="en-US" altLang="en-US" sz="2400">
-                <a:latin typeface="Noto Serif CJK JP" panose="02020400000000000000" charset="-122"/>
-                <a:ea typeface="Noto Serif CJK JP" panose="02020400000000000000" charset="-122"/>
-              </a:rPr>
-              <a:t>Yields to property : data hiding </a:t>
-            </a:r>
             <a:endParaRPr lang="en-US" altLang="en-US" sz="2400">
               <a:latin typeface="Noto Serif CJK JP" panose="02020400000000000000" charset="-122"/>
               <a:ea typeface="Noto Serif CJK JP" panose="02020400000000000000" charset="-122"/>
@@ -8886,25 +9101,24 @@
                 <a:spcPct val="60000"/>
               </a:lnSpc>
             </a:pPr>
-            <a:endParaRPr lang="en-US" altLang="en-US" sz="2400">
-              <a:latin typeface="Noto Serif CJK JP" panose="02020400000000000000" charset="-122"/>
-              <a:ea typeface="Noto Serif CJK JP" panose="02020400000000000000" charset="-122"/>
-            </a:endParaRPr>
-          </a:p>
-          <a:p>
-            <a:pPr>
-              <a:lnSpc>
-                <a:spcPct val="60000"/>
-              </a:lnSpc>
-            </a:pPr>
             <a:r>
               <a:rPr lang="en-US" altLang="en-US" sz="2400">
                 <a:latin typeface="Noto Serif CJK JP" panose="02020400000000000000" charset="-122"/>
                 <a:ea typeface="Noto Serif CJK JP" panose="02020400000000000000" charset="-122"/>
               </a:rPr>
-              <a:t>Implemented using Access Specifiers</a:t>
-            </a:r>
-            <a:endParaRPr lang="en-US" altLang="en-US" sz="2400">
+              <a:t>Implemented using </a:t>
+            </a:r>
+            <a:r>
+              <a:rPr lang="en-US" altLang="en-US" sz="2400" b="1">
+                <a:solidFill>
+                  <a:srgbClr val="FF0000"/>
+                </a:solidFill>
+                <a:latin typeface="Noto Serif CJK JP" panose="02020400000000000000" charset="-122"/>
+                <a:ea typeface="Noto Serif CJK JP" panose="02020400000000000000" charset="-122"/>
+              </a:rPr>
+              <a:t>Access Specifiers</a:t>
+            </a:r>
+            <a:endParaRPr lang="en-US" altLang="en-US" sz="2400" b="1">
               <a:latin typeface="Noto Serif CJK JP" panose="02020400000000000000" charset="-122"/>
               <a:ea typeface="Noto Serif CJK JP" panose="02020400000000000000" charset="-122"/>
             </a:endParaRPr>
@@ -8920,9 +9134,62 @@
                 <a:latin typeface="Noto Serif CJK JP" panose="02020400000000000000" charset="-122"/>
                 <a:ea typeface="Noto Serif CJK JP" panose="02020400000000000000" charset="-122"/>
               </a:rPr>
-              <a:t>private     Scope :  class boundary</a:t>
-            </a:r>
-            <a:endParaRPr lang="en-US" altLang="en-US" sz="2000">
+              <a:t>private</a:t>
+            </a:r>
+            <a:r>
+              <a:rPr lang="" altLang="en-US" sz="2000">
+                <a:latin typeface="Noto Serif CJK JP" panose="02020400000000000000" charset="-122"/>
+                <a:ea typeface="Noto Serif CJK JP" panose="02020400000000000000" charset="-122"/>
+              </a:rPr>
+              <a:t>	  </a:t>
+            </a:r>
+            <a:endParaRPr lang="" altLang="en-US" sz="2000">
+              <a:latin typeface="Noto Serif CJK JP" panose="02020400000000000000" charset="-122"/>
+              <a:ea typeface="Noto Serif CJK JP" panose="02020400000000000000" charset="-122"/>
+            </a:endParaRPr>
+          </a:p>
+          <a:p>
+            <a:pPr lvl="2">
+              <a:lnSpc>
+                <a:spcPct val="100000"/>
+              </a:lnSpc>
+            </a:pPr>
+            <a:r>
+              <a:rPr lang="" altLang="en-US" sz="1710">
+                <a:latin typeface="Noto Serif CJK JP" panose="02020400000000000000" charset="-122"/>
+                <a:ea typeface="Noto Serif CJK JP" panose="02020400000000000000" charset="-122"/>
+              </a:rPr>
+              <a:t> </a:t>
+            </a:r>
+            <a:r>
+              <a:rPr lang="en-US" altLang="en-US" sz="1710" b="1">
+                <a:latin typeface="Noto Serif CJK JP" panose="02020400000000000000" charset="-122"/>
+                <a:ea typeface="Noto Serif CJK JP" panose="02020400000000000000" charset="-122"/>
+              </a:rPr>
+              <a:t>Scope</a:t>
+            </a:r>
+            <a:r>
+              <a:rPr lang="en-US" altLang="en-US" sz="1710">
+                <a:latin typeface="Noto Serif CJK JP" panose="02020400000000000000" charset="-122"/>
+                <a:ea typeface="Noto Serif CJK JP" panose="02020400000000000000" charset="-122"/>
+              </a:rPr>
+              <a:t> :</a:t>
+            </a:r>
+            <a:r>
+              <a:rPr lang="" altLang="en-US" sz="1710">
+                <a:latin typeface="Noto Serif CJK JP" panose="02020400000000000000" charset="-122"/>
+                <a:ea typeface="Noto Serif CJK JP" panose="02020400000000000000" charset="-122"/>
+              </a:rPr>
+              <a:t>-</a:t>
+            </a:r>
+            <a:r>
+              <a:rPr lang="en-US" altLang="en-US" sz="1710">
+                <a:latin typeface="Noto Serif CJK JP" panose="02020400000000000000" charset="-122"/>
+                <a:ea typeface="Noto Serif CJK JP" panose="02020400000000000000" charset="-122"/>
+              </a:rPr>
+              <a:t> class boundary</a:t>
+            </a:r>
+            <a:endParaRPr lang="en-US" altLang="en-US" sz="1710">
               <a:latin typeface="Noto Serif CJK JP" panose="02020400000000000000" charset="-122"/>
               <a:ea typeface="Noto Serif CJK JP" panose="02020400000000000000" charset="-122"/>
             </a:endParaRPr>
@@ -8940,15 +9207,50 @@
               </a:rPr>
               <a:t>protected  </a:t>
             </a:r>
-            <a:r>
-              <a:rPr lang="en-US" altLang="en-US" sz="2000">
+            <a:endParaRPr lang="en-US" altLang="en-US" sz="2000">
+              <a:latin typeface="Noto Serif CJK JP" panose="02020400000000000000" charset="-122"/>
+              <a:ea typeface="Noto Serif CJK JP" panose="02020400000000000000" charset="-122"/>
+            </a:endParaRPr>
+          </a:p>
+          <a:p>
+            <a:pPr lvl="2">
+              <a:lnSpc>
+                <a:spcPct val="100000"/>
+              </a:lnSpc>
+            </a:pPr>
+            <a:r>
+              <a:rPr lang="en-US" altLang="en-US" sz="1710" b="1">
                 <a:latin typeface="Noto Serif CJK JP" panose="02020400000000000000" charset="-122"/>
                 <a:ea typeface="Noto Serif CJK JP" panose="02020400000000000000" charset="-122"/>
                 <a:sym typeface="+mn-ea"/>
               </a:rPr>
-              <a:t>Scope :  class boundary+ Inhertiance</a:t>
-            </a:r>
-            <a:endParaRPr lang="en-US" altLang="en-US" sz="2000">
+              <a:t>Scope </a:t>
+            </a:r>
+            <a:r>
+              <a:rPr lang="en-US" altLang="en-US" sz="1710">
+                <a:latin typeface="Noto Serif CJK JP" panose="02020400000000000000" charset="-122"/>
+                <a:ea typeface="Noto Serif CJK JP" panose="02020400000000000000" charset="-122"/>
+                <a:sym typeface="+mn-ea"/>
+              </a:rPr>
+              <a:t>:</a:t>
+            </a:r>
+            <a:r>
+              <a:rPr lang="" altLang="en-US" sz="1710">
+                <a:latin typeface="Noto Serif CJK JP" panose="02020400000000000000" charset="-122"/>
+                <a:ea typeface="Noto Serif CJK JP" panose="02020400000000000000" charset="-122"/>
+                <a:sym typeface="+mn-ea"/>
+              </a:rPr>
+              <a:t>-</a:t>
+            </a:r>
+            <a:r>
+              <a:rPr lang="en-US" altLang="en-US" sz="1710">
+                <a:latin typeface="Noto Serif CJK JP" panose="02020400000000000000" charset="-122"/>
+                <a:ea typeface="Noto Serif CJK JP" panose="02020400000000000000" charset="-122"/>
+                <a:sym typeface="+mn-ea"/>
+              </a:rPr>
+              <a:t> class boundary + Inhertiance</a:t>
+            </a:r>
+            <a:endParaRPr lang="en-US" altLang="en-US" sz="1710">
               <a:latin typeface="Noto Serif CJK JP" panose="02020400000000000000" charset="-122"/>
               <a:ea typeface="Noto Serif CJK JP" panose="02020400000000000000" charset="-122"/>
             </a:endParaRPr>
@@ -8964,16 +9266,50 @@
                 <a:latin typeface="Noto Serif CJK JP" panose="02020400000000000000" charset="-122"/>
                 <a:ea typeface="Noto Serif CJK JP" panose="02020400000000000000" charset="-122"/>
               </a:rPr>
-              <a:t>public : class boundary + </a:t>
-            </a:r>
-            <a:r>
-              <a:rPr lang="" altLang="en-US" sz="2000">
-                <a:latin typeface="Noto Serif CJK JP" panose="02020400000000000000" charset="-122"/>
-                <a:ea typeface="Noto Serif CJK JP" panose="02020400000000000000" charset="-122"/>
-              </a:rPr>
-              <a:t>Inhertiance + Outside Scope</a:t>
-            </a:r>
-            <a:endParaRPr lang="" altLang="en-US" sz="2000">
+              <a:t>public  </a:t>
+            </a:r>
+            <a:endParaRPr lang="en-US" altLang="en-US" sz="2000">
+              <a:latin typeface="Noto Serif CJK JP" panose="02020400000000000000" charset="-122"/>
+              <a:ea typeface="Noto Serif CJK JP" panose="02020400000000000000" charset="-122"/>
+            </a:endParaRPr>
+          </a:p>
+          <a:p>
+            <a:pPr lvl="2">
+              <a:lnSpc>
+                <a:spcPct val="100000"/>
+              </a:lnSpc>
+            </a:pPr>
+            <a:r>
+              <a:rPr lang="en-US" altLang="en-US" sz="1710" b="1">
+                <a:latin typeface="Noto Serif CJK JP" panose="02020400000000000000" charset="-122"/>
+                <a:ea typeface="Noto Serif CJK JP" panose="02020400000000000000" charset="-122"/>
+                <a:sym typeface="+mn-ea"/>
+              </a:rPr>
+              <a:t>Scope </a:t>
+            </a:r>
+            <a:r>
+              <a:rPr lang="en-US" altLang="en-US" sz="1710">
+                <a:latin typeface="Noto Serif CJK JP" panose="02020400000000000000" charset="-122"/>
+                <a:ea typeface="Noto Serif CJK JP" panose="02020400000000000000" charset="-122"/>
+                <a:sym typeface="+mn-ea"/>
+              </a:rPr>
+              <a:t>:- </a:t>
+            </a:r>
+            <a:r>
+              <a:rPr lang="en-US" altLang="en-US" sz="1710">
+                <a:latin typeface="Noto Serif CJK JP" panose="02020400000000000000" charset="-122"/>
+                <a:ea typeface="Noto Serif CJK JP" panose="02020400000000000000" charset="-122"/>
+              </a:rPr>
+              <a:t>class boundary + Inhertiance +  </a:t>
+            </a:r>
+            <a:r>
+              <a:rPr lang="" altLang="en-US" sz="1710">
+                <a:latin typeface="Noto Serif CJK JP" panose="02020400000000000000" charset="-122"/>
+                <a:ea typeface="Noto Serif CJK JP" panose="02020400000000000000" charset="-122"/>
+              </a:rPr>
+              <a:t>Object</a:t>
+            </a:r>
+            <a:endParaRPr lang="" altLang="en-US" sz="1710">
               <a:latin typeface="Noto Serif CJK JP" panose="02020400000000000000" charset="-122"/>
               <a:ea typeface="Noto Serif CJK JP" panose="02020400000000000000" charset="-122"/>
             </a:endParaRPr>

--- a/Objected Oriented Programming Concepts Using C++ & Data Structures/OOPs with C++.pptx
+++ b/Objected Oriented Programming Concepts Using C++ & Data Structures/OOPs with C++.pptx
@@ -10,19 +10,25 @@
   <p:sldIdLst>
     <p:sldId id="257" r:id="rId3"/>
     <p:sldId id="258" r:id="rId5"/>
-    <p:sldId id="259" r:id="rId6"/>
-    <p:sldId id="261" r:id="rId7"/>
-    <p:sldId id="266" r:id="rId8"/>
-    <p:sldId id="260" r:id="rId9"/>
-    <p:sldId id="267" r:id="rId10"/>
-    <p:sldId id="263" r:id="rId11"/>
-    <p:sldId id="264" r:id="rId12"/>
-    <p:sldId id="268" r:id="rId13"/>
-    <p:sldId id="262" r:id="rId14"/>
-    <p:sldId id="270" r:id="rId15"/>
-    <p:sldId id="265" r:id="rId16"/>
-    <p:sldId id="275" r:id="rId17"/>
-    <p:sldId id="279" r:id="rId18"/>
+    <p:sldId id="280" r:id="rId6"/>
+    <p:sldId id="282" r:id="rId7"/>
+    <p:sldId id="283" r:id="rId8"/>
+    <p:sldId id="285" r:id="rId9"/>
+    <p:sldId id="286" r:id="rId10"/>
+    <p:sldId id="284" r:id="rId11"/>
+    <p:sldId id="259" r:id="rId12"/>
+    <p:sldId id="261" r:id="rId13"/>
+    <p:sldId id="266" r:id="rId14"/>
+    <p:sldId id="260" r:id="rId15"/>
+    <p:sldId id="267" r:id="rId16"/>
+    <p:sldId id="263" r:id="rId17"/>
+    <p:sldId id="264" r:id="rId18"/>
+    <p:sldId id="268" r:id="rId19"/>
+    <p:sldId id="262" r:id="rId20"/>
+    <p:sldId id="270" r:id="rId21"/>
+    <p:sldId id="265" r:id="rId22"/>
+    <p:sldId id="275" r:id="rId23"/>
+    <p:sldId id="279" r:id="rId24"/>
   </p:sldIdLst>
   <p:sldSz cx="9144000" cy="6858000" type="screen4x3"/>
   <p:notesSz cx="6858000" cy="9144000"/>
@@ -4920,13 +4926,13 @@
           <a:bodyPr/>
           <a:p>
             <a:r>
-              <a:rPr lang="en-US" altLang="en-US">
-                <a:latin typeface="Noto Serif CJK JP" panose="02020400000000000000" charset="-122"/>
-                <a:ea typeface="Noto Serif CJK JP" panose="02020400000000000000" charset="-122"/>
-              </a:rPr>
-              <a:t>Example</a:t>
-            </a:r>
-            <a:endParaRPr lang="en-US" altLang="en-US">
+              <a:rPr lang="en-US">
+                <a:latin typeface="Noto Serif CJK JP" panose="02020400000000000000" charset="-122"/>
+                <a:ea typeface="Noto Serif CJK JP" panose="02020400000000000000" charset="-122"/>
+              </a:rPr>
+              <a:t>Object</a:t>
+            </a:r>
+            <a:endParaRPr lang="en-US">
               <a:latin typeface="Noto Serif CJK JP" panose="02020400000000000000" charset="-122"/>
               <a:ea typeface="Noto Serif CJK JP" panose="02020400000000000000" charset="-122"/>
             </a:endParaRPr>
@@ -4943,368 +4949,171 @@
             <p:ph idx="1"/>
           </p:nvPr>
         </p:nvSpPr>
-        <p:spPr>
-          <a:xfrm>
-            <a:off x="494665" y="1547495"/>
-            <a:ext cx="8277860" cy="5043805"/>
-          </a:xfrm>
-        </p:spPr>
+        <p:spPr/>
         <p:txBody>
           <a:bodyPr/>
           <a:p>
-            <a:pPr marL="0" indent="0">
-              <a:buNone/>
-            </a:pPr>
-            <a:r>
-              <a:rPr lang="en-US" altLang="en-US" sz="1800">
-                <a:latin typeface="FreeMono" panose="020F0409020205020404" charset="0"/>
-                <a:ea typeface="FreeMono" panose="020F0409020205020404" charset="0"/>
-              </a:rPr>
-              <a:t>class </a:t>
-            </a:r>
-            <a:r>
-              <a:rPr lang="en-US" altLang="en-US" sz="1800" b="1">
-                <a:latin typeface="FreeMono" panose="020F0409020205020404" charset="0"/>
-                <a:ea typeface="FreeMono" panose="020F0409020205020404" charset="0"/>
-              </a:rPr>
-              <a:t>Student </a:t>
-            </a:r>
-            <a:r>
-              <a:rPr lang="en-US" altLang="en-US" sz="1800">
-                <a:latin typeface="FreeMono" panose="020F0409020205020404" charset="0"/>
-                <a:ea typeface="FreeMono" panose="020F0409020205020404" charset="0"/>
-              </a:rPr>
-              <a:t>{</a:t>
-            </a:r>
-            <a:endParaRPr lang="en-US" altLang="en-US" sz="1800">
-              <a:latin typeface="FreeMono" panose="020F0409020205020404" charset="0"/>
-              <a:ea typeface="FreeMono" panose="020F0409020205020404" charset="0"/>
-            </a:endParaRPr>
-          </a:p>
-          <a:p>
-            <a:pPr marL="0" indent="0">
-              <a:buNone/>
-            </a:pPr>
-            <a:r>
-              <a:rPr lang="en-US" altLang="en-US" sz="1800">
-                <a:latin typeface="FreeMono" panose="020F0409020205020404" charset="0"/>
-                <a:ea typeface="FreeMono" panose="020F0409020205020404" charset="0"/>
-              </a:rPr>
-              <a:t> 	private int rollNo ;</a:t>
-            </a:r>
-            <a:endParaRPr lang="en-US" altLang="en-US" sz="1800">
-              <a:latin typeface="FreeMono" panose="020F0409020205020404" charset="0"/>
-              <a:ea typeface="FreeMono" panose="020F0409020205020404" charset="0"/>
-            </a:endParaRPr>
-          </a:p>
-          <a:p>
-            <a:pPr marL="0" indent="0">
-              <a:buNone/>
-            </a:pPr>
-            <a:r>
-              <a:rPr lang="en-US" altLang="en-US" sz="1800">
-                <a:latin typeface="FreeMono" panose="020F0409020205020404" charset="0"/>
-                <a:ea typeface="FreeMono" panose="020F0409020205020404" charset="0"/>
-              </a:rPr>
-              <a:t> 	</a:t>
-            </a:r>
-            <a:r>
-              <a:rPr lang="en-US" altLang="en-US" sz="1800">
-                <a:latin typeface="FreeMono" panose="020F0409020205020404" charset="0"/>
-                <a:ea typeface="FreeMono" panose="020F0409020205020404" charset="0"/>
-                <a:sym typeface="+mn-ea"/>
-              </a:rPr>
-              <a:t>private </a:t>
-            </a:r>
-            <a:r>
-              <a:rPr lang="en-US" altLang="en-US" sz="1800">
-                <a:latin typeface="FreeMono" panose="020F0409020205020404" charset="0"/>
-                <a:ea typeface="FreeMono" panose="020F0409020205020404" charset="0"/>
-              </a:rPr>
-              <a:t>char [] name; </a:t>
-            </a:r>
-            <a:endParaRPr lang="en-US" altLang="en-US" sz="1800">
-              <a:latin typeface="FreeMono" panose="020F0409020205020404" charset="0"/>
-              <a:ea typeface="FreeMono" panose="020F0409020205020404" charset="0"/>
-            </a:endParaRPr>
-          </a:p>
-          <a:p>
-            <a:pPr marL="0" indent="0">
-              <a:buNone/>
-            </a:pPr>
-            <a:r>
-              <a:rPr lang="en-US" altLang="en-US" sz="1800">
-                <a:latin typeface="FreeMono" panose="020F0409020205020404" charset="0"/>
-                <a:ea typeface="FreeMono" panose="020F0409020205020404" charset="0"/>
-              </a:rPr>
-              <a:t>	</a:t>
-            </a:r>
-            <a:r>
-              <a:rPr lang="en-US" altLang="en-US" sz="1800">
-                <a:latin typeface="FreeMono" panose="020F0409020205020404" charset="0"/>
-                <a:ea typeface="FreeMono" panose="020F0409020205020404" charset="0"/>
-                <a:sym typeface="+mn-ea"/>
-              </a:rPr>
-              <a:t>private char [] </a:t>
-            </a:r>
-            <a:r>
-              <a:rPr lang="en-US" altLang="en-US" sz="1800">
-                <a:latin typeface="FreeMono" panose="020F0409020205020404" charset="0"/>
-                <a:ea typeface="FreeMono" panose="020F0409020205020404" charset="0"/>
-              </a:rPr>
-              <a:t>address; </a:t>
-            </a:r>
-            <a:endParaRPr lang="en-US" altLang="en-US" sz="1800">
-              <a:latin typeface="FreeMono" panose="020F0409020205020404" charset="0"/>
-              <a:ea typeface="FreeMono" panose="020F0409020205020404" charset="0"/>
-            </a:endParaRPr>
-          </a:p>
-          <a:p>
-            <a:pPr marL="457200" lvl="1" indent="0">
-              <a:buNone/>
-            </a:pPr>
-            <a:r>
-              <a:rPr lang="en-US" altLang="en-US" sz="1800">
-                <a:latin typeface="FreeMono" panose="020F0409020205020404" charset="0"/>
-                <a:ea typeface="FreeMono" panose="020F0409020205020404" charset="0"/>
-                <a:sym typeface="+mn-ea"/>
-              </a:rPr>
-              <a:t>	private char [] </a:t>
-            </a:r>
-            <a:r>
-              <a:rPr lang="en-US" altLang="en-US" sz="1800">
-                <a:latin typeface="FreeMono" panose="020F0409020205020404" charset="0"/>
-                <a:ea typeface="FreeMono" panose="020F0409020205020404" charset="0"/>
-              </a:rPr>
-              <a:t>marks; </a:t>
-            </a:r>
-            <a:endParaRPr lang="en-US" altLang="en-US" sz="1800">
-              <a:latin typeface="FreeMono" panose="020F0409020205020404" charset="0"/>
-              <a:ea typeface="FreeMono" panose="020F0409020205020404" charset="0"/>
-            </a:endParaRPr>
-          </a:p>
-          <a:p>
-            <a:pPr marL="457200" lvl="1" indent="0">
-              <a:buNone/>
-            </a:pPr>
-            <a:r>
-              <a:rPr lang="en-US" altLang="en-US" sz="1800">
-                <a:latin typeface="FreeMono" panose="020F0409020205020404" charset="0"/>
-                <a:ea typeface="FreeMono" panose="020F0409020205020404" charset="0"/>
-              </a:rPr>
-              <a:t>	</a:t>
-            </a:r>
-            <a:r>
-              <a:rPr lang="en-US" altLang="en-US" sz="1800">
-                <a:latin typeface="FreeMono" panose="020F0409020205020404" charset="0"/>
-                <a:ea typeface="FreeMono" panose="020F0409020205020404" charset="0"/>
-                <a:sym typeface="+mn-ea"/>
-              </a:rPr>
-              <a:t>private </a:t>
-            </a:r>
-            <a:r>
-              <a:rPr lang="en-US" altLang="en-US" sz="1800">
-                <a:latin typeface="FreeMono" panose="020F0409020205020404" charset="0"/>
-                <a:ea typeface="FreeMono" panose="020F0409020205020404" charset="0"/>
-              </a:rPr>
-              <a:t>float height;</a:t>
-            </a:r>
-            <a:endParaRPr lang="en-US" altLang="en-US" sz="1800">
-              <a:latin typeface="FreeMono" panose="020F0409020205020404" charset="0"/>
-              <a:ea typeface="FreeMono" panose="020F0409020205020404" charset="0"/>
-            </a:endParaRPr>
-          </a:p>
-          <a:p>
-            <a:pPr marL="457200" lvl="1" indent="0">
-              <a:buNone/>
-            </a:pPr>
-            <a:r>
-              <a:rPr lang="en-US" altLang="en-US" sz="1800">
-                <a:latin typeface="FreeMono" panose="020F0409020205020404" charset="0"/>
-                <a:ea typeface="FreeMono" panose="020F0409020205020404" charset="0"/>
-              </a:rPr>
-              <a:t>	</a:t>
-            </a:r>
-            <a:r>
-              <a:rPr lang="en-US" altLang="en-US" sz="1800">
-                <a:latin typeface="FreeMono" panose="020F0409020205020404" charset="0"/>
-                <a:ea typeface="FreeMono" panose="020F0409020205020404" charset="0"/>
-                <a:sym typeface="+mn-ea"/>
-              </a:rPr>
-              <a:t>private </a:t>
-            </a:r>
-            <a:r>
-              <a:rPr lang="en-US" altLang="en-US" sz="1800">
-                <a:latin typeface="FreeMono" panose="020F0409020205020404" charset="0"/>
-                <a:ea typeface="FreeMono" panose="020F0409020205020404" charset="0"/>
-              </a:rPr>
-              <a:t>Attendences attendences;</a:t>
-            </a:r>
-            <a:endParaRPr lang="en-US" altLang="en-US" sz="1800">
-              <a:latin typeface="FreeMono" panose="020F0409020205020404" charset="0"/>
-              <a:ea typeface="FreeMono" panose="020F0409020205020404" charset="0"/>
-            </a:endParaRPr>
-          </a:p>
-          <a:p>
-            <a:pPr marL="457200" lvl="1" indent="0">
-              <a:buNone/>
-            </a:pPr>
-            <a:r>
-              <a:rPr lang="en-US" altLang="en-US" sz="1800">
-                <a:latin typeface="FreeMono" panose="020F0409020205020404" charset="0"/>
-                <a:ea typeface="FreeMono" panose="020F0409020205020404" charset="0"/>
-              </a:rPr>
-              <a:t> </a:t>
-            </a:r>
-            <a:endParaRPr lang="en-US" altLang="en-US" sz="1800">
-              <a:latin typeface="FreeMono" panose="020F0409020205020404" charset="0"/>
-              <a:ea typeface="FreeMono" panose="020F0409020205020404" charset="0"/>
-            </a:endParaRPr>
-          </a:p>
-          <a:p>
-            <a:pPr marL="457200" lvl="1" indent="0">
-              <a:buNone/>
-            </a:pPr>
-            <a:r>
-              <a:rPr lang="en-US" altLang="en-US" sz="1800">
-                <a:latin typeface="FreeMono" panose="020F0409020205020404" charset="0"/>
-                <a:ea typeface="FreeMono" panose="020F0409020205020404" charset="0"/>
-              </a:rPr>
-              <a:t>public float </a:t>
-            </a:r>
-            <a:r>
-              <a:rPr lang="en-US" altLang="en-US" sz="1795">
-                <a:latin typeface="FreeMono" panose="020F0409020205020404" charset="0"/>
-                <a:ea typeface="FreeMono" panose="020F0409020205020404" charset="0"/>
-              </a:rPr>
-              <a:t>calculatePercentage()</a:t>
-            </a:r>
-            <a:endParaRPr lang="en-US" altLang="en-US" sz="1795">
-              <a:latin typeface="FreeMono" panose="020F0409020205020404" charset="0"/>
-              <a:ea typeface="FreeMono" panose="020F0409020205020404" charset="0"/>
-            </a:endParaRPr>
-          </a:p>
-          <a:p>
-            <a:pPr marL="457200" lvl="1" indent="0">
-              <a:buNone/>
-            </a:pPr>
-            <a:r>
-              <a:rPr lang="en-US" altLang="en-US" sz="1795">
-                <a:latin typeface="FreeMono" panose="020F0409020205020404" charset="0"/>
-                <a:ea typeface="FreeMono" panose="020F0409020205020404" charset="0"/>
-              </a:rPr>
-              <a:t>public int getAttendenanceOfMonth(Month)</a:t>
-            </a:r>
-            <a:endParaRPr lang="en-US" altLang="en-US" sz="1795">
-              <a:latin typeface="FreeMono" panose="020F0409020205020404" charset="0"/>
-              <a:ea typeface="FreeMono" panose="020F0409020205020404" charset="0"/>
-            </a:endParaRPr>
-          </a:p>
-          <a:p>
-            <a:pPr marL="457200" lvl="1" indent="0">
-              <a:buNone/>
-            </a:pPr>
-            <a:r>
-              <a:rPr lang="en-US" altLang="en-US" sz="1795">
-                <a:latin typeface="FreeMono" panose="020F0409020205020404" charset="0"/>
-                <a:ea typeface="FreeMono" panose="020F0409020205020404" charset="0"/>
-              </a:rPr>
-              <a:t>}</a:t>
-            </a:r>
-            <a:endParaRPr lang="en-US" altLang="en-US" sz="1795">
-              <a:latin typeface="FreeMono" panose="020F0409020205020404" charset="0"/>
-              <a:ea typeface="FreeMono" panose="020F0409020205020404" charset="0"/>
-            </a:endParaRPr>
-          </a:p>
-          <a:p>
-            <a:pPr marL="0" indent="0">
-              <a:buNone/>
-            </a:pPr>
-            <a:endParaRPr lang="en-US" altLang="en-US" sz="1800">
-              <a:latin typeface="FreeMono" panose="020F0409020205020404" charset="0"/>
-              <a:ea typeface="FreeMono" panose="020F0409020205020404" charset="0"/>
-            </a:endParaRPr>
-          </a:p>
-          <a:p>
-            <a:pPr marL="0" indent="0">
-              <a:buNone/>
-            </a:pPr>
-            <a:r>
-              <a:rPr lang="en-US" altLang="en-US" sz="1800">
-                <a:latin typeface="FreeMono" panose="020F0409020205020404" charset="0"/>
-                <a:ea typeface="FreeMono" panose="020F0409020205020404" charset="0"/>
-              </a:rPr>
-              <a:t>Object Creation :  </a:t>
-            </a:r>
-            <a:endParaRPr lang="en-US" altLang="en-US" sz="1800">
-              <a:latin typeface="FreeMono" panose="020F0409020205020404" charset="0"/>
-              <a:ea typeface="FreeMono" panose="020F0409020205020404" charset="0"/>
-            </a:endParaRPr>
-          </a:p>
-          <a:p>
-            <a:pPr marL="0" indent="0">
-              <a:buNone/>
-            </a:pPr>
-            <a:r>
-              <a:rPr lang="en-US" altLang="en-US" sz="1800">
-                <a:latin typeface="FreeMono" panose="020F0409020205020404" charset="0"/>
-                <a:ea typeface="FreeMono" panose="020F0409020205020404" charset="0"/>
-              </a:rPr>
-              <a:t> Student s1 = new Student();  //</a:t>
-            </a:r>
-            <a:r>
-              <a:rPr lang="en-US" altLang="en-US" sz="1800">
-                <a:latin typeface="FreeMono" panose="020F0409020205020404" charset="0"/>
-                <a:ea typeface="FreeMono" panose="020F0409020205020404" charset="0"/>
-                <a:sym typeface="+mn-ea"/>
-              </a:rPr>
-              <a:t>s1.calculatePercentage</a:t>
-            </a:r>
-            <a:r>
-              <a:rPr lang="en-US" altLang="en-US" sz="1800">
-                <a:latin typeface="FreeMono" panose="020F0409020205020404" charset="0"/>
-                <a:ea typeface="FreeMono" panose="020F0409020205020404" charset="0"/>
-              </a:rPr>
-              <a:t>- 92</a:t>
-            </a:r>
-            <a:endParaRPr lang="en-US" altLang="en-US" sz="1800">
-              <a:latin typeface="FreeMono" panose="020F0409020205020404" charset="0"/>
-              <a:ea typeface="FreeMono" panose="020F0409020205020404" charset="0"/>
-            </a:endParaRPr>
-          </a:p>
-          <a:p>
-            <a:pPr marL="0" indent="0">
-              <a:buNone/>
-            </a:pPr>
-            <a:r>
-              <a:rPr lang="en-US" altLang="en-US" sz="1800">
-                <a:latin typeface="FreeMono" panose="020F0409020205020404" charset="0"/>
-                <a:ea typeface="FreeMono" panose="020F0409020205020404" charset="0"/>
-                <a:sym typeface="+mn-ea"/>
-              </a:rPr>
-              <a:t> Student s2 = new Student();  //s2.calculatePercentage- 83</a:t>
-            </a:r>
-            <a:endParaRPr lang="en-US" altLang="en-US" sz="1800">
-              <a:latin typeface="FreeMono" panose="020F0409020205020404" charset="0"/>
-              <a:ea typeface="FreeMono" panose="020F0409020205020404" charset="0"/>
-            </a:endParaRPr>
-          </a:p>
-          <a:p>
-            <a:pPr marL="0" indent="0">
-              <a:buNone/>
-            </a:pPr>
-            <a:endParaRPr lang="en-US" altLang="en-US" sz="1800">
-              <a:latin typeface="FreeMono" panose="020F0409020205020404" charset="0"/>
-              <a:ea typeface="FreeMono" panose="020F0409020205020404" charset="0"/>
-            </a:endParaRPr>
-          </a:p>
-          <a:p>
-            <a:pPr marL="0" indent="0">
-              <a:buNone/>
-            </a:pPr>
-            <a:endParaRPr lang="en-US" altLang="en-US" sz="1800">
-              <a:latin typeface="FreeMono" panose="020F0409020205020404" charset="0"/>
-              <a:ea typeface="FreeMono" panose="020F0409020205020404" charset="0"/>
+            <a:r>
+              <a:rPr lang="en-US" altLang="en-US" sz="2400">
+                <a:latin typeface="Noto Serif CJK JP" panose="02020400000000000000" charset="-122"/>
+                <a:ea typeface="Noto Serif CJK JP" panose="02020400000000000000" charset="-122"/>
+              </a:rPr>
+              <a:t>Represents </a:t>
+            </a:r>
+            <a:r>
+              <a:rPr lang="en-US" sz="2400">
+                <a:latin typeface="Noto Serif CJK JP" panose="02020400000000000000" charset="-122"/>
+                <a:ea typeface="Noto Serif CJK JP" panose="02020400000000000000" charset="-122"/>
+              </a:rPr>
+              <a:t>entity </a:t>
+            </a:r>
+            <a:endParaRPr lang="en-US" sz="2400">
+              <a:latin typeface="Noto Serif CJK JP" panose="02020400000000000000" charset="-122"/>
+              <a:ea typeface="Noto Serif CJK JP" panose="02020400000000000000" charset="-122"/>
+            </a:endParaRPr>
+          </a:p>
+          <a:p>
+            <a:r>
+              <a:rPr lang="en-US" altLang="en-US" sz="2400">
+                <a:latin typeface="Noto Serif CJK JP" panose="02020400000000000000" charset="-122"/>
+                <a:ea typeface="Noto Serif CJK JP" panose="02020400000000000000" charset="-122"/>
+              </a:rPr>
+              <a:t>A</a:t>
+            </a:r>
+            <a:r>
+              <a:rPr lang="en-US" sz="2400">
+                <a:latin typeface="Noto Serif CJK JP" panose="02020400000000000000" charset="-122"/>
+                <a:ea typeface="Noto Serif CJK JP" panose="02020400000000000000" charset="-122"/>
+              </a:rPr>
+              <a:t>ttributes</a:t>
+            </a:r>
+            <a:endParaRPr lang="en-US" sz="2400">
+              <a:latin typeface="Noto Serif CJK JP" panose="02020400000000000000" charset="-122"/>
+              <a:ea typeface="Noto Serif CJK JP" panose="02020400000000000000" charset="-122"/>
+            </a:endParaRPr>
+          </a:p>
+          <a:p>
+            <a:pPr lvl="1"/>
+            <a:r>
+              <a:rPr lang="en-US" sz="2400">
+                <a:latin typeface="Noto Serif CJK JP" panose="02020400000000000000" charset="-122"/>
+                <a:ea typeface="Noto Serif CJK JP" panose="02020400000000000000" charset="-122"/>
+              </a:rPr>
+              <a:t>characteristics</a:t>
+            </a:r>
+            <a:endParaRPr lang="en-US" sz="2400">
+              <a:latin typeface="Noto Serif CJK JP" panose="02020400000000000000" charset="-122"/>
+              <a:ea typeface="Noto Serif CJK JP" panose="02020400000000000000" charset="-122"/>
+            </a:endParaRPr>
+          </a:p>
+          <a:p>
+            <a:pPr lvl="1"/>
+            <a:r>
+              <a:rPr lang="en-US" altLang="en-US" sz="2400">
+                <a:latin typeface="Noto Serif CJK JP" panose="02020400000000000000" charset="-122"/>
+                <a:ea typeface="Noto Serif CJK JP" panose="02020400000000000000" charset="-122"/>
+              </a:rPr>
+              <a:t>implemented via v</a:t>
+            </a:r>
+            <a:r>
+              <a:rPr lang="en-US" sz="2400">
+                <a:latin typeface="Noto Serif CJK JP" panose="02020400000000000000" charset="-122"/>
+                <a:ea typeface="Noto Serif CJK JP" panose="02020400000000000000" charset="-122"/>
+              </a:rPr>
+              <a:t>ariable data members</a:t>
+            </a:r>
+            <a:endParaRPr lang="en-US" sz="2400">
+              <a:latin typeface="Noto Serif CJK JP" panose="02020400000000000000" charset="-122"/>
+              <a:ea typeface="Noto Serif CJK JP" panose="02020400000000000000" charset="-122"/>
+            </a:endParaRPr>
+          </a:p>
+          <a:p>
+            <a:r>
+              <a:rPr lang="en-US" altLang="en-US" sz="2400">
+                <a:latin typeface="Noto Serif CJK JP" panose="02020400000000000000" charset="-122"/>
+                <a:ea typeface="Noto Serif CJK JP" panose="02020400000000000000" charset="-122"/>
+              </a:rPr>
+              <a:t>F</a:t>
+            </a:r>
+            <a:r>
+              <a:rPr lang="en-US" sz="2400">
+                <a:latin typeface="Noto Serif CJK JP" panose="02020400000000000000" charset="-122"/>
+                <a:ea typeface="Noto Serif CJK JP" panose="02020400000000000000" charset="-122"/>
+              </a:rPr>
+              <a:t>unctionality </a:t>
+            </a:r>
+            <a:endParaRPr lang="en-US" sz="2400">
+              <a:latin typeface="Noto Serif CJK JP" panose="02020400000000000000" charset="-122"/>
+              <a:ea typeface="Noto Serif CJK JP" panose="02020400000000000000" charset="-122"/>
+            </a:endParaRPr>
+          </a:p>
+          <a:p>
+            <a:pPr lvl="1"/>
+            <a:r>
+              <a:rPr lang="en-US" altLang="en-US" sz="2400">
+                <a:latin typeface="Noto Serif CJK JP" panose="02020400000000000000" charset="-122"/>
+                <a:ea typeface="Noto Serif CJK JP" panose="02020400000000000000" charset="-122"/>
+              </a:rPr>
+              <a:t>b</a:t>
+            </a:r>
+            <a:r>
+              <a:rPr lang="en-US" sz="2400">
+                <a:latin typeface="Noto Serif CJK JP" panose="02020400000000000000" charset="-122"/>
+                <a:ea typeface="Noto Serif CJK JP" panose="02020400000000000000" charset="-122"/>
+              </a:rPr>
+              <a:t>ehaviour</a:t>
+            </a:r>
+            <a:endParaRPr lang="en-US" sz="2400">
+              <a:latin typeface="Noto Serif CJK JP" panose="02020400000000000000" charset="-122"/>
+              <a:ea typeface="Noto Serif CJK JP" panose="02020400000000000000" charset="-122"/>
+            </a:endParaRPr>
+          </a:p>
+          <a:p>
+            <a:pPr lvl="1"/>
+            <a:r>
+              <a:rPr lang="en-US" altLang="en-US" sz="2400">
+                <a:latin typeface="Noto Serif CJK JP" panose="02020400000000000000" charset="-122"/>
+                <a:ea typeface="Noto Serif CJK JP" panose="02020400000000000000" charset="-122"/>
+              </a:rPr>
+              <a:t>implemented via M</a:t>
+            </a:r>
+            <a:r>
+              <a:rPr lang="en-US" sz="2400">
+                <a:latin typeface="Noto Serif CJK JP" panose="02020400000000000000" charset="-122"/>
+                <a:ea typeface="Noto Serif CJK JP" panose="02020400000000000000" charset="-122"/>
+              </a:rPr>
+              <a:t>ethods</a:t>
+            </a:r>
+            <a:r>
+              <a:rPr lang="en-US" altLang="en-US" sz="2400">
+                <a:latin typeface="Noto Serif CJK JP" panose="02020400000000000000" charset="-122"/>
+                <a:ea typeface="Noto Serif CJK JP" panose="02020400000000000000" charset="-122"/>
+              </a:rPr>
+              <a:t>/member Functions</a:t>
+            </a:r>
+            <a:endParaRPr lang="en-US" sz="2400">
+              <a:latin typeface="Noto Serif CJK JP" panose="02020400000000000000" charset="-122"/>
+              <a:ea typeface="Noto Serif CJK JP" panose="02020400000000000000" charset="-122"/>
+            </a:endParaRPr>
+          </a:p>
+          <a:p>
+            <a:r>
+              <a:rPr lang="en-US" altLang="en-US" sz="2400">
+                <a:latin typeface="Noto Serif CJK JP" panose="02020400000000000000" charset="-122"/>
+                <a:ea typeface="Noto Serif CJK JP" panose="02020400000000000000" charset="-122"/>
+              </a:rPr>
+              <a:t>I</a:t>
+            </a:r>
+            <a:r>
+              <a:rPr lang="en-US" sz="2400">
+                <a:latin typeface="Noto Serif CJK JP" panose="02020400000000000000" charset="-122"/>
+                <a:ea typeface="Noto Serif CJK JP" panose="02020400000000000000" charset="-122"/>
+              </a:rPr>
+              <a:t>nstance of class</a:t>
+            </a:r>
+            <a:endParaRPr lang="en-US" sz="2400">
+              <a:latin typeface="Noto Serif CJK JP" panose="02020400000000000000" charset="-122"/>
+              <a:ea typeface="Noto Serif CJK JP" panose="02020400000000000000" charset="-122"/>
             </a:endParaRPr>
           </a:p>
         </p:txBody>
@@ -5337,165 +5146,211 @@
             <p:ph type="title"/>
           </p:nvPr>
         </p:nvSpPr>
+        <p:spPr/>
+        <p:txBody>
+          <a:bodyPr/>
+          <a:p>
+            <a:r>
+              <a:rPr lang="en-US" altLang="en-US">
+                <a:latin typeface="Noto Serif CJK JP" panose="02020400000000000000" charset="-122"/>
+                <a:ea typeface="Noto Serif CJK JP" panose="02020400000000000000" charset="-122"/>
+              </a:rPr>
+              <a:t>Example</a:t>
+            </a:r>
+            <a:endParaRPr lang="en-US" altLang="en-US">
+              <a:latin typeface="Noto Serif CJK JP" panose="02020400000000000000" charset="-122"/>
+              <a:ea typeface="Noto Serif CJK JP" panose="02020400000000000000" charset="-122"/>
+            </a:endParaRPr>
+          </a:p>
+        </p:txBody>
+      </p:sp>
+      <p:sp>
+        <p:nvSpPr>
+          <p:cNvPr id="3" name="Content Placeholder 2"/>
+          <p:cNvSpPr>
+            <a:spLocks noGrp="1"/>
+          </p:cNvSpPr>
+          <p:nvPr>
+            <p:ph idx="1"/>
+          </p:nvPr>
+        </p:nvSpPr>
         <p:spPr>
           <a:xfrm>
-            <a:off x="685800" y="240665"/>
-            <a:ext cx="7772400" cy="1143000"/>
+            <a:off x="371475" y="1752600"/>
+            <a:ext cx="7772400" cy="4114800"/>
           </a:xfrm>
         </p:spPr>
         <p:txBody>
           <a:bodyPr/>
           <a:p>
-            <a:r>
-              <a:rPr lang="en-US">
-                <a:latin typeface="Noto Serif CJK JP" panose="02020400000000000000" charset="-122"/>
-                <a:ea typeface="Noto Serif CJK JP" panose="02020400000000000000" charset="-122"/>
-              </a:rPr>
-              <a:t>Inheritance</a:t>
-            </a:r>
-            <a:endParaRPr lang="en-US">
-              <a:latin typeface="Noto Serif CJK JP" panose="02020400000000000000" charset="-122"/>
-              <a:ea typeface="Noto Serif CJK JP" panose="02020400000000000000" charset="-122"/>
-            </a:endParaRPr>
-          </a:p>
-        </p:txBody>
-      </p:sp>
-      <p:sp>
-        <p:nvSpPr>
-          <p:cNvPr id="3" name="Content Placeholder 2"/>
-          <p:cNvSpPr>
-            <a:spLocks noGrp="1"/>
-          </p:cNvSpPr>
-          <p:nvPr>
-            <p:ph idx="1"/>
-          </p:nvPr>
-        </p:nvSpPr>
-        <p:spPr>
-          <a:xfrm>
-            <a:off x="535305" y="1383665"/>
-            <a:ext cx="8073390" cy="4852670"/>
-          </a:xfrm>
-        </p:spPr>
-        <p:txBody>
-          <a:bodyPr/>
-          <a:p>
-            <a:r>
-              <a:rPr lang="en-US" sz="2400">
-                <a:latin typeface="Noto Serif CJK JP" panose="02020400000000000000" charset="-122"/>
-                <a:ea typeface="Noto Serif CJK JP" panose="02020400000000000000" charset="-122"/>
-              </a:rPr>
-              <a:t>an object of class acquires the properties of </a:t>
-            </a:r>
-            <a:r>
-              <a:rPr lang="en-US" altLang="en-US" sz="2400">
-                <a:latin typeface="Noto Serif CJK JP" panose="02020400000000000000" charset="-122"/>
-                <a:ea typeface="Noto Serif CJK JP" panose="02020400000000000000" charset="-122"/>
-              </a:rPr>
-              <a:t>another </a:t>
-            </a:r>
-            <a:r>
-              <a:rPr lang="en-US" sz="2400">
-                <a:latin typeface="Noto Serif CJK JP" panose="02020400000000000000" charset="-122"/>
-                <a:ea typeface="Noto Serif CJK JP" panose="02020400000000000000" charset="-122"/>
-              </a:rPr>
-              <a:t>class.</a:t>
-            </a:r>
-            <a:endParaRPr lang="en-US" sz="2400">
-              <a:latin typeface="Noto Serif CJK JP" panose="02020400000000000000" charset="-122"/>
-              <a:ea typeface="Noto Serif CJK JP" panose="02020400000000000000" charset="-122"/>
-            </a:endParaRPr>
-          </a:p>
-          <a:p>
-            <a:r>
-              <a:rPr lang="en-US" altLang="en-US" sz="2400">
-                <a:latin typeface="Noto Serif CJK JP" panose="02020400000000000000" charset="-122"/>
-                <a:ea typeface="Noto Serif CJK JP" panose="02020400000000000000" charset="-122"/>
-              </a:rPr>
-              <a:t>Parent / Super class - whose properties can be inherited</a:t>
-            </a:r>
-            <a:endParaRPr lang="en-US" altLang="en-US" sz="2400">
-              <a:latin typeface="Noto Serif CJK JP" panose="02020400000000000000" charset="-122"/>
-              <a:ea typeface="Noto Serif CJK JP" panose="02020400000000000000" charset="-122"/>
-            </a:endParaRPr>
-          </a:p>
-          <a:p>
-            <a:r>
-              <a:rPr lang="en-US" altLang="en-US" sz="2400">
-                <a:latin typeface="Noto Serif CJK JP" panose="02020400000000000000" charset="-122"/>
-                <a:ea typeface="Noto Serif CJK JP" panose="02020400000000000000" charset="-122"/>
-              </a:rPr>
-              <a:t>Child / Sub class - who inherts the properties of class</a:t>
-            </a:r>
-            <a:endParaRPr lang="en-US" altLang="en-US" sz="2400">
-              <a:latin typeface="Noto Serif CJK JP" panose="02020400000000000000" charset="-122"/>
-              <a:ea typeface="Noto Serif CJK JP" panose="02020400000000000000" charset="-122"/>
-            </a:endParaRPr>
-          </a:p>
-          <a:p>
-            <a:r>
-              <a:rPr lang="en-US" altLang="en-US" sz="2400">
-                <a:latin typeface="Noto Serif CJK JP" panose="02020400000000000000" charset="-122"/>
-                <a:ea typeface="Noto Serif CJK JP" panose="02020400000000000000" charset="-122"/>
-              </a:rPr>
-              <a:t>Types of Inheritance </a:t>
-            </a:r>
-            <a:endParaRPr lang="en-US" altLang="en-US" sz="2400">
-              <a:latin typeface="Noto Serif CJK JP" panose="02020400000000000000" charset="-122"/>
-              <a:ea typeface="Noto Serif CJK JP" panose="02020400000000000000" charset="-122"/>
+            <a:pPr marL="0" indent="0">
+              <a:buNone/>
+            </a:pPr>
+            <a:r>
+              <a:rPr lang="en-US" altLang="en-US" sz="1800" b="1">
+                <a:latin typeface="FreeMono" panose="020F0409020205020404" charset="0"/>
+                <a:ea typeface="FreeMono" panose="020F0409020205020404" charset="0"/>
+              </a:rPr>
+              <a:t>Object of Student </a:t>
+            </a:r>
+            <a:r>
+              <a:rPr lang="en-US" altLang="en-US" sz="1800">
+                <a:latin typeface="FreeMono" panose="020F0409020205020404" charset="0"/>
+                <a:ea typeface="FreeMono" panose="020F0409020205020404" charset="0"/>
+              </a:rPr>
+              <a:t>:</a:t>
+            </a:r>
+            <a:endParaRPr lang="en-US" altLang="en-US" sz="1800">
+              <a:latin typeface="FreeMono" panose="020F0409020205020404" charset="0"/>
+              <a:ea typeface="FreeMono" panose="020F0409020205020404" charset="0"/>
+            </a:endParaRPr>
+          </a:p>
+          <a:p>
+            <a:r>
+              <a:rPr lang="en-US" altLang="en-US" sz="1800">
+                <a:latin typeface="FreeMono" panose="020F0409020205020404" charset="0"/>
+                <a:ea typeface="FreeMono" panose="020F0409020205020404" charset="0"/>
+              </a:rPr>
+              <a:t>Attributes </a:t>
+            </a:r>
+            <a:endParaRPr lang="en-US" altLang="en-US" sz="1800">
+              <a:latin typeface="FreeMono" panose="020F0409020205020404" charset="0"/>
+              <a:ea typeface="FreeMono" panose="020F0409020205020404" charset="0"/>
             </a:endParaRPr>
           </a:p>
           <a:p>
             <a:pPr lvl="1"/>
             <a:r>
-              <a:rPr lang="en-US" altLang="en-US" sz="2100">
-                <a:latin typeface="Noto Serif CJK JP" panose="02020400000000000000" charset="-122"/>
-                <a:ea typeface="Noto Serif CJK JP" panose="02020400000000000000" charset="-122"/>
-              </a:rPr>
-              <a:t>Single  </a:t>
-            </a:r>
-            <a:endParaRPr lang="en-US" altLang="en-US" sz="2100">
-              <a:latin typeface="Noto Serif CJK JP" panose="02020400000000000000" charset="-122"/>
-              <a:ea typeface="Noto Serif CJK JP" panose="02020400000000000000" charset="-122"/>
+              <a:rPr lang="en-US" altLang="en-US" sz="1800">
+                <a:latin typeface="FreeMono" panose="020F0409020205020404" charset="0"/>
+                <a:ea typeface="FreeMono" panose="020F0409020205020404" charset="0"/>
+              </a:rPr>
+              <a:t>Roll No : 5</a:t>
+            </a:r>
+            <a:endParaRPr lang="en-US" altLang="en-US" sz="1800">
+              <a:latin typeface="FreeMono" panose="020F0409020205020404" charset="0"/>
+              <a:ea typeface="FreeMono" panose="020F0409020205020404" charset="0"/>
             </a:endParaRPr>
           </a:p>
           <a:p>
             <a:pPr lvl="1"/>
             <a:r>
-              <a:rPr lang="en-US" altLang="en-US" sz="2100">
-                <a:latin typeface="Noto Serif CJK JP" panose="02020400000000000000" charset="-122"/>
-                <a:ea typeface="Noto Serif CJK JP" panose="02020400000000000000" charset="-122"/>
-              </a:rPr>
-              <a:t>Multiple</a:t>
-            </a:r>
-            <a:endParaRPr lang="en-US" sz="2100">
-              <a:latin typeface="Noto Serif CJK JP" panose="02020400000000000000" charset="-122"/>
-              <a:ea typeface="Noto Serif CJK JP" panose="02020400000000000000" charset="-122"/>
-            </a:endParaRPr>
-          </a:p>
-          <a:p>
-            <a:r>
-              <a:rPr lang="en-US" altLang="en-US" sz="2400">
-                <a:latin typeface="Noto Serif CJK JP" panose="02020400000000000000" charset="-122"/>
-                <a:ea typeface="Noto Serif CJK JP" panose="02020400000000000000" charset="-122"/>
-              </a:rPr>
-              <a:t>achieves reusability</a:t>
-            </a:r>
-            <a:endParaRPr lang="en-US" altLang="en-US" sz="2400">
-              <a:latin typeface="Noto Serif CJK JP" panose="02020400000000000000" charset="-122"/>
-              <a:ea typeface="Noto Serif CJK JP" panose="02020400000000000000" charset="-122"/>
-            </a:endParaRPr>
-          </a:p>
-          <a:p>
-            <a:r>
-              <a:rPr lang="en-US" altLang="en-US" sz="2400">
-                <a:latin typeface="Noto Serif CJK JP" panose="02020400000000000000" charset="-122"/>
-                <a:ea typeface="Noto Serif CJK JP" panose="02020400000000000000" charset="-122"/>
-              </a:rPr>
-              <a:t>implenmented using operator ':' with access modifers [private , protected, public]</a:t>
-            </a:r>
-            <a:endParaRPr lang="en-US" altLang="en-US" sz="2400">
-              <a:latin typeface="Noto Serif CJK JP" panose="02020400000000000000" charset="-122"/>
-              <a:ea typeface="Noto Serif CJK JP" panose="02020400000000000000" charset="-122"/>
+              <a:rPr lang="en-US" altLang="en-US" sz="1800">
+                <a:latin typeface="FreeMono" panose="020F0409020205020404" charset="0"/>
+                <a:ea typeface="FreeMono" panose="020F0409020205020404" charset="0"/>
+              </a:rPr>
+              <a:t>Name : Harry</a:t>
+            </a:r>
+            <a:endParaRPr lang="en-US" altLang="en-US" sz="1800">
+              <a:latin typeface="FreeMono" panose="020F0409020205020404" charset="0"/>
+              <a:ea typeface="FreeMono" panose="020F0409020205020404" charset="0"/>
+            </a:endParaRPr>
+          </a:p>
+          <a:p>
+            <a:pPr lvl="1"/>
+            <a:r>
+              <a:rPr lang="en-US" altLang="en-US" sz="1800">
+                <a:latin typeface="FreeMono" panose="020F0409020205020404" charset="0"/>
+                <a:ea typeface="FreeMono" panose="020F0409020205020404" charset="0"/>
+              </a:rPr>
+              <a:t>Address : 605 -AB</a:t>
+            </a:r>
+            <a:endParaRPr lang="en-US" altLang="en-US" sz="1800">
+              <a:latin typeface="FreeMono" panose="020F0409020205020404" charset="0"/>
+              <a:ea typeface="FreeMono" panose="020F0409020205020404" charset="0"/>
+            </a:endParaRPr>
+          </a:p>
+          <a:p>
+            <a:pPr lvl="1"/>
+            <a:r>
+              <a:rPr lang="en-US" altLang="en-US" sz="1800">
+                <a:latin typeface="FreeMono" panose="020F0409020205020404" charset="0"/>
+                <a:ea typeface="FreeMono" panose="020F0409020205020404" charset="0"/>
+              </a:rPr>
+              <a:t>Marks : [34,23,55]</a:t>
+            </a:r>
+            <a:endParaRPr lang="en-US" altLang="en-US" sz="1800">
+              <a:latin typeface="FreeMono" panose="020F0409020205020404" charset="0"/>
+              <a:ea typeface="FreeMono" panose="020F0409020205020404" charset="0"/>
+            </a:endParaRPr>
+          </a:p>
+          <a:p>
+            <a:pPr lvl="1"/>
+            <a:r>
+              <a:rPr lang="en-US" altLang="en-US" sz="1800">
+                <a:latin typeface="FreeMono" panose="020F0409020205020404" charset="0"/>
+                <a:ea typeface="FreeMono" panose="020F0409020205020404" charset="0"/>
+              </a:rPr>
+              <a:t>Height : 4</a:t>
+            </a:r>
+            <a:endParaRPr lang="en-US" altLang="en-US" sz="1800">
+              <a:latin typeface="FreeMono" panose="020F0409020205020404" charset="0"/>
+              <a:ea typeface="FreeMono" panose="020F0409020205020404" charset="0"/>
+            </a:endParaRPr>
+          </a:p>
+          <a:p>
+            <a:pPr lvl="1"/>
+            <a:r>
+              <a:rPr lang="en-US" altLang="en-US" sz="1800">
+                <a:latin typeface="FreeMono" panose="020F0409020205020404" charset="0"/>
+                <a:ea typeface="FreeMono" panose="020F0409020205020404" charset="0"/>
+              </a:rPr>
+              <a:t>Attendence : [Jan: 23,Feb: 21,..]</a:t>
+            </a:r>
+            <a:endParaRPr lang="en-US" altLang="en-US" sz="1800">
+              <a:latin typeface="FreeMono" panose="020F0409020205020404" charset="0"/>
+              <a:ea typeface="FreeMono" panose="020F0409020205020404" charset="0"/>
+            </a:endParaRPr>
+          </a:p>
+          <a:p>
+            <a:pPr lvl="0"/>
+            <a:r>
+              <a:rPr lang="en-US" altLang="en-US" sz="2055">
+                <a:latin typeface="FreeMono" panose="020F0409020205020404" charset="0"/>
+                <a:ea typeface="FreeMono" panose="020F0409020205020404" charset="0"/>
+              </a:rPr>
+              <a:t>Functionalities</a:t>
+            </a:r>
+            <a:endParaRPr lang="en-US" altLang="en-US" sz="2055">
+              <a:latin typeface="FreeMono" panose="020F0409020205020404" charset="0"/>
+              <a:ea typeface="FreeMono" panose="020F0409020205020404" charset="0"/>
+            </a:endParaRPr>
+          </a:p>
+          <a:p>
+            <a:pPr lvl="1"/>
+            <a:r>
+              <a:rPr lang="en-US" altLang="en-US" sz="1795">
+                <a:latin typeface="FreeMono" panose="020F0409020205020404" charset="0"/>
+                <a:ea typeface="FreeMono" panose="020F0409020205020404" charset="0"/>
+              </a:rPr>
+              <a:t>calculatePercentage</a:t>
+            </a:r>
+            <a:endParaRPr lang="en-US" altLang="en-US" sz="1795">
+              <a:latin typeface="FreeMono" panose="020F0409020205020404" charset="0"/>
+              <a:ea typeface="FreeMono" panose="020F0409020205020404" charset="0"/>
+            </a:endParaRPr>
+          </a:p>
+          <a:p>
+            <a:pPr lvl="1"/>
+            <a:r>
+              <a:rPr lang="en-US" altLang="en-US" sz="1795">
+                <a:latin typeface="FreeMono" panose="020F0409020205020404" charset="0"/>
+                <a:ea typeface="FreeMono" panose="020F0409020205020404" charset="0"/>
+              </a:rPr>
+              <a:t>getAttendenanceOfMonth(Month)</a:t>
+            </a:r>
+            <a:endParaRPr lang="en-US" altLang="en-US" sz="1795">
+              <a:latin typeface="FreeMono" panose="020F0409020205020404" charset="0"/>
+              <a:ea typeface="FreeMono" panose="020F0409020205020404" charset="0"/>
+            </a:endParaRPr>
+          </a:p>
+          <a:p>
+            <a:pPr marL="0" indent="0">
+              <a:buNone/>
+            </a:pPr>
+            <a:endParaRPr lang="en-US" altLang="en-US" sz="1800">
+              <a:latin typeface="FreeMono" panose="020F0409020205020404" charset="0"/>
+              <a:ea typeface="FreeMono" panose="020F0409020205020404" charset="0"/>
             </a:endParaRPr>
           </a:p>
         </p:txBody>
@@ -5509,6 +5364,1707 @@
 </file>
 
 <file path=ppt/slides/slide12.xml><?xml version="1.0" encoding="utf-8"?>
+<p:sld xmlns:a="http://schemas.openxmlformats.org/drawingml/2006/main" xmlns:r="http://schemas.openxmlformats.org/officeDocument/2006/relationships" xmlns:p="http://schemas.openxmlformats.org/presentationml/2006/main">
+  <p:cSld>
+    <p:spTree>
+      <p:nvGrpSpPr>
+        <p:cNvPr id="1" name=""/>
+        <p:cNvGrpSpPr/>
+        <p:nvPr/>
+      </p:nvGrpSpPr>
+      <p:grpSpPr/>
+      <p:sp>
+        <p:nvSpPr>
+          <p:cNvPr id="2" name="Title 1"/>
+          <p:cNvSpPr>
+            <a:spLocks noGrp="1"/>
+          </p:cNvSpPr>
+          <p:nvPr>
+            <p:ph type="title"/>
+          </p:nvPr>
+        </p:nvSpPr>
+        <p:spPr/>
+        <p:txBody>
+          <a:bodyPr/>
+          <a:p>
+            <a:r>
+              <a:rPr lang="en-US">
+                <a:latin typeface="Noto Serif CJK JP" panose="02020400000000000000" charset="-122"/>
+                <a:ea typeface="Noto Serif CJK JP" panose="02020400000000000000" charset="-122"/>
+              </a:rPr>
+              <a:t>Class</a:t>
+            </a:r>
+            <a:endParaRPr lang="en-US">
+              <a:latin typeface="Noto Serif CJK JP" panose="02020400000000000000" charset="-122"/>
+              <a:ea typeface="Noto Serif CJK JP" panose="02020400000000000000" charset="-122"/>
+            </a:endParaRPr>
+          </a:p>
+        </p:txBody>
+      </p:sp>
+      <p:sp>
+        <p:nvSpPr>
+          <p:cNvPr id="3" name="Content Placeholder 2"/>
+          <p:cNvSpPr>
+            <a:spLocks noGrp="1"/>
+          </p:cNvSpPr>
+          <p:nvPr>
+            <p:ph idx="1"/>
+          </p:nvPr>
+        </p:nvSpPr>
+        <p:spPr>
+          <a:xfrm>
+            <a:off x="685800" y="1981200"/>
+            <a:ext cx="7772400" cy="4114800"/>
+          </a:xfrm>
+        </p:spPr>
+        <p:txBody>
+          <a:bodyPr/>
+          <a:p>
+            <a:r>
+              <a:rPr lang="en-US" sz="2400">
+                <a:latin typeface="Noto Serif CJK JP" panose="02020400000000000000" charset="-122"/>
+                <a:ea typeface="Noto Serif CJK JP" panose="02020400000000000000" charset="-122"/>
+              </a:rPr>
+              <a:t>Specification of Object</a:t>
+            </a:r>
+            <a:endParaRPr lang="en-US" sz="2400">
+              <a:latin typeface="Noto Serif CJK JP" panose="02020400000000000000" charset="-122"/>
+              <a:ea typeface="Noto Serif CJK JP" panose="02020400000000000000" charset="-122"/>
+            </a:endParaRPr>
+          </a:p>
+          <a:p>
+            <a:endParaRPr lang="en-US" sz="2400">
+              <a:latin typeface="Noto Serif CJK JP" panose="02020400000000000000" charset="-122"/>
+              <a:ea typeface="Noto Serif CJK JP" panose="02020400000000000000" charset="-122"/>
+            </a:endParaRPr>
+          </a:p>
+          <a:p>
+            <a:r>
+              <a:rPr lang="en-US" sz="2400">
+                <a:latin typeface="Noto Serif CJK JP" panose="02020400000000000000" charset="-122"/>
+                <a:ea typeface="Noto Serif CJK JP" panose="02020400000000000000" charset="-122"/>
+              </a:rPr>
+              <a:t>B</a:t>
+            </a:r>
+            <a:r>
+              <a:rPr sz="2400">
+                <a:latin typeface="Noto Serif CJK JP" panose="02020400000000000000" charset="-122"/>
+                <a:ea typeface="Noto Serif CJK JP" panose="02020400000000000000" charset="-122"/>
+              </a:rPr>
+              <a:t>lueprint that specifies the attributes and behavior of an Object</a:t>
+            </a:r>
+            <a:endParaRPr sz="2400">
+              <a:latin typeface="Noto Serif CJK JP" panose="02020400000000000000" charset="-122"/>
+              <a:ea typeface="Noto Serif CJK JP" panose="02020400000000000000" charset="-122"/>
+            </a:endParaRPr>
+          </a:p>
+          <a:p>
+            <a:endParaRPr sz="2400">
+              <a:latin typeface="Noto Serif CJK JP" panose="02020400000000000000" charset="-122"/>
+              <a:ea typeface="Noto Serif CJK JP" panose="02020400000000000000" charset="-122"/>
+            </a:endParaRPr>
+          </a:p>
+          <a:p>
+            <a:r>
+              <a:rPr lang="en-US" sz="2400">
+                <a:latin typeface="Noto Serif CJK JP" panose="02020400000000000000" charset="-122"/>
+                <a:ea typeface="Noto Serif CJK JP" panose="02020400000000000000" charset="-122"/>
+              </a:rPr>
+              <a:t>B</a:t>
+            </a:r>
+            <a:r>
+              <a:rPr sz="2400">
+                <a:latin typeface="Noto Serif CJK JP" panose="02020400000000000000" charset="-122"/>
+                <a:ea typeface="Noto Serif CJK JP" panose="02020400000000000000" charset="-122"/>
+              </a:rPr>
+              <a:t>ehaviors are actions that an object can perform.</a:t>
+            </a:r>
+            <a:endParaRPr sz="2400">
+              <a:latin typeface="Noto Serif CJK JP" panose="02020400000000000000" charset="-122"/>
+              <a:ea typeface="Noto Serif CJK JP" panose="02020400000000000000" charset="-122"/>
+            </a:endParaRPr>
+          </a:p>
+          <a:p>
+            <a:endParaRPr sz="2400">
+              <a:latin typeface="Noto Serif CJK JP" panose="02020400000000000000" charset="-122"/>
+              <a:ea typeface="Noto Serif CJK JP" panose="02020400000000000000" charset="-122"/>
+            </a:endParaRPr>
+          </a:p>
+          <a:p>
+            <a:r>
+              <a:rPr sz="2400">
+                <a:latin typeface="Noto Serif CJK JP" panose="02020400000000000000" charset="-122"/>
+                <a:ea typeface="Noto Serif CJK JP" panose="02020400000000000000" charset="-122"/>
+              </a:rPr>
+              <a:t>Classes are </a:t>
+            </a:r>
+            <a:r>
+              <a:rPr lang="en-US" sz="2400" b="1">
+                <a:latin typeface="Noto Serif CJK JP" panose="02020400000000000000" charset="-122"/>
+                <a:ea typeface="Noto Serif CJK JP" panose="02020400000000000000" charset="-122"/>
+              </a:rPr>
+              <a:t>user defined </a:t>
+            </a:r>
+            <a:r>
+              <a:rPr sz="2400" b="1">
+                <a:latin typeface="Noto Serif CJK JP" panose="02020400000000000000" charset="-122"/>
+                <a:ea typeface="Noto Serif CJK JP" panose="02020400000000000000" charset="-122"/>
+              </a:rPr>
+              <a:t>data type</a:t>
+            </a:r>
+            <a:r>
+              <a:rPr sz="2400">
+                <a:latin typeface="Noto Serif CJK JP" panose="02020400000000000000" charset="-122"/>
+                <a:ea typeface="Noto Serif CJK JP" panose="02020400000000000000" charset="-122"/>
+              </a:rPr>
+              <a:t> based on which objects are created.</a:t>
+            </a:r>
+            <a:endParaRPr sz="2400">
+              <a:latin typeface="Noto Serif CJK JP" panose="02020400000000000000" charset="-122"/>
+              <a:ea typeface="Noto Serif CJK JP" panose="02020400000000000000" charset="-122"/>
+            </a:endParaRPr>
+          </a:p>
+        </p:txBody>
+      </p:sp>
+    </p:spTree>
+  </p:cSld>
+  <p:clrMapOvr>
+    <a:masterClrMapping/>
+  </p:clrMapOvr>
+</p:sld>
+</file>
+
+<file path=ppt/slides/slide13.xml><?xml version="1.0" encoding="utf-8"?>
+<p:sld xmlns:a="http://schemas.openxmlformats.org/drawingml/2006/main" xmlns:r="http://schemas.openxmlformats.org/officeDocument/2006/relationships" xmlns:p="http://schemas.openxmlformats.org/presentationml/2006/main">
+  <p:cSld>
+    <p:spTree>
+      <p:nvGrpSpPr>
+        <p:cNvPr id="1" name=""/>
+        <p:cNvGrpSpPr/>
+        <p:nvPr/>
+      </p:nvGrpSpPr>
+      <p:grpSpPr/>
+      <p:sp>
+        <p:nvSpPr>
+          <p:cNvPr id="2" name="Title 1"/>
+          <p:cNvSpPr>
+            <a:spLocks noGrp="1"/>
+          </p:cNvSpPr>
+          <p:nvPr>
+            <p:ph type="title"/>
+          </p:nvPr>
+        </p:nvSpPr>
+        <p:spPr/>
+        <p:txBody>
+          <a:bodyPr/>
+          <a:p>
+            <a:r>
+              <a:rPr lang="en-US" altLang="en-US"/>
+              <a:t>Example</a:t>
+            </a:r>
+            <a:endParaRPr lang="en-US" altLang="en-US"/>
+          </a:p>
+        </p:txBody>
+      </p:sp>
+      <p:sp>
+        <p:nvSpPr>
+          <p:cNvPr id="3" name="Content Placeholder 2"/>
+          <p:cNvSpPr>
+            <a:spLocks noGrp="1"/>
+          </p:cNvSpPr>
+          <p:nvPr>
+            <p:ph idx="1"/>
+          </p:nvPr>
+        </p:nvSpPr>
+        <p:spPr>
+          <a:xfrm>
+            <a:off x="494665" y="1547495"/>
+            <a:ext cx="7772400" cy="5043805"/>
+          </a:xfrm>
+        </p:spPr>
+        <p:txBody>
+          <a:bodyPr/>
+          <a:p>
+            <a:pPr marL="0" indent="0">
+              <a:buNone/>
+            </a:pPr>
+            <a:r>
+              <a:rPr lang="en-US" altLang="en-US" sz="1800">
+                <a:latin typeface="FreeMono" panose="020F0409020205020404" charset="0"/>
+                <a:ea typeface="FreeMono" panose="020F0409020205020404" charset="0"/>
+              </a:rPr>
+              <a:t>class </a:t>
+            </a:r>
+            <a:r>
+              <a:rPr lang="en-US" altLang="en-US" sz="1800" b="1">
+                <a:latin typeface="FreeMono" panose="020F0409020205020404" charset="0"/>
+                <a:ea typeface="FreeMono" panose="020F0409020205020404" charset="0"/>
+              </a:rPr>
+              <a:t>Student </a:t>
+            </a:r>
+            <a:r>
+              <a:rPr lang="en-US" altLang="en-US" sz="1800">
+                <a:latin typeface="FreeMono" panose="020F0409020205020404" charset="0"/>
+                <a:ea typeface="FreeMono" panose="020F0409020205020404" charset="0"/>
+              </a:rPr>
+              <a:t>{</a:t>
+            </a:r>
+            <a:endParaRPr lang="en-US" altLang="en-US" sz="1800">
+              <a:latin typeface="FreeMono" panose="020F0409020205020404" charset="0"/>
+              <a:ea typeface="FreeMono" panose="020F0409020205020404" charset="0"/>
+            </a:endParaRPr>
+          </a:p>
+          <a:p>
+            <a:pPr marL="0" indent="0">
+              <a:buNone/>
+            </a:pPr>
+            <a:r>
+              <a:rPr lang="en-US" altLang="en-US" sz="1800">
+                <a:latin typeface="FreeMono" panose="020F0409020205020404" charset="0"/>
+                <a:ea typeface="FreeMono" panose="020F0409020205020404" charset="0"/>
+              </a:rPr>
+              <a:t> 	int rollNo ;</a:t>
+            </a:r>
+            <a:endParaRPr lang="en-US" altLang="en-US" sz="1800">
+              <a:latin typeface="FreeMono" panose="020F0409020205020404" charset="0"/>
+              <a:ea typeface="FreeMono" panose="020F0409020205020404" charset="0"/>
+            </a:endParaRPr>
+          </a:p>
+          <a:p>
+            <a:pPr marL="0" indent="0">
+              <a:buNone/>
+            </a:pPr>
+            <a:r>
+              <a:rPr lang="en-US" altLang="en-US" sz="1800">
+                <a:latin typeface="FreeMono" panose="020F0409020205020404" charset="0"/>
+                <a:ea typeface="FreeMono" panose="020F0409020205020404" charset="0"/>
+              </a:rPr>
+              <a:t> 	char [] name; </a:t>
+            </a:r>
+            <a:endParaRPr lang="en-US" altLang="en-US" sz="1800">
+              <a:latin typeface="FreeMono" panose="020F0409020205020404" charset="0"/>
+              <a:ea typeface="FreeMono" panose="020F0409020205020404" charset="0"/>
+            </a:endParaRPr>
+          </a:p>
+          <a:p>
+            <a:pPr marL="0" indent="0">
+              <a:buNone/>
+            </a:pPr>
+            <a:r>
+              <a:rPr lang="en-US" altLang="en-US" sz="1800">
+                <a:latin typeface="FreeMono" panose="020F0409020205020404" charset="0"/>
+                <a:ea typeface="FreeMono" panose="020F0409020205020404" charset="0"/>
+              </a:rPr>
+              <a:t>	</a:t>
+            </a:r>
+            <a:r>
+              <a:rPr lang="en-US" altLang="en-US" sz="1800">
+                <a:latin typeface="FreeMono" panose="020F0409020205020404" charset="0"/>
+                <a:ea typeface="FreeMono" panose="020F0409020205020404" charset="0"/>
+                <a:sym typeface="+mn-ea"/>
+              </a:rPr>
+              <a:t>char [] </a:t>
+            </a:r>
+            <a:r>
+              <a:rPr lang="en-US" altLang="en-US" sz="1800">
+                <a:latin typeface="FreeMono" panose="020F0409020205020404" charset="0"/>
+                <a:ea typeface="FreeMono" panose="020F0409020205020404" charset="0"/>
+              </a:rPr>
+              <a:t>address; </a:t>
+            </a:r>
+            <a:endParaRPr lang="en-US" altLang="en-US" sz="1800">
+              <a:latin typeface="FreeMono" panose="020F0409020205020404" charset="0"/>
+              <a:ea typeface="FreeMono" panose="020F0409020205020404" charset="0"/>
+            </a:endParaRPr>
+          </a:p>
+          <a:p>
+            <a:pPr marL="457200" lvl="1" indent="0">
+              <a:buNone/>
+            </a:pPr>
+            <a:r>
+              <a:rPr lang="en-US" altLang="en-US" sz="1800">
+                <a:latin typeface="FreeMono" panose="020F0409020205020404" charset="0"/>
+                <a:ea typeface="FreeMono" panose="020F0409020205020404" charset="0"/>
+                <a:sym typeface="+mn-ea"/>
+              </a:rPr>
+              <a:t>	char [] </a:t>
+            </a:r>
+            <a:r>
+              <a:rPr lang="en-US" altLang="en-US" sz="1800">
+                <a:latin typeface="FreeMono" panose="020F0409020205020404" charset="0"/>
+                <a:ea typeface="FreeMono" panose="020F0409020205020404" charset="0"/>
+              </a:rPr>
+              <a:t>marks; </a:t>
+            </a:r>
+            <a:endParaRPr lang="en-US" altLang="en-US" sz="1800">
+              <a:latin typeface="FreeMono" panose="020F0409020205020404" charset="0"/>
+              <a:ea typeface="FreeMono" panose="020F0409020205020404" charset="0"/>
+            </a:endParaRPr>
+          </a:p>
+          <a:p>
+            <a:pPr marL="457200" lvl="1" indent="0">
+              <a:buNone/>
+            </a:pPr>
+            <a:r>
+              <a:rPr lang="en-US" altLang="en-US" sz="1800">
+                <a:latin typeface="FreeMono" panose="020F0409020205020404" charset="0"/>
+                <a:ea typeface="FreeMono" panose="020F0409020205020404" charset="0"/>
+              </a:rPr>
+              <a:t>	float height;</a:t>
+            </a:r>
+            <a:endParaRPr lang="en-US" altLang="en-US" sz="1800">
+              <a:latin typeface="FreeMono" panose="020F0409020205020404" charset="0"/>
+              <a:ea typeface="FreeMono" panose="020F0409020205020404" charset="0"/>
+            </a:endParaRPr>
+          </a:p>
+          <a:p>
+            <a:pPr marL="457200" lvl="1" indent="0">
+              <a:buNone/>
+            </a:pPr>
+            <a:r>
+              <a:rPr lang="en-US" altLang="en-US" sz="1800">
+                <a:latin typeface="FreeMono" panose="020F0409020205020404" charset="0"/>
+                <a:ea typeface="FreeMono" panose="020F0409020205020404" charset="0"/>
+              </a:rPr>
+              <a:t>	Attendences attendences;</a:t>
+            </a:r>
+            <a:endParaRPr lang="en-US" altLang="en-US" sz="1800">
+              <a:latin typeface="FreeMono" panose="020F0409020205020404" charset="0"/>
+              <a:ea typeface="FreeMono" panose="020F0409020205020404" charset="0"/>
+            </a:endParaRPr>
+          </a:p>
+          <a:p>
+            <a:pPr marL="457200" lvl="1" indent="0">
+              <a:buNone/>
+            </a:pPr>
+            <a:r>
+              <a:rPr lang="en-US" altLang="en-US" sz="1800">
+                <a:latin typeface="FreeMono" panose="020F0409020205020404" charset="0"/>
+                <a:ea typeface="FreeMono" panose="020F0409020205020404" charset="0"/>
+              </a:rPr>
+              <a:t> </a:t>
+            </a:r>
+            <a:endParaRPr lang="en-US" altLang="en-US" sz="1800">
+              <a:latin typeface="FreeMono" panose="020F0409020205020404" charset="0"/>
+              <a:ea typeface="FreeMono" panose="020F0409020205020404" charset="0"/>
+            </a:endParaRPr>
+          </a:p>
+          <a:p>
+            <a:pPr marL="457200" lvl="1" indent="0">
+              <a:buNone/>
+            </a:pPr>
+            <a:r>
+              <a:rPr lang="en-US" altLang="en-US" sz="1800">
+                <a:latin typeface="FreeMono" panose="020F0409020205020404" charset="0"/>
+                <a:ea typeface="FreeMono" panose="020F0409020205020404" charset="0"/>
+              </a:rPr>
+              <a:t>float </a:t>
+            </a:r>
+            <a:r>
+              <a:rPr lang="en-US" altLang="en-US" sz="1795">
+                <a:latin typeface="FreeMono" panose="020F0409020205020404" charset="0"/>
+                <a:ea typeface="FreeMono" panose="020F0409020205020404" charset="0"/>
+              </a:rPr>
+              <a:t>calculatePercentage()</a:t>
+            </a:r>
+            <a:endParaRPr lang="en-US" altLang="en-US" sz="1795">
+              <a:latin typeface="FreeMono" panose="020F0409020205020404" charset="0"/>
+              <a:ea typeface="FreeMono" panose="020F0409020205020404" charset="0"/>
+            </a:endParaRPr>
+          </a:p>
+          <a:p>
+            <a:pPr marL="457200" lvl="1" indent="0">
+              <a:buNone/>
+            </a:pPr>
+            <a:r>
+              <a:rPr lang="en-US" altLang="en-US" sz="1795">
+                <a:latin typeface="FreeMono" panose="020F0409020205020404" charset="0"/>
+                <a:ea typeface="FreeMono" panose="020F0409020205020404" charset="0"/>
+              </a:rPr>
+              <a:t>int getAttendenanceOfMonth(Month)</a:t>
+            </a:r>
+            <a:endParaRPr lang="en-US" altLang="en-US" sz="1795">
+              <a:latin typeface="FreeMono" panose="020F0409020205020404" charset="0"/>
+              <a:ea typeface="FreeMono" panose="020F0409020205020404" charset="0"/>
+            </a:endParaRPr>
+          </a:p>
+          <a:p>
+            <a:pPr marL="457200" lvl="1" indent="0">
+              <a:buNone/>
+            </a:pPr>
+            <a:r>
+              <a:rPr lang="en-US" altLang="en-US" sz="1795">
+                <a:latin typeface="FreeMono" panose="020F0409020205020404" charset="0"/>
+                <a:ea typeface="FreeMono" panose="020F0409020205020404" charset="0"/>
+              </a:rPr>
+              <a:t>}</a:t>
+            </a:r>
+            <a:endParaRPr lang="en-US" altLang="en-US" sz="1795">
+              <a:latin typeface="FreeMono" panose="020F0409020205020404" charset="0"/>
+              <a:ea typeface="FreeMono" panose="020F0409020205020404" charset="0"/>
+            </a:endParaRPr>
+          </a:p>
+          <a:p>
+            <a:pPr marL="0" indent="0">
+              <a:buNone/>
+            </a:pPr>
+            <a:endParaRPr lang="en-US" altLang="en-US" sz="1800">
+              <a:latin typeface="FreeMono" panose="020F0409020205020404" charset="0"/>
+              <a:ea typeface="FreeMono" panose="020F0409020205020404" charset="0"/>
+            </a:endParaRPr>
+          </a:p>
+          <a:p>
+            <a:pPr marL="0" indent="0">
+              <a:buNone/>
+            </a:pPr>
+            <a:r>
+              <a:rPr lang="en-US" altLang="en-US" sz="1800">
+                <a:latin typeface="FreeMono" panose="020F0409020205020404" charset="0"/>
+                <a:ea typeface="FreeMono" panose="020F0409020205020404" charset="0"/>
+              </a:rPr>
+              <a:t>Object Creation :  </a:t>
+            </a:r>
+            <a:endParaRPr lang="en-US" altLang="en-US" sz="1800">
+              <a:latin typeface="FreeMono" panose="020F0409020205020404" charset="0"/>
+              <a:ea typeface="FreeMono" panose="020F0409020205020404" charset="0"/>
+            </a:endParaRPr>
+          </a:p>
+          <a:p>
+            <a:pPr marL="0" indent="0">
+              <a:buNone/>
+            </a:pPr>
+            <a:r>
+              <a:rPr lang="en-US" altLang="en-US" sz="1800">
+                <a:latin typeface="FreeMono" panose="020F0409020205020404" charset="0"/>
+                <a:ea typeface="FreeMono" panose="020F0409020205020404" charset="0"/>
+              </a:rPr>
+              <a:t> Student s1 = new Student();    // </a:t>
+            </a:r>
+            <a:r>
+              <a:rPr lang="en-US" altLang="en-US" sz="1800">
+                <a:latin typeface="FreeMono" panose="020F0409020205020404" charset="0"/>
+                <a:ea typeface="FreeMono" panose="020F0409020205020404" charset="0"/>
+                <a:sym typeface="+mn-ea"/>
+              </a:rPr>
+              <a:t>s1.rollNo</a:t>
+            </a:r>
+            <a:r>
+              <a:rPr lang="en-US" altLang="en-US" sz="1800">
+                <a:latin typeface="FreeMono" panose="020F0409020205020404" charset="0"/>
+                <a:ea typeface="FreeMono" panose="020F0409020205020404" charset="0"/>
+              </a:rPr>
+              <a:t> - 12</a:t>
+            </a:r>
+            <a:endParaRPr lang="en-US" altLang="en-US" sz="1800">
+              <a:latin typeface="FreeMono" panose="020F0409020205020404" charset="0"/>
+              <a:ea typeface="FreeMono" panose="020F0409020205020404" charset="0"/>
+            </a:endParaRPr>
+          </a:p>
+          <a:p>
+            <a:pPr marL="0" indent="0">
+              <a:buNone/>
+            </a:pPr>
+            <a:r>
+              <a:rPr lang="en-US" altLang="en-US" sz="1800">
+                <a:latin typeface="FreeMono" panose="020F0409020205020404" charset="0"/>
+                <a:ea typeface="FreeMono" panose="020F0409020205020404" charset="0"/>
+                <a:sym typeface="+mn-ea"/>
+              </a:rPr>
+              <a:t> Student s2 = new Student();    // s2.rollNo - 23</a:t>
+            </a:r>
+            <a:endParaRPr lang="en-US" altLang="en-US" sz="1800">
+              <a:latin typeface="FreeMono" panose="020F0409020205020404" charset="0"/>
+              <a:ea typeface="FreeMono" panose="020F0409020205020404" charset="0"/>
+            </a:endParaRPr>
+          </a:p>
+          <a:p>
+            <a:pPr marL="0" indent="0">
+              <a:buNone/>
+            </a:pPr>
+            <a:endParaRPr lang="en-US" altLang="en-US" sz="1800">
+              <a:latin typeface="FreeMono" panose="020F0409020205020404" charset="0"/>
+              <a:ea typeface="FreeMono" panose="020F0409020205020404" charset="0"/>
+            </a:endParaRPr>
+          </a:p>
+          <a:p>
+            <a:pPr marL="0" indent="0">
+              <a:buNone/>
+            </a:pPr>
+            <a:endParaRPr lang="en-US" altLang="en-US" sz="1800">
+              <a:latin typeface="FreeMono" panose="020F0409020205020404" charset="0"/>
+              <a:ea typeface="FreeMono" panose="020F0409020205020404" charset="0"/>
+            </a:endParaRPr>
+          </a:p>
+        </p:txBody>
+      </p:sp>
+    </p:spTree>
+  </p:cSld>
+  <p:clrMapOvr>
+    <a:masterClrMapping/>
+  </p:clrMapOvr>
+</p:sld>
+</file>
+
+<file path=ppt/slides/slide14.xml><?xml version="1.0" encoding="utf-8"?>
+<p:sld xmlns:a="http://schemas.openxmlformats.org/drawingml/2006/main" xmlns:r="http://schemas.openxmlformats.org/officeDocument/2006/relationships" xmlns:p="http://schemas.openxmlformats.org/presentationml/2006/main">
+  <p:cSld>
+    <p:spTree>
+      <p:nvGrpSpPr>
+        <p:cNvPr id="1" name=""/>
+        <p:cNvGrpSpPr/>
+        <p:nvPr/>
+      </p:nvGrpSpPr>
+      <p:grpSpPr/>
+      <p:sp>
+        <p:nvSpPr>
+          <p:cNvPr id="2" name="Title 1"/>
+          <p:cNvSpPr>
+            <a:spLocks noGrp="1"/>
+          </p:cNvSpPr>
+          <p:nvPr>
+            <p:ph type="title"/>
+          </p:nvPr>
+        </p:nvSpPr>
+        <p:spPr/>
+        <p:txBody>
+          <a:bodyPr/>
+          <a:p>
+            <a:r>
+              <a:rPr lang="en-US">
+                <a:latin typeface="Noto Serif CJK JP" panose="02020400000000000000" charset="-122"/>
+                <a:ea typeface="Noto Serif CJK JP" panose="02020400000000000000" charset="-122"/>
+              </a:rPr>
+              <a:t>Data Encapsulation</a:t>
+            </a:r>
+            <a:endParaRPr lang="en-US">
+              <a:latin typeface="Noto Serif CJK JP" panose="02020400000000000000" charset="-122"/>
+              <a:ea typeface="Noto Serif CJK JP" panose="02020400000000000000" charset="-122"/>
+            </a:endParaRPr>
+          </a:p>
+        </p:txBody>
+      </p:sp>
+      <p:sp>
+        <p:nvSpPr>
+          <p:cNvPr id="3" name="Content Placeholder 2"/>
+          <p:cNvSpPr>
+            <a:spLocks noGrp="1"/>
+          </p:cNvSpPr>
+          <p:nvPr>
+            <p:ph idx="1"/>
+          </p:nvPr>
+        </p:nvSpPr>
+        <p:spPr/>
+        <p:txBody>
+          <a:bodyPr/>
+          <a:p>
+            <a:r>
+              <a:rPr lang="en-US" altLang="en-US" sz="2400">
+                <a:latin typeface="Noto Serif CJK JP" panose="02020400000000000000" charset="-122"/>
+                <a:ea typeface="Noto Serif CJK JP" panose="02020400000000000000" charset="-122"/>
+              </a:rPr>
+              <a:t>W</a:t>
+            </a:r>
+            <a:r>
+              <a:rPr lang="en-US" sz="2400">
+                <a:latin typeface="Noto Serif CJK JP" panose="02020400000000000000" charset="-122"/>
+                <a:ea typeface="Noto Serif CJK JP" panose="02020400000000000000" charset="-122"/>
+              </a:rPr>
+              <a:t>rapping upon the data and related methods into a single unit</a:t>
+            </a:r>
+            <a:endParaRPr lang="en-US" sz="2400">
+              <a:latin typeface="Noto Serif CJK JP" panose="02020400000000000000" charset="-122"/>
+              <a:ea typeface="Noto Serif CJK JP" panose="02020400000000000000" charset="-122"/>
+            </a:endParaRPr>
+          </a:p>
+          <a:p>
+            <a:r>
+              <a:rPr lang="en-US" altLang="en-US" sz="2400">
+                <a:latin typeface="Noto Serif CJK JP" panose="02020400000000000000" charset="-122"/>
+                <a:ea typeface="Noto Serif CJK JP" panose="02020400000000000000" charset="-122"/>
+              </a:rPr>
+              <a:t>Prevent </a:t>
+            </a:r>
+            <a:r>
+              <a:rPr lang="en-US" sz="2400">
+                <a:latin typeface="Noto Serif CJK JP" panose="02020400000000000000" charset="-122"/>
+                <a:ea typeface="Noto Serif CJK JP" panose="02020400000000000000" charset="-122"/>
+              </a:rPr>
+              <a:t>access of private data members from outside the class</a:t>
+            </a:r>
+            <a:endParaRPr lang="en-US" sz="2400">
+              <a:latin typeface="Noto Serif CJK JP" panose="02020400000000000000" charset="-122"/>
+              <a:ea typeface="Noto Serif CJK JP" panose="02020400000000000000" charset="-122"/>
+            </a:endParaRPr>
+          </a:p>
+          <a:p>
+            <a:r>
+              <a:rPr lang="en-US" altLang="en-US" sz="2400">
+                <a:latin typeface="Noto Serif CJK JP" panose="02020400000000000000" charset="-122"/>
+                <a:ea typeface="Noto Serif CJK JP" panose="02020400000000000000" charset="-122"/>
+              </a:rPr>
+              <a:t>To </a:t>
+            </a:r>
+            <a:r>
+              <a:rPr lang="en-US" sz="2400">
+                <a:latin typeface="Noto Serif CJK JP" panose="02020400000000000000" charset="-122"/>
+                <a:ea typeface="Noto Serif CJK JP" panose="02020400000000000000" charset="-122"/>
+              </a:rPr>
+              <a:t>achieve encapsulation </a:t>
+            </a:r>
+            <a:r>
+              <a:rPr lang="en-US" altLang="en-US" sz="2400">
+                <a:latin typeface="Noto Serif CJK JP" panose="02020400000000000000" charset="-122"/>
+                <a:ea typeface="Noto Serif CJK JP" panose="02020400000000000000" charset="-122"/>
+              </a:rPr>
+              <a:t>- derived Data Type </a:t>
+            </a:r>
+            <a:r>
+              <a:rPr lang="en-US" altLang="en-US" sz="2400" b="1">
+                <a:latin typeface="Noto Serif CJK JP" panose="02020400000000000000" charset="-122"/>
+                <a:ea typeface="Noto Serif CJK JP" panose="02020400000000000000" charset="-122"/>
+              </a:rPr>
+              <a:t>class </a:t>
+            </a:r>
+            <a:r>
+              <a:rPr lang="en-US" altLang="en-US" sz="2400">
+                <a:latin typeface="Noto Serif CJK JP" panose="02020400000000000000" charset="-122"/>
+                <a:ea typeface="Noto Serif CJK JP" panose="02020400000000000000" charset="-122"/>
+              </a:rPr>
+              <a:t>is used</a:t>
+            </a:r>
+            <a:endParaRPr lang="en-US" altLang="en-US" sz="2400">
+              <a:latin typeface="Noto Serif CJK JP" panose="02020400000000000000" charset="-122"/>
+              <a:ea typeface="Noto Serif CJK JP" panose="02020400000000000000" charset="-122"/>
+            </a:endParaRPr>
+          </a:p>
+          <a:p>
+            <a:r>
+              <a:rPr lang="en-US" altLang="en-US" sz="2400">
+                <a:latin typeface="Noto Serif CJK JP" panose="02020400000000000000" charset="-122"/>
+                <a:ea typeface="Noto Serif CJK JP" panose="02020400000000000000" charset="-122"/>
+              </a:rPr>
+              <a:t>Provide interface - Best Practice</a:t>
+            </a:r>
+            <a:endParaRPr lang="en-US" altLang="en-US" sz="2400">
+              <a:latin typeface="Noto Serif CJK JP" panose="02020400000000000000" charset="-122"/>
+              <a:ea typeface="Noto Serif CJK JP" panose="02020400000000000000" charset="-122"/>
+            </a:endParaRPr>
+          </a:p>
+        </p:txBody>
+      </p:sp>
+    </p:spTree>
+  </p:cSld>
+  <p:clrMapOvr>
+    <a:masterClrMapping/>
+  </p:clrMapOvr>
+</p:sld>
+</file>
+
+<file path=ppt/slides/slide15.xml><?xml version="1.0" encoding="utf-8"?>
+<p:sld xmlns:a="http://schemas.openxmlformats.org/drawingml/2006/main" xmlns:r="http://schemas.openxmlformats.org/officeDocument/2006/relationships" xmlns:p="http://schemas.openxmlformats.org/presentationml/2006/main">
+  <p:cSld>
+    <p:spTree>
+      <p:nvGrpSpPr>
+        <p:cNvPr id="1" name=""/>
+        <p:cNvGrpSpPr/>
+        <p:nvPr/>
+      </p:nvGrpSpPr>
+      <p:grpSpPr/>
+      <p:sp>
+        <p:nvSpPr>
+          <p:cNvPr id="2" name="Title 1"/>
+          <p:cNvSpPr>
+            <a:spLocks noGrp="1"/>
+          </p:cNvSpPr>
+          <p:nvPr>
+            <p:ph type="title"/>
+          </p:nvPr>
+        </p:nvSpPr>
+        <p:spPr>
+          <a:xfrm>
+            <a:off x="685800" y="182880"/>
+            <a:ext cx="7772400" cy="1143000"/>
+          </a:xfrm>
+        </p:spPr>
+        <p:txBody>
+          <a:bodyPr/>
+          <a:p>
+            <a:r>
+              <a:rPr lang="en-US">
+                <a:latin typeface="Noto Serif CJK JP" panose="02020400000000000000" charset="-122"/>
+                <a:ea typeface="Noto Serif CJK JP" panose="02020400000000000000" charset="-122"/>
+              </a:rPr>
+              <a:t>Data Abstraction</a:t>
+            </a:r>
+            <a:endParaRPr lang="en-US">
+              <a:latin typeface="Noto Serif CJK JP" panose="02020400000000000000" charset="-122"/>
+              <a:ea typeface="Noto Serif CJK JP" panose="02020400000000000000" charset="-122"/>
+            </a:endParaRPr>
+          </a:p>
+        </p:txBody>
+      </p:sp>
+      <p:sp>
+        <p:nvSpPr>
+          <p:cNvPr id="3" name="Content Placeholder 2"/>
+          <p:cNvSpPr>
+            <a:spLocks noGrp="1"/>
+          </p:cNvSpPr>
+          <p:nvPr>
+            <p:ph idx="1"/>
+          </p:nvPr>
+        </p:nvSpPr>
+        <p:spPr>
+          <a:xfrm>
+            <a:off x="504825" y="1325880"/>
+            <a:ext cx="7772400" cy="4114800"/>
+          </a:xfrm>
+        </p:spPr>
+        <p:txBody>
+          <a:bodyPr/>
+          <a:p>
+            <a:pPr marL="0" indent="0">
+              <a:lnSpc>
+                <a:spcPct val="60000"/>
+              </a:lnSpc>
+              <a:buNone/>
+            </a:pPr>
+            <a:endParaRPr lang="en-US" sz="2400">
+              <a:latin typeface="Noto Serif CJK JP" panose="02020400000000000000" charset="-122"/>
+              <a:ea typeface="Noto Serif CJK JP" panose="02020400000000000000" charset="-122"/>
+            </a:endParaRPr>
+          </a:p>
+          <a:p>
+            <a:pPr>
+              <a:lnSpc>
+                <a:spcPct val="60000"/>
+              </a:lnSpc>
+            </a:pPr>
+            <a:endParaRPr lang="en-US" sz="2400">
+              <a:latin typeface="Noto Serif CJK JP" panose="02020400000000000000" charset="-122"/>
+              <a:ea typeface="Noto Serif CJK JP" panose="02020400000000000000" charset="-122"/>
+            </a:endParaRPr>
+          </a:p>
+          <a:p>
+            <a:pPr>
+              <a:lnSpc>
+                <a:spcPct val="60000"/>
+              </a:lnSpc>
+            </a:pPr>
+            <a:r>
+              <a:rPr lang="en-US" altLang="en-US" sz="2400">
+                <a:latin typeface="Noto Serif CJK JP" panose="02020400000000000000" charset="-122"/>
+                <a:ea typeface="Noto Serif CJK JP" panose="02020400000000000000" charset="-122"/>
+              </a:rPr>
+              <a:t>Reveal only r</a:t>
+            </a:r>
+            <a:r>
+              <a:rPr lang="en-US" sz="2400">
+                <a:latin typeface="Noto Serif CJK JP" panose="02020400000000000000" charset="-122"/>
+                <a:ea typeface="Noto Serif CJK JP" panose="02020400000000000000" charset="-122"/>
+              </a:rPr>
+              <a:t>elevant to the context</a:t>
+            </a:r>
+            <a:endParaRPr lang="en-US" sz="2400">
+              <a:latin typeface="Noto Serif CJK JP" panose="02020400000000000000" charset="-122"/>
+              <a:ea typeface="Noto Serif CJK JP" panose="02020400000000000000" charset="-122"/>
+            </a:endParaRPr>
+          </a:p>
+          <a:p>
+            <a:pPr>
+              <a:lnSpc>
+                <a:spcPct val="60000"/>
+              </a:lnSpc>
+            </a:pPr>
+            <a:endParaRPr lang="en-US" sz="2400">
+              <a:latin typeface="Noto Serif CJK JP" panose="02020400000000000000" charset="-122"/>
+              <a:ea typeface="Noto Serif CJK JP" panose="02020400000000000000" charset="-122"/>
+            </a:endParaRPr>
+          </a:p>
+          <a:p>
+            <a:pPr>
+              <a:lnSpc>
+                <a:spcPct val="60000"/>
+              </a:lnSpc>
+            </a:pPr>
+            <a:r>
+              <a:rPr lang="en-US" altLang="en-US" sz="2400">
+                <a:latin typeface="Noto Serif CJK JP" panose="02020400000000000000" charset="-122"/>
+                <a:ea typeface="Noto Serif CJK JP" panose="02020400000000000000" charset="-122"/>
+              </a:rPr>
+              <a:t>Hiding </a:t>
+            </a:r>
+            <a:r>
+              <a:rPr lang="en-US" sz="2400">
+                <a:latin typeface="Noto Serif CJK JP" panose="02020400000000000000" charset="-122"/>
+                <a:ea typeface="Noto Serif CJK JP" panose="02020400000000000000" charset="-122"/>
+              </a:rPr>
+              <a:t>the </a:t>
+            </a:r>
+            <a:r>
+              <a:rPr lang="en-US" altLang="en-US" sz="2400">
+                <a:latin typeface="Noto Serif CJK JP" panose="02020400000000000000" charset="-122"/>
+                <a:ea typeface="Noto Serif CJK JP" panose="02020400000000000000" charset="-122"/>
+              </a:rPr>
+              <a:t>background</a:t>
+            </a:r>
+            <a:r>
+              <a:rPr lang="en-US" sz="2400">
+                <a:latin typeface="Noto Serif CJK JP" panose="02020400000000000000" charset="-122"/>
+                <a:ea typeface="Noto Serif CJK JP" panose="02020400000000000000" charset="-122"/>
+              </a:rPr>
+              <a:t> details</a:t>
+            </a:r>
+            <a:endParaRPr lang="en-US" sz="2400">
+              <a:latin typeface="Noto Serif CJK JP" panose="02020400000000000000" charset="-122"/>
+              <a:ea typeface="Noto Serif CJK JP" panose="02020400000000000000" charset="-122"/>
+            </a:endParaRPr>
+          </a:p>
+          <a:p>
+            <a:pPr>
+              <a:lnSpc>
+                <a:spcPct val="60000"/>
+              </a:lnSpc>
+            </a:pPr>
+            <a:endParaRPr lang="en-US" sz="2400">
+              <a:latin typeface="Noto Serif CJK JP" panose="02020400000000000000" charset="-122"/>
+              <a:ea typeface="Noto Serif CJK JP" panose="02020400000000000000" charset="-122"/>
+            </a:endParaRPr>
+          </a:p>
+          <a:p>
+            <a:pPr>
+              <a:lnSpc>
+                <a:spcPct val="60000"/>
+              </a:lnSpc>
+            </a:pPr>
+            <a:r>
+              <a:rPr lang="en-US" altLang="en-US" sz="2400">
+                <a:latin typeface="Noto Serif CJK JP" panose="02020400000000000000" charset="-122"/>
+                <a:ea typeface="Noto Serif CJK JP" panose="02020400000000000000" charset="-122"/>
+              </a:rPr>
+              <a:t>Yields to property : </a:t>
+            </a:r>
+            <a:r>
+              <a:rPr lang="en-US" altLang="en-US" sz="2400" b="1">
+                <a:latin typeface="Noto Serif CJK JP" panose="02020400000000000000" charset="-122"/>
+                <a:ea typeface="Noto Serif CJK JP" panose="02020400000000000000" charset="-122"/>
+              </a:rPr>
+              <a:t>data hiding </a:t>
+            </a:r>
+            <a:endParaRPr lang="en-US" altLang="en-US" sz="2400">
+              <a:latin typeface="Noto Serif CJK JP" panose="02020400000000000000" charset="-122"/>
+              <a:ea typeface="Noto Serif CJK JP" panose="02020400000000000000" charset="-122"/>
+            </a:endParaRPr>
+          </a:p>
+          <a:p>
+            <a:pPr>
+              <a:lnSpc>
+                <a:spcPct val="60000"/>
+              </a:lnSpc>
+            </a:pPr>
+            <a:endParaRPr lang="en-US" altLang="en-US" sz="2400">
+              <a:latin typeface="Noto Serif CJK JP" panose="02020400000000000000" charset="-122"/>
+              <a:ea typeface="Noto Serif CJK JP" panose="02020400000000000000" charset="-122"/>
+            </a:endParaRPr>
+          </a:p>
+          <a:p>
+            <a:pPr>
+              <a:lnSpc>
+                <a:spcPct val="60000"/>
+              </a:lnSpc>
+            </a:pPr>
+            <a:r>
+              <a:rPr lang="en-US" altLang="en-US" sz="2400">
+                <a:latin typeface="Noto Serif CJK JP" panose="02020400000000000000" charset="-122"/>
+                <a:ea typeface="Noto Serif CJK JP" panose="02020400000000000000" charset="-122"/>
+              </a:rPr>
+              <a:t>Implemented using </a:t>
+            </a:r>
+            <a:r>
+              <a:rPr lang="en-US" altLang="en-US" sz="2400" b="1">
+                <a:solidFill>
+                  <a:srgbClr val="FF0000"/>
+                </a:solidFill>
+                <a:latin typeface="Noto Serif CJK JP" panose="02020400000000000000" charset="-122"/>
+                <a:ea typeface="Noto Serif CJK JP" panose="02020400000000000000" charset="-122"/>
+              </a:rPr>
+              <a:t>Access Specifiers</a:t>
+            </a:r>
+            <a:endParaRPr lang="en-US" altLang="en-US" sz="2400" b="1">
+              <a:latin typeface="Noto Serif CJK JP" panose="02020400000000000000" charset="-122"/>
+              <a:ea typeface="Noto Serif CJK JP" panose="02020400000000000000" charset="-122"/>
+            </a:endParaRPr>
+          </a:p>
+          <a:p>
+            <a:pPr lvl="1">
+              <a:lnSpc>
+                <a:spcPct val="100000"/>
+              </a:lnSpc>
+            </a:pPr>
+            <a:r>
+              <a:rPr lang="en-US" altLang="en-US" sz="2000">
+                <a:latin typeface="Noto Serif CJK JP" panose="02020400000000000000" charset="-122"/>
+                <a:ea typeface="Noto Serif CJK JP" panose="02020400000000000000" charset="-122"/>
+              </a:rPr>
+              <a:t>private	  </a:t>
+            </a:r>
+            <a:endParaRPr lang="en-US" altLang="en-US" sz="2000">
+              <a:latin typeface="Noto Serif CJK JP" panose="02020400000000000000" charset="-122"/>
+              <a:ea typeface="Noto Serif CJK JP" panose="02020400000000000000" charset="-122"/>
+            </a:endParaRPr>
+          </a:p>
+          <a:p>
+            <a:pPr lvl="2">
+              <a:lnSpc>
+                <a:spcPct val="100000"/>
+              </a:lnSpc>
+            </a:pPr>
+            <a:r>
+              <a:rPr lang="en-US" altLang="en-US" sz="1710">
+                <a:latin typeface="Noto Serif CJK JP" panose="02020400000000000000" charset="-122"/>
+                <a:ea typeface="Noto Serif CJK JP" panose="02020400000000000000" charset="-122"/>
+              </a:rPr>
+              <a:t> </a:t>
+            </a:r>
+            <a:r>
+              <a:rPr lang="en-US" altLang="en-US" sz="1710" b="1">
+                <a:latin typeface="Noto Serif CJK JP" panose="02020400000000000000" charset="-122"/>
+                <a:ea typeface="Noto Serif CJK JP" panose="02020400000000000000" charset="-122"/>
+              </a:rPr>
+              <a:t>Scope</a:t>
+            </a:r>
+            <a:r>
+              <a:rPr lang="en-US" altLang="en-US" sz="1710">
+                <a:latin typeface="Noto Serif CJK JP" panose="02020400000000000000" charset="-122"/>
+                <a:ea typeface="Noto Serif CJK JP" panose="02020400000000000000" charset="-122"/>
+              </a:rPr>
+              <a:t> :- class boundary</a:t>
+            </a:r>
+            <a:endParaRPr lang="en-US" altLang="en-US" sz="1710">
+              <a:latin typeface="Noto Serif CJK JP" panose="02020400000000000000" charset="-122"/>
+              <a:ea typeface="Noto Serif CJK JP" panose="02020400000000000000" charset="-122"/>
+            </a:endParaRPr>
+          </a:p>
+          <a:p>
+            <a:pPr lvl="1">
+              <a:lnSpc>
+                <a:spcPct val="100000"/>
+              </a:lnSpc>
+            </a:pPr>
+            <a:r>
+              <a:rPr lang="en-US" altLang="en-US" sz="2000">
+                <a:latin typeface="Noto Serif CJK JP" panose="02020400000000000000" charset="-122"/>
+                <a:ea typeface="Noto Serif CJK JP" panose="02020400000000000000" charset="-122"/>
+              </a:rPr>
+              <a:t>protected  </a:t>
+            </a:r>
+            <a:endParaRPr lang="en-US" altLang="en-US" sz="2000">
+              <a:latin typeface="Noto Serif CJK JP" panose="02020400000000000000" charset="-122"/>
+              <a:ea typeface="Noto Serif CJK JP" panose="02020400000000000000" charset="-122"/>
+            </a:endParaRPr>
+          </a:p>
+          <a:p>
+            <a:pPr lvl="2">
+              <a:lnSpc>
+                <a:spcPct val="100000"/>
+              </a:lnSpc>
+            </a:pPr>
+            <a:r>
+              <a:rPr lang="en-US" altLang="en-US" sz="1710" b="1">
+                <a:latin typeface="Noto Serif CJK JP" panose="02020400000000000000" charset="-122"/>
+                <a:ea typeface="Noto Serif CJK JP" panose="02020400000000000000" charset="-122"/>
+                <a:sym typeface="+mn-ea"/>
+              </a:rPr>
+              <a:t>Scope </a:t>
+            </a:r>
+            <a:r>
+              <a:rPr lang="en-US" altLang="en-US" sz="1710">
+                <a:latin typeface="Noto Serif CJK JP" panose="02020400000000000000" charset="-122"/>
+                <a:ea typeface="Noto Serif CJK JP" panose="02020400000000000000" charset="-122"/>
+                <a:sym typeface="+mn-ea"/>
+              </a:rPr>
+              <a:t>:- class boundary + Inhertiance</a:t>
+            </a:r>
+            <a:endParaRPr lang="en-US" altLang="en-US" sz="1710">
+              <a:latin typeface="Noto Serif CJK JP" panose="02020400000000000000" charset="-122"/>
+              <a:ea typeface="Noto Serif CJK JP" panose="02020400000000000000" charset="-122"/>
+            </a:endParaRPr>
+          </a:p>
+          <a:p>
+            <a:pPr lvl="1">
+              <a:lnSpc>
+                <a:spcPct val="100000"/>
+              </a:lnSpc>
+            </a:pPr>
+            <a:r>
+              <a:rPr lang="en-US" altLang="en-US" sz="2000">
+                <a:latin typeface="Noto Serif CJK JP" panose="02020400000000000000" charset="-122"/>
+                <a:ea typeface="Noto Serif CJK JP" panose="02020400000000000000" charset="-122"/>
+              </a:rPr>
+              <a:t>public  </a:t>
+            </a:r>
+            <a:endParaRPr lang="en-US" altLang="en-US" sz="2000">
+              <a:latin typeface="Noto Serif CJK JP" panose="02020400000000000000" charset="-122"/>
+              <a:ea typeface="Noto Serif CJK JP" panose="02020400000000000000" charset="-122"/>
+            </a:endParaRPr>
+          </a:p>
+          <a:p>
+            <a:pPr lvl="2">
+              <a:lnSpc>
+                <a:spcPct val="100000"/>
+              </a:lnSpc>
+            </a:pPr>
+            <a:r>
+              <a:rPr lang="en-US" altLang="en-US" sz="1710" b="1">
+                <a:latin typeface="Noto Serif CJK JP" panose="02020400000000000000" charset="-122"/>
+                <a:ea typeface="Noto Serif CJK JP" panose="02020400000000000000" charset="-122"/>
+                <a:sym typeface="+mn-ea"/>
+              </a:rPr>
+              <a:t>Scope </a:t>
+            </a:r>
+            <a:r>
+              <a:rPr lang="en-US" altLang="en-US" sz="1710">
+                <a:latin typeface="Noto Serif CJK JP" panose="02020400000000000000" charset="-122"/>
+                <a:ea typeface="Noto Serif CJK JP" panose="02020400000000000000" charset="-122"/>
+                <a:sym typeface="+mn-ea"/>
+              </a:rPr>
+              <a:t>:- </a:t>
+            </a:r>
+            <a:r>
+              <a:rPr lang="en-US" altLang="en-US" sz="1710">
+                <a:latin typeface="Noto Serif CJK JP" panose="02020400000000000000" charset="-122"/>
+                <a:ea typeface="Noto Serif CJK JP" panose="02020400000000000000" charset="-122"/>
+              </a:rPr>
+              <a:t>class boundary + Inhertiance +  Object</a:t>
+            </a:r>
+            <a:endParaRPr lang="en-US" altLang="en-US" sz="1710">
+              <a:latin typeface="Noto Serif CJK JP" panose="02020400000000000000" charset="-122"/>
+              <a:ea typeface="Noto Serif CJK JP" panose="02020400000000000000" charset="-122"/>
+            </a:endParaRPr>
+          </a:p>
+        </p:txBody>
+      </p:sp>
+    </p:spTree>
+  </p:cSld>
+  <p:clrMapOvr>
+    <a:masterClrMapping/>
+  </p:clrMapOvr>
+</p:sld>
+</file>
+
+<file path=ppt/slides/slide16.xml><?xml version="1.0" encoding="utf-8"?>
+<p:sld xmlns:a="http://schemas.openxmlformats.org/drawingml/2006/main" xmlns:r="http://schemas.openxmlformats.org/officeDocument/2006/relationships" xmlns:p="http://schemas.openxmlformats.org/presentationml/2006/main">
+  <p:cSld>
+    <p:spTree>
+      <p:nvGrpSpPr>
+        <p:cNvPr id="1" name=""/>
+        <p:cNvGrpSpPr/>
+        <p:nvPr/>
+      </p:nvGrpSpPr>
+      <p:grpSpPr/>
+      <p:sp>
+        <p:nvSpPr>
+          <p:cNvPr id="2" name="Title 1"/>
+          <p:cNvSpPr>
+            <a:spLocks noGrp="1"/>
+          </p:cNvSpPr>
+          <p:nvPr>
+            <p:ph type="title"/>
+          </p:nvPr>
+        </p:nvSpPr>
+        <p:spPr/>
+        <p:txBody>
+          <a:bodyPr/>
+          <a:p>
+            <a:r>
+              <a:rPr lang="en-US" altLang="en-US">
+                <a:latin typeface="Noto Serif CJK JP" panose="02020400000000000000" charset="-122"/>
+                <a:ea typeface="Noto Serif CJK JP" panose="02020400000000000000" charset="-122"/>
+              </a:rPr>
+              <a:t>Example</a:t>
+            </a:r>
+            <a:endParaRPr lang="en-US" altLang="en-US">
+              <a:latin typeface="Noto Serif CJK JP" panose="02020400000000000000" charset="-122"/>
+              <a:ea typeface="Noto Serif CJK JP" panose="02020400000000000000" charset="-122"/>
+            </a:endParaRPr>
+          </a:p>
+        </p:txBody>
+      </p:sp>
+      <p:sp>
+        <p:nvSpPr>
+          <p:cNvPr id="3" name="Content Placeholder 2"/>
+          <p:cNvSpPr>
+            <a:spLocks noGrp="1"/>
+          </p:cNvSpPr>
+          <p:nvPr>
+            <p:ph idx="1"/>
+          </p:nvPr>
+        </p:nvSpPr>
+        <p:spPr>
+          <a:xfrm>
+            <a:off x="494665" y="1547495"/>
+            <a:ext cx="8277860" cy="5043805"/>
+          </a:xfrm>
+        </p:spPr>
+        <p:txBody>
+          <a:bodyPr/>
+          <a:p>
+            <a:pPr marL="0" indent="0">
+              <a:buNone/>
+            </a:pPr>
+            <a:r>
+              <a:rPr lang="en-US" altLang="en-US" sz="1800">
+                <a:latin typeface="FreeMono" panose="020F0409020205020404" charset="0"/>
+                <a:ea typeface="FreeMono" panose="020F0409020205020404" charset="0"/>
+              </a:rPr>
+              <a:t>class </a:t>
+            </a:r>
+            <a:r>
+              <a:rPr lang="en-US" altLang="en-US" sz="1800" b="1">
+                <a:latin typeface="FreeMono" panose="020F0409020205020404" charset="0"/>
+                <a:ea typeface="FreeMono" panose="020F0409020205020404" charset="0"/>
+              </a:rPr>
+              <a:t>Student </a:t>
+            </a:r>
+            <a:r>
+              <a:rPr lang="en-US" altLang="en-US" sz="1800">
+                <a:latin typeface="FreeMono" panose="020F0409020205020404" charset="0"/>
+                <a:ea typeface="FreeMono" panose="020F0409020205020404" charset="0"/>
+              </a:rPr>
+              <a:t>{</a:t>
+            </a:r>
+            <a:endParaRPr lang="en-US" altLang="en-US" sz="1800">
+              <a:latin typeface="FreeMono" panose="020F0409020205020404" charset="0"/>
+              <a:ea typeface="FreeMono" panose="020F0409020205020404" charset="0"/>
+            </a:endParaRPr>
+          </a:p>
+          <a:p>
+            <a:pPr marL="0" indent="0">
+              <a:buNone/>
+            </a:pPr>
+            <a:r>
+              <a:rPr lang="en-US" altLang="en-US" sz="1800">
+                <a:latin typeface="FreeMono" panose="020F0409020205020404" charset="0"/>
+                <a:ea typeface="FreeMono" panose="020F0409020205020404" charset="0"/>
+              </a:rPr>
+              <a:t> 	private int rollNo ;</a:t>
+            </a:r>
+            <a:endParaRPr lang="en-US" altLang="en-US" sz="1800">
+              <a:latin typeface="FreeMono" panose="020F0409020205020404" charset="0"/>
+              <a:ea typeface="FreeMono" panose="020F0409020205020404" charset="0"/>
+            </a:endParaRPr>
+          </a:p>
+          <a:p>
+            <a:pPr marL="0" indent="0">
+              <a:buNone/>
+            </a:pPr>
+            <a:r>
+              <a:rPr lang="en-US" altLang="en-US" sz="1800">
+                <a:latin typeface="FreeMono" panose="020F0409020205020404" charset="0"/>
+                <a:ea typeface="FreeMono" panose="020F0409020205020404" charset="0"/>
+              </a:rPr>
+              <a:t> 	</a:t>
+            </a:r>
+            <a:r>
+              <a:rPr lang="en-US" altLang="en-US" sz="1800">
+                <a:latin typeface="FreeMono" panose="020F0409020205020404" charset="0"/>
+                <a:ea typeface="FreeMono" panose="020F0409020205020404" charset="0"/>
+                <a:sym typeface="+mn-ea"/>
+              </a:rPr>
+              <a:t>private </a:t>
+            </a:r>
+            <a:r>
+              <a:rPr lang="en-US" altLang="en-US" sz="1800">
+                <a:latin typeface="FreeMono" panose="020F0409020205020404" charset="0"/>
+                <a:ea typeface="FreeMono" panose="020F0409020205020404" charset="0"/>
+              </a:rPr>
+              <a:t>char [] name; </a:t>
+            </a:r>
+            <a:endParaRPr lang="en-US" altLang="en-US" sz="1800">
+              <a:latin typeface="FreeMono" panose="020F0409020205020404" charset="0"/>
+              <a:ea typeface="FreeMono" panose="020F0409020205020404" charset="0"/>
+            </a:endParaRPr>
+          </a:p>
+          <a:p>
+            <a:pPr marL="0" indent="0">
+              <a:buNone/>
+            </a:pPr>
+            <a:r>
+              <a:rPr lang="en-US" altLang="en-US" sz="1800">
+                <a:latin typeface="FreeMono" panose="020F0409020205020404" charset="0"/>
+                <a:ea typeface="FreeMono" panose="020F0409020205020404" charset="0"/>
+              </a:rPr>
+              <a:t>	</a:t>
+            </a:r>
+            <a:r>
+              <a:rPr lang="en-US" altLang="en-US" sz="1800">
+                <a:latin typeface="FreeMono" panose="020F0409020205020404" charset="0"/>
+                <a:ea typeface="FreeMono" panose="020F0409020205020404" charset="0"/>
+                <a:sym typeface="+mn-ea"/>
+              </a:rPr>
+              <a:t>private char [] </a:t>
+            </a:r>
+            <a:r>
+              <a:rPr lang="en-US" altLang="en-US" sz="1800">
+                <a:latin typeface="FreeMono" panose="020F0409020205020404" charset="0"/>
+                <a:ea typeface="FreeMono" panose="020F0409020205020404" charset="0"/>
+              </a:rPr>
+              <a:t>address; </a:t>
+            </a:r>
+            <a:endParaRPr lang="en-US" altLang="en-US" sz="1800">
+              <a:latin typeface="FreeMono" panose="020F0409020205020404" charset="0"/>
+              <a:ea typeface="FreeMono" panose="020F0409020205020404" charset="0"/>
+            </a:endParaRPr>
+          </a:p>
+          <a:p>
+            <a:pPr marL="457200" lvl="1" indent="0">
+              <a:buNone/>
+            </a:pPr>
+            <a:r>
+              <a:rPr lang="en-US" altLang="en-US" sz="1800">
+                <a:latin typeface="FreeMono" panose="020F0409020205020404" charset="0"/>
+                <a:ea typeface="FreeMono" panose="020F0409020205020404" charset="0"/>
+                <a:sym typeface="+mn-ea"/>
+              </a:rPr>
+              <a:t>	private char [] </a:t>
+            </a:r>
+            <a:r>
+              <a:rPr lang="en-US" altLang="en-US" sz="1800">
+                <a:latin typeface="FreeMono" panose="020F0409020205020404" charset="0"/>
+                <a:ea typeface="FreeMono" panose="020F0409020205020404" charset="0"/>
+              </a:rPr>
+              <a:t>marks; </a:t>
+            </a:r>
+            <a:endParaRPr lang="en-US" altLang="en-US" sz="1800">
+              <a:latin typeface="FreeMono" panose="020F0409020205020404" charset="0"/>
+              <a:ea typeface="FreeMono" panose="020F0409020205020404" charset="0"/>
+            </a:endParaRPr>
+          </a:p>
+          <a:p>
+            <a:pPr marL="457200" lvl="1" indent="0">
+              <a:buNone/>
+            </a:pPr>
+            <a:r>
+              <a:rPr lang="en-US" altLang="en-US" sz="1800">
+                <a:latin typeface="FreeMono" panose="020F0409020205020404" charset="0"/>
+                <a:ea typeface="FreeMono" panose="020F0409020205020404" charset="0"/>
+              </a:rPr>
+              <a:t>	</a:t>
+            </a:r>
+            <a:r>
+              <a:rPr lang="en-US" altLang="en-US" sz="1800">
+                <a:latin typeface="FreeMono" panose="020F0409020205020404" charset="0"/>
+                <a:ea typeface="FreeMono" panose="020F0409020205020404" charset="0"/>
+                <a:sym typeface="+mn-ea"/>
+              </a:rPr>
+              <a:t>private </a:t>
+            </a:r>
+            <a:r>
+              <a:rPr lang="en-US" altLang="en-US" sz="1800">
+                <a:latin typeface="FreeMono" panose="020F0409020205020404" charset="0"/>
+                <a:ea typeface="FreeMono" panose="020F0409020205020404" charset="0"/>
+              </a:rPr>
+              <a:t>float height;</a:t>
+            </a:r>
+            <a:endParaRPr lang="en-US" altLang="en-US" sz="1800">
+              <a:latin typeface="FreeMono" panose="020F0409020205020404" charset="0"/>
+              <a:ea typeface="FreeMono" panose="020F0409020205020404" charset="0"/>
+            </a:endParaRPr>
+          </a:p>
+          <a:p>
+            <a:pPr marL="457200" lvl="1" indent="0">
+              <a:buNone/>
+            </a:pPr>
+            <a:r>
+              <a:rPr lang="en-US" altLang="en-US" sz="1800">
+                <a:latin typeface="FreeMono" panose="020F0409020205020404" charset="0"/>
+                <a:ea typeface="FreeMono" panose="020F0409020205020404" charset="0"/>
+              </a:rPr>
+              <a:t>	</a:t>
+            </a:r>
+            <a:r>
+              <a:rPr lang="en-US" altLang="en-US" sz="1800">
+                <a:latin typeface="FreeMono" panose="020F0409020205020404" charset="0"/>
+                <a:ea typeface="FreeMono" panose="020F0409020205020404" charset="0"/>
+                <a:sym typeface="+mn-ea"/>
+              </a:rPr>
+              <a:t>private </a:t>
+            </a:r>
+            <a:r>
+              <a:rPr lang="en-US" altLang="en-US" sz="1800">
+                <a:latin typeface="FreeMono" panose="020F0409020205020404" charset="0"/>
+                <a:ea typeface="FreeMono" panose="020F0409020205020404" charset="0"/>
+              </a:rPr>
+              <a:t>Attendences attendences;</a:t>
+            </a:r>
+            <a:endParaRPr lang="en-US" altLang="en-US" sz="1800">
+              <a:latin typeface="FreeMono" panose="020F0409020205020404" charset="0"/>
+              <a:ea typeface="FreeMono" panose="020F0409020205020404" charset="0"/>
+            </a:endParaRPr>
+          </a:p>
+          <a:p>
+            <a:pPr marL="457200" lvl="1" indent="0">
+              <a:buNone/>
+            </a:pPr>
+            <a:r>
+              <a:rPr lang="en-US" altLang="en-US" sz="1800">
+                <a:latin typeface="FreeMono" panose="020F0409020205020404" charset="0"/>
+                <a:ea typeface="FreeMono" panose="020F0409020205020404" charset="0"/>
+              </a:rPr>
+              <a:t> </a:t>
+            </a:r>
+            <a:endParaRPr lang="en-US" altLang="en-US" sz="1800">
+              <a:latin typeface="FreeMono" panose="020F0409020205020404" charset="0"/>
+              <a:ea typeface="FreeMono" panose="020F0409020205020404" charset="0"/>
+            </a:endParaRPr>
+          </a:p>
+          <a:p>
+            <a:pPr marL="457200" lvl="1" indent="0">
+              <a:buNone/>
+            </a:pPr>
+            <a:r>
+              <a:rPr lang="en-US" altLang="en-US" sz="1800">
+                <a:latin typeface="FreeMono" panose="020F0409020205020404" charset="0"/>
+                <a:ea typeface="FreeMono" panose="020F0409020205020404" charset="0"/>
+              </a:rPr>
+              <a:t>public float </a:t>
+            </a:r>
+            <a:r>
+              <a:rPr lang="en-US" altLang="en-US" sz="1795">
+                <a:latin typeface="FreeMono" panose="020F0409020205020404" charset="0"/>
+                <a:ea typeface="FreeMono" panose="020F0409020205020404" charset="0"/>
+              </a:rPr>
+              <a:t>calculatePercentage()</a:t>
+            </a:r>
+            <a:endParaRPr lang="en-US" altLang="en-US" sz="1795">
+              <a:latin typeface="FreeMono" panose="020F0409020205020404" charset="0"/>
+              <a:ea typeface="FreeMono" panose="020F0409020205020404" charset="0"/>
+            </a:endParaRPr>
+          </a:p>
+          <a:p>
+            <a:pPr marL="457200" lvl="1" indent="0">
+              <a:buNone/>
+            </a:pPr>
+            <a:r>
+              <a:rPr lang="en-US" altLang="en-US" sz="1795">
+                <a:latin typeface="FreeMono" panose="020F0409020205020404" charset="0"/>
+                <a:ea typeface="FreeMono" panose="020F0409020205020404" charset="0"/>
+              </a:rPr>
+              <a:t>public int getAttendenanceOfMonth(Month)</a:t>
+            </a:r>
+            <a:endParaRPr lang="en-US" altLang="en-US" sz="1795">
+              <a:latin typeface="FreeMono" panose="020F0409020205020404" charset="0"/>
+              <a:ea typeface="FreeMono" panose="020F0409020205020404" charset="0"/>
+            </a:endParaRPr>
+          </a:p>
+          <a:p>
+            <a:pPr marL="457200" lvl="1" indent="0">
+              <a:buNone/>
+            </a:pPr>
+            <a:r>
+              <a:rPr lang="en-US" altLang="en-US" sz="1795">
+                <a:latin typeface="FreeMono" panose="020F0409020205020404" charset="0"/>
+                <a:ea typeface="FreeMono" panose="020F0409020205020404" charset="0"/>
+              </a:rPr>
+              <a:t>}</a:t>
+            </a:r>
+            <a:endParaRPr lang="en-US" altLang="en-US" sz="1795">
+              <a:latin typeface="FreeMono" panose="020F0409020205020404" charset="0"/>
+              <a:ea typeface="FreeMono" panose="020F0409020205020404" charset="0"/>
+            </a:endParaRPr>
+          </a:p>
+          <a:p>
+            <a:pPr marL="0" indent="0">
+              <a:buNone/>
+            </a:pPr>
+            <a:endParaRPr lang="en-US" altLang="en-US" sz="1800">
+              <a:latin typeface="FreeMono" panose="020F0409020205020404" charset="0"/>
+              <a:ea typeface="FreeMono" panose="020F0409020205020404" charset="0"/>
+            </a:endParaRPr>
+          </a:p>
+          <a:p>
+            <a:pPr marL="0" indent="0">
+              <a:buNone/>
+            </a:pPr>
+            <a:r>
+              <a:rPr lang="en-US" altLang="en-US" sz="1800">
+                <a:latin typeface="FreeMono" panose="020F0409020205020404" charset="0"/>
+                <a:ea typeface="FreeMono" panose="020F0409020205020404" charset="0"/>
+              </a:rPr>
+              <a:t>Object Creation :  </a:t>
+            </a:r>
+            <a:endParaRPr lang="en-US" altLang="en-US" sz="1800">
+              <a:latin typeface="FreeMono" panose="020F0409020205020404" charset="0"/>
+              <a:ea typeface="FreeMono" panose="020F0409020205020404" charset="0"/>
+            </a:endParaRPr>
+          </a:p>
+          <a:p>
+            <a:pPr marL="0" indent="0">
+              <a:buNone/>
+            </a:pPr>
+            <a:r>
+              <a:rPr lang="en-US" altLang="en-US" sz="1800">
+                <a:latin typeface="FreeMono" panose="020F0409020205020404" charset="0"/>
+                <a:ea typeface="FreeMono" panose="020F0409020205020404" charset="0"/>
+              </a:rPr>
+              <a:t> Student s1 = new Student();  //</a:t>
+            </a:r>
+            <a:r>
+              <a:rPr lang="en-US" altLang="en-US" sz="1800">
+                <a:latin typeface="FreeMono" panose="020F0409020205020404" charset="0"/>
+                <a:ea typeface="FreeMono" panose="020F0409020205020404" charset="0"/>
+                <a:sym typeface="+mn-ea"/>
+              </a:rPr>
+              <a:t>s1.calculatePercentage</a:t>
+            </a:r>
+            <a:r>
+              <a:rPr lang="en-US" altLang="en-US" sz="1800">
+                <a:latin typeface="FreeMono" panose="020F0409020205020404" charset="0"/>
+                <a:ea typeface="FreeMono" panose="020F0409020205020404" charset="0"/>
+              </a:rPr>
+              <a:t>- 92</a:t>
+            </a:r>
+            <a:endParaRPr lang="en-US" altLang="en-US" sz="1800">
+              <a:latin typeface="FreeMono" panose="020F0409020205020404" charset="0"/>
+              <a:ea typeface="FreeMono" panose="020F0409020205020404" charset="0"/>
+            </a:endParaRPr>
+          </a:p>
+          <a:p>
+            <a:pPr marL="0" indent="0">
+              <a:buNone/>
+            </a:pPr>
+            <a:r>
+              <a:rPr lang="en-US" altLang="en-US" sz="1800">
+                <a:latin typeface="FreeMono" panose="020F0409020205020404" charset="0"/>
+                <a:ea typeface="FreeMono" panose="020F0409020205020404" charset="0"/>
+                <a:sym typeface="+mn-ea"/>
+              </a:rPr>
+              <a:t> Student s2 = new Student();  //s2.calculatePercentage- 83</a:t>
+            </a:r>
+            <a:endParaRPr lang="en-US" altLang="en-US" sz="1800">
+              <a:latin typeface="FreeMono" panose="020F0409020205020404" charset="0"/>
+              <a:ea typeface="FreeMono" panose="020F0409020205020404" charset="0"/>
+            </a:endParaRPr>
+          </a:p>
+          <a:p>
+            <a:pPr marL="0" indent="0">
+              <a:buNone/>
+            </a:pPr>
+            <a:endParaRPr lang="en-US" altLang="en-US" sz="1800">
+              <a:latin typeface="FreeMono" panose="020F0409020205020404" charset="0"/>
+              <a:ea typeface="FreeMono" panose="020F0409020205020404" charset="0"/>
+            </a:endParaRPr>
+          </a:p>
+          <a:p>
+            <a:pPr marL="0" indent="0">
+              <a:buNone/>
+            </a:pPr>
+            <a:endParaRPr lang="en-US" altLang="en-US" sz="1800">
+              <a:latin typeface="FreeMono" panose="020F0409020205020404" charset="0"/>
+              <a:ea typeface="FreeMono" panose="020F0409020205020404" charset="0"/>
+            </a:endParaRPr>
+          </a:p>
+        </p:txBody>
+      </p:sp>
+    </p:spTree>
+  </p:cSld>
+  <p:clrMapOvr>
+    <a:masterClrMapping/>
+  </p:clrMapOvr>
+</p:sld>
+</file>
+
+<file path=ppt/slides/slide17.xml><?xml version="1.0" encoding="utf-8"?>
+<p:sld xmlns:a="http://schemas.openxmlformats.org/drawingml/2006/main" xmlns:r="http://schemas.openxmlformats.org/officeDocument/2006/relationships" xmlns:p="http://schemas.openxmlformats.org/presentationml/2006/main">
+  <p:cSld>
+    <p:spTree>
+      <p:nvGrpSpPr>
+        <p:cNvPr id="1" name=""/>
+        <p:cNvGrpSpPr/>
+        <p:nvPr/>
+      </p:nvGrpSpPr>
+      <p:grpSpPr/>
+      <p:sp>
+        <p:nvSpPr>
+          <p:cNvPr id="2" name="Title 1"/>
+          <p:cNvSpPr>
+            <a:spLocks noGrp="1"/>
+          </p:cNvSpPr>
+          <p:nvPr>
+            <p:ph type="title"/>
+          </p:nvPr>
+        </p:nvSpPr>
+        <p:spPr>
+          <a:xfrm>
+            <a:off x="685800" y="240665"/>
+            <a:ext cx="7772400" cy="1143000"/>
+          </a:xfrm>
+        </p:spPr>
+        <p:txBody>
+          <a:bodyPr/>
+          <a:p>
+            <a:r>
+              <a:rPr lang="en-US">
+                <a:latin typeface="Noto Serif CJK JP" panose="02020400000000000000" charset="-122"/>
+                <a:ea typeface="Noto Serif CJK JP" panose="02020400000000000000" charset="-122"/>
+              </a:rPr>
+              <a:t>Inheritance</a:t>
+            </a:r>
+            <a:endParaRPr lang="en-US">
+              <a:latin typeface="Noto Serif CJK JP" panose="02020400000000000000" charset="-122"/>
+              <a:ea typeface="Noto Serif CJK JP" panose="02020400000000000000" charset="-122"/>
+            </a:endParaRPr>
+          </a:p>
+        </p:txBody>
+      </p:sp>
+      <p:sp>
+        <p:nvSpPr>
+          <p:cNvPr id="3" name="Content Placeholder 2"/>
+          <p:cNvSpPr>
+            <a:spLocks noGrp="1"/>
+          </p:cNvSpPr>
+          <p:nvPr>
+            <p:ph idx="1"/>
+          </p:nvPr>
+        </p:nvSpPr>
+        <p:spPr>
+          <a:xfrm>
+            <a:off x="535305" y="1383665"/>
+            <a:ext cx="8073390" cy="4852670"/>
+          </a:xfrm>
+        </p:spPr>
+        <p:txBody>
+          <a:bodyPr/>
+          <a:p>
+            <a:r>
+              <a:rPr lang="en-US" sz="2400">
+                <a:latin typeface="Noto Serif CJK JP" panose="02020400000000000000" charset="-122"/>
+                <a:ea typeface="Noto Serif CJK JP" panose="02020400000000000000" charset="-122"/>
+              </a:rPr>
+              <a:t>an object of class acquires the properties of </a:t>
+            </a:r>
+            <a:r>
+              <a:rPr lang="en-US" altLang="en-US" sz="2400">
+                <a:latin typeface="Noto Serif CJK JP" panose="02020400000000000000" charset="-122"/>
+                <a:ea typeface="Noto Serif CJK JP" panose="02020400000000000000" charset="-122"/>
+              </a:rPr>
+              <a:t>another </a:t>
+            </a:r>
+            <a:r>
+              <a:rPr lang="en-US" sz="2400">
+                <a:latin typeface="Noto Serif CJK JP" panose="02020400000000000000" charset="-122"/>
+                <a:ea typeface="Noto Serif CJK JP" panose="02020400000000000000" charset="-122"/>
+              </a:rPr>
+              <a:t>class.</a:t>
+            </a:r>
+            <a:endParaRPr lang="en-US" sz="2400">
+              <a:latin typeface="Noto Serif CJK JP" panose="02020400000000000000" charset="-122"/>
+              <a:ea typeface="Noto Serif CJK JP" panose="02020400000000000000" charset="-122"/>
+            </a:endParaRPr>
+          </a:p>
+          <a:p>
+            <a:r>
+              <a:rPr lang="en-US" altLang="en-US" sz="2400">
+                <a:latin typeface="Noto Serif CJK JP" panose="02020400000000000000" charset="-122"/>
+                <a:ea typeface="Noto Serif CJK JP" panose="02020400000000000000" charset="-122"/>
+              </a:rPr>
+              <a:t>Parent / Super class - whose properties can be inherited</a:t>
+            </a:r>
+            <a:endParaRPr lang="en-US" altLang="en-US" sz="2400">
+              <a:latin typeface="Noto Serif CJK JP" panose="02020400000000000000" charset="-122"/>
+              <a:ea typeface="Noto Serif CJK JP" panose="02020400000000000000" charset="-122"/>
+            </a:endParaRPr>
+          </a:p>
+          <a:p>
+            <a:r>
+              <a:rPr lang="en-US" altLang="en-US" sz="2400">
+                <a:latin typeface="Noto Serif CJK JP" panose="02020400000000000000" charset="-122"/>
+                <a:ea typeface="Noto Serif CJK JP" panose="02020400000000000000" charset="-122"/>
+              </a:rPr>
+              <a:t>Child / Sub class - who inherts the properties of class</a:t>
+            </a:r>
+            <a:endParaRPr lang="en-US" altLang="en-US" sz="2400">
+              <a:latin typeface="Noto Serif CJK JP" panose="02020400000000000000" charset="-122"/>
+              <a:ea typeface="Noto Serif CJK JP" panose="02020400000000000000" charset="-122"/>
+            </a:endParaRPr>
+          </a:p>
+          <a:p>
+            <a:r>
+              <a:rPr lang="en-US" altLang="en-US" sz="2400">
+                <a:latin typeface="Noto Serif CJK JP" panose="02020400000000000000" charset="-122"/>
+                <a:ea typeface="Noto Serif CJK JP" panose="02020400000000000000" charset="-122"/>
+              </a:rPr>
+              <a:t>Types of Inheritance </a:t>
+            </a:r>
+            <a:endParaRPr lang="en-US" altLang="en-US" sz="2400">
+              <a:latin typeface="Noto Serif CJK JP" panose="02020400000000000000" charset="-122"/>
+              <a:ea typeface="Noto Serif CJK JP" panose="02020400000000000000" charset="-122"/>
+            </a:endParaRPr>
+          </a:p>
+          <a:p>
+            <a:pPr lvl="1"/>
+            <a:r>
+              <a:rPr lang="en-US" altLang="en-US" sz="2100">
+                <a:latin typeface="Noto Serif CJK JP" panose="02020400000000000000" charset="-122"/>
+                <a:ea typeface="Noto Serif CJK JP" panose="02020400000000000000" charset="-122"/>
+              </a:rPr>
+              <a:t>Single  </a:t>
+            </a:r>
+            <a:endParaRPr lang="en-US" altLang="en-US" sz="2100">
+              <a:latin typeface="Noto Serif CJK JP" panose="02020400000000000000" charset="-122"/>
+              <a:ea typeface="Noto Serif CJK JP" panose="02020400000000000000" charset="-122"/>
+            </a:endParaRPr>
+          </a:p>
+          <a:p>
+            <a:pPr lvl="1"/>
+            <a:r>
+              <a:rPr lang="en-US" altLang="en-US" sz="2100">
+                <a:latin typeface="Noto Serif CJK JP" panose="02020400000000000000" charset="-122"/>
+                <a:ea typeface="Noto Serif CJK JP" panose="02020400000000000000" charset="-122"/>
+              </a:rPr>
+              <a:t>Multiple</a:t>
+            </a:r>
+            <a:endParaRPr lang="en-US" sz="2100">
+              <a:latin typeface="Noto Serif CJK JP" panose="02020400000000000000" charset="-122"/>
+              <a:ea typeface="Noto Serif CJK JP" panose="02020400000000000000" charset="-122"/>
+            </a:endParaRPr>
+          </a:p>
+          <a:p>
+            <a:r>
+              <a:rPr lang="en-US" altLang="en-US" sz="2400">
+                <a:latin typeface="Noto Serif CJK JP" panose="02020400000000000000" charset="-122"/>
+                <a:ea typeface="Noto Serif CJK JP" panose="02020400000000000000" charset="-122"/>
+              </a:rPr>
+              <a:t>achieves reusability</a:t>
+            </a:r>
+            <a:endParaRPr lang="en-US" altLang="en-US" sz="2400">
+              <a:latin typeface="Noto Serif CJK JP" panose="02020400000000000000" charset="-122"/>
+              <a:ea typeface="Noto Serif CJK JP" panose="02020400000000000000" charset="-122"/>
+            </a:endParaRPr>
+          </a:p>
+          <a:p>
+            <a:r>
+              <a:rPr lang="en-US" altLang="en-US" sz="2400">
+                <a:latin typeface="Noto Serif CJK JP" panose="02020400000000000000" charset="-122"/>
+                <a:ea typeface="Noto Serif CJK JP" panose="02020400000000000000" charset="-122"/>
+              </a:rPr>
+              <a:t>implenmented using operator ':' with access modifers [private , protected, public]</a:t>
+            </a:r>
+            <a:endParaRPr lang="en-US" altLang="en-US" sz="2400">
+              <a:latin typeface="Noto Serif CJK JP" panose="02020400000000000000" charset="-122"/>
+              <a:ea typeface="Noto Serif CJK JP" panose="02020400000000000000" charset="-122"/>
+            </a:endParaRPr>
+          </a:p>
+        </p:txBody>
+      </p:sp>
+    </p:spTree>
+  </p:cSld>
+  <p:clrMapOvr>
+    <a:masterClrMapping/>
+  </p:clrMapOvr>
+</p:sld>
+</file>
+
+<file path=ppt/slides/slide18.xml><?xml version="1.0" encoding="utf-8"?>
 <p:sld xmlns:a="http://schemas.openxmlformats.org/drawingml/2006/main" xmlns:r="http://schemas.openxmlformats.org/officeDocument/2006/relationships" xmlns:p="http://schemas.openxmlformats.org/presentationml/2006/main">
   <p:cSld>
     <p:spTree>
@@ -6198,7 +7754,7 @@
 </p:sld>
 </file>
 
-<file path=ppt/slides/slide13.xml><?xml version="1.0" encoding="utf-8"?>
+<file path=ppt/slides/slide19.xml><?xml version="1.0" encoding="utf-8"?>
 <p:sld xmlns:a="http://schemas.openxmlformats.org/drawingml/2006/main" xmlns:r="http://schemas.openxmlformats.org/officeDocument/2006/relationships" xmlns:p="http://schemas.openxmlformats.org/presentationml/2006/main">
   <p:cSld>
     <p:spTree>
@@ -6398,13 +7954,13 @@
               </a:lnSpc>
             </a:pPr>
             <a:r>
-              <a:rPr lang="" altLang="en-US" sz="2400">
+              <a:rPr lang="en-US" altLang="en-US" sz="2400">
                 <a:latin typeface="Noto Serif CJK JP" panose="02020400000000000000" charset="-122"/>
                 <a:ea typeface="Noto Serif CJK JP" panose="02020400000000000000" charset="-122"/>
               </a:rPr>
               <a:t>Types of Polymorphism : </a:t>
             </a:r>
-            <a:endParaRPr lang="" altLang="en-US" sz="2400">
+            <a:endParaRPr lang="en-US" altLang="en-US" sz="2400">
               <a:latin typeface="Noto Serif CJK JP" panose="02020400000000000000" charset="-122"/>
               <a:ea typeface="Noto Serif CJK JP" panose="02020400000000000000" charset="-122"/>
             </a:endParaRPr>
@@ -6423,13 +7979,13 @@
               <a:t>Compile time  </a:t>
             </a:r>
             <a:r>
-              <a:rPr lang="" altLang="en-US" sz="2100">
+              <a:rPr lang="en-US" altLang="en-US" sz="2100">
                 <a:latin typeface="Noto Serif CJK JP" panose="02020400000000000000" charset="-122"/>
                 <a:ea typeface="Noto Serif CJK JP" panose="02020400000000000000" charset="-122"/>
               </a:rPr>
               <a:t>: -  Function or Operator overloading.</a:t>
             </a:r>
-            <a:endParaRPr lang="" altLang="en-US" sz="2100">
+            <a:endParaRPr lang="en-US" altLang="en-US" sz="2100">
               <a:latin typeface="Noto Serif CJK JP" panose="02020400000000000000" charset="-122"/>
               <a:ea typeface="Noto Serif CJK JP" panose="02020400000000000000" charset="-122"/>
             </a:endParaRPr>
@@ -6448,903 +8004,19 @@
               <a:t>Runtime </a:t>
             </a:r>
             <a:r>
-              <a:rPr lang="" altLang="en-US" sz="2100">
+              <a:rPr lang="en-US" altLang="en-US" sz="2100">
                 <a:latin typeface="Noto Serif CJK JP" panose="02020400000000000000" charset="-122"/>
                 <a:ea typeface="Noto Serif CJK JP" panose="02020400000000000000" charset="-122"/>
               </a:rPr>
               <a:t>:- Function overriding</a:t>
             </a:r>
-            <a:endParaRPr lang="" altLang="en-US" sz="2100">
+            <a:endParaRPr lang="en-US" altLang="en-US" sz="2100">
               <a:latin typeface="Noto Serif CJK JP" panose="02020400000000000000" charset="-122"/>
               <a:ea typeface="Noto Serif CJK JP" panose="02020400000000000000" charset="-122"/>
             </a:endParaRPr>
           </a:p>
           <a:p>
             <a:endParaRPr lang="en-US" altLang="en-US" sz="2400">
-              <a:latin typeface="Noto Serif CJK JP" panose="02020400000000000000" charset="-122"/>
-              <a:ea typeface="Noto Serif CJK JP" panose="02020400000000000000" charset="-122"/>
-            </a:endParaRPr>
-          </a:p>
-        </p:txBody>
-      </p:sp>
-    </p:spTree>
-  </p:cSld>
-  <p:clrMapOvr>
-    <a:masterClrMapping/>
-  </p:clrMapOvr>
-</p:sld>
-</file>
-
-<file path=ppt/slides/slide14.xml><?xml version="1.0" encoding="utf-8"?>
-<p:sld xmlns:a="http://schemas.openxmlformats.org/drawingml/2006/main" xmlns:r="http://schemas.openxmlformats.org/officeDocument/2006/relationships" xmlns:p="http://schemas.openxmlformats.org/presentationml/2006/main">
-  <p:cSld>
-    <p:spTree>
-      <p:nvGrpSpPr>
-        <p:cNvPr id="1" name=""/>
-        <p:cNvGrpSpPr/>
-        <p:nvPr/>
-      </p:nvGrpSpPr>
-      <p:grpSpPr/>
-      <p:sp>
-        <p:nvSpPr>
-          <p:cNvPr id="3" name="Content Placeholder 2"/>
-          <p:cNvSpPr>
-            <a:spLocks noGrp="1"/>
-          </p:cNvSpPr>
-          <p:nvPr>
-            <p:ph idx="1"/>
-          </p:nvPr>
-        </p:nvSpPr>
-        <p:spPr>
-          <a:xfrm>
-            <a:off x="685800" y="928370"/>
-            <a:ext cx="7772400" cy="5702300"/>
-          </a:xfrm>
-        </p:spPr>
-        <p:txBody>
-          <a:bodyPr/>
-          <a:p>
-            <a:pPr marL="0" indent="0">
-              <a:lnSpc>
-                <a:spcPct val="80000"/>
-              </a:lnSpc>
-              <a:buNone/>
-            </a:pPr>
-            <a:r>
-              <a:rPr lang="en-US" sz="1800">
-                <a:latin typeface="FreeMono" panose="020F0409020205020404" charset="0"/>
-                <a:ea typeface="FreeMono" panose="020F0409020205020404" charset="0"/>
-              </a:rPr>
-              <a:t>class </a:t>
-            </a:r>
-            <a:r>
-              <a:rPr lang="en-US" altLang="en-US" sz="1800" b="1">
-                <a:latin typeface="FreeMono" panose="020F0409020205020404" charset="0"/>
-                <a:ea typeface="FreeMono" panose="020F0409020205020404" charset="0"/>
-              </a:rPr>
-              <a:t>MultiBehaviour</a:t>
-            </a:r>
-            <a:endParaRPr lang="en-US" sz="1800">
-              <a:latin typeface="FreeMono" panose="020F0409020205020404" charset="0"/>
-              <a:ea typeface="FreeMono" panose="020F0409020205020404" charset="0"/>
-            </a:endParaRPr>
-          </a:p>
-          <a:p>
-            <a:pPr marL="0" indent="0">
-              <a:lnSpc>
-                <a:spcPct val="80000"/>
-              </a:lnSpc>
-              <a:buNone/>
-            </a:pPr>
-            <a:r>
-              <a:rPr lang="en-US" sz="1800">
-                <a:latin typeface="FreeMono" panose="020F0409020205020404" charset="0"/>
-                <a:ea typeface="FreeMono" panose="020F0409020205020404" charset="0"/>
-              </a:rPr>
-              <a:t>{    </a:t>
-            </a:r>
-            <a:endParaRPr lang="en-US" sz="1800">
-              <a:latin typeface="FreeMono" panose="020F0409020205020404" charset="0"/>
-              <a:ea typeface="FreeMono" panose="020F0409020205020404" charset="0"/>
-            </a:endParaRPr>
-          </a:p>
-          <a:p>
-            <a:pPr marL="0" indent="0">
-              <a:lnSpc>
-                <a:spcPct val="80000"/>
-              </a:lnSpc>
-              <a:buNone/>
-            </a:pPr>
-            <a:r>
-              <a:rPr lang="en-US" sz="1800">
-                <a:latin typeface="FreeMono" panose="020F0409020205020404" charset="0"/>
-                <a:ea typeface="FreeMono" panose="020F0409020205020404" charset="0"/>
-              </a:rPr>
-              <a:t>    // function with 1 int parameter </a:t>
-            </a:r>
-            <a:endParaRPr lang="en-US" sz="1800">
-              <a:latin typeface="FreeMono" panose="020F0409020205020404" charset="0"/>
-              <a:ea typeface="FreeMono" panose="020F0409020205020404" charset="0"/>
-            </a:endParaRPr>
-          </a:p>
-          <a:p>
-            <a:pPr marL="0" indent="0">
-              <a:lnSpc>
-                <a:spcPct val="80000"/>
-              </a:lnSpc>
-              <a:buNone/>
-            </a:pPr>
-            <a:r>
-              <a:rPr lang="en-US" sz="1800">
-                <a:latin typeface="FreeMono" panose="020F0409020205020404" charset="0"/>
-                <a:ea typeface="FreeMono" panose="020F0409020205020404" charset="0"/>
-              </a:rPr>
-              <a:t>    </a:t>
-            </a:r>
-            <a:r>
-              <a:rPr lang="en-US" sz="1800">
-                <a:latin typeface="FreeMono" panose="020F0409020205020404" charset="0"/>
-                <a:ea typeface="FreeMono" panose="020F0409020205020404" charset="0"/>
-                <a:sym typeface="+mn-ea"/>
-              </a:rPr>
-              <a:t>public </a:t>
-            </a:r>
-            <a:r>
-              <a:rPr lang="en-US" sz="1800">
-                <a:latin typeface="FreeMono" panose="020F0409020205020404" charset="0"/>
-                <a:ea typeface="FreeMono" panose="020F0409020205020404" charset="0"/>
-              </a:rPr>
-              <a:t>void func(int x) </a:t>
-            </a:r>
-            <a:endParaRPr lang="en-US" sz="1800">
-              <a:latin typeface="FreeMono" panose="020F0409020205020404" charset="0"/>
-              <a:ea typeface="FreeMono" panose="020F0409020205020404" charset="0"/>
-            </a:endParaRPr>
-          </a:p>
-          <a:p>
-            <a:pPr marL="0" indent="0">
-              <a:lnSpc>
-                <a:spcPct val="80000"/>
-              </a:lnSpc>
-              <a:buNone/>
-            </a:pPr>
-            <a:r>
-              <a:rPr lang="en-US" sz="1800">
-                <a:latin typeface="FreeMono" panose="020F0409020205020404" charset="0"/>
-                <a:ea typeface="FreeMono" panose="020F0409020205020404" charset="0"/>
-              </a:rPr>
-              <a:t>    { </a:t>
-            </a:r>
-            <a:endParaRPr lang="en-US" sz="1800">
-              <a:latin typeface="FreeMono" panose="020F0409020205020404" charset="0"/>
-              <a:ea typeface="FreeMono" panose="020F0409020205020404" charset="0"/>
-            </a:endParaRPr>
-          </a:p>
-          <a:p>
-            <a:pPr marL="0" indent="0">
-              <a:lnSpc>
-                <a:spcPct val="80000"/>
-              </a:lnSpc>
-              <a:buNone/>
-            </a:pPr>
-            <a:r>
-              <a:rPr lang="en-US" sz="1800">
-                <a:latin typeface="FreeMono" panose="020F0409020205020404" charset="0"/>
-                <a:ea typeface="FreeMono" panose="020F0409020205020404" charset="0"/>
-              </a:rPr>
-              <a:t>      cout &lt;&lt; "value of x is " &lt;&lt; x &lt;&lt; endl; </a:t>
-            </a:r>
-            <a:endParaRPr lang="en-US" sz="1800">
-              <a:latin typeface="FreeMono" panose="020F0409020205020404" charset="0"/>
-              <a:ea typeface="FreeMono" panose="020F0409020205020404" charset="0"/>
-            </a:endParaRPr>
-          </a:p>
-          <a:p>
-            <a:pPr marL="0" indent="0">
-              <a:lnSpc>
-                <a:spcPct val="80000"/>
-              </a:lnSpc>
-              <a:buNone/>
-            </a:pPr>
-            <a:r>
-              <a:rPr lang="en-US" sz="1800">
-                <a:latin typeface="FreeMono" panose="020F0409020205020404" charset="0"/>
-                <a:ea typeface="FreeMono" panose="020F0409020205020404" charset="0"/>
-              </a:rPr>
-              <a:t>    } </a:t>
-            </a:r>
-            <a:endParaRPr lang="en-US" sz="1800">
-              <a:latin typeface="FreeMono" panose="020F0409020205020404" charset="0"/>
-              <a:ea typeface="FreeMono" panose="020F0409020205020404" charset="0"/>
-            </a:endParaRPr>
-          </a:p>
-          <a:p>
-            <a:pPr marL="0" indent="0">
-              <a:lnSpc>
-                <a:spcPct val="80000"/>
-              </a:lnSpc>
-              <a:buNone/>
-            </a:pPr>
-            <a:r>
-              <a:rPr lang="en-US" sz="1800">
-                <a:latin typeface="FreeMono" panose="020F0409020205020404" charset="0"/>
-                <a:ea typeface="FreeMono" panose="020F0409020205020404" charset="0"/>
-              </a:rPr>
-              <a:t> </a:t>
-            </a:r>
-            <a:endParaRPr lang="en-US" sz="1800">
-              <a:latin typeface="FreeMono" panose="020F0409020205020404" charset="0"/>
-              <a:ea typeface="FreeMono" panose="020F0409020205020404" charset="0"/>
-            </a:endParaRPr>
-          </a:p>
-          <a:p>
-            <a:pPr marL="0" indent="0">
-              <a:lnSpc>
-                <a:spcPct val="80000"/>
-              </a:lnSpc>
-              <a:buNone/>
-            </a:pPr>
-            <a:r>
-              <a:rPr lang="en-US" sz="1800">
-                <a:latin typeface="FreeMono" panose="020F0409020205020404" charset="0"/>
-                <a:ea typeface="FreeMono" panose="020F0409020205020404" charset="0"/>
-              </a:rPr>
-              <a:t>    // function with same name but 1 double parameter </a:t>
-            </a:r>
-            <a:endParaRPr lang="en-US" sz="1800">
-              <a:latin typeface="FreeMono" panose="020F0409020205020404" charset="0"/>
-              <a:ea typeface="FreeMono" panose="020F0409020205020404" charset="0"/>
-            </a:endParaRPr>
-          </a:p>
-          <a:p>
-            <a:pPr marL="0" indent="0">
-              <a:lnSpc>
-                <a:spcPct val="80000"/>
-              </a:lnSpc>
-              <a:buNone/>
-            </a:pPr>
-            <a:r>
-              <a:rPr lang="en-US" sz="1800">
-                <a:latin typeface="FreeMono" panose="020F0409020205020404" charset="0"/>
-                <a:ea typeface="FreeMono" panose="020F0409020205020404" charset="0"/>
-              </a:rPr>
-              <a:t>    void func(double x) </a:t>
-            </a:r>
-            <a:endParaRPr lang="en-US" sz="1800">
-              <a:latin typeface="FreeMono" panose="020F0409020205020404" charset="0"/>
-              <a:ea typeface="FreeMono" panose="020F0409020205020404" charset="0"/>
-            </a:endParaRPr>
-          </a:p>
-          <a:p>
-            <a:pPr marL="0" indent="0">
-              <a:lnSpc>
-                <a:spcPct val="80000"/>
-              </a:lnSpc>
-              <a:buNone/>
-            </a:pPr>
-            <a:r>
-              <a:rPr lang="en-US" sz="1800">
-                <a:latin typeface="FreeMono" panose="020F0409020205020404" charset="0"/>
-                <a:ea typeface="FreeMono" panose="020F0409020205020404" charset="0"/>
-              </a:rPr>
-              <a:t>    { </a:t>
-            </a:r>
-            <a:endParaRPr lang="en-US" sz="1800">
-              <a:latin typeface="FreeMono" panose="020F0409020205020404" charset="0"/>
-              <a:ea typeface="FreeMono" panose="020F0409020205020404" charset="0"/>
-            </a:endParaRPr>
-          </a:p>
-          <a:p>
-            <a:pPr marL="0" indent="0">
-              <a:lnSpc>
-                <a:spcPct val="80000"/>
-              </a:lnSpc>
-              <a:buNone/>
-            </a:pPr>
-            <a:r>
-              <a:rPr lang="en-US" sz="1800">
-                <a:latin typeface="FreeMono" panose="020F0409020205020404" charset="0"/>
-                <a:ea typeface="FreeMono" panose="020F0409020205020404" charset="0"/>
-              </a:rPr>
-              <a:t>       cout &lt;&lt; "value of x is " &lt;&lt; x &lt;&lt; endl; </a:t>
-            </a:r>
-            <a:endParaRPr lang="en-US" sz="1800">
-              <a:latin typeface="FreeMono" panose="020F0409020205020404" charset="0"/>
-              <a:ea typeface="FreeMono" panose="020F0409020205020404" charset="0"/>
-            </a:endParaRPr>
-          </a:p>
-          <a:p>
-            <a:pPr marL="0" indent="0">
-              <a:lnSpc>
-                <a:spcPct val="80000"/>
-              </a:lnSpc>
-              <a:buNone/>
-            </a:pPr>
-            <a:r>
-              <a:rPr lang="en-US" sz="1800">
-                <a:latin typeface="FreeMono" panose="020F0409020205020404" charset="0"/>
-                <a:ea typeface="FreeMono" panose="020F0409020205020404" charset="0"/>
-              </a:rPr>
-              <a:t>    } </a:t>
-            </a:r>
-            <a:endParaRPr lang="en-US" sz="1800">
-              <a:latin typeface="FreeMono" panose="020F0409020205020404" charset="0"/>
-              <a:ea typeface="FreeMono" panose="020F0409020205020404" charset="0"/>
-            </a:endParaRPr>
-          </a:p>
-          <a:p>
-            <a:pPr marL="0" indent="0">
-              <a:lnSpc>
-                <a:spcPct val="80000"/>
-              </a:lnSpc>
-              <a:buNone/>
-            </a:pPr>
-            <a:endParaRPr lang="en-US" sz="1800">
-              <a:latin typeface="FreeMono" panose="020F0409020205020404" charset="0"/>
-              <a:ea typeface="FreeMono" panose="020F0409020205020404" charset="0"/>
-            </a:endParaRPr>
-          </a:p>
-          <a:p>
-            <a:pPr marL="0" indent="0">
-              <a:lnSpc>
-                <a:spcPct val="80000"/>
-              </a:lnSpc>
-              <a:buNone/>
-            </a:pPr>
-            <a:r>
-              <a:rPr lang="en-US" sz="1800">
-                <a:latin typeface="FreeMono" panose="020F0409020205020404" charset="0"/>
-                <a:ea typeface="FreeMono" panose="020F0409020205020404" charset="0"/>
-              </a:rPr>
-              <a:t> // function with same name and 2 int parameters </a:t>
-            </a:r>
-            <a:endParaRPr lang="en-US" sz="1800">
-              <a:latin typeface="FreeMono" panose="020F0409020205020404" charset="0"/>
-              <a:ea typeface="FreeMono" panose="020F0409020205020404" charset="0"/>
-            </a:endParaRPr>
-          </a:p>
-          <a:p>
-            <a:pPr marL="0" indent="0">
-              <a:lnSpc>
-                <a:spcPct val="80000"/>
-              </a:lnSpc>
-              <a:buNone/>
-            </a:pPr>
-            <a:r>
-              <a:rPr lang="en-US" sz="1800">
-                <a:latin typeface="FreeMono" panose="020F0409020205020404" charset="0"/>
-                <a:ea typeface="FreeMono" panose="020F0409020205020404" charset="0"/>
-              </a:rPr>
-              <a:t>    void func(int x, int y) </a:t>
-            </a:r>
-            <a:endParaRPr lang="en-US" sz="1800">
-              <a:latin typeface="FreeMono" panose="020F0409020205020404" charset="0"/>
-              <a:ea typeface="FreeMono" panose="020F0409020205020404" charset="0"/>
-            </a:endParaRPr>
-          </a:p>
-          <a:p>
-            <a:pPr marL="0" indent="0">
-              <a:lnSpc>
-                <a:spcPct val="80000"/>
-              </a:lnSpc>
-              <a:buNone/>
-            </a:pPr>
-            <a:r>
-              <a:rPr lang="en-US" sz="1800">
-                <a:latin typeface="FreeMono" panose="020F0409020205020404" charset="0"/>
-                <a:ea typeface="FreeMono" panose="020F0409020205020404" charset="0"/>
-              </a:rPr>
-              <a:t>    { </a:t>
-            </a:r>
-            <a:endParaRPr lang="en-US" sz="1800">
-              <a:latin typeface="FreeMono" panose="020F0409020205020404" charset="0"/>
-              <a:ea typeface="FreeMono" panose="020F0409020205020404" charset="0"/>
-            </a:endParaRPr>
-          </a:p>
-          <a:p>
-            <a:pPr marL="0" indent="0">
-              <a:lnSpc>
-                <a:spcPct val="80000"/>
-              </a:lnSpc>
-              <a:buNone/>
-            </a:pPr>
-            <a:r>
-              <a:rPr lang="en-US" sz="1800">
-                <a:latin typeface="FreeMono" panose="020F0409020205020404" charset="0"/>
-                <a:ea typeface="FreeMono" panose="020F0409020205020404" charset="0"/>
-              </a:rPr>
-              <a:t>      cout &lt;&lt; "value of x</a:t>
-            </a:r>
-            <a:r>
-              <a:rPr lang="en-US" altLang="en-US" sz="1800">
-                <a:latin typeface="FreeMono" panose="020F0409020205020404" charset="0"/>
-                <a:ea typeface="FreeMono" panose="020F0409020205020404" charset="0"/>
-              </a:rPr>
-              <a:t>&amp;</a:t>
-            </a:r>
-            <a:r>
-              <a:rPr lang="en-US" sz="1800">
-                <a:latin typeface="FreeMono" panose="020F0409020205020404" charset="0"/>
-                <a:ea typeface="FreeMono" panose="020F0409020205020404" charset="0"/>
-              </a:rPr>
-              <a:t>y is " &lt;&lt;x&lt;&lt;"</a:t>
-            </a:r>
-            <a:r>
-              <a:rPr lang="en-US" altLang="en-US" sz="1800">
-                <a:latin typeface="FreeMono" panose="020F0409020205020404" charset="0"/>
-                <a:ea typeface="FreeMono" panose="020F0409020205020404" charset="0"/>
-              </a:rPr>
-              <a:t>,</a:t>
-            </a:r>
-            <a:r>
-              <a:rPr lang="en-US" sz="1800">
-                <a:latin typeface="FreeMono" panose="020F0409020205020404" charset="0"/>
-                <a:ea typeface="FreeMono" panose="020F0409020205020404" charset="0"/>
-              </a:rPr>
-              <a:t>"&lt;&lt;y&lt;&lt; endl; </a:t>
-            </a:r>
-            <a:endParaRPr lang="en-US" sz="1800">
-              <a:latin typeface="FreeMono" panose="020F0409020205020404" charset="0"/>
-              <a:ea typeface="FreeMono" panose="020F0409020205020404" charset="0"/>
-            </a:endParaRPr>
-          </a:p>
-          <a:p>
-            <a:pPr marL="0" indent="0">
-              <a:lnSpc>
-                <a:spcPct val="80000"/>
-              </a:lnSpc>
-              <a:buNone/>
-            </a:pPr>
-            <a:r>
-              <a:rPr lang="en-US" sz="1800">
-                <a:latin typeface="FreeMono" panose="020F0409020205020404" charset="0"/>
-                <a:ea typeface="FreeMono" panose="020F0409020205020404" charset="0"/>
-              </a:rPr>
-              <a:t>    } </a:t>
-            </a:r>
-            <a:endParaRPr lang="en-US" sz="1800">
-              <a:latin typeface="FreeMono" panose="020F0409020205020404" charset="0"/>
-              <a:ea typeface="FreeMono" panose="020F0409020205020404" charset="0"/>
-            </a:endParaRPr>
-          </a:p>
-          <a:p>
-            <a:pPr marL="0" indent="0">
-              <a:lnSpc>
-                <a:spcPct val="80000"/>
-              </a:lnSpc>
-              <a:buNone/>
-            </a:pPr>
-            <a:r>
-              <a:rPr lang="en-US" altLang="en-US" sz="1800">
-                <a:latin typeface="FreeMono" panose="020F0409020205020404" charset="0"/>
-                <a:ea typeface="FreeMono" panose="020F0409020205020404" charset="0"/>
-              </a:rPr>
-              <a:t>}</a:t>
-            </a:r>
-            <a:endParaRPr lang="en-US" sz="1800">
-              <a:latin typeface="FreeMono" panose="020F0409020205020404" charset="0"/>
-              <a:ea typeface="FreeMono" panose="020F0409020205020404" charset="0"/>
-            </a:endParaRPr>
-          </a:p>
-          <a:p>
-            <a:pPr marL="0" indent="0">
-              <a:lnSpc>
-                <a:spcPct val="80000"/>
-              </a:lnSpc>
-              <a:buNone/>
-            </a:pPr>
-            <a:r>
-              <a:rPr lang="en-US" sz="1800">
-                <a:latin typeface="FreeMono" panose="020F0409020205020404" charset="0"/>
-                <a:ea typeface="FreeMono" panose="020F0409020205020404" charset="0"/>
-              </a:rPr>
-              <a:t>    </a:t>
-            </a:r>
-            <a:endParaRPr lang="en-US" sz="1800">
-              <a:latin typeface="FreeMono" panose="020F0409020205020404" charset="0"/>
-              <a:ea typeface="FreeMono" panose="020F0409020205020404" charset="0"/>
-            </a:endParaRPr>
-          </a:p>
-        </p:txBody>
-      </p:sp>
-      <p:sp>
-        <p:nvSpPr>
-          <p:cNvPr id="2" name="Title 1"/>
-          <p:cNvSpPr>
-            <a:spLocks noGrp="1"/>
-          </p:cNvSpPr>
-          <p:nvPr>
-            <p:ph type="title"/>
-          </p:nvPr>
-        </p:nvSpPr>
-        <p:spPr>
-          <a:xfrm>
-            <a:off x="466090" y="15875"/>
-            <a:ext cx="7772400" cy="911860"/>
-          </a:xfrm>
-        </p:spPr>
-        <p:txBody>
-          <a:bodyPr/>
-          <a:p>
-            <a:r>
-              <a:rPr lang="en-US" altLang="en-US">
-                <a:latin typeface="Noto Serif CJK JP" panose="02020400000000000000" charset="-122"/>
-                <a:ea typeface="Noto Serif CJK JP" panose="02020400000000000000" charset="-122"/>
-              </a:rPr>
-              <a:t>Example</a:t>
-            </a:r>
-            <a:endParaRPr lang="en-US" altLang="en-US">
-              <a:latin typeface="Noto Serif CJK JP" panose="02020400000000000000" charset="-122"/>
-              <a:ea typeface="Noto Serif CJK JP" panose="02020400000000000000" charset="-122"/>
-            </a:endParaRPr>
-          </a:p>
-        </p:txBody>
-      </p:sp>
-    </p:spTree>
-  </p:cSld>
-  <p:clrMapOvr>
-    <a:masterClrMapping/>
-  </p:clrMapOvr>
-</p:sld>
-</file>
-
-<file path=ppt/slides/slide15.xml><?xml version="1.0" encoding="utf-8"?>
-<p:sld xmlns:a="http://schemas.openxmlformats.org/drawingml/2006/main" xmlns:r="http://schemas.openxmlformats.org/officeDocument/2006/relationships" xmlns:p="http://schemas.openxmlformats.org/presentationml/2006/main">
-  <p:cSld>
-    <p:spTree>
-      <p:nvGrpSpPr>
-        <p:cNvPr id="1" name=""/>
-        <p:cNvGrpSpPr/>
-        <p:nvPr/>
-      </p:nvGrpSpPr>
-      <p:grpSpPr/>
-      <p:sp>
-        <p:nvSpPr>
-          <p:cNvPr id="3" name="Content Placeholder 2"/>
-          <p:cNvSpPr>
-            <a:spLocks noGrp="1"/>
-          </p:cNvSpPr>
-          <p:nvPr>
-            <p:ph idx="1"/>
-          </p:nvPr>
-        </p:nvSpPr>
-        <p:spPr>
-          <a:xfrm>
-            <a:off x="685800" y="762635"/>
-            <a:ext cx="7772400" cy="5702300"/>
-          </a:xfrm>
-        </p:spPr>
-        <p:txBody>
-          <a:bodyPr/>
-          <a:p>
-            <a:pPr marL="0" indent="0">
-              <a:buNone/>
-            </a:pPr>
-            <a:r>
-              <a:rPr lang="en-US" sz="1800">
-                <a:latin typeface="FreeMono" panose="020F0409020205020404" charset="0"/>
-                <a:ea typeface="FreeMono" panose="020F0409020205020404" charset="0"/>
-              </a:rPr>
-              <a:t>  </a:t>
-            </a:r>
-            <a:endParaRPr lang="en-US" sz="1800">
-              <a:latin typeface="FreeMono" panose="020F0409020205020404" charset="0"/>
-              <a:ea typeface="FreeMono" panose="020F0409020205020404" charset="0"/>
-            </a:endParaRPr>
-          </a:p>
-          <a:p>
-            <a:pPr marL="0" indent="0">
-              <a:buNone/>
-            </a:pPr>
-            <a:r>
-              <a:rPr lang="en-US" sz="1800">
-                <a:latin typeface="FreeMono" panose="020F0409020205020404" charset="0"/>
-                <a:ea typeface="FreeMono" panose="020F0409020205020404" charset="0"/>
-              </a:rPr>
-              <a:t>int main() { </a:t>
-            </a:r>
-            <a:endParaRPr lang="en-US" sz="1800">
-              <a:latin typeface="FreeMono" panose="020F0409020205020404" charset="0"/>
-              <a:ea typeface="FreeMono" panose="020F0409020205020404" charset="0"/>
-            </a:endParaRPr>
-          </a:p>
-          <a:p>
-            <a:pPr marL="0" indent="0">
-              <a:buNone/>
-            </a:pPr>
-            <a:r>
-              <a:rPr lang="en-US" sz="1800">
-                <a:latin typeface="FreeMono" panose="020F0409020205020404" charset="0"/>
-                <a:ea typeface="FreeMono" panose="020F0409020205020404" charset="0"/>
-              </a:rPr>
-              <a:t>      </a:t>
-            </a:r>
-            <a:endParaRPr lang="en-US" sz="1800">
-              <a:latin typeface="FreeMono" panose="020F0409020205020404" charset="0"/>
-              <a:ea typeface="FreeMono" panose="020F0409020205020404" charset="0"/>
-            </a:endParaRPr>
-          </a:p>
-          <a:p>
-            <a:pPr marL="0" indent="0">
-              <a:buNone/>
-            </a:pPr>
-            <a:r>
-              <a:rPr lang="en-US" sz="1800">
-                <a:latin typeface="FreeMono" panose="020F0409020205020404" charset="0"/>
-                <a:ea typeface="FreeMono" panose="020F0409020205020404" charset="0"/>
-              </a:rPr>
-              <a:t>    </a:t>
-            </a:r>
-            <a:r>
-              <a:rPr lang="en-US" altLang="en-US" sz="1800" b="1">
-                <a:latin typeface="FreeMono" panose="020F0409020205020404" charset="0"/>
-                <a:ea typeface="FreeMono" panose="020F0409020205020404" charset="0"/>
-                <a:sym typeface="+mn-ea"/>
-              </a:rPr>
-              <a:t>MultiBehaviour </a:t>
-            </a:r>
-            <a:r>
-              <a:rPr lang="en-US" sz="1800">
-                <a:latin typeface="FreeMono" panose="020F0409020205020404" charset="0"/>
-                <a:ea typeface="FreeMono" panose="020F0409020205020404" charset="0"/>
-              </a:rPr>
-              <a:t>obj1 </a:t>
-            </a:r>
-            <a:r>
-              <a:rPr lang="en-US" altLang="en-US" sz="1800">
-                <a:latin typeface="FreeMono" panose="020F0409020205020404" charset="0"/>
-                <a:ea typeface="FreeMono" panose="020F0409020205020404" charset="0"/>
-              </a:rPr>
-              <a:t>= new </a:t>
-            </a:r>
-            <a:r>
-              <a:rPr lang="en-US" altLang="en-US" sz="1800" b="1">
-                <a:latin typeface="FreeMono" panose="020F0409020205020404" charset="0"/>
-                <a:ea typeface="FreeMono" panose="020F0409020205020404" charset="0"/>
-                <a:sym typeface="+mn-ea"/>
-              </a:rPr>
-              <a:t>MultiBehaviour()</a:t>
-            </a:r>
-            <a:r>
-              <a:rPr lang="en-US" altLang="en-US" sz="1800">
-                <a:latin typeface="FreeMono" panose="020F0409020205020404" charset="0"/>
-                <a:ea typeface="FreeMono" panose="020F0409020205020404" charset="0"/>
-              </a:rPr>
-              <a:t> </a:t>
-            </a:r>
-            <a:r>
-              <a:rPr lang="en-US" sz="1800">
-                <a:latin typeface="FreeMono" panose="020F0409020205020404" charset="0"/>
-                <a:ea typeface="FreeMono" panose="020F0409020205020404" charset="0"/>
-              </a:rPr>
-              <a:t>; </a:t>
-            </a:r>
-            <a:endParaRPr lang="en-US" sz="1800">
-              <a:latin typeface="FreeMono" panose="020F0409020205020404" charset="0"/>
-              <a:ea typeface="FreeMono" panose="020F0409020205020404" charset="0"/>
-            </a:endParaRPr>
-          </a:p>
-          <a:p>
-            <a:pPr marL="0" indent="0">
-              <a:buNone/>
-            </a:pPr>
-            <a:r>
-              <a:rPr lang="en-US" sz="1800">
-                <a:latin typeface="FreeMono" panose="020F0409020205020404" charset="0"/>
-                <a:ea typeface="FreeMono" panose="020F0409020205020404" charset="0"/>
-              </a:rPr>
-              <a:t>   </a:t>
-            </a:r>
-            <a:endParaRPr lang="en-US" sz="1800">
-              <a:latin typeface="FreeMono" panose="020F0409020205020404" charset="0"/>
-              <a:ea typeface="FreeMono" panose="020F0409020205020404" charset="0"/>
-            </a:endParaRPr>
-          </a:p>
-          <a:p>
-            <a:pPr marL="0" indent="0">
-              <a:buNone/>
-            </a:pPr>
-            <a:r>
-              <a:rPr lang="en-US" sz="1800">
-                <a:latin typeface="FreeMono" panose="020F0409020205020404" charset="0"/>
-                <a:ea typeface="FreeMono" panose="020F0409020205020404" charset="0"/>
-              </a:rPr>
-              <a:t>    // Which function is called will depend on the parameters passed </a:t>
-            </a:r>
-            <a:endParaRPr lang="en-US" sz="1800">
-              <a:latin typeface="FreeMono" panose="020F0409020205020404" charset="0"/>
-              <a:ea typeface="FreeMono" panose="020F0409020205020404" charset="0"/>
-            </a:endParaRPr>
-          </a:p>
-          <a:p>
-            <a:pPr marL="0" indent="0">
-              <a:buNone/>
-            </a:pPr>
-            <a:r>
-              <a:rPr lang="en-US" sz="1800">
-                <a:latin typeface="FreeMono" panose="020F0409020205020404" charset="0"/>
-                <a:ea typeface="FreeMono" panose="020F0409020205020404" charset="0"/>
-              </a:rPr>
-              <a:t>    // The first 'func' is called  </a:t>
-            </a:r>
-            <a:endParaRPr lang="en-US" sz="1800">
-              <a:latin typeface="FreeMono" panose="020F0409020205020404" charset="0"/>
-              <a:ea typeface="FreeMono" panose="020F0409020205020404" charset="0"/>
-            </a:endParaRPr>
-          </a:p>
-          <a:p>
-            <a:pPr marL="0" indent="0">
-              <a:buNone/>
-            </a:pPr>
-            <a:r>
-              <a:rPr lang="en-US" sz="1800">
-                <a:latin typeface="FreeMono" panose="020F0409020205020404" charset="0"/>
-                <a:ea typeface="FreeMono" panose="020F0409020205020404" charset="0"/>
-              </a:rPr>
-              <a:t>    obj1.func(7); </a:t>
-            </a:r>
-            <a:endParaRPr lang="en-US" sz="1800">
-              <a:latin typeface="FreeMono" panose="020F0409020205020404" charset="0"/>
-              <a:ea typeface="FreeMono" panose="020F0409020205020404" charset="0"/>
-            </a:endParaRPr>
-          </a:p>
-          <a:p>
-            <a:pPr marL="0" indent="0">
-              <a:buNone/>
-            </a:pPr>
-            <a:r>
-              <a:rPr lang="en-US" sz="1800">
-                <a:latin typeface="FreeMono" panose="020F0409020205020404" charset="0"/>
-                <a:ea typeface="FreeMono" panose="020F0409020205020404" charset="0"/>
-              </a:rPr>
-              <a:t>      </a:t>
-            </a:r>
-            <a:endParaRPr lang="en-US" sz="1800">
-              <a:latin typeface="FreeMono" panose="020F0409020205020404" charset="0"/>
-              <a:ea typeface="FreeMono" panose="020F0409020205020404" charset="0"/>
-            </a:endParaRPr>
-          </a:p>
-          <a:p>
-            <a:pPr marL="0" indent="0">
-              <a:buNone/>
-            </a:pPr>
-            <a:r>
-              <a:rPr lang="en-US" sz="1800">
-                <a:latin typeface="FreeMono" panose="020F0409020205020404" charset="0"/>
-                <a:ea typeface="FreeMono" panose="020F0409020205020404" charset="0"/>
-              </a:rPr>
-              <a:t>    // The second 'func' is called </a:t>
-            </a:r>
-            <a:endParaRPr lang="en-US" sz="1800">
-              <a:latin typeface="FreeMono" panose="020F0409020205020404" charset="0"/>
-              <a:ea typeface="FreeMono" panose="020F0409020205020404" charset="0"/>
-            </a:endParaRPr>
-          </a:p>
-          <a:p>
-            <a:pPr marL="0" indent="0">
-              <a:buNone/>
-            </a:pPr>
-            <a:r>
-              <a:rPr lang="en-US" sz="1800">
-                <a:latin typeface="FreeMono" panose="020F0409020205020404" charset="0"/>
-                <a:ea typeface="FreeMono" panose="020F0409020205020404" charset="0"/>
-              </a:rPr>
-              <a:t>    obj1.func(9.132); </a:t>
-            </a:r>
-            <a:endParaRPr lang="en-US" sz="1800">
-              <a:latin typeface="FreeMono" panose="020F0409020205020404" charset="0"/>
-              <a:ea typeface="FreeMono" panose="020F0409020205020404" charset="0"/>
-            </a:endParaRPr>
-          </a:p>
-          <a:p>
-            <a:pPr marL="0" indent="0">
-              <a:buNone/>
-            </a:pPr>
-            <a:r>
-              <a:rPr lang="en-US" sz="1800">
-                <a:latin typeface="FreeMono" panose="020F0409020205020404" charset="0"/>
-                <a:ea typeface="FreeMono" panose="020F0409020205020404" charset="0"/>
-              </a:rPr>
-              <a:t>      </a:t>
-            </a:r>
-            <a:endParaRPr lang="en-US" sz="1800">
-              <a:latin typeface="FreeMono" panose="020F0409020205020404" charset="0"/>
-              <a:ea typeface="FreeMono" panose="020F0409020205020404" charset="0"/>
-            </a:endParaRPr>
-          </a:p>
-          <a:p>
-            <a:pPr marL="0" indent="0">
-              <a:buNone/>
-            </a:pPr>
-            <a:r>
-              <a:rPr lang="en-US" sz="1800">
-                <a:latin typeface="FreeMono" panose="020F0409020205020404" charset="0"/>
-                <a:ea typeface="FreeMono" panose="020F0409020205020404" charset="0"/>
-              </a:rPr>
-              <a:t>    // The third 'func' is called </a:t>
-            </a:r>
-            <a:endParaRPr lang="en-US" sz="1800">
-              <a:latin typeface="FreeMono" panose="020F0409020205020404" charset="0"/>
-              <a:ea typeface="FreeMono" panose="020F0409020205020404" charset="0"/>
-            </a:endParaRPr>
-          </a:p>
-          <a:p>
-            <a:pPr marL="0" indent="0">
-              <a:buNone/>
-            </a:pPr>
-            <a:r>
-              <a:rPr lang="en-US" sz="1800">
-                <a:latin typeface="FreeMono" panose="020F0409020205020404" charset="0"/>
-                <a:ea typeface="FreeMono" panose="020F0409020205020404" charset="0"/>
-              </a:rPr>
-              <a:t>    obj1.func(85,64); </a:t>
-            </a:r>
-            <a:endParaRPr lang="en-US" sz="1800">
-              <a:latin typeface="FreeMono" panose="020F0409020205020404" charset="0"/>
-              <a:ea typeface="FreeMono" panose="020F0409020205020404" charset="0"/>
-            </a:endParaRPr>
-          </a:p>
-          <a:p>
-            <a:pPr marL="0" indent="0">
-              <a:buNone/>
-            </a:pPr>
-            <a:r>
-              <a:rPr lang="en-US" sz="1800">
-                <a:latin typeface="FreeMono" panose="020F0409020205020404" charset="0"/>
-                <a:ea typeface="FreeMono" panose="020F0409020205020404" charset="0"/>
-              </a:rPr>
-              <a:t>    return 0; </a:t>
-            </a:r>
-            <a:endParaRPr lang="en-US" sz="1800">
-              <a:latin typeface="FreeMono" panose="020F0409020205020404" charset="0"/>
-              <a:ea typeface="FreeMono" panose="020F0409020205020404" charset="0"/>
-            </a:endParaRPr>
-          </a:p>
-          <a:p>
-            <a:pPr marL="0" indent="0">
-              <a:buNone/>
-            </a:pPr>
-            <a:r>
-              <a:rPr lang="en-US" sz="1800">
-                <a:latin typeface="FreeMono" panose="020F0409020205020404" charset="0"/>
-                <a:ea typeface="FreeMono" panose="020F0409020205020404" charset="0"/>
-              </a:rPr>
-              <a:t>}  </a:t>
-            </a:r>
-            <a:endParaRPr lang="en-US" sz="1800">
-              <a:latin typeface="FreeMono" panose="020F0409020205020404" charset="0"/>
-              <a:ea typeface="FreeMono" panose="020F0409020205020404" charset="0"/>
-            </a:endParaRPr>
-          </a:p>
-        </p:txBody>
-      </p:sp>
-      <p:sp>
-        <p:nvSpPr>
-          <p:cNvPr id="2" name="Title 1"/>
-          <p:cNvSpPr>
-            <a:spLocks noGrp="1"/>
-          </p:cNvSpPr>
-          <p:nvPr>
-            <p:ph type="title"/>
-          </p:nvPr>
-        </p:nvSpPr>
-        <p:spPr>
-          <a:xfrm>
-            <a:off x="556260" y="41275"/>
-            <a:ext cx="7772400" cy="1143000"/>
-          </a:xfrm>
-        </p:spPr>
-        <p:txBody>
-          <a:bodyPr/>
-          <a:p>
-            <a:r>
-              <a:rPr lang="" altLang="en-US">
-                <a:latin typeface="Noto Serif CJK JP" panose="02020400000000000000" charset="-122"/>
-                <a:ea typeface="Noto Serif CJK JP" panose="02020400000000000000" charset="-122"/>
-              </a:rPr>
-              <a:t>Cont.</a:t>
-            </a:r>
-            <a:endParaRPr lang="" altLang="en-US">
               <a:latin typeface="Noto Serif CJK JP" panose="02020400000000000000" charset="-122"/>
               <a:ea typeface="Noto Serif CJK JP" panose="02020400000000000000" charset="-122"/>
             </a:endParaRPr>
@@ -7447,7 +8119,7 @@
                 <a:ea typeface="Noto Serif CJK JP" panose="02020400000000000000" charset="-122"/>
                 <a:cs typeface="+mj-ea"/>
               </a:rPr>
-              <a:t>Machine Language -&gt; Assembly Language -&gt;Structured Programming or Procedural Programming Language Eg : C</a:t>
+              <a:t>Machine Language -&gt; Assembly Language -&gt; Procedural Programming Language</a:t>
             </a:r>
             <a:endParaRPr lang="en-US" altLang="en-US" sz="2000">
               <a:latin typeface="Noto Serif CJK JP" panose="02020400000000000000" charset="-122"/>
@@ -7549,6 +8221,890 @@
               <a:latin typeface="Noto Serif CJK JP" panose="02020400000000000000" charset="-122"/>
               <a:ea typeface="Noto Serif CJK JP" panose="02020400000000000000" charset="-122"/>
               <a:cs typeface="+mj-ea"/>
+            </a:endParaRPr>
+          </a:p>
+        </p:txBody>
+      </p:sp>
+    </p:spTree>
+  </p:cSld>
+  <p:clrMapOvr>
+    <a:masterClrMapping/>
+  </p:clrMapOvr>
+</p:sld>
+</file>
+
+<file path=ppt/slides/slide20.xml><?xml version="1.0" encoding="utf-8"?>
+<p:sld xmlns:a="http://schemas.openxmlformats.org/drawingml/2006/main" xmlns:r="http://schemas.openxmlformats.org/officeDocument/2006/relationships" xmlns:p="http://schemas.openxmlformats.org/presentationml/2006/main">
+  <p:cSld>
+    <p:spTree>
+      <p:nvGrpSpPr>
+        <p:cNvPr id="1" name=""/>
+        <p:cNvGrpSpPr/>
+        <p:nvPr/>
+      </p:nvGrpSpPr>
+      <p:grpSpPr/>
+      <p:sp>
+        <p:nvSpPr>
+          <p:cNvPr id="3" name="Content Placeholder 2"/>
+          <p:cNvSpPr>
+            <a:spLocks noGrp="1"/>
+          </p:cNvSpPr>
+          <p:nvPr>
+            <p:ph idx="1"/>
+          </p:nvPr>
+        </p:nvSpPr>
+        <p:spPr>
+          <a:xfrm>
+            <a:off x="685800" y="928370"/>
+            <a:ext cx="7772400" cy="5702300"/>
+          </a:xfrm>
+        </p:spPr>
+        <p:txBody>
+          <a:bodyPr/>
+          <a:p>
+            <a:pPr marL="0" indent="0">
+              <a:lnSpc>
+                <a:spcPct val="80000"/>
+              </a:lnSpc>
+              <a:buNone/>
+            </a:pPr>
+            <a:r>
+              <a:rPr lang="en-US" sz="1800">
+                <a:latin typeface="FreeMono" panose="020F0409020205020404" charset="0"/>
+                <a:ea typeface="FreeMono" panose="020F0409020205020404" charset="0"/>
+              </a:rPr>
+              <a:t>class </a:t>
+            </a:r>
+            <a:r>
+              <a:rPr lang="en-US" altLang="en-US" sz="1800" b="1">
+                <a:latin typeface="FreeMono" panose="020F0409020205020404" charset="0"/>
+                <a:ea typeface="FreeMono" panose="020F0409020205020404" charset="0"/>
+              </a:rPr>
+              <a:t>MultiBehaviour</a:t>
+            </a:r>
+            <a:endParaRPr lang="en-US" sz="1800">
+              <a:latin typeface="FreeMono" panose="020F0409020205020404" charset="0"/>
+              <a:ea typeface="FreeMono" panose="020F0409020205020404" charset="0"/>
+            </a:endParaRPr>
+          </a:p>
+          <a:p>
+            <a:pPr marL="0" indent="0">
+              <a:lnSpc>
+                <a:spcPct val="80000"/>
+              </a:lnSpc>
+              <a:buNone/>
+            </a:pPr>
+            <a:r>
+              <a:rPr lang="en-US" sz="1800">
+                <a:latin typeface="FreeMono" panose="020F0409020205020404" charset="0"/>
+                <a:ea typeface="FreeMono" panose="020F0409020205020404" charset="0"/>
+              </a:rPr>
+              <a:t>{    </a:t>
+            </a:r>
+            <a:endParaRPr lang="en-US" sz="1800">
+              <a:latin typeface="FreeMono" panose="020F0409020205020404" charset="0"/>
+              <a:ea typeface="FreeMono" panose="020F0409020205020404" charset="0"/>
+            </a:endParaRPr>
+          </a:p>
+          <a:p>
+            <a:pPr marL="0" indent="0">
+              <a:lnSpc>
+                <a:spcPct val="80000"/>
+              </a:lnSpc>
+              <a:buNone/>
+            </a:pPr>
+            <a:r>
+              <a:rPr lang="en-US" sz="1800">
+                <a:latin typeface="FreeMono" panose="020F0409020205020404" charset="0"/>
+                <a:ea typeface="FreeMono" panose="020F0409020205020404" charset="0"/>
+              </a:rPr>
+              <a:t>    // function with 1 int parameter </a:t>
+            </a:r>
+            <a:endParaRPr lang="en-US" sz="1800">
+              <a:latin typeface="FreeMono" panose="020F0409020205020404" charset="0"/>
+              <a:ea typeface="FreeMono" panose="020F0409020205020404" charset="0"/>
+            </a:endParaRPr>
+          </a:p>
+          <a:p>
+            <a:pPr marL="0" indent="0">
+              <a:lnSpc>
+                <a:spcPct val="80000"/>
+              </a:lnSpc>
+              <a:buNone/>
+            </a:pPr>
+            <a:r>
+              <a:rPr lang="en-US" sz="1800">
+                <a:latin typeface="FreeMono" panose="020F0409020205020404" charset="0"/>
+                <a:ea typeface="FreeMono" panose="020F0409020205020404" charset="0"/>
+              </a:rPr>
+              <a:t>    </a:t>
+            </a:r>
+            <a:r>
+              <a:rPr lang="en-US" sz="1800">
+                <a:latin typeface="FreeMono" panose="020F0409020205020404" charset="0"/>
+                <a:ea typeface="FreeMono" panose="020F0409020205020404" charset="0"/>
+                <a:sym typeface="+mn-ea"/>
+              </a:rPr>
+              <a:t>public </a:t>
+            </a:r>
+            <a:r>
+              <a:rPr lang="en-US" sz="1800">
+                <a:latin typeface="FreeMono" panose="020F0409020205020404" charset="0"/>
+                <a:ea typeface="FreeMono" panose="020F0409020205020404" charset="0"/>
+              </a:rPr>
+              <a:t>void func(int x) </a:t>
+            </a:r>
+            <a:endParaRPr lang="en-US" sz="1800">
+              <a:latin typeface="FreeMono" panose="020F0409020205020404" charset="0"/>
+              <a:ea typeface="FreeMono" panose="020F0409020205020404" charset="0"/>
+            </a:endParaRPr>
+          </a:p>
+          <a:p>
+            <a:pPr marL="0" indent="0">
+              <a:lnSpc>
+                <a:spcPct val="80000"/>
+              </a:lnSpc>
+              <a:buNone/>
+            </a:pPr>
+            <a:r>
+              <a:rPr lang="en-US" sz="1800">
+                <a:latin typeface="FreeMono" panose="020F0409020205020404" charset="0"/>
+                <a:ea typeface="FreeMono" panose="020F0409020205020404" charset="0"/>
+              </a:rPr>
+              <a:t>    { </a:t>
+            </a:r>
+            <a:endParaRPr lang="en-US" sz="1800">
+              <a:latin typeface="FreeMono" panose="020F0409020205020404" charset="0"/>
+              <a:ea typeface="FreeMono" panose="020F0409020205020404" charset="0"/>
+            </a:endParaRPr>
+          </a:p>
+          <a:p>
+            <a:pPr marL="0" indent="0">
+              <a:lnSpc>
+                <a:spcPct val="80000"/>
+              </a:lnSpc>
+              <a:buNone/>
+            </a:pPr>
+            <a:r>
+              <a:rPr lang="en-US" sz="1800">
+                <a:latin typeface="FreeMono" panose="020F0409020205020404" charset="0"/>
+                <a:ea typeface="FreeMono" panose="020F0409020205020404" charset="0"/>
+              </a:rPr>
+              <a:t>      cout &lt;&lt; "value of x is " &lt;&lt; x &lt;&lt; endl; </a:t>
+            </a:r>
+            <a:endParaRPr lang="en-US" sz="1800">
+              <a:latin typeface="FreeMono" panose="020F0409020205020404" charset="0"/>
+              <a:ea typeface="FreeMono" panose="020F0409020205020404" charset="0"/>
+            </a:endParaRPr>
+          </a:p>
+          <a:p>
+            <a:pPr marL="0" indent="0">
+              <a:lnSpc>
+                <a:spcPct val="80000"/>
+              </a:lnSpc>
+              <a:buNone/>
+            </a:pPr>
+            <a:r>
+              <a:rPr lang="en-US" sz="1800">
+                <a:latin typeface="FreeMono" panose="020F0409020205020404" charset="0"/>
+                <a:ea typeface="FreeMono" panose="020F0409020205020404" charset="0"/>
+              </a:rPr>
+              <a:t>    } </a:t>
+            </a:r>
+            <a:endParaRPr lang="en-US" sz="1800">
+              <a:latin typeface="FreeMono" panose="020F0409020205020404" charset="0"/>
+              <a:ea typeface="FreeMono" panose="020F0409020205020404" charset="0"/>
+            </a:endParaRPr>
+          </a:p>
+          <a:p>
+            <a:pPr marL="0" indent="0">
+              <a:lnSpc>
+                <a:spcPct val="80000"/>
+              </a:lnSpc>
+              <a:buNone/>
+            </a:pPr>
+            <a:r>
+              <a:rPr lang="en-US" sz="1800">
+                <a:latin typeface="FreeMono" panose="020F0409020205020404" charset="0"/>
+                <a:ea typeface="FreeMono" panose="020F0409020205020404" charset="0"/>
+              </a:rPr>
+              <a:t> </a:t>
+            </a:r>
+            <a:endParaRPr lang="en-US" sz="1800">
+              <a:latin typeface="FreeMono" panose="020F0409020205020404" charset="0"/>
+              <a:ea typeface="FreeMono" panose="020F0409020205020404" charset="0"/>
+            </a:endParaRPr>
+          </a:p>
+          <a:p>
+            <a:pPr marL="0" indent="0">
+              <a:lnSpc>
+                <a:spcPct val="80000"/>
+              </a:lnSpc>
+              <a:buNone/>
+            </a:pPr>
+            <a:r>
+              <a:rPr lang="en-US" sz="1800">
+                <a:latin typeface="FreeMono" panose="020F0409020205020404" charset="0"/>
+                <a:ea typeface="FreeMono" panose="020F0409020205020404" charset="0"/>
+              </a:rPr>
+              <a:t>    // function with same name but 1 double parameter </a:t>
+            </a:r>
+            <a:endParaRPr lang="en-US" sz="1800">
+              <a:latin typeface="FreeMono" panose="020F0409020205020404" charset="0"/>
+              <a:ea typeface="FreeMono" panose="020F0409020205020404" charset="0"/>
+            </a:endParaRPr>
+          </a:p>
+          <a:p>
+            <a:pPr marL="0" indent="0">
+              <a:lnSpc>
+                <a:spcPct val="80000"/>
+              </a:lnSpc>
+              <a:buNone/>
+            </a:pPr>
+            <a:r>
+              <a:rPr lang="en-US" sz="1800">
+                <a:latin typeface="FreeMono" panose="020F0409020205020404" charset="0"/>
+                <a:ea typeface="FreeMono" panose="020F0409020205020404" charset="0"/>
+              </a:rPr>
+              <a:t>    void func(double x) </a:t>
+            </a:r>
+            <a:endParaRPr lang="en-US" sz="1800">
+              <a:latin typeface="FreeMono" panose="020F0409020205020404" charset="0"/>
+              <a:ea typeface="FreeMono" panose="020F0409020205020404" charset="0"/>
+            </a:endParaRPr>
+          </a:p>
+          <a:p>
+            <a:pPr marL="0" indent="0">
+              <a:lnSpc>
+                <a:spcPct val="80000"/>
+              </a:lnSpc>
+              <a:buNone/>
+            </a:pPr>
+            <a:r>
+              <a:rPr lang="en-US" sz="1800">
+                <a:latin typeface="FreeMono" panose="020F0409020205020404" charset="0"/>
+                <a:ea typeface="FreeMono" panose="020F0409020205020404" charset="0"/>
+              </a:rPr>
+              <a:t>    { </a:t>
+            </a:r>
+            <a:endParaRPr lang="en-US" sz="1800">
+              <a:latin typeface="FreeMono" panose="020F0409020205020404" charset="0"/>
+              <a:ea typeface="FreeMono" panose="020F0409020205020404" charset="0"/>
+            </a:endParaRPr>
+          </a:p>
+          <a:p>
+            <a:pPr marL="0" indent="0">
+              <a:lnSpc>
+                <a:spcPct val="80000"/>
+              </a:lnSpc>
+              <a:buNone/>
+            </a:pPr>
+            <a:r>
+              <a:rPr lang="en-US" sz="1800">
+                <a:latin typeface="FreeMono" panose="020F0409020205020404" charset="0"/>
+                <a:ea typeface="FreeMono" panose="020F0409020205020404" charset="0"/>
+              </a:rPr>
+              <a:t>       cout &lt;&lt; "value of x is " &lt;&lt; x &lt;&lt; endl; </a:t>
+            </a:r>
+            <a:endParaRPr lang="en-US" sz="1800">
+              <a:latin typeface="FreeMono" panose="020F0409020205020404" charset="0"/>
+              <a:ea typeface="FreeMono" panose="020F0409020205020404" charset="0"/>
+            </a:endParaRPr>
+          </a:p>
+          <a:p>
+            <a:pPr marL="0" indent="0">
+              <a:lnSpc>
+                <a:spcPct val="80000"/>
+              </a:lnSpc>
+              <a:buNone/>
+            </a:pPr>
+            <a:r>
+              <a:rPr lang="en-US" sz="1800">
+                <a:latin typeface="FreeMono" panose="020F0409020205020404" charset="0"/>
+                <a:ea typeface="FreeMono" panose="020F0409020205020404" charset="0"/>
+              </a:rPr>
+              <a:t>    } </a:t>
+            </a:r>
+            <a:endParaRPr lang="en-US" sz="1800">
+              <a:latin typeface="FreeMono" panose="020F0409020205020404" charset="0"/>
+              <a:ea typeface="FreeMono" panose="020F0409020205020404" charset="0"/>
+            </a:endParaRPr>
+          </a:p>
+          <a:p>
+            <a:pPr marL="0" indent="0">
+              <a:lnSpc>
+                <a:spcPct val="80000"/>
+              </a:lnSpc>
+              <a:buNone/>
+            </a:pPr>
+            <a:endParaRPr lang="en-US" sz="1800">
+              <a:latin typeface="FreeMono" panose="020F0409020205020404" charset="0"/>
+              <a:ea typeface="FreeMono" panose="020F0409020205020404" charset="0"/>
+            </a:endParaRPr>
+          </a:p>
+          <a:p>
+            <a:pPr marL="0" indent="0">
+              <a:lnSpc>
+                <a:spcPct val="80000"/>
+              </a:lnSpc>
+              <a:buNone/>
+            </a:pPr>
+            <a:r>
+              <a:rPr lang="en-US" sz="1800">
+                <a:latin typeface="FreeMono" panose="020F0409020205020404" charset="0"/>
+                <a:ea typeface="FreeMono" panose="020F0409020205020404" charset="0"/>
+              </a:rPr>
+              <a:t> // function with same name and 2 int parameters </a:t>
+            </a:r>
+            <a:endParaRPr lang="en-US" sz="1800">
+              <a:latin typeface="FreeMono" panose="020F0409020205020404" charset="0"/>
+              <a:ea typeface="FreeMono" panose="020F0409020205020404" charset="0"/>
+            </a:endParaRPr>
+          </a:p>
+          <a:p>
+            <a:pPr marL="0" indent="0">
+              <a:lnSpc>
+                <a:spcPct val="80000"/>
+              </a:lnSpc>
+              <a:buNone/>
+            </a:pPr>
+            <a:r>
+              <a:rPr lang="en-US" sz="1800">
+                <a:latin typeface="FreeMono" panose="020F0409020205020404" charset="0"/>
+                <a:ea typeface="FreeMono" panose="020F0409020205020404" charset="0"/>
+              </a:rPr>
+              <a:t>    void func(int x, int y) </a:t>
+            </a:r>
+            <a:endParaRPr lang="en-US" sz="1800">
+              <a:latin typeface="FreeMono" panose="020F0409020205020404" charset="0"/>
+              <a:ea typeface="FreeMono" panose="020F0409020205020404" charset="0"/>
+            </a:endParaRPr>
+          </a:p>
+          <a:p>
+            <a:pPr marL="0" indent="0">
+              <a:lnSpc>
+                <a:spcPct val="80000"/>
+              </a:lnSpc>
+              <a:buNone/>
+            </a:pPr>
+            <a:r>
+              <a:rPr lang="en-US" sz="1800">
+                <a:latin typeface="FreeMono" panose="020F0409020205020404" charset="0"/>
+                <a:ea typeface="FreeMono" panose="020F0409020205020404" charset="0"/>
+              </a:rPr>
+              <a:t>    { </a:t>
+            </a:r>
+            <a:endParaRPr lang="en-US" sz="1800">
+              <a:latin typeface="FreeMono" panose="020F0409020205020404" charset="0"/>
+              <a:ea typeface="FreeMono" panose="020F0409020205020404" charset="0"/>
+            </a:endParaRPr>
+          </a:p>
+          <a:p>
+            <a:pPr marL="0" indent="0">
+              <a:lnSpc>
+                <a:spcPct val="80000"/>
+              </a:lnSpc>
+              <a:buNone/>
+            </a:pPr>
+            <a:r>
+              <a:rPr lang="en-US" sz="1800">
+                <a:latin typeface="FreeMono" panose="020F0409020205020404" charset="0"/>
+                <a:ea typeface="FreeMono" panose="020F0409020205020404" charset="0"/>
+              </a:rPr>
+              <a:t>      cout &lt;&lt; "value of x</a:t>
+            </a:r>
+            <a:r>
+              <a:rPr lang="en-US" altLang="en-US" sz="1800">
+                <a:latin typeface="FreeMono" panose="020F0409020205020404" charset="0"/>
+                <a:ea typeface="FreeMono" panose="020F0409020205020404" charset="0"/>
+              </a:rPr>
+              <a:t>&amp;</a:t>
+            </a:r>
+            <a:r>
+              <a:rPr lang="en-US" sz="1800">
+                <a:latin typeface="FreeMono" panose="020F0409020205020404" charset="0"/>
+                <a:ea typeface="FreeMono" panose="020F0409020205020404" charset="0"/>
+              </a:rPr>
+              <a:t>y is " &lt;&lt;x&lt;&lt;"</a:t>
+            </a:r>
+            <a:r>
+              <a:rPr lang="en-US" altLang="en-US" sz="1800">
+                <a:latin typeface="FreeMono" panose="020F0409020205020404" charset="0"/>
+                <a:ea typeface="FreeMono" panose="020F0409020205020404" charset="0"/>
+              </a:rPr>
+              <a:t>,</a:t>
+            </a:r>
+            <a:r>
+              <a:rPr lang="en-US" sz="1800">
+                <a:latin typeface="FreeMono" panose="020F0409020205020404" charset="0"/>
+                <a:ea typeface="FreeMono" panose="020F0409020205020404" charset="0"/>
+              </a:rPr>
+              <a:t>"&lt;&lt;y&lt;&lt; endl; </a:t>
+            </a:r>
+            <a:endParaRPr lang="en-US" sz="1800">
+              <a:latin typeface="FreeMono" panose="020F0409020205020404" charset="0"/>
+              <a:ea typeface="FreeMono" panose="020F0409020205020404" charset="0"/>
+            </a:endParaRPr>
+          </a:p>
+          <a:p>
+            <a:pPr marL="0" indent="0">
+              <a:lnSpc>
+                <a:spcPct val="80000"/>
+              </a:lnSpc>
+              <a:buNone/>
+            </a:pPr>
+            <a:r>
+              <a:rPr lang="en-US" sz="1800">
+                <a:latin typeface="FreeMono" panose="020F0409020205020404" charset="0"/>
+                <a:ea typeface="FreeMono" panose="020F0409020205020404" charset="0"/>
+              </a:rPr>
+              <a:t>    } </a:t>
+            </a:r>
+            <a:endParaRPr lang="en-US" sz="1800">
+              <a:latin typeface="FreeMono" panose="020F0409020205020404" charset="0"/>
+              <a:ea typeface="FreeMono" panose="020F0409020205020404" charset="0"/>
+            </a:endParaRPr>
+          </a:p>
+          <a:p>
+            <a:pPr marL="0" indent="0">
+              <a:lnSpc>
+                <a:spcPct val="80000"/>
+              </a:lnSpc>
+              <a:buNone/>
+            </a:pPr>
+            <a:r>
+              <a:rPr lang="en-US" altLang="en-US" sz="1800">
+                <a:latin typeface="FreeMono" panose="020F0409020205020404" charset="0"/>
+                <a:ea typeface="FreeMono" panose="020F0409020205020404" charset="0"/>
+              </a:rPr>
+              <a:t>}</a:t>
+            </a:r>
+            <a:endParaRPr lang="en-US" sz="1800">
+              <a:latin typeface="FreeMono" panose="020F0409020205020404" charset="0"/>
+              <a:ea typeface="FreeMono" panose="020F0409020205020404" charset="0"/>
+            </a:endParaRPr>
+          </a:p>
+          <a:p>
+            <a:pPr marL="0" indent="0">
+              <a:lnSpc>
+                <a:spcPct val="80000"/>
+              </a:lnSpc>
+              <a:buNone/>
+            </a:pPr>
+            <a:r>
+              <a:rPr lang="en-US" sz="1800">
+                <a:latin typeface="FreeMono" panose="020F0409020205020404" charset="0"/>
+                <a:ea typeface="FreeMono" panose="020F0409020205020404" charset="0"/>
+              </a:rPr>
+              <a:t>    </a:t>
+            </a:r>
+            <a:endParaRPr lang="en-US" sz="1800">
+              <a:latin typeface="FreeMono" panose="020F0409020205020404" charset="0"/>
+              <a:ea typeface="FreeMono" panose="020F0409020205020404" charset="0"/>
+            </a:endParaRPr>
+          </a:p>
+        </p:txBody>
+      </p:sp>
+      <p:sp>
+        <p:nvSpPr>
+          <p:cNvPr id="2" name="Title 1"/>
+          <p:cNvSpPr>
+            <a:spLocks noGrp="1"/>
+          </p:cNvSpPr>
+          <p:nvPr>
+            <p:ph type="title"/>
+          </p:nvPr>
+        </p:nvSpPr>
+        <p:spPr>
+          <a:xfrm>
+            <a:off x="466090" y="15875"/>
+            <a:ext cx="7772400" cy="911860"/>
+          </a:xfrm>
+        </p:spPr>
+        <p:txBody>
+          <a:bodyPr/>
+          <a:p>
+            <a:r>
+              <a:rPr lang="en-US" altLang="en-US">
+                <a:latin typeface="Noto Serif CJK JP" panose="02020400000000000000" charset="-122"/>
+                <a:ea typeface="Noto Serif CJK JP" panose="02020400000000000000" charset="-122"/>
+              </a:rPr>
+              <a:t>Example</a:t>
+            </a:r>
+            <a:endParaRPr lang="en-US" altLang="en-US">
+              <a:latin typeface="Noto Serif CJK JP" panose="02020400000000000000" charset="-122"/>
+              <a:ea typeface="Noto Serif CJK JP" panose="02020400000000000000" charset="-122"/>
+            </a:endParaRPr>
+          </a:p>
+        </p:txBody>
+      </p:sp>
+    </p:spTree>
+  </p:cSld>
+  <p:clrMapOvr>
+    <a:masterClrMapping/>
+  </p:clrMapOvr>
+</p:sld>
+</file>
+
+<file path=ppt/slides/slide21.xml><?xml version="1.0" encoding="utf-8"?>
+<p:sld xmlns:a="http://schemas.openxmlformats.org/drawingml/2006/main" xmlns:r="http://schemas.openxmlformats.org/officeDocument/2006/relationships" xmlns:p="http://schemas.openxmlformats.org/presentationml/2006/main">
+  <p:cSld>
+    <p:spTree>
+      <p:nvGrpSpPr>
+        <p:cNvPr id="1" name=""/>
+        <p:cNvGrpSpPr/>
+        <p:nvPr/>
+      </p:nvGrpSpPr>
+      <p:grpSpPr/>
+      <p:sp>
+        <p:nvSpPr>
+          <p:cNvPr id="3" name="Content Placeholder 2"/>
+          <p:cNvSpPr>
+            <a:spLocks noGrp="1"/>
+          </p:cNvSpPr>
+          <p:nvPr>
+            <p:ph idx="1"/>
+          </p:nvPr>
+        </p:nvSpPr>
+        <p:spPr>
+          <a:xfrm>
+            <a:off x="685800" y="762635"/>
+            <a:ext cx="7772400" cy="5702300"/>
+          </a:xfrm>
+        </p:spPr>
+        <p:txBody>
+          <a:bodyPr/>
+          <a:p>
+            <a:pPr marL="0" indent="0">
+              <a:buNone/>
+            </a:pPr>
+            <a:r>
+              <a:rPr lang="en-US" sz="1800">
+                <a:latin typeface="FreeMono" panose="020F0409020205020404" charset="0"/>
+                <a:ea typeface="FreeMono" panose="020F0409020205020404" charset="0"/>
+              </a:rPr>
+              <a:t>  </a:t>
+            </a:r>
+            <a:endParaRPr lang="en-US" sz="1800">
+              <a:latin typeface="FreeMono" panose="020F0409020205020404" charset="0"/>
+              <a:ea typeface="FreeMono" panose="020F0409020205020404" charset="0"/>
+            </a:endParaRPr>
+          </a:p>
+          <a:p>
+            <a:pPr marL="0" indent="0">
+              <a:buNone/>
+            </a:pPr>
+            <a:r>
+              <a:rPr lang="en-US" sz="1800">
+                <a:latin typeface="FreeMono" panose="020F0409020205020404" charset="0"/>
+                <a:ea typeface="FreeMono" panose="020F0409020205020404" charset="0"/>
+              </a:rPr>
+              <a:t>int main() { </a:t>
+            </a:r>
+            <a:endParaRPr lang="en-US" sz="1800">
+              <a:latin typeface="FreeMono" panose="020F0409020205020404" charset="0"/>
+              <a:ea typeface="FreeMono" panose="020F0409020205020404" charset="0"/>
+            </a:endParaRPr>
+          </a:p>
+          <a:p>
+            <a:pPr marL="0" indent="0">
+              <a:buNone/>
+            </a:pPr>
+            <a:r>
+              <a:rPr lang="en-US" sz="1800">
+                <a:latin typeface="FreeMono" panose="020F0409020205020404" charset="0"/>
+                <a:ea typeface="FreeMono" panose="020F0409020205020404" charset="0"/>
+              </a:rPr>
+              <a:t>      </a:t>
+            </a:r>
+            <a:endParaRPr lang="en-US" sz="1800">
+              <a:latin typeface="FreeMono" panose="020F0409020205020404" charset="0"/>
+              <a:ea typeface="FreeMono" panose="020F0409020205020404" charset="0"/>
+            </a:endParaRPr>
+          </a:p>
+          <a:p>
+            <a:pPr marL="0" indent="0">
+              <a:buNone/>
+            </a:pPr>
+            <a:r>
+              <a:rPr lang="en-US" sz="1800">
+                <a:latin typeface="FreeMono" panose="020F0409020205020404" charset="0"/>
+                <a:ea typeface="FreeMono" panose="020F0409020205020404" charset="0"/>
+              </a:rPr>
+              <a:t>    </a:t>
+            </a:r>
+            <a:r>
+              <a:rPr lang="en-US" altLang="en-US" sz="1800" b="1">
+                <a:latin typeface="FreeMono" panose="020F0409020205020404" charset="0"/>
+                <a:ea typeface="FreeMono" panose="020F0409020205020404" charset="0"/>
+                <a:sym typeface="+mn-ea"/>
+              </a:rPr>
+              <a:t>MultiBehaviour </a:t>
+            </a:r>
+            <a:r>
+              <a:rPr lang="en-US" sz="1800">
+                <a:latin typeface="FreeMono" panose="020F0409020205020404" charset="0"/>
+                <a:ea typeface="FreeMono" panose="020F0409020205020404" charset="0"/>
+              </a:rPr>
+              <a:t>obj1 </a:t>
+            </a:r>
+            <a:r>
+              <a:rPr lang="en-US" altLang="en-US" sz="1800">
+                <a:latin typeface="FreeMono" panose="020F0409020205020404" charset="0"/>
+                <a:ea typeface="FreeMono" panose="020F0409020205020404" charset="0"/>
+              </a:rPr>
+              <a:t>= new </a:t>
+            </a:r>
+            <a:r>
+              <a:rPr lang="en-US" altLang="en-US" sz="1800" b="1">
+                <a:latin typeface="FreeMono" panose="020F0409020205020404" charset="0"/>
+                <a:ea typeface="FreeMono" panose="020F0409020205020404" charset="0"/>
+                <a:sym typeface="+mn-ea"/>
+              </a:rPr>
+              <a:t>MultiBehaviour()</a:t>
+            </a:r>
+            <a:r>
+              <a:rPr lang="en-US" altLang="en-US" sz="1800">
+                <a:latin typeface="FreeMono" panose="020F0409020205020404" charset="0"/>
+                <a:ea typeface="FreeMono" panose="020F0409020205020404" charset="0"/>
+              </a:rPr>
+              <a:t> </a:t>
+            </a:r>
+            <a:r>
+              <a:rPr lang="en-US" sz="1800">
+                <a:latin typeface="FreeMono" panose="020F0409020205020404" charset="0"/>
+                <a:ea typeface="FreeMono" panose="020F0409020205020404" charset="0"/>
+              </a:rPr>
+              <a:t>; </a:t>
+            </a:r>
+            <a:endParaRPr lang="en-US" sz="1800">
+              <a:latin typeface="FreeMono" panose="020F0409020205020404" charset="0"/>
+              <a:ea typeface="FreeMono" panose="020F0409020205020404" charset="0"/>
+            </a:endParaRPr>
+          </a:p>
+          <a:p>
+            <a:pPr marL="0" indent="0">
+              <a:buNone/>
+            </a:pPr>
+            <a:r>
+              <a:rPr lang="en-US" sz="1800">
+                <a:latin typeface="FreeMono" panose="020F0409020205020404" charset="0"/>
+                <a:ea typeface="FreeMono" panose="020F0409020205020404" charset="0"/>
+              </a:rPr>
+              <a:t>   </a:t>
+            </a:r>
+            <a:endParaRPr lang="en-US" sz="1800">
+              <a:latin typeface="FreeMono" panose="020F0409020205020404" charset="0"/>
+              <a:ea typeface="FreeMono" panose="020F0409020205020404" charset="0"/>
+            </a:endParaRPr>
+          </a:p>
+          <a:p>
+            <a:pPr marL="0" indent="0">
+              <a:buNone/>
+            </a:pPr>
+            <a:r>
+              <a:rPr lang="en-US" sz="1800">
+                <a:latin typeface="FreeMono" panose="020F0409020205020404" charset="0"/>
+                <a:ea typeface="FreeMono" panose="020F0409020205020404" charset="0"/>
+              </a:rPr>
+              <a:t>    // Which function is called will depend on the parameters passed </a:t>
+            </a:r>
+            <a:endParaRPr lang="en-US" sz="1800">
+              <a:latin typeface="FreeMono" panose="020F0409020205020404" charset="0"/>
+              <a:ea typeface="FreeMono" panose="020F0409020205020404" charset="0"/>
+            </a:endParaRPr>
+          </a:p>
+          <a:p>
+            <a:pPr marL="0" indent="0">
+              <a:buNone/>
+            </a:pPr>
+            <a:r>
+              <a:rPr lang="en-US" sz="1800">
+                <a:latin typeface="FreeMono" panose="020F0409020205020404" charset="0"/>
+                <a:ea typeface="FreeMono" panose="020F0409020205020404" charset="0"/>
+              </a:rPr>
+              <a:t>    // The first 'func' is called  </a:t>
+            </a:r>
+            <a:endParaRPr lang="en-US" sz="1800">
+              <a:latin typeface="FreeMono" panose="020F0409020205020404" charset="0"/>
+              <a:ea typeface="FreeMono" panose="020F0409020205020404" charset="0"/>
+            </a:endParaRPr>
+          </a:p>
+          <a:p>
+            <a:pPr marL="0" indent="0">
+              <a:buNone/>
+            </a:pPr>
+            <a:r>
+              <a:rPr lang="en-US" sz="1800">
+                <a:latin typeface="FreeMono" panose="020F0409020205020404" charset="0"/>
+                <a:ea typeface="FreeMono" panose="020F0409020205020404" charset="0"/>
+              </a:rPr>
+              <a:t>    obj1.func(7); </a:t>
+            </a:r>
+            <a:endParaRPr lang="en-US" sz="1800">
+              <a:latin typeface="FreeMono" panose="020F0409020205020404" charset="0"/>
+              <a:ea typeface="FreeMono" panose="020F0409020205020404" charset="0"/>
+            </a:endParaRPr>
+          </a:p>
+          <a:p>
+            <a:pPr marL="0" indent="0">
+              <a:buNone/>
+            </a:pPr>
+            <a:r>
+              <a:rPr lang="en-US" sz="1800">
+                <a:latin typeface="FreeMono" panose="020F0409020205020404" charset="0"/>
+                <a:ea typeface="FreeMono" panose="020F0409020205020404" charset="0"/>
+              </a:rPr>
+              <a:t>      </a:t>
+            </a:r>
+            <a:endParaRPr lang="en-US" sz="1800">
+              <a:latin typeface="FreeMono" panose="020F0409020205020404" charset="0"/>
+              <a:ea typeface="FreeMono" panose="020F0409020205020404" charset="0"/>
+            </a:endParaRPr>
+          </a:p>
+          <a:p>
+            <a:pPr marL="0" indent="0">
+              <a:buNone/>
+            </a:pPr>
+            <a:r>
+              <a:rPr lang="en-US" sz="1800">
+                <a:latin typeface="FreeMono" panose="020F0409020205020404" charset="0"/>
+                <a:ea typeface="FreeMono" panose="020F0409020205020404" charset="0"/>
+              </a:rPr>
+              <a:t>    // The second 'func' is called </a:t>
+            </a:r>
+            <a:endParaRPr lang="en-US" sz="1800">
+              <a:latin typeface="FreeMono" panose="020F0409020205020404" charset="0"/>
+              <a:ea typeface="FreeMono" panose="020F0409020205020404" charset="0"/>
+            </a:endParaRPr>
+          </a:p>
+          <a:p>
+            <a:pPr marL="0" indent="0">
+              <a:buNone/>
+            </a:pPr>
+            <a:r>
+              <a:rPr lang="en-US" sz="1800">
+                <a:latin typeface="FreeMono" panose="020F0409020205020404" charset="0"/>
+                <a:ea typeface="FreeMono" panose="020F0409020205020404" charset="0"/>
+              </a:rPr>
+              <a:t>    obj1.func(9.132); </a:t>
+            </a:r>
+            <a:endParaRPr lang="en-US" sz="1800">
+              <a:latin typeface="FreeMono" panose="020F0409020205020404" charset="0"/>
+              <a:ea typeface="FreeMono" panose="020F0409020205020404" charset="0"/>
+            </a:endParaRPr>
+          </a:p>
+          <a:p>
+            <a:pPr marL="0" indent="0">
+              <a:buNone/>
+            </a:pPr>
+            <a:r>
+              <a:rPr lang="en-US" sz="1800">
+                <a:latin typeface="FreeMono" panose="020F0409020205020404" charset="0"/>
+                <a:ea typeface="FreeMono" panose="020F0409020205020404" charset="0"/>
+              </a:rPr>
+              <a:t>      </a:t>
+            </a:r>
+            <a:endParaRPr lang="en-US" sz="1800">
+              <a:latin typeface="FreeMono" panose="020F0409020205020404" charset="0"/>
+              <a:ea typeface="FreeMono" panose="020F0409020205020404" charset="0"/>
+            </a:endParaRPr>
+          </a:p>
+          <a:p>
+            <a:pPr marL="0" indent="0">
+              <a:buNone/>
+            </a:pPr>
+            <a:r>
+              <a:rPr lang="en-US" sz="1800">
+                <a:latin typeface="FreeMono" panose="020F0409020205020404" charset="0"/>
+                <a:ea typeface="FreeMono" panose="020F0409020205020404" charset="0"/>
+              </a:rPr>
+              <a:t>    // The third 'func' is called </a:t>
+            </a:r>
+            <a:endParaRPr lang="en-US" sz="1800">
+              <a:latin typeface="FreeMono" panose="020F0409020205020404" charset="0"/>
+              <a:ea typeface="FreeMono" panose="020F0409020205020404" charset="0"/>
+            </a:endParaRPr>
+          </a:p>
+          <a:p>
+            <a:pPr marL="0" indent="0">
+              <a:buNone/>
+            </a:pPr>
+            <a:r>
+              <a:rPr lang="en-US" sz="1800">
+                <a:latin typeface="FreeMono" panose="020F0409020205020404" charset="0"/>
+                <a:ea typeface="FreeMono" panose="020F0409020205020404" charset="0"/>
+              </a:rPr>
+              <a:t>    obj1.func(85,64); </a:t>
+            </a:r>
+            <a:endParaRPr lang="en-US" sz="1800">
+              <a:latin typeface="FreeMono" panose="020F0409020205020404" charset="0"/>
+              <a:ea typeface="FreeMono" panose="020F0409020205020404" charset="0"/>
+            </a:endParaRPr>
+          </a:p>
+          <a:p>
+            <a:pPr marL="0" indent="0">
+              <a:buNone/>
+            </a:pPr>
+            <a:r>
+              <a:rPr lang="en-US" sz="1800">
+                <a:latin typeface="FreeMono" panose="020F0409020205020404" charset="0"/>
+                <a:ea typeface="FreeMono" panose="020F0409020205020404" charset="0"/>
+              </a:rPr>
+              <a:t>    return 0; </a:t>
+            </a:r>
+            <a:endParaRPr lang="en-US" sz="1800">
+              <a:latin typeface="FreeMono" panose="020F0409020205020404" charset="0"/>
+              <a:ea typeface="FreeMono" panose="020F0409020205020404" charset="0"/>
+            </a:endParaRPr>
+          </a:p>
+          <a:p>
+            <a:pPr marL="0" indent="0">
+              <a:buNone/>
+            </a:pPr>
+            <a:r>
+              <a:rPr lang="en-US" sz="1800">
+                <a:latin typeface="FreeMono" panose="020F0409020205020404" charset="0"/>
+                <a:ea typeface="FreeMono" panose="020F0409020205020404" charset="0"/>
+              </a:rPr>
+              <a:t>}  </a:t>
+            </a:r>
+            <a:endParaRPr lang="en-US" sz="1800">
+              <a:latin typeface="FreeMono" panose="020F0409020205020404" charset="0"/>
+              <a:ea typeface="FreeMono" panose="020F0409020205020404" charset="0"/>
+            </a:endParaRPr>
+          </a:p>
+        </p:txBody>
+      </p:sp>
+      <p:sp>
+        <p:nvSpPr>
+          <p:cNvPr id="2" name="Title 1"/>
+          <p:cNvSpPr>
+            <a:spLocks noGrp="1"/>
+          </p:cNvSpPr>
+          <p:nvPr>
+            <p:ph type="title"/>
+          </p:nvPr>
+        </p:nvSpPr>
+        <p:spPr>
+          <a:xfrm>
+            <a:off x="556260" y="41275"/>
+            <a:ext cx="7772400" cy="1143000"/>
+          </a:xfrm>
+        </p:spPr>
+        <p:txBody>
+          <a:bodyPr/>
+          <a:p>
+            <a:r>
+              <a:rPr lang="en-US" altLang="en-US">
+                <a:latin typeface="Noto Serif CJK JP" panose="02020400000000000000" charset="-122"/>
+                <a:ea typeface="Noto Serif CJK JP" panose="02020400000000000000" charset="-122"/>
+              </a:rPr>
+              <a:t>Cont.</a:t>
+            </a:r>
+            <a:endParaRPr lang="en-US" altLang="en-US">
+              <a:latin typeface="Noto Serif CJK JP" panose="02020400000000000000" charset="-122"/>
+              <a:ea typeface="Noto Serif CJK JP" panose="02020400000000000000" charset="-122"/>
             </a:endParaRPr>
           </a:p>
         </p:txBody>
@@ -7573,155 +9129,451 @@
       <p:grpSpPr/>
       <p:sp>
         <p:nvSpPr>
-          <p:cNvPr id="2" name="Title 1"/>
-          <p:cNvSpPr>
-            <a:spLocks noGrp="1"/>
-          </p:cNvSpPr>
-          <p:nvPr>
-            <p:ph type="title"/>
-          </p:nvPr>
-        </p:nvSpPr>
-        <p:spPr/>
+          <p:cNvPr id="3" name="Content Placeholder 2"/>
+          <p:cNvSpPr>
+            <a:spLocks noGrp="1"/>
+          </p:cNvSpPr>
+          <p:nvPr>
+            <p:ph idx="1"/>
+          </p:nvPr>
+        </p:nvSpPr>
+        <p:spPr>
+          <a:xfrm>
+            <a:off x="188595" y="970280"/>
+            <a:ext cx="8766175" cy="5655310"/>
+          </a:xfrm>
+        </p:spPr>
         <p:txBody>
           <a:bodyPr/>
           <a:p>
-            <a:r>
-              <a:rPr lang="en-US" altLang="en-US">
-                <a:latin typeface="Noto Serif CJK JP" panose="02020400000000000000" charset="-122"/>
-                <a:ea typeface="Noto Serif CJK JP" panose="02020400000000000000" charset="-122"/>
-              </a:rPr>
-              <a:t>Concepts</a:t>
-            </a:r>
-            <a:endParaRPr lang="en-US" altLang="en-US">
+            <a:pPr marL="0" indent="0">
+              <a:buNone/>
+            </a:pPr>
+            <a:endParaRPr lang="en-US" altLang="en-US" sz="2000">
               <a:latin typeface="Noto Serif CJK JP" panose="02020400000000000000" charset="-122"/>
               <a:ea typeface="Noto Serif CJK JP" panose="02020400000000000000" charset="-122"/>
-            </a:endParaRPr>
-          </a:p>
-        </p:txBody>
-      </p:sp>
-      <p:sp>
-        <p:nvSpPr>
-          <p:cNvPr id="3" name="Content Placeholder 2"/>
-          <p:cNvSpPr>
-            <a:spLocks noGrp="1"/>
-          </p:cNvSpPr>
-          <p:nvPr>
-            <p:ph idx="1"/>
-          </p:nvPr>
-        </p:nvSpPr>
-        <p:spPr/>
-        <p:txBody>
-          <a:bodyPr/>
-          <a:p>
-            <a:pPr>
-              <a:lnSpc>
-                <a:spcPct val="120000"/>
-              </a:lnSpc>
-            </a:pPr>
-            <a:r>
-              <a:rPr lang="en-US" sz="2800">
-                <a:latin typeface="Noto Serif CJK JP" panose="02020400000000000000" charset="-122"/>
-                <a:ea typeface="Noto Serif CJK JP" panose="02020400000000000000" charset="-122"/>
-              </a:rPr>
-              <a:t>Class</a:t>
-            </a:r>
-            <a:endParaRPr lang="en-US" sz="2800">
+              <a:cs typeface="+mj-ea"/>
+            </a:endParaRPr>
+          </a:p>
+          <a:p>
+            <a:pPr lvl="1"/>
+            <a:endParaRPr lang="en-US" altLang="en-US" sz="2000">
               <a:latin typeface="Noto Serif CJK JP" panose="02020400000000000000" charset="-122"/>
               <a:ea typeface="Noto Serif CJK JP" panose="02020400000000000000" charset="-122"/>
-            </a:endParaRPr>
-          </a:p>
-          <a:p>
-            <a:pPr>
-              <a:lnSpc>
-                <a:spcPct val="120000"/>
-              </a:lnSpc>
-            </a:pPr>
-            <a:r>
-              <a:rPr lang="en-US" sz="2800">
-                <a:latin typeface="Noto Serif CJK JP" panose="02020400000000000000" charset="-122"/>
-                <a:ea typeface="Noto Serif CJK JP" panose="02020400000000000000" charset="-122"/>
-              </a:rPr>
-              <a:t>Object</a:t>
-            </a:r>
-            <a:endParaRPr lang="en-US" sz="2800">
-              <a:latin typeface="Noto Serif CJK JP" panose="02020400000000000000" charset="-122"/>
-              <a:ea typeface="Noto Serif CJK JP" panose="02020400000000000000" charset="-122"/>
-            </a:endParaRPr>
-          </a:p>
-          <a:p>
-            <a:pPr>
-              <a:lnSpc>
-                <a:spcPct val="120000"/>
-              </a:lnSpc>
-            </a:pPr>
-            <a:r>
-              <a:rPr lang="en-US" sz="2800">
-                <a:latin typeface="Noto Serif CJK JP" panose="02020400000000000000" charset="-122"/>
-                <a:ea typeface="Noto Serif CJK JP" panose="02020400000000000000" charset="-122"/>
-              </a:rPr>
-              <a:t>Inheritance</a:t>
-            </a:r>
-            <a:endParaRPr lang="en-US" sz="2800">
-              <a:latin typeface="Noto Serif CJK JP" panose="02020400000000000000" charset="-122"/>
-              <a:ea typeface="Noto Serif CJK JP" panose="02020400000000000000" charset="-122"/>
-            </a:endParaRPr>
-          </a:p>
-          <a:p>
-            <a:pPr>
-              <a:lnSpc>
-                <a:spcPct val="120000"/>
-              </a:lnSpc>
-            </a:pPr>
-            <a:r>
-              <a:rPr lang="en-US" sz="2800">
-                <a:latin typeface="Noto Serif CJK JP" panose="02020400000000000000" charset="-122"/>
-                <a:ea typeface="Noto Serif CJK JP" panose="02020400000000000000" charset="-122"/>
-              </a:rPr>
-              <a:t>Data Encapsulation</a:t>
-            </a:r>
-            <a:endParaRPr lang="en-US" sz="2800">
-              <a:latin typeface="Noto Serif CJK JP" panose="02020400000000000000" charset="-122"/>
-              <a:ea typeface="Noto Serif CJK JP" panose="02020400000000000000" charset="-122"/>
-            </a:endParaRPr>
-          </a:p>
-          <a:p>
-            <a:pPr>
-              <a:lnSpc>
-                <a:spcPct val="120000"/>
-              </a:lnSpc>
-            </a:pPr>
-            <a:r>
-              <a:rPr lang="en-US" sz="2800">
-                <a:latin typeface="Noto Serif CJK JP" panose="02020400000000000000" charset="-122"/>
-                <a:ea typeface="Noto Serif CJK JP" panose="02020400000000000000" charset="-122"/>
-              </a:rPr>
-              <a:t>Data Abstractions</a:t>
-            </a:r>
-            <a:endParaRPr lang="en-US" sz="2800">
-              <a:latin typeface="Noto Serif CJK JP" panose="02020400000000000000" charset="-122"/>
-              <a:ea typeface="Noto Serif CJK JP" panose="02020400000000000000" charset="-122"/>
-            </a:endParaRPr>
-          </a:p>
-          <a:p>
-            <a:pPr>
-              <a:lnSpc>
-                <a:spcPct val="120000"/>
-              </a:lnSpc>
-            </a:pPr>
-            <a:r>
-              <a:rPr lang="en-US" sz="2800">
-                <a:latin typeface="Noto Serif CJK JP" panose="02020400000000000000" charset="-122"/>
-                <a:ea typeface="Noto Serif CJK JP" panose="02020400000000000000" charset="-122"/>
-              </a:rPr>
-              <a:t>Polymorphism</a:t>
-            </a:r>
-            <a:endParaRPr lang="en-US" sz="2800">
-              <a:latin typeface="Noto Serif CJK JP" panose="02020400000000000000" charset="-122"/>
-              <a:ea typeface="Noto Serif CJK JP" panose="02020400000000000000" charset="-122"/>
-            </a:endParaRPr>
-          </a:p>
-        </p:txBody>
-      </p:sp>
+              <a:cs typeface="+mj-ea"/>
+            </a:endParaRPr>
+          </a:p>
+        </p:txBody>
+      </p:sp>
+      <p:graphicFrame>
+        <p:nvGraphicFramePr>
+          <p:cNvPr id="5" name="Table 4"/>
+          <p:cNvGraphicFramePr/>
+          <p:nvPr/>
+        </p:nvGraphicFramePr>
+        <p:xfrm>
+          <a:off x="227965" y="1553845"/>
+          <a:ext cx="8686800" cy="4118610"/>
+        </p:xfrm>
+        <a:graphic>
+          <a:graphicData uri="http://schemas.openxmlformats.org/drawingml/2006/table">
+            <a:tbl>
+              <a:tblPr firstRow="1" bandRow="1">
+                <a:tableStyleId>{5C22544A-7EE6-4342-B048-85BDC9FD1C3A}</a:tableStyleId>
+              </a:tblPr>
+              <a:tblGrid>
+                <a:gridCol w="2895600"/>
+                <a:gridCol w="2895600"/>
+                <a:gridCol w="2895600"/>
+              </a:tblGrid>
+              <a:tr h="665480">
+                <a:tc>
+                  <a:txBody>
+                    <a:bodyPr/>
+                    <a:p>
+                      <a:pPr>
+                        <a:buNone/>
+                      </a:pPr>
+                      <a:r>
+                        <a:rPr lang="en-US" altLang="en-US" sz="1800">
+                          <a:latin typeface="Noto Serif CJK JP" panose="02020400000000000000" charset="-122"/>
+                          <a:ea typeface="Noto Serif CJK JP" panose="02020400000000000000" charset="-122"/>
+                          <a:cs typeface="+mj-ea"/>
+                          <a:sym typeface="+mn-ea"/>
+                        </a:rPr>
+                        <a:t>Machine Language </a:t>
+                      </a:r>
+                      <a:endParaRPr lang="en-US" altLang="en-US" sz="1800">
+                        <a:latin typeface="Noto Serif CJK JP" panose="02020400000000000000" charset="-122"/>
+                        <a:ea typeface="Noto Serif CJK JP" panose="02020400000000000000" charset="-122"/>
+                        <a:cs typeface="+mj-ea"/>
+                        <a:sym typeface="+mn-ea"/>
+                      </a:endParaRPr>
+                    </a:p>
+                  </a:txBody>
+                  <a:tcPr/>
+                </a:tc>
+                <a:tc>
+                  <a:txBody>
+                    <a:bodyPr/>
+                    <a:p>
+                      <a:pPr>
+                        <a:buNone/>
+                      </a:pPr>
+                      <a:r>
+                        <a:rPr lang="en-US" altLang="en-US" sz="1800">
+                          <a:latin typeface="Noto Serif CJK JP" panose="02020400000000000000" charset="-122"/>
+                          <a:ea typeface="Noto Serif CJK JP" panose="02020400000000000000" charset="-122"/>
+                          <a:cs typeface="+mj-ea"/>
+                          <a:sym typeface="+mn-ea"/>
+                        </a:rPr>
+                        <a:t>Assembly Language </a:t>
+                      </a:r>
+                      <a:endParaRPr lang="en-US" altLang="en-US" sz="1800">
+                        <a:latin typeface="Noto Serif CJK JP" panose="02020400000000000000" charset="-122"/>
+                        <a:ea typeface="Noto Serif CJK JP" panose="02020400000000000000" charset="-122"/>
+                        <a:cs typeface="+mj-ea"/>
+                        <a:sym typeface="+mn-ea"/>
+                      </a:endParaRPr>
+                    </a:p>
+                  </a:txBody>
+                  <a:tcPr/>
+                </a:tc>
+                <a:tc>
+                  <a:txBody>
+                    <a:bodyPr/>
+                    <a:p>
+                      <a:pPr>
+                        <a:buNone/>
+                      </a:pPr>
+                      <a:r>
+                        <a:rPr lang="en-US" altLang="en-US" sz="1800">
+                          <a:latin typeface="Noto Serif CJK JP" panose="02020400000000000000" charset="-122"/>
+                          <a:ea typeface="Noto Serif CJK JP" panose="02020400000000000000" charset="-122"/>
+                          <a:cs typeface="+mj-ea"/>
+                          <a:sym typeface="+mn-ea"/>
+                        </a:rPr>
+                        <a:t>Procedural  Programming </a:t>
+                      </a:r>
+                      <a:endParaRPr lang="en-US" altLang="en-US" sz="1800">
+                        <a:latin typeface="Noto Serif CJK JP" panose="02020400000000000000" charset="-122"/>
+                        <a:ea typeface="Noto Serif CJK JP" panose="02020400000000000000" charset="-122"/>
+                        <a:cs typeface="+mj-ea"/>
+                        <a:sym typeface="+mn-ea"/>
+                      </a:endParaRPr>
+                    </a:p>
+                  </a:txBody>
+                  <a:tcPr/>
+                </a:tc>
+              </a:tr>
+              <a:tr h="530860">
+                <a:tc>
+                  <a:txBody>
+                    <a:bodyPr/>
+                    <a:p>
+                      <a:pPr>
+                        <a:buNone/>
+                      </a:pPr>
+                      <a:r>
+                        <a:rPr lang="en-US">
+                          <a:latin typeface="Noto Serif CJK JP" panose="02020400000000000000" charset="-122"/>
+                          <a:ea typeface="Noto Serif CJK JP" panose="02020400000000000000" charset="-122"/>
+                        </a:rPr>
+                        <a:t>lowest-level</a:t>
+                      </a:r>
+                      <a:endParaRPr lang="en-US">
+                        <a:latin typeface="Noto Serif CJK JP" panose="02020400000000000000" charset="-122"/>
+                        <a:ea typeface="Noto Serif CJK JP" panose="02020400000000000000" charset="-122"/>
+                      </a:endParaRPr>
+                    </a:p>
+                  </a:txBody>
+                  <a:tcPr/>
+                </a:tc>
+                <a:tc>
+                  <a:txBody>
+                    <a:bodyPr/>
+                    <a:p>
+                      <a:pPr>
+                        <a:buNone/>
+                      </a:pPr>
+                      <a:r>
+                        <a:rPr lang="" altLang="en-US">
+                          <a:latin typeface="Noto Serif CJK JP" panose="02020400000000000000" charset="-122"/>
+                          <a:ea typeface="Noto Serif CJK JP" panose="02020400000000000000" charset="-122"/>
+                        </a:rPr>
+                        <a:t>intermediate level</a:t>
+                      </a:r>
+                      <a:endParaRPr lang="" altLang="en-US">
+                        <a:latin typeface="Noto Serif CJK JP" panose="02020400000000000000" charset="-122"/>
+                        <a:ea typeface="Noto Serif CJK JP" panose="02020400000000000000" charset="-122"/>
+                      </a:endParaRPr>
+                    </a:p>
+                  </a:txBody>
+                  <a:tcPr/>
+                </a:tc>
+                <a:tc>
+                  <a:txBody>
+                    <a:bodyPr/>
+                    <a:p>
+                      <a:pPr>
+                        <a:buNone/>
+                      </a:pPr>
+                      <a:r>
+                        <a:rPr lang="en-US">
+                          <a:latin typeface="Noto Serif CJK JP" panose="02020400000000000000" charset="-122"/>
+                          <a:ea typeface="Noto Serif CJK JP" panose="02020400000000000000" charset="-122"/>
+                        </a:rPr>
+                        <a:t>high-level </a:t>
+                      </a:r>
+                      <a:endParaRPr lang="en-US">
+                        <a:latin typeface="Noto Serif CJK JP" panose="02020400000000000000" charset="-122"/>
+                        <a:ea typeface="Noto Serif CJK JP" panose="02020400000000000000" charset="-122"/>
+                      </a:endParaRPr>
+                    </a:p>
+                  </a:txBody>
+                  <a:tcPr/>
+                </a:tc>
+              </a:tr>
+              <a:tr h="812165">
+                <a:tc>
+                  <a:txBody>
+                    <a:bodyPr/>
+                    <a:p>
+                      <a:pPr>
+                        <a:buNone/>
+                      </a:pPr>
+                      <a:r>
+                        <a:rPr lang="en-US">
+                          <a:latin typeface="Noto Serif CJK JP" panose="02020400000000000000" charset="-122"/>
+                          <a:ea typeface="Noto Serif CJK JP" panose="02020400000000000000" charset="-122"/>
+                        </a:rPr>
+                        <a:t>understood by computers.</a:t>
+                      </a:r>
+                      <a:endParaRPr lang="en-US">
+                        <a:latin typeface="Noto Serif CJK JP" panose="02020400000000000000" charset="-122"/>
+                        <a:ea typeface="Noto Serif CJK JP" panose="02020400000000000000" charset="-122"/>
+                      </a:endParaRPr>
+                    </a:p>
+                  </a:txBody>
+                  <a:tcPr/>
+                </a:tc>
+                <a:tc>
+                  <a:txBody>
+                    <a:bodyPr/>
+                    <a:p>
+                      <a:pPr>
+                        <a:buNone/>
+                      </a:pPr>
+                      <a:r>
+                        <a:rPr lang="" altLang="en-US">
+                          <a:latin typeface="Noto Serif CJK JP" panose="02020400000000000000" charset="-122"/>
+                          <a:ea typeface="Noto Serif CJK JP" panose="02020400000000000000" charset="-122"/>
+                        </a:rPr>
+                        <a:t>converted into machine language by assembler</a:t>
+                      </a:r>
+                      <a:endParaRPr lang="" altLang="en-US">
+                        <a:latin typeface="Noto Serif CJK JP" panose="02020400000000000000" charset="-122"/>
+                        <a:ea typeface="Noto Serif CJK JP" panose="02020400000000000000" charset="-122"/>
+                      </a:endParaRPr>
+                    </a:p>
+                  </a:txBody>
+                  <a:tcPr/>
+                </a:tc>
+                <a:tc>
+                  <a:txBody>
+                    <a:bodyPr/>
+                    <a:p>
+                      <a:pPr>
+                        <a:buNone/>
+                      </a:pPr>
+                      <a:r>
+                        <a:rPr lang="en-US">
+                          <a:latin typeface="Noto Serif CJK JP" panose="02020400000000000000" charset="-122"/>
+                          <a:ea typeface="Noto Serif CJK JP" panose="02020400000000000000" charset="-122"/>
+                        </a:rPr>
+                        <a:t>high-level languages are translated into assembly language or machine language by a compiler. </a:t>
+                      </a:r>
+                      <a:endParaRPr lang="en-US">
+                        <a:latin typeface="Noto Serif CJK JP" panose="02020400000000000000" charset="-122"/>
+                        <a:ea typeface="Noto Serif CJK JP" panose="02020400000000000000" charset="-122"/>
+                      </a:endParaRPr>
+                    </a:p>
+                  </a:txBody>
+                  <a:tcPr/>
+                </a:tc>
+              </a:tr>
+              <a:tr h="1188720">
+                <a:tc>
+                  <a:txBody>
+                    <a:bodyPr/>
+                    <a:p>
+                      <a:pPr>
+                        <a:buNone/>
+                      </a:pPr>
+                      <a:r>
+                        <a:rPr lang="en-US">
+                          <a:latin typeface="Noto Serif CJK JP" panose="02020400000000000000" charset="-122"/>
+                          <a:ea typeface="Noto Serif CJK JP" panose="02020400000000000000" charset="-122"/>
+                        </a:rPr>
+                        <a:t>almost impossible for humans to use because they consist entirely of numbers</a:t>
+                      </a:r>
+                      <a:r>
+                        <a:rPr lang="" altLang="en-US">
+                          <a:latin typeface="Noto Serif CJK JP" panose="02020400000000000000" charset="-122"/>
+                          <a:ea typeface="Noto Serif CJK JP" panose="02020400000000000000" charset="-122"/>
+                        </a:rPr>
+                        <a:t>/Binary </a:t>
+                      </a:r>
+                      <a:endParaRPr lang="" altLang="en-US">
+                        <a:latin typeface="Noto Serif CJK JP" panose="02020400000000000000" charset="-122"/>
+                        <a:ea typeface="Noto Serif CJK JP" panose="02020400000000000000" charset="-122"/>
+                      </a:endParaRPr>
+                    </a:p>
+                  </a:txBody>
+                  <a:tcPr/>
+                </a:tc>
+                <a:tc>
+                  <a:txBody>
+                    <a:bodyPr/>
+                    <a:p>
+                      <a:pPr>
+                        <a:buNone/>
+                      </a:pPr>
+                      <a:r>
+                        <a:rPr lang="en-US">
+                          <a:latin typeface="Noto Serif CJK JP" panose="02020400000000000000" charset="-122"/>
+                          <a:ea typeface="Noto Serif CJK JP" panose="02020400000000000000" charset="-122"/>
+                        </a:rPr>
+                        <a:t> generally lack high-level conveniences such as variables and functions</a:t>
+                      </a:r>
+                      <a:endParaRPr lang="en-US">
+                        <a:latin typeface="Noto Serif CJK JP" panose="02020400000000000000" charset="-122"/>
+                        <a:ea typeface="Noto Serif CJK JP" panose="02020400000000000000" charset="-122"/>
+                      </a:endParaRPr>
+                    </a:p>
+                  </a:txBody>
+                  <a:tcPr/>
+                </a:tc>
+                <a:tc>
+                  <a:txBody>
+                    <a:bodyPr/>
+                    <a:p>
+                      <a:pPr>
+                        <a:buNone/>
+                      </a:pPr>
+                      <a:r>
+                        <a:rPr lang="en-US">
+                          <a:latin typeface="Noto Serif CJK JP" panose="02020400000000000000" charset="-122"/>
+                          <a:ea typeface="Noto Serif CJK JP" panose="02020400000000000000" charset="-122"/>
+                        </a:rPr>
+                        <a:t>instructions and variables have names instead of being just numbers.</a:t>
+                      </a:r>
+                      <a:endParaRPr lang="en-US">
+                        <a:latin typeface="Noto Serif CJK JP" panose="02020400000000000000" charset="-122"/>
+                        <a:ea typeface="Noto Serif CJK JP" panose="02020400000000000000" charset="-122"/>
+                      </a:endParaRPr>
+                    </a:p>
+                  </a:txBody>
+                  <a:tcPr/>
+                </a:tc>
+              </a:tr>
+              <a:tr h="812165">
+                <a:tc>
+                  <a:txBody>
+                    <a:bodyPr/>
+                    <a:p>
+                      <a:pPr>
+                        <a:buNone/>
+                      </a:pPr>
+                      <a:r>
+                        <a:rPr lang="" altLang="en-US">
+                          <a:latin typeface="Noto Serif CJK JP" panose="02020400000000000000" charset="-122"/>
+                          <a:ea typeface="Noto Serif CJK JP" panose="02020400000000000000" charset="-122"/>
+                        </a:rPr>
+                        <a:t>Eg : 101010101011</a:t>
+                      </a:r>
+                      <a:endParaRPr lang="" altLang="en-US">
+                        <a:latin typeface="Noto Serif CJK JP" panose="02020400000000000000" charset="-122"/>
+                        <a:ea typeface="Noto Serif CJK JP" panose="02020400000000000000" charset="-122"/>
+                      </a:endParaRPr>
+                    </a:p>
+                  </a:txBody>
+                  <a:tcPr/>
+                </a:tc>
+                <a:tc>
+                  <a:txBody>
+                    <a:bodyPr/>
+                    <a:p>
+                      <a:pPr>
+                        <a:buNone/>
+                      </a:pPr>
+                      <a:r>
+                        <a:rPr lang="" altLang="en-US">
+                          <a:latin typeface="Noto Serif CJK JP" panose="02020400000000000000" charset="-122"/>
+                          <a:ea typeface="Noto Serif CJK JP" panose="02020400000000000000" charset="-122"/>
+                        </a:rPr>
+                        <a:t>Eg : MOV A B</a:t>
+                      </a:r>
+                      <a:endParaRPr lang="" altLang="en-US">
+                        <a:latin typeface="Noto Serif CJK JP" panose="02020400000000000000" charset="-122"/>
+                        <a:ea typeface="Noto Serif CJK JP" panose="02020400000000000000" charset="-122"/>
+                      </a:endParaRPr>
+                    </a:p>
+                    <a:p>
+                      <a:pPr>
+                        <a:buNone/>
+                      </a:pPr>
+                      <a:r>
+                        <a:rPr lang="" altLang="en-US">
+                          <a:latin typeface="Noto Serif CJK JP" panose="02020400000000000000" charset="-122"/>
+                          <a:ea typeface="Noto Serif CJK JP" panose="02020400000000000000" charset="-122"/>
+                        </a:rPr>
+                        <a:t>        ADD 2 3</a:t>
+                      </a:r>
+                      <a:endParaRPr lang="" altLang="en-US">
+                        <a:latin typeface="Noto Serif CJK JP" panose="02020400000000000000" charset="-122"/>
+                        <a:ea typeface="Noto Serif CJK JP" panose="02020400000000000000" charset="-122"/>
+                      </a:endParaRPr>
+                    </a:p>
+                    <a:p>
+                      <a:pPr>
+                        <a:buNone/>
+                      </a:pPr>
+                      <a:endParaRPr lang="" altLang="en-US">
+                        <a:latin typeface="Noto Serif CJK JP" panose="02020400000000000000" charset="-122"/>
+                        <a:ea typeface="Noto Serif CJK JP" panose="02020400000000000000" charset="-122"/>
+                      </a:endParaRPr>
+                    </a:p>
+                  </a:txBody>
+                  <a:tcPr/>
+                </a:tc>
+                <a:tc>
+                  <a:txBody>
+                    <a:bodyPr/>
+                    <a:p>
+                      <a:pPr>
+                        <a:buNone/>
+                      </a:pPr>
+                      <a:r>
+                        <a:rPr lang="" altLang="en-US">
+                          <a:latin typeface="Noto Serif CJK JP" panose="02020400000000000000" charset="-122"/>
+                          <a:ea typeface="Noto Serif CJK JP" panose="02020400000000000000" charset="-122"/>
+                        </a:rPr>
+                        <a:t>Eg : C</a:t>
+                      </a:r>
+                      <a:endParaRPr lang="" altLang="en-US">
+                        <a:latin typeface="Noto Serif CJK JP" panose="02020400000000000000" charset="-122"/>
+                        <a:ea typeface="Noto Serif CJK JP" panose="02020400000000000000" charset="-122"/>
+                      </a:endParaRPr>
+                    </a:p>
+                  </a:txBody>
+                  <a:tcPr/>
+                </a:tc>
+              </a:tr>
+            </a:tbl>
+          </a:graphicData>
+        </a:graphic>
+      </p:graphicFrame>
     </p:spTree>
   </p:cSld>
   <p:clrMapOvr>
@@ -7750,18 +9602,23 @@
             <p:ph type="title"/>
           </p:nvPr>
         </p:nvSpPr>
-        <p:spPr/>
+        <p:spPr>
+          <a:xfrm>
+            <a:off x="677545" y="129540"/>
+            <a:ext cx="7772400" cy="1143000"/>
+          </a:xfrm>
+        </p:spPr>
         <p:txBody>
           <a:bodyPr/>
           <a:p>
             <a:r>
-              <a:rPr lang="en-US">
-                <a:latin typeface="Noto Serif CJK JP" panose="02020400000000000000" charset="-122"/>
-                <a:ea typeface="Noto Serif CJK JP" panose="02020400000000000000" charset="-122"/>
-              </a:rPr>
-              <a:t>Object</a:t>
-            </a:r>
-            <a:endParaRPr lang="en-US">
+              <a:rPr lang="" altLang="en-US">
+                <a:latin typeface="Noto Serif CJK JP" panose="02020400000000000000" charset="-122"/>
+                <a:ea typeface="Noto Serif CJK JP" panose="02020400000000000000" charset="-122"/>
+              </a:rPr>
+              <a:t>Variables in C++</a:t>
+            </a:r>
+            <a:endParaRPr lang="" altLang="en-US">
               <a:latin typeface="Noto Serif CJK JP" panose="02020400000000000000" charset="-122"/>
               <a:ea typeface="Noto Serif CJK JP" panose="02020400000000000000" charset="-122"/>
             </a:endParaRPr>
@@ -7778,169 +9635,153 @@
             <p:ph idx="1"/>
           </p:nvPr>
         </p:nvSpPr>
-        <p:spPr/>
+        <p:spPr>
+          <a:xfrm>
+            <a:off x="6985" y="987425"/>
+            <a:ext cx="8749030" cy="6202045"/>
+          </a:xfrm>
+        </p:spPr>
         <p:txBody>
           <a:bodyPr/>
           <a:p>
-            <a:r>
-              <a:rPr lang="en-US" altLang="en-US" sz="2400">
-                <a:latin typeface="Noto Serif CJK JP" panose="02020400000000000000" charset="-122"/>
-                <a:ea typeface="Noto Serif CJK JP" panose="02020400000000000000" charset="-122"/>
-              </a:rPr>
-              <a:t>Represents </a:t>
-            </a:r>
-            <a:r>
-              <a:rPr lang="en-US" sz="2400">
-                <a:latin typeface="Noto Serif CJK JP" panose="02020400000000000000" charset="-122"/>
-                <a:ea typeface="Noto Serif CJK JP" panose="02020400000000000000" charset="-122"/>
-              </a:rPr>
-              <a:t>entity </a:t>
-            </a:r>
-            <a:endParaRPr lang="en-US" sz="2400">
+            <a:pPr>
+              <a:lnSpc>
+                <a:spcPct val="110000"/>
+              </a:lnSpc>
+            </a:pPr>
+            <a:r>
+              <a:rPr lang="" altLang="en-US" sz="2800">
+                <a:latin typeface="Noto Serif CJK JP" panose="02020400000000000000" charset="-122"/>
+                <a:ea typeface="Noto Serif CJK JP" panose="02020400000000000000" charset="-122"/>
+              </a:rPr>
+              <a:t>S</a:t>
+            </a:r>
+            <a:r>
+              <a:rPr lang="en-US" sz="2800">
+                <a:latin typeface="Noto Serif CJK JP" panose="02020400000000000000" charset="-122"/>
+                <a:ea typeface="Noto Serif CJK JP" panose="02020400000000000000" charset="-122"/>
+              </a:rPr>
+              <a:t>tore any type of values within a program</a:t>
+            </a:r>
+            <a:endParaRPr lang="en-US" sz="2800">
               <a:latin typeface="Noto Serif CJK JP" panose="02020400000000000000" charset="-122"/>
               <a:ea typeface="Noto Serif CJK JP" panose="02020400000000000000" charset="-122"/>
             </a:endParaRPr>
           </a:p>
           <a:p>
-            <a:r>
-              <a:rPr lang="en-US" altLang="en-US" sz="2400">
-                <a:latin typeface="Noto Serif CJK JP" panose="02020400000000000000" charset="-122"/>
-                <a:ea typeface="Noto Serif CJK JP" panose="02020400000000000000" charset="-122"/>
-              </a:rPr>
-              <a:t>A</a:t>
-            </a:r>
-            <a:r>
-              <a:rPr lang="en-US" sz="2400">
-                <a:latin typeface="Noto Serif CJK JP" panose="02020400000000000000" charset="-122"/>
-                <a:ea typeface="Noto Serif CJK JP" panose="02020400000000000000" charset="-122"/>
-              </a:rPr>
-              <a:t>ttributes</a:t>
-            </a:r>
-            <a:endParaRPr lang="en-US" sz="2400">
+            <a:pPr>
+              <a:lnSpc>
+                <a:spcPct val="110000"/>
+              </a:lnSpc>
+            </a:pPr>
+            <a:r>
+              <a:rPr lang="" altLang="en-US" sz="2800">
+                <a:latin typeface="Noto Serif CJK JP" panose="02020400000000000000" charset="-122"/>
+                <a:ea typeface="Noto Serif CJK JP" panose="02020400000000000000" charset="-122"/>
+              </a:rPr>
+              <a:t>D</a:t>
+            </a:r>
+            <a:r>
+              <a:rPr lang="en-US" sz="2800">
+                <a:latin typeface="Noto Serif CJK JP" panose="02020400000000000000" charset="-122"/>
+                <a:ea typeface="Noto Serif CJK JP" panose="02020400000000000000" charset="-122"/>
+              </a:rPr>
+              <a:t>eclared in various ways each having different memory requirements and storing capability</a:t>
+            </a:r>
+            <a:endParaRPr lang="en-US" sz="2800">
               <a:latin typeface="Noto Serif CJK JP" panose="02020400000000000000" charset="-122"/>
               <a:ea typeface="Noto Serif CJK JP" panose="02020400000000000000" charset="-122"/>
             </a:endParaRPr>
           </a:p>
           <a:p>
-            <a:pPr lvl="1"/>
-            <a:r>
-              <a:rPr lang="en-US" sz="2400">
-                <a:latin typeface="Noto Serif CJK JP" panose="02020400000000000000" charset="-122"/>
-                <a:ea typeface="Noto Serif CJK JP" panose="02020400000000000000" charset="-122"/>
-              </a:rPr>
-              <a:t>characteristics</a:t>
-            </a:r>
-            <a:endParaRPr lang="en-US" sz="2400">
+            <a:pPr>
+              <a:lnSpc>
+                <a:spcPct val="110000"/>
+              </a:lnSpc>
+            </a:pPr>
+            <a:r>
+              <a:rPr lang="" altLang="en-US" sz="2800">
+                <a:latin typeface="Noto Serif CJK JP" panose="02020400000000000000" charset="-122"/>
+                <a:ea typeface="Noto Serif CJK JP" panose="02020400000000000000" charset="-122"/>
+              </a:rPr>
+              <a:t>N</a:t>
+            </a:r>
+            <a:r>
+              <a:rPr lang="en-US" sz="2800">
+                <a:latin typeface="Noto Serif CJK JP" panose="02020400000000000000" charset="-122"/>
+                <a:ea typeface="Noto Serif CJK JP" panose="02020400000000000000" charset="-122"/>
+              </a:rPr>
+              <a:t>ame of memory locations that are allocated by compilers, and the allocation is done based on the data type used for declaring the variable.</a:t>
+            </a:r>
+            <a:endParaRPr lang="en-US" sz="2800">
               <a:latin typeface="Noto Serif CJK JP" panose="02020400000000000000" charset="-122"/>
               <a:ea typeface="Noto Serif CJK JP" panose="02020400000000000000" charset="-122"/>
             </a:endParaRPr>
           </a:p>
           <a:p>
-            <a:pPr lvl="1"/>
-            <a:r>
-              <a:rPr lang="en-US" altLang="en-US" sz="2400">
-                <a:latin typeface="Noto Serif CJK JP" panose="02020400000000000000" charset="-122"/>
-                <a:ea typeface="Noto Serif CJK JP" panose="02020400000000000000" charset="-122"/>
-              </a:rPr>
-              <a:t>implemented via v</a:t>
-            </a:r>
-            <a:r>
-              <a:rPr lang="en-US" sz="2400">
-                <a:latin typeface="Noto Serif CJK JP" panose="02020400000000000000" charset="-122"/>
-                <a:ea typeface="Noto Serif CJK JP" panose="02020400000000000000" charset="-122"/>
-              </a:rPr>
-              <a:t>ariable data members</a:t>
-            </a:r>
-            <a:endParaRPr lang="en-US" sz="2400">
+            <a:pPr>
+              <a:lnSpc>
+                <a:spcPct val="110000"/>
+              </a:lnSpc>
+            </a:pPr>
+            <a:r>
+              <a:rPr lang="" altLang="en-US" sz="2800" b="1">
+                <a:latin typeface="Noto Serif CJK JP" panose="02020400000000000000" charset="-122"/>
+                <a:ea typeface="Noto Serif CJK JP" panose="02020400000000000000" charset="-122"/>
+              </a:rPr>
+              <a:t>Syntax :</a:t>
+            </a:r>
+            <a:r>
+              <a:rPr lang="" altLang="en-US" sz="2800">
+                <a:latin typeface="Noto Serif CJK JP" panose="02020400000000000000" charset="-122"/>
+                <a:ea typeface="Noto Serif CJK JP" panose="02020400000000000000" charset="-122"/>
+              </a:rPr>
+              <a:t> </a:t>
+            </a:r>
+            <a:r>
+              <a:rPr lang="en-US" sz="2800">
+                <a:latin typeface="Noto Serif CJK JP" panose="02020400000000000000" charset="-122"/>
+                <a:ea typeface="Noto Serif CJK JP" panose="02020400000000000000" charset="-122"/>
+              </a:rPr>
+              <a:t>data_type variable_name;</a:t>
+            </a:r>
+            <a:endParaRPr lang="en-US" sz="2800">
               <a:latin typeface="Noto Serif CJK JP" panose="02020400000000000000" charset="-122"/>
               <a:ea typeface="Noto Serif CJK JP" panose="02020400000000000000" charset="-122"/>
             </a:endParaRPr>
           </a:p>
           <a:p>
-            <a:r>
-              <a:rPr lang="en-US" altLang="en-US" sz="2400">
-                <a:latin typeface="Noto Serif CJK JP" panose="02020400000000000000" charset="-122"/>
-                <a:ea typeface="Noto Serif CJK JP" panose="02020400000000000000" charset="-122"/>
-              </a:rPr>
-              <a:t>F</a:t>
-            </a:r>
-            <a:r>
-              <a:rPr lang="en-US" sz="2400">
-                <a:latin typeface="Noto Serif CJK JP" panose="02020400000000000000" charset="-122"/>
-                <a:ea typeface="Noto Serif CJK JP" panose="02020400000000000000" charset="-122"/>
-              </a:rPr>
-              <a:t>unctionality </a:t>
-            </a:r>
-            <a:endParaRPr lang="en-US" sz="2400">
+            <a:pPr lvl="1">
+              <a:lnSpc>
+                <a:spcPct val="110000"/>
+              </a:lnSpc>
+            </a:pPr>
+            <a:r>
+              <a:rPr lang="" altLang="en-US" sz="2450">
+                <a:latin typeface="Noto Serif CJK JP" panose="02020400000000000000" charset="-122"/>
+                <a:ea typeface="Noto Serif CJK JP" panose="02020400000000000000" charset="-122"/>
+              </a:rPr>
+              <a:t>Eg : int a; char b;</a:t>
+            </a:r>
+            <a:endParaRPr lang="" altLang="en-US" sz="2450">
               <a:latin typeface="Noto Serif CJK JP" panose="02020400000000000000" charset="-122"/>
               <a:ea typeface="Noto Serif CJK JP" panose="02020400000000000000" charset="-122"/>
             </a:endParaRPr>
           </a:p>
           <a:p>
-            <a:pPr lvl="1"/>
-            <a:r>
-              <a:rPr lang="en-US" altLang="en-US" sz="2400">
-                <a:latin typeface="Noto Serif CJK JP" panose="02020400000000000000" charset="-122"/>
-                <a:ea typeface="Noto Serif CJK JP" panose="02020400000000000000" charset="-122"/>
-              </a:rPr>
-              <a:t>b</a:t>
-            </a:r>
-            <a:r>
-              <a:rPr lang="en-US" sz="2400">
-                <a:latin typeface="Noto Serif CJK JP" panose="02020400000000000000" charset="-122"/>
-                <a:ea typeface="Noto Serif CJK JP" panose="02020400000000000000" charset="-122"/>
-              </a:rPr>
-              <a:t>ehaviour</a:t>
-            </a:r>
-            <a:endParaRPr lang="en-US" sz="2400">
-              <a:latin typeface="Noto Serif CJK JP" panose="02020400000000000000" charset="-122"/>
-              <a:ea typeface="Noto Serif CJK JP" panose="02020400000000000000" charset="-122"/>
-            </a:endParaRPr>
-          </a:p>
-          <a:p>
-            <a:pPr lvl="1"/>
-            <a:r>
-              <a:rPr lang="en-US" altLang="en-US" sz="2400">
-                <a:latin typeface="Noto Serif CJK JP" panose="02020400000000000000" charset="-122"/>
-                <a:ea typeface="Noto Serif CJK JP" panose="02020400000000000000" charset="-122"/>
-              </a:rPr>
-              <a:t>implemented via M</a:t>
-            </a:r>
-            <a:r>
-              <a:rPr lang="en-US" sz="2400">
-                <a:latin typeface="Noto Serif CJK JP" panose="02020400000000000000" charset="-122"/>
-                <a:ea typeface="Noto Serif CJK JP" panose="02020400000000000000" charset="-122"/>
-              </a:rPr>
-              <a:t>ethods</a:t>
-            </a:r>
-            <a:r>
-              <a:rPr lang="en-US" altLang="en-US" sz="2400">
-                <a:latin typeface="Noto Serif CJK JP" panose="02020400000000000000" charset="-122"/>
-                <a:ea typeface="Noto Serif CJK JP" panose="02020400000000000000" charset="-122"/>
-              </a:rPr>
-              <a:t>/member Functions</a:t>
-            </a:r>
-            <a:endParaRPr lang="en-US" sz="2400">
-              <a:latin typeface="Noto Serif CJK JP" panose="02020400000000000000" charset="-122"/>
-              <a:ea typeface="Noto Serif CJK JP" panose="02020400000000000000" charset="-122"/>
-            </a:endParaRPr>
-          </a:p>
-          <a:p>
-            <a:r>
-              <a:rPr lang="en-US" altLang="en-US" sz="2400">
-                <a:latin typeface="Noto Serif CJK JP" panose="02020400000000000000" charset="-122"/>
-                <a:ea typeface="Noto Serif CJK JP" panose="02020400000000000000" charset="-122"/>
-              </a:rPr>
-              <a:t>I</a:t>
-            </a:r>
-            <a:r>
-              <a:rPr lang="en-US" sz="2400">
-                <a:latin typeface="Noto Serif CJK JP" panose="02020400000000000000" charset="-122"/>
-                <a:ea typeface="Noto Serif CJK JP" panose="02020400000000000000" charset="-122"/>
-              </a:rPr>
-              <a:t>nstance of class</a:t>
-            </a:r>
-            <a:endParaRPr lang="en-US" sz="2400">
+            <a:pPr>
+              <a:lnSpc>
+                <a:spcPct val="110000"/>
+              </a:lnSpc>
+            </a:pPr>
+            <a:r>
+              <a:rPr lang="" altLang="en-US" sz="2800">
+                <a:latin typeface="Noto Serif CJK JP" panose="02020400000000000000" charset="-122"/>
+                <a:ea typeface="Noto Serif CJK JP" panose="02020400000000000000" charset="-122"/>
+              </a:rPr>
+              <a:t>Built-in Data types : predefined data types and can be used directly by the user to declare variables. example: int, char , float, bool etc.</a:t>
+            </a:r>
+            <a:endParaRPr lang="" altLang="en-US" sz="2800">
               <a:latin typeface="Noto Serif CJK JP" panose="02020400000000000000" charset="-122"/>
               <a:ea typeface="Noto Serif CJK JP" panose="02020400000000000000" charset="-122"/>
             </a:endParaRPr>
@@ -7975,7 +9816,12 @@
             <p:ph type="title"/>
           </p:nvPr>
         </p:nvSpPr>
-        <p:spPr/>
+        <p:spPr>
+          <a:xfrm>
+            <a:off x="677545" y="129540"/>
+            <a:ext cx="7772400" cy="1143000"/>
+          </a:xfrm>
+        </p:spPr>
         <p:txBody>
           <a:bodyPr/>
           <a:p>
@@ -7984,7 +9830,21 @@
                 <a:latin typeface="Noto Serif CJK JP" panose="02020400000000000000" charset="-122"/>
                 <a:ea typeface="Noto Serif CJK JP" panose="02020400000000000000" charset="-122"/>
               </a:rPr>
-              <a:t>Example</a:t>
+              <a:t> </a:t>
+            </a:r>
+            <a:r>
+              <a:rPr lang="" altLang="en-US">
+                <a:latin typeface="Noto Serif CJK JP" panose="02020400000000000000" charset="-122"/>
+                <a:ea typeface="Noto Serif CJK JP" panose="02020400000000000000" charset="-122"/>
+              </a:rPr>
+              <a:t>F</a:t>
+            </a:r>
+            <a:r>
+              <a:rPr lang="en-US" altLang="en-US">
+                <a:latin typeface="Noto Serif CJK JP" panose="02020400000000000000" charset="-122"/>
+                <a:ea typeface="Noto Serif CJK JP" panose="02020400000000000000" charset="-122"/>
+              </a:rPr>
+              <a:t>unctions in C++</a:t>
             </a:r>
             <a:endParaRPr lang="en-US" altLang="en-US">
               <a:latin typeface="Noto Serif CJK JP" panose="02020400000000000000" charset="-122"/>
@@ -8005,181 +9865,284 @@
         </p:nvSpPr>
         <p:spPr>
           <a:xfrm>
-            <a:off x="371475" y="1752600"/>
-            <a:ext cx="7772400" cy="4114800"/>
+            <a:off x="6985" y="987425"/>
+            <a:ext cx="8749030" cy="5835650"/>
           </a:xfrm>
         </p:spPr>
         <p:txBody>
           <a:bodyPr/>
           <a:p>
-            <a:pPr marL="0" indent="0">
-              <a:buNone/>
-            </a:pPr>
-            <a:r>
-              <a:rPr lang="en-US" altLang="en-US" sz="1800" b="1">
-                <a:latin typeface="FreeMono" panose="020F0409020205020404" charset="0"/>
-                <a:ea typeface="FreeMono" panose="020F0409020205020404" charset="0"/>
-              </a:rPr>
-              <a:t>Object of Student </a:t>
-            </a:r>
-            <a:r>
-              <a:rPr lang="en-US" altLang="en-US" sz="1800">
-                <a:latin typeface="FreeMono" panose="020F0409020205020404" charset="0"/>
-                <a:ea typeface="FreeMono" panose="020F0409020205020404" charset="0"/>
-              </a:rPr>
-              <a:t>:</a:t>
-            </a:r>
-            <a:endParaRPr lang="en-US" altLang="en-US" sz="1800">
-              <a:latin typeface="FreeMono" panose="020F0409020205020404" charset="0"/>
-              <a:ea typeface="FreeMono" panose="020F0409020205020404" charset="0"/>
-            </a:endParaRPr>
-          </a:p>
-          <a:p>
-            <a:r>
-              <a:rPr lang="en-US" altLang="en-US" sz="1800">
-                <a:latin typeface="FreeMono" panose="020F0409020205020404" charset="0"/>
-                <a:ea typeface="FreeMono" panose="020F0409020205020404" charset="0"/>
-              </a:rPr>
-              <a:t>Attributes </a:t>
-            </a:r>
-            <a:endParaRPr lang="en-US" altLang="en-US" sz="1800">
-              <a:latin typeface="FreeMono" panose="020F0409020205020404" charset="0"/>
-              <a:ea typeface="FreeMono" panose="020F0409020205020404" charset="0"/>
-            </a:endParaRPr>
-          </a:p>
-          <a:p>
-            <a:pPr lvl="1"/>
-            <a:r>
-              <a:rPr lang="en-US" altLang="en-US" sz="1800">
-                <a:latin typeface="FreeMono" panose="020F0409020205020404" charset="0"/>
-                <a:ea typeface="FreeMono" panose="020F0409020205020404" charset="0"/>
-              </a:rPr>
-              <a:t>Roll No : 5</a:t>
-            </a:r>
-            <a:endParaRPr lang="en-US" altLang="en-US" sz="1800">
-              <a:latin typeface="FreeMono" panose="020F0409020205020404" charset="0"/>
-              <a:ea typeface="FreeMono" panose="020F0409020205020404" charset="0"/>
-            </a:endParaRPr>
-          </a:p>
-          <a:p>
-            <a:pPr lvl="1"/>
-            <a:r>
-              <a:rPr lang="en-US" altLang="en-US" sz="1800">
-                <a:latin typeface="FreeMono" panose="020F0409020205020404" charset="0"/>
-                <a:ea typeface="FreeMono" panose="020F0409020205020404" charset="0"/>
-              </a:rPr>
-              <a:t>Name : Harry</a:t>
-            </a:r>
-            <a:endParaRPr lang="en-US" altLang="en-US" sz="1800">
-              <a:latin typeface="FreeMono" panose="020F0409020205020404" charset="0"/>
-              <a:ea typeface="FreeMono" panose="020F0409020205020404" charset="0"/>
-            </a:endParaRPr>
-          </a:p>
-          <a:p>
-            <a:pPr lvl="1"/>
-            <a:r>
-              <a:rPr lang="en-US" altLang="en-US" sz="1800">
-                <a:latin typeface="FreeMono" panose="020F0409020205020404" charset="0"/>
-                <a:ea typeface="FreeMono" panose="020F0409020205020404" charset="0"/>
-              </a:rPr>
-              <a:t>Address : 605 -AB</a:t>
-            </a:r>
-            <a:endParaRPr lang="en-US" altLang="en-US" sz="1800">
-              <a:latin typeface="FreeMono" panose="020F0409020205020404" charset="0"/>
-              <a:ea typeface="FreeMono" panose="020F0409020205020404" charset="0"/>
-            </a:endParaRPr>
-          </a:p>
-          <a:p>
-            <a:pPr lvl="1"/>
-            <a:r>
-              <a:rPr lang="en-US" altLang="en-US" sz="1800">
-                <a:latin typeface="FreeMono" panose="020F0409020205020404" charset="0"/>
-                <a:ea typeface="FreeMono" panose="020F0409020205020404" charset="0"/>
-              </a:rPr>
-              <a:t>Marks : [34,23,55]</a:t>
-            </a:r>
-            <a:endParaRPr lang="en-US" altLang="en-US" sz="1800">
-              <a:latin typeface="FreeMono" panose="020F0409020205020404" charset="0"/>
-              <a:ea typeface="FreeMono" panose="020F0409020205020404" charset="0"/>
-            </a:endParaRPr>
-          </a:p>
-          <a:p>
-            <a:pPr lvl="1"/>
-            <a:r>
-              <a:rPr lang="en-US" altLang="en-US" sz="1800">
-                <a:latin typeface="FreeMono" panose="020F0409020205020404" charset="0"/>
-                <a:ea typeface="FreeMono" panose="020F0409020205020404" charset="0"/>
-              </a:rPr>
-              <a:t>Height : 4</a:t>
-            </a:r>
-            <a:endParaRPr lang="en-US" altLang="en-US" sz="1800">
-              <a:latin typeface="FreeMono" panose="020F0409020205020404" charset="0"/>
-              <a:ea typeface="FreeMono" panose="020F0409020205020404" charset="0"/>
-            </a:endParaRPr>
-          </a:p>
-          <a:p>
-            <a:pPr lvl="1"/>
-            <a:r>
-              <a:rPr lang="en-US" altLang="en-US" sz="1800">
-                <a:latin typeface="FreeMono" panose="020F0409020205020404" charset="0"/>
-                <a:ea typeface="FreeMono" panose="020F0409020205020404" charset="0"/>
-              </a:rPr>
-              <a:t>Attendence : [Jan: 23,Feb: 21,..]</a:t>
-            </a:r>
-            <a:endParaRPr lang="en-US" altLang="en-US" sz="1800">
-              <a:latin typeface="FreeMono" panose="020F0409020205020404" charset="0"/>
-              <a:ea typeface="FreeMono" panose="020F0409020205020404" charset="0"/>
-            </a:endParaRPr>
-          </a:p>
-          <a:p>
-            <a:pPr lvl="0"/>
-            <a:r>
-              <a:rPr lang="en-US" altLang="en-US" sz="2055">
-                <a:latin typeface="FreeMono" panose="020F0409020205020404" charset="0"/>
-                <a:ea typeface="FreeMono" panose="020F0409020205020404" charset="0"/>
-              </a:rPr>
-              <a:t>Functionalities</a:t>
-            </a:r>
-            <a:endParaRPr lang="en-US" altLang="en-US" sz="2055">
-              <a:latin typeface="FreeMono" panose="020F0409020205020404" charset="0"/>
-              <a:ea typeface="FreeMono" panose="020F0409020205020404" charset="0"/>
-            </a:endParaRPr>
-          </a:p>
-          <a:p>
-            <a:pPr lvl="1"/>
-            <a:r>
-              <a:rPr lang="en-US" altLang="en-US" sz="1795">
-                <a:latin typeface="FreeMono" panose="020F0409020205020404" charset="0"/>
-                <a:ea typeface="FreeMono" panose="020F0409020205020404" charset="0"/>
-              </a:rPr>
-              <a:t>calculatePercentage</a:t>
-            </a:r>
-            <a:endParaRPr lang="en-US" altLang="en-US" sz="1795">
-              <a:latin typeface="FreeMono" panose="020F0409020205020404" charset="0"/>
-              <a:ea typeface="FreeMono" panose="020F0409020205020404" charset="0"/>
-            </a:endParaRPr>
-          </a:p>
-          <a:p>
-            <a:pPr lvl="1"/>
-            <a:r>
-              <a:rPr lang="en-US" altLang="en-US" sz="1795">
-                <a:latin typeface="FreeMono" panose="020F0409020205020404" charset="0"/>
-                <a:ea typeface="FreeMono" panose="020F0409020205020404" charset="0"/>
-              </a:rPr>
-              <a:t>getAttendenanceOfMonth(Month)</a:t>
-            </a:r>
-            <a:endParaRPr lang="en-US" altLang="en-US" sz="1795">
-              <a:latin typeface="FreeMono" panose="020F0409020205020404" charset="0"/>
-              <a:ea typeface="FreeMono" panose="020F0409020205020404" charset="0"/>
-            </a:endParaRPr>
-          </a:p>
-          <a:p>
-            <a:pPr marL="0" indent="0">
-              <a:buNone/>
-            </a:pPr>
-            <a:endParaRPr lang="en-US" altLang="en-US" sz="1800">
-              <a:latin typeface="FreeMono" panose="020F0409020205020404" charset="0"/>
-              <a:ea typeface="FreeMono" panose="020F0409020205020404" charset="0"/>
+            <a:pPr>
+              <a:lnSpc>
+                <a:spcPct val="100000"/>
+              </a:lnSpc>
+            </a:pPr>
+            <a:r>
+              <a:rPr lang="en-US" sz="2300">
+                <a:latin typeface="Noto Serif CJK JP" panose="02020400000000000000" charset="-122"/>
+                <a:ea typeface="Noto Serif CJK JP" panose="02020400000000000000" charset="-122"/>
+              </a:rPr>
+              <a:t>provide modularity to a program</a:t>
+            </a:r>
+            <a:endParaRPr lang="en-US" sz="2300">
+              <a:latin typeface="Noto Serif CJK JP" panose="02020400000000000000" charset="-122"/>
+              <a:ea typeface="Noto Serif CJK JP" panose="02020400000000000000" charset="-122"/>
+            </a:endParaRPr>
+          </a:p>
+          <a:p>
+            <a:pPr>
+              <a:lnSpc>
+                <a:spcPct val="100000"/>
+              </a:lnSpc>
+            </a:pPr>
+            <a:r>
+              <a:rPr lang="" altLang="en-US" sz="2300">
+                <a:latin typeface="Noto Serif CJK JP" panose="02020400000000000000" charset="-122"/>
+                <a:ea typeface="Noto Serif CJK JP" panose="02020400000000000000" charset="-122"/>
+              </a:rPr>
+              <a:t>defines an logic or action/steps  in the program</a:t>
+            </a:r>
+            <a:endParaRPr lang="" altLang="en-US" sz="2300">
+              <a:latin typeface="Noto Serif CJK JP" panose="02020400000000000000" charset="-122"/>
+              <a:ea typeface="Noto Serif CJK JP" panose="02020400000000000000" charset="-122"/>
+            </a:endParaRPr>
+          </a:p>
+          <a:p>
+            <a:pPr>
+              <a:lnSpc>
+                <a:spcPct val="100000"/>
+              </a:lnSpc>
+            </a:pPr>
+            <a:r>
+              <a:rPr lang="" altLang="en-US" sz="2300">
+                <a:latin typeface="Noto Serif CJK JP" panose="02020400000000000000" charset="-122"/>
+                <a:ea typeface="Noto Serif CJK JP" panose="02020400000000000000" charset="-122"/>
+              </a:rPr>
+              <a:t>Implementation Units of function in C++ :</a:t>
+            </a:r>
+            <a:endParaRPr lang="en-US" sz="2300">
+              <a:latin typeface="Noto Serif CJK JP" panose="02020400000000000000" charset="-122"/>
+              <a:ea typeface="Noto Serif CJK JP" panose="02020400000000000000" charset="-122"/>
+            </a:endParaRPr>
+          </a:p>
+          <a:p>
+            <a:pPr lvl="1">
+              <a:lnSpc>
+                <a:spcPct val="100000"/>
+              </a:lnSpc>
+            </a:pPr>
+            <a:r>
+              <a:rPr lang="" altLang="en-US" sz="2300">
+                <a:latin typeface="Noto Serif CJK JP" panose="02020400000000000000" charset="-122"/>
+                <a:ea typeface="Noto Serif CJK JP" panose="02020400000000000000" charset="-122"/>
+              </a:rPr>
+              <a:t>R</a:t>
+            </a:r>
+            <a:r>
+              <a:rPr lang="en-US" sz="2300">
+                <a:latin typeface="Noto Serif CJK JP" panose="02020400000000000000" charset="-122"/>
+                <a:ea typeface="Noto Serif CJK JP" panose="02020400000000000000" charset="-122"/>
+              </a:rPr>
+              <a:t>eturn-type: suggests what the function will return. It can be int, char, </a:t>
+            </a:r>
+            <a:r>
+              <a:rPr lang="" altLang="en-US" sz="2300">
+                <a:latin typeface="Noto Serif CJK JP" panose="02020400000000000000" charset="-122"/>
+                <a:ea typeface="Noto Serif CJK JP" panose="02020400000000000000" charset="-122"/>
+              </a:rPr>
+              <a:t>..etc </a:t>
+            </a:r>
+            <a:r>
+              <a:rPr lang="en-US" sz="2300">
+                <a:latin typeface="Noto Serif CJK JP" panose="02020400000000000000" charset="-122"/>
+                <a:ea typeface="Noto Serif CJK JP" panose="02020400000000000000" charset="-122"/>
+              </a:rPr>
+              <a:t>There can be functions which does not return anything, they are mentioned with void.</a:t>
+            </a:r>
+            <a:endParaRPr lang="en-US" sz="2300">
+              <a:latin typeface="Noto Serif CJK JP" panose="02020400000000000000" charset="-122"/>
+              <a:ea typeface="Noto Serif CJK JP" panose="02020400000000000000" charset="-122"/>
+            </a:endParaRPr>
+          </a:p>
+          <a:p>
+            <a:pPr lvl="1">
+              <a:lnSpc>
+                <a:spcPct val="100000"/>
+              </a:lnSpc>
+            </a:pPr>
+            <a:r>
+              <a:rPr lang="en-US" sz="2300">
+                <a:latin typeface="Noto Serif CJK JP" panose="02020400000000000000" charset="-122"/>
+                <a:ea typeface="Noto Serif CJK JP" panose="02020400000000000000" charset="-122"/>
+              </a:rPr>
+              <a:t>Function Name: is the name of the function, using the function name it is called. </a:t>
+            </a:r>
+            <a:endParaRPr lang="en-US" sz="2300">
+              <a:latin typeface="Noto Serif CJK JP" panose="02020400000000000000" charset="-122"/>
+              <a:ea typeface="Noto Serif CJK JP" panose="02020400000000000000" charset="-122"/>
+            </a:endParaRPr>
+          </a:p>
+          <a:p>
+            <a:pPr lvl="1">
+              <a:lnSpc>
+                <a:spcPct val="100000"/>
+              </a:lnSpc>
+            </a:pPr>
+            <a:r>
+              <a:rPr lang="en-US" sz="2300">
+                <a:latin typeface="Noto Serif CJK JP" panose="02020400000000000000" charset="-122"/>
+                <a:ea typeface="Noto Serif CJK JP" panose="02020400000000000000" charset="-122"/>
+              </a:rPr>
+              <a:t>Parameters: are variables to hold values of arguments passed while function is called. A function may or may not contain parameter list.</a:t>
+            </a:r>
+            <a:endParaRPr lang="en-US" sz="2300">
+              <a:latin typeface="Noto Serif CJK JP" panose="02020400000000000000" charset="-122"/>
+              <a:ea typeface="Noto Serif CJK JP" panose="02020400000000000000" charset="-122"/>
+            </a:endParaRPr>
+          </a:p>
+          <a:p>
+            <a:pPr lvl="1">
+              <a:lnSpc>
+                <a:spcPct val="100000"/>
+              </a:lnSpc>
+            </a:pPr>
+            <a:endParaRPr lang="en-US" sz="2300">
+              <a:latin typeface="Noto Serif CJK JP" panose="02020400000000000000" charset="-122"/>
+              <a:ea typeface="Noto Serif CJK JP" panose="02020400000000000000" charset="-122"/>
+            </a:endParaRPr>
+          </a:p>
+          <a:p>
+            <a:pPr marL="0" lvl="1">
+              <a:lnSpc>
+                <a:spcPct val="100000"/>
+              </a:lnSpc>
+            </a:pPr>
+            <a:r>
+              <a:rPr lang="" altLang="en-US" sz="2000">
+                <a:latin typeface="Noto Serif CJK JP" panose="02020400000000000000" charset="-122"/>
+                <a:ea typeface="Noto Serif CJK JP" panose="02020400000000000000" charset="-122"/>
+                <a:sym typeface="+mn-ea"/>
+              </a:rPr>
+              <a:t>Eg </a:t>
+            </a:r>
+            <a:r>
+              <a:rPr lang="en-US" altLang="en-US" sz="2000" b="1">
+                <a:latin typeface="Noto Serif CJK JP" panose="02020400000000000000" charset="-122"/>
+                <a:ea typeface="Noto Serif CJK JP" panose="02020400000000000000" charset="-122"/>
+                <a:sym typeface="+mn-ea"/>
+              </a:rPr>
+              <a:t>int </a:t>
+            </a:r>
+            <a:r>
+              <a:rPr lang="" altLang="en-US" sz="2000" b="1">
+                <a:latin typeface="Noto Serif CJK JP" panose="02020400000000000000" charset="-122"/>
+                <a:ea typeface="Noto Serif CJK JP" panose="02020400000000000000" charset="-122"/>
+                <a:sym typeface="+mn-ea"/>
+              </a:rPr>
+              <a:t>add</a:t>
+            </a:r>
+            <a:r>
+              <a:rPr lang="en-US" altLang="en-US" sz="2000" b="1">
+                <a:latin typeface="Noto Serif CJK JP" panose="02020400000000000000" charset="-122"/>
+                <a:ea typeface="Noto Serif CJK JP" panose="02020400000000000000" charset="-122"/>
+                <a:sym typeface="+mn-ea"/>
+              </a:rPr>
+              <a:t>(int a</a:t>
+            </a:r>
+            <a:r>
+              <a:rPr lang="" altLang="en-US" sz="2000" b="1">
+                <a:latin typeface="Noto Serif CJK JP" panose="02020400000000000000" charset="-122"/>
+                <a:ea typeface="Noto Serif CJK JP" panose="02020400000000000000" charset="-122"/>
+                <a:sym typeface="+mn-ea"/>
+              </a:rPr>
+              <a:t>,int b</a:t>
+            </a:r>
+            <a:r>
+              <a:rPr lang="en-US" altLang="en-US" sz="2000" b="1">
+                <a:latin typeface="Noto Serif CJK JP" panose="02020400000000000000" charset="-122"/>
+                <a:ea typeface="Noto Serif CJK JP" panose="02020400000000000000" charset="-122"/>
+                <a:sym typeface="+mn-ea"/>
+              </a:rPr>
+              <a:t>);  </a:t>
+            </a:r>
+            <a:r>
+              <a:rPr lang="" altLang="en-US" sz="2000" b="1">
+                <a:latin typeface="Noto Serif CJK JP" panose="02020400000000000000" charset="-122"/>
+                <a:ea typeface="Noto Serif CJK JP" panose="02020400000000000000" charset="-122"/>
+                <a:sym typeface="+mn-ea"/>
+              </a:rPr>
+              <a:t>void print(char a);  </a:t>
+            </a:r>
+            <a:r>
+              <a:rPr lang="en-US" altLang="en-US" sz="2000" b="1">
+                <a:latin typeface="Noto Serif CJK JP" panose="02020400000000000000" charset="-122"/>
+                <a:ea typeface="Noto Serif CJK JP" panose="02020400000000000000" charset="-122"/>
+                <a:sym typeface="+mn-ea"/>
+              </a:rPr>
+              <a:t>void </a:t>
+            </a:r>
+            <a:r>
+              <a:rPr lang="" altLang="en-US" sz="2000" b="1">
+                <a:latin typeface="Noto Serif CJK JP" panose="02020400000000000000" charset="-122"/>
+                <a:ea typeface="Noto Serif CJK JP" panose="02020400000000000000" charset="-122"/>
+                <a:sym typeface="+mn-ea"/>
+              </a:rPr>
+              <a:t>getSomething</a:t>
+            </a:r>
+            <a:r>
+              <a:rPr lang="en-US" altLang="en-US" sz="2000" b="1">
+                <a:latin typeface="Noto Serif CJK JP" panose="02020400000000000000" charset="-122"/>
+                <a:ea typeface="Noto Serif CJK JP" panose="02020400000000000000" charset="-122"/>
+                <a:sym typeface="+mn-ea"/>
+              </a:rPr>
+              <a:t>();   </a:t>
+            </a:r>
+            <a:endParaRPr lang="en-US" altLang="en-US" sz="2000" b="1">
+              <a:latin typeface="Noto Serif CJK JP" panose="02020400000000000000" charset="-122"/>
+              <a:ea typeface="Noto Serif CJK JP" panose="02020400000000000000" charset="-122"/>
+              <a:sym typeface="+mn-ea"/>
+            </a:endParaRPr>
+          </a:p>
+          <a:p>
+            <a:pPr lvl="1">
+              <a:lnSpc>
+                <a:spcPct val="100000"/>
+              </a:lnSpc>
+            </a:pPr>
+            <a:endParaRPr lang="en-US" altLang="en-US" sz="2000" b="1">
+              <a:latin typeface="Noto Serif CJK JP" panose="02020400000000000000" charset="-122"/>
+              <a:ea typeface="Noto Serif CJK JP" panose="02020400000000000000" charset="-122"/>
+              <a:sym typeface="+mn-ea"/>
+            </a:endParaRPr>
+          </a:p>
+          <a:p>
+            <a:pPr marL="914400" lvl="2" indent="0">
+              <a:lnSpc>
+                <a:spcPct val="100000"/>
+              </a:lnSpc>
+              <a:buNone/>
+            </a:pPr>
+            <a:r>
+              <a:rPr lang="" altLang="en-US" sz="2300" b="1">
+                <a:latin typeface="Noto Serif CJK JP" panose="02020400000000000000" charset="-122"/>
+                <a:ea typeface="Noto Serif CJK JP" panose="02020400000000000000" charset="-122"/>
+              </a:rPr>
+              <a:t>	</a:t>
+            </a:r>
+            <a:endParaRPr lang="en-US" sz="2300" b="1">
+              <a:latin typeface="Noto Serif CJK JP" panose="02020400000000000000" charset="-122"/>
+              <a:ea typeface="Noto Serif CJK JP" panose="02020400000000000000" charset="-122"/>
+            </a:endParaRPr>
+          </a:p>
+          <a:p>
+            <a:pPr lvl="1">
+              <a:lnSpc>
+                <a:spcPct val="100000"/>
+              </a:lnSpc>
+            </a:pPr>
+            <a:endParaRPr lang="en-US" sz="2300">
+              <a:latin typeface="Noto Serif CJK JP" panose="02020400000000000000" charset="-122"/>
+              <a:ea typeface="Noto Serif CJK JP" panose="02020400000000000000" charset="-122"/>
             </a:endParaRPr>
           </a:p>
         </p:txBody>
@@ -8212,18 +10175,53 @@
             <p:ph type="title"/>
           </p:nvPr>
         </p:nvSpPr>
-        <p:spPr/>
+        <p:spPr>
+          <a:xfrm>
+            <a:off x="677545" y="129540"/>
+            <a:ext cx="7772400" cy="1143000"/>
+          </a:xfrm>
+        </p:spPr>
         <p:txBody>
           <a:bodyPr/>
           <a:p>
             <a:r>
-              <a:rPr lang="en-US">
-                <a:latin typeface="Noto Serif CJK JP" panose="02020400000000000000" charset="-122"/>
-                <a:ea typeface="Noto Serif CJK JP" panose="02020400000000000000" charset="-122"/>
-              </a:rPr>
-              <a:t>Class</a:t>
-            </a:r>
-            <a:endParaRPr lang="en-US">
+              <a:rPr lang="" altLang="en-US" sz="2800">
+                <a:latin typeface="Noto Serif CJK JP" panose="02020400000000000000" charset="-122"/>
+                <a:ea typeface="Noto Serif CJK JP" panose="02020400000000000000" charset="-122"/>
+                <a:sym typeface="+mn-ea"/>
+              </a:rPr>
+              <a:t>D</a:t>
+            </a:r>
+            <a:r>
+              <a:rPr lang="en-US" sz="2800">
+                <a:latin typeface="Noto Serif CJK JP" panose="02020400000000000000" charset="-122"/>
+                <a:ea typeface="Noto Serif CJK JP" panose="02020400000000000000" charset="-122"/>
+                <a:sym typeface="+mn-ea"/>
+              </a:rPr>
+              <a:t>eclaration</a:t>
+            </a:r>
+            <a:r>
+              <a:rPr lang="en-US" altLang="en-US" sz="2800">
+                <a:latin typeface="Noto Serif CJK JP" panose="02020400000000000000" charset="-122"/>
+                <a:ea typeface="Noto Serif CJK JP" panose="02020400000000000000" charset="-122"/>
+              </a:rPr>
+              <a:t>, Defini</a:t>
+            </a:r>
+            <a:r>
+              <a:rPr lang="" altLang="en-US" sz="2800">
+                <a:latin typeface="Noto Serif CJK JP" panose="02020400000000000000" charset="-122"/>
+                <a:ea typeface="Noto Serif CJK JP" panose="02020400000000000000" charset="-122"/>
+              </a:rPr>
+              <a:t>tion</a:t>
+            </a:r>
+            <a:r>
+              <a:rPr lang="en-US" altLang="en-US" sz="2800">
+                <a:latin typeface="Noto Serif CJK JP" panose="02020400000000000000" charset="-122"/>
+                <a:ea typeface="Noto Serif CJK JP" panose="02020400000000000000" charset="-122"/>
+              </a:rPr>
+              <a:t> and Calling a Function</a:t>
+            </a:r>
+            <a:endParaRPr lang="en-US" altLang="en-US" sz="2800">
               <a:latin typeface="Noto Serif CJK JP" panose="02020400000000000000" charset="-122"/>
               <a:ea typeface="Noto Serif CJK JP" panose="02020400000000000000" charset="-122"/>
             </a:endParaRPr>
@@ -8242,113 +10240,90 @@
         </p:nvSpPr>
         <p:spPr>
           <a:xfrm>
-            <a:off x="685800" y="1981200"/>
-            <a:ext cx="7772400" cy="4114800"/>
+            <a:off x="6985" y="1435100"/>
+            <a:ext cx="8749030" cy="5387975"/>
           </a:xfrm>
         </p:spPr>
         <p:txBody>
           <a:bodyPr/>
           <a:p>
-            <a:r>
-              <a:rPr lang="en-US" sz="2400">
-                <a:latin typeface="Noto Serif CJK JP" panose="02020400000000000000" charset="-122"/>
-                <a:ea typeface="Noto Serif CJK JP" panose="02020400000000000000" charset="-122"/>
-              </a:rPr>
-              <a:t>Specification of Object</a:t>
-            </a:r>
-            <a:endParaRPr lang="en-US" sz="2400">
+            <a:pPr>
+              <a:lnSpc>
+                <a:spcPct val="130000"/>
+              </a:lnSpc>
+            </a:pPr>
+            <a:r>
+              <a:rPr lang="en-US" sz="2300">
+                <a:latin typeface="Noto Serif CJK JP" panose="02020400000000000000" charset="-122"/>
+                <a:ea typeface="Noto Serif CJK JP" panose="02020400000000000000" charset="-122"/>
+              </a:rPr>
+              <a:t>Function declaration, is done to tell the compiler about the existence of the function. Function's return type, its name &amp; parameter list is mentioned.</a:t>
+            </a:r>
+            <a:endParaRPr lang="en-US" sz="2300">
               <a:latin typeface="Noto Serif CJK JP" panose="02020400000000000000" charset="-122"/>
               <a:ea typeface="Noto Serif CJK JP" panose="02020400000000000000" charset="-122"/>
             </a:endParaRPr>
           </a:p>
           <a:p>
-            <a:endParaRPr lang="en-US" sz="2400">
+            <a:pPr>
+              <a:lnSpc>
+                <a:spcPct val="130000"/>
+              </a:lnSpc>
+            </a:pPr>
+            <a:r>
+              <a:rPr lang="" altLang="en-US" sz="2300">
+                <a:latin typeface="Noto Serif CJK JP" panose="02020400000000000000" charset="-122"/>
+                <a:ea typeface="Noto Serif CJK JP" panose="02020400000000000000" charset="-122"/>
+              </a:rPr>
+              <a:t>Function </a:t>
+            </a:r>
+            <a:r>
+              <a:rPr lang="en-US" altLang="en-US" sz="2300">
+                <a:latin typeface="Noto Serif CJK JP" panose="02020400000000000000" charset="-122"/>
+                <a:ea typeface="Noto Serif CJK JP" panose="02020400000000000000" charset="-122"/>
+                <a:sym typeface="+mn-ea"/>
+              </a:rPr>
+              <a:t>Definition </a:t>
+            </a:r>
+            <a:r>
+              <a:rPr lang="" altLang="en-US" sz="2300">
+                <a:latin typeface="Noto Serif CJK JP" panose="02020400000000000000" charset="-122"/>
+                <a:ea typeface="Noto Serif CJK JP" panose="02020400000000000000" charset="-122"/>
+                <a:sym typeface="+mn-ea"/>
+              </a:rPr>
+              <a:t>, tells what the function do. Here the logic or action/steps to be done is written.</a:t>
+            </a:r>
+            <a:endParaRPr lang="" altLang="en-US" sz="2300">
               <a:latin typeface="Noto Serif CJK JP" panose="02020400000000000000" charset="-122"/>
               <a:ea typeface="Noto Serif CJK JP" panose="02020400000000000000" charset="-122"/>
-            </a:endParaRPr>
-          </a:p>
-          <a:p>
-            <a:r>
-              <a:rPr lang="en-US" sz="2400">
-                <a:latin typeface="Noto Serif CJK JP" panose="02020400000000000000" charset="-122"/>
-                <a:ea typeface="Noto Serif CJK JP" panose="02020400000000000000" charset="-122"/>
-              </a:rPr>
-              <a:t>B</a:t>
-            </a:r>
-            <a:r>
-              <a:rPr sz="2400">
-                <a:latin typeface="Noto Serif CJK JP" panose="02020400000000000000" charset="-122"/>
-                <a:ea typeface="Noto Serif CJK JP" panose="02020400000000000000" charset="-122"/>
-              </a:rPr>
-              <a:t>lueprint that specifies the attributes and behavior of an Object</a:t>
-            </a:r>
-            <a:endParaRPr sz="2400">
+              <a:sym typeface="+mn-ea"/>
+            </a:endParaRPr>
+          </a:p>
+          <a:p>
+            <a:pPr>
+              <a:lnSpc>
+                <a:spcPct val="130000"/>
+              </a:lnSpc>
+            </a:pPr>
+            <a:r>
+              <a:rPr lang="" altLang="en-US" sz="2300">
+                <a:latin typeface="Noto Serif CJK JP" panose="02020400000000000000" charset="-122"/>
+                <a:ea typeface="Noto Serif CJK JP" panose="02020400000000000000" charset="-122"/>
+              </a:rPr>
+              <a:t>Calling a Function : Functions are called by their names, its where we tell the machine to execute the instructions listed in defintion and we can pass the data to the functions </a:t>
+            </a:r>
+            <a:endParaRPr lang="" altLang="en-US" sz="2300">
               <a:latin typeface="Noto Serif CJK JP" panose="02020400000000000000" charset="-122"/>
               <a:ea typeface="Noto Serif CJK JP" panose="02020400000000000000" charset="-122"/>
             </a:endParaRPr>
           </a:p>
           <a:p>
-            <a:endParaRPr sz="2400">
-              <a:latin typeface="Noto Serif CJK JP" panose="02020400000000000000" charset="-122"/>
-              <a:ea typeface="Noto Serif CJK JP" panose="02020400000000000000" charset="-122"/>
-            </a:endParaRPr>
-          </a:p>
-          <a:p>
-            <a:r>
-              <a:rPr lang="en-US" sz="2400">
-                <a:latin typeface="Noto Serif CJK JP" panose="02020400000000000000" charset="-122"/>
-                <a:ea typeface="Noto Serif CJK JP" panose="02020400000000000000" charset="-122"/>
-              </a:rPr>
-              <a:t>B</a:t>
-            </a:r>
-            <a:r>
-              <a:rPr sz="2400">
-                <a:latin typeface="Noto Serif CJK JP" panose="02020400000000000000" charset="-122"/>
-                <a:ea typeface="Noto Serif CJK JP" panose="02020400000000000000" charset="-122"/>
-              </a:rPr>
-              <a:t>ehaviors are actions that an object can perform.</a:t>
-            </a:r>
-            <a:endParaRPr sz="2400">
-              <a:latin typeface="Noto Serif CJK JP" panose="02020400000000000000" charset="-122"/>
-              <a:ea typeface="Noto Serif CJK JP" panose="02020400000000000000" charset="-122"/>
-            </a:endParaRPr>
-          </a:p>
-          <a:p>
-            <a:endParaRPr sz="2400">
-              <a:latin typeface="Noto Serif CJK JP" panose="02020400000000000000" charset="-122"/>
-              <a:ea typeface="Noto Serif CJK JP" panose="02020400000000000000" charset="-122"/>
-            </a:endParaRPr>
-          </a:p>
-          <a:p>
-            <a:r>
-              <a:rPr sz="2400">
-                <a:latin typeface="Noto Serif CJK JP" panose="02020400000000000000" charset="-122"/>
-                <a:ea typeface="Noto Serif CJK JP" panose="02020400000000000000" charset="-122"/>
-              </a:rPr>
-              <a:t>Classes are </a:t>
-            </a:r>
-            <a:r>
-              <a:rPr lang="en-US" sz="2400" b="1">
-                <a:latin typeface="Noto Serif CJK JP" panose="02020400000000000000" charset="-122"/>
-                <a:ea typeface="Noto Serif CJK JP" panose="02020400000000000000" charset="-122"/>
-              </a:rPr>
-              <a:t>user defined </a:t>
-            </a:r>
-            <a:r>
-              <a:rPr sz="2400" b="1">
-                <a:latin typeface="Noto Serif CJK JP" panose="02020400000000000000" charset="-122"/>
-                <a:ea typeface="Noto Serif CJK JP" panose="02020400000000000000" charset="-122"/>
-              </a:rPr>
-              <a:t>data type</a:t>
-            </a:r>
-            <a:r>
-              <a:rPr sz="2400">
-                <a:latin typeface="Noto Serif CJK JP" panose="02020400000000000000" charset="-122"/>
-                <a:ea typeface="Noto Serif CJK JP" panose="02020400000000000000" charset="-122"/>
-              </a:rPr>
-              <a:t> based on which objects are created.</a:t>
-            </a:r>
-            <a:endParaRPr sz="2400">
+            <a:pPr>
+              <a:lnSpc>
+                <a:spcPct val="130000"/>
+              </a:lnSpc>
+            </a:pPr>
+            <a:endParaRPr lang="en-US" sz="2300">
               <a:latin typeface="Noto Serif CJK JP" panose="02020400000000000000" charset="-122"/>
               <a:ea typeface="Noto Serif CJK JP" panose="02020400000000000000" charset="-122"/>
             </a:endParaRPr>
@@ -8383,15 +10358,26 @@
             <p:ph type="title"/>
           </p:nvPr>
         </p:nvSpPr>
-        <p:spPr/>
+        <p:spPr>
+          <a:xfrm>
+            <a:off x="494665" y="361315"/>
+            <a:ext cx="7772400" cy="728980"/>
+          </a:xfrm>
+        </p:spPr>
         <p:txBody>
           <a:bodyPr/>
           <a:p>
             <a:r>
-              <a:rPr lang="en-US" altLang="en-US"/>
+              <a:rPr lang="en-US" altLang="en-US">
+                <a:latin typeface="Noto Serif CJK JP" panose="02020400000000000000" charset="-122"/>
+                <a:ea typeface="Noto Serif CJK JP" panose="02020400000000000000" charset="-122"/>
+              </a:rPr>
               <a:t>Example</a:t>
             </a:r>
-            <a:endParaRPr lang="en-US" altLang="en-US"/>
+            <a:endParaRPr lang="en-US" altLang="en-US">
+              <a:latin typeface="Noto Serif CJK JP" panose="02020400000000000000" charset="-122"/>
+              <a:ea typeface="Noto Serif CJK JP" panose="02020400000000000000" charset="-122"/>
+            </a:endParaRPr>
           </a:p>
         </p:txBody>
       </p:sp>
@@ -8415,6 +10401,28 @@
           <a:bodyPr/>
           <a:p>
             <a:pPr marL="0" indent="0">
+              <a:lnSpc>
+                <a:spcPct val="80000"/>
+              </a:lnSpc>
+              <a:buNone/>
+            </a:pPr>
+            <a:r>
+              <a:rPr lang="en-US" altLang="en-US" sz="1800" b="1">
+                <a:latin typeface="FreeMono" panose="020F0409020205020404" charset="0"/>
+                <a:ea typeface="FreeMono" panose="020F0409020205020404" charset="0"/>
+              </a:rPr>
+              <a:t>//declaring the function</a:t>
+            </a:r>
+            <a:endParaRPr lang="en-US" altLang="en-US" sz="1800">
+              <a:latin typeface="FreeMono" panose="020F0409020205020404" charset="0"/>
+              <a:ea typeface="FreeMono" panose="020F0409020205020404" charset="0"/>
+            </a:endParaRPr>
+          </a:p>
+          <a:p>
+            <a:pPr marL="0" indent="0">
+              <a:lnSpc>
+                <a:spcPct val="80000"/>
+              </a:lnSpc>
               <a:buNone/>
             </a:pPr>
             <a:r>
@@ -8422,20 +10430,84 @@
                 <a:latin typeface="FreeMono" panose="020F0409020205020404" charset="0"/>
                 <a:ea typeface="FreeMono" panose="020F0409020205020404" charset="0"/>
               </a:rPr>
-              <a:t>class </a:t>
+              <a:t>int sum (int x, int y)</a:t>
             </a:r>
             <a:r>
               <a:rPr lang="en-US" altLang="en-US" sz="1800" b="1">
                 <a:latin typeface="FreeMono" panose="020F0409020205020404" charset="0"/>
                 <a:ea typeface="FreeMono" panose="020F0409020205020404" charset="0"/>
               </a:rPr>
-              <a:t>Student </a:t>
+              <a:t>;  </a:t>
+            </a:r>
+            <a:r>
+              <a:rPr lang="" altLang="en-US" sz="1800" b="1">
+                <a:latin typeface="FreeMono" panose="020F0409020205020404" charset="0"/>
+                <a:ea typeface="FreeMono" panose="020F0409020205020404" charset="0"/>
+              </a:rPr>
+              <a:t>//presents ';' to indicate 				     //declaration or end of stmt</a:t>
+            </a:r>
+            <a:endParaRPr lang="en-US" altLang="en-US" sz="1800" b="1">
+              <a:latin typeface="FreeMono" panose="020F0409020205020404" charset="0"/>
+              <a:ea typeface="FreeMono" panose="020F0409020205020404" charset="0"/>
+            </a:endParaRPr>
+          </a:p>
+          <a:p>
+            <a:pPr marL="0" indent="0">
+              <a:lnSpc>
+                <a:spcPct val="80000"/>
+              </a:lnSpc>
+              <a:buNone/>
+            </a:pPr>
+            <a:r>
+              <a:rPr lang="" altLang="en-US" sz="1800">
+                <a:latin typeface="FreeMono" panose="020F0409020205020404" charset="0"/>
+                <a:ea typeface="FreeMono" panose="020F0409020205020404" charset="0"/>
+              </a:rPr>
+              <a:t>	</a:t>
+            </a:r>
+            <a:endParaRPr lang="en-US" altLang="en-US" sz="1800">
+              <a:latin typeface="FreeMono" panose="020F0409020205020404" charset="0"/>
+              <a:ea typeface="FreeMono" panose="020F0409020205020404" charset="0"/>
+            </a:endParaRPr>
+          </a:p>
+          <a:p>
+            <a:pPr marL="0" indent="0">
+              <a:lnSpc>
+                <a:spcPct val="80000"/>
+              </a:lnSpc>
+              <a:buNone/>
+            </a:pPr>
+            <a:r>
+              <a:rPr lang="" altLang="en-US" sz="1800">
+                <a:latin typeface="FreeMono" panose="020F0409020205020404" charset="0"/>
+                <a:ea typeface="FreeMono" panose="020F0409020205020404" charset="0"/>
+              </a:rPr>
+              <a:t>void </a:t>
             </a:r>
             <a:r>
               <a:rPr lang="en-US" altLang="en-US" sz="1800">
                 <a:latin typeface="FreeMono" panose="020F0409020205020404" charset="0"/>
                 <a:ea typeface="FreeMono" panose="020F0409020205020404" charset="0"/>
               </a:rPr>
+              <a:t>main()</a:t>
+            </a:r>
+            <a:endParaRPr lang="en-US" altLang="en-US" sz="1800">
+              <a:latin typeface="FreeMono" panose="020F0409020205020404" charset="0"/>
+              <a:ea typeface="FreeMono" panose="020F0409020205020404" charset="0"/>
+            </a:endParaRPr>
+          </a:p>
+          <a:p>
+            <a:pPr marL="0" indent="0">
+              <a:lnSpc>
+                <a:spcPct val="80000"/>
+              </a:lnSpc>
+              <a:buNone/>
+            </a:pPr>
+            <a:r>
+              <a:rPr lang="en-US" altLang="en-US" sz="1800">
+                <a:latin typeface="FreeMono" panose="020F0409020205020404" charset="0"/>
+                <a:ea typeface="FreeMono" panose="020F0409020205020404" charset="0"/>
+              </a:rPr>
               <a:t>{</a:t>
             </a:r>
             <a:endParaRPr lang="en-US" altLang="en-US" sz="1800">
@@ -8445,6 +10517,9 @@
           </a:p>
           <a:p>
             <a:pPr marL="0" indent="0">
+              <a:lnSpc>
+                <a:spcPct val="80000"/>
+              </a:lnSpc>
               <a:buNone/>
             </a:pPr>
             <a:r>
@@ -8452,7 +10527,7 @@
                 <a:latin typeface="FreeMono" panose="020F0409020205020404" charset="0"/>
                 <a:ea typeface="FreeMono" panose="020F0409020205020404" charset="0"/>
               </a:rPr>
-              <a:t> 	int rollNo ;</a:t>
+              <a:t>    int a = 10;</a:t>
             </a:r>
             <a:endParaRPr lang="en-US" altLang="en-US" sz="1800">
               <a:latin typeface="FreeMono" panose="020F0409020205020404" charset="0"/>
@@ -8461,6 +10536,9 @@
           </a:p>
           <a:p>
             <a:pPr marL="0" indent="0">
+              <a:lnSpc>
+                <a:spcPct val="80000"/>
+              </a:lnSpc>
               <a:buNone/>
             </a:pPr>
             <a:r>
@@ -8468,7 +10546,7 @@
                 <a:latin typeface="FreeMono" panose="020F0409020205020404" charset="0"/>
                 <a:ea typeface="FreeMono" panose="020F0409020205020404" charset="0"/>
               </a:rPr>
-              <a:t> 	char [] name; </a:t>
+              <a:t>    int b = 20;</a:t>
             </a:r>
             <a:endParaRPr lang="en-US" altLang="en-US" sz="1800">
               <a:latin typeface="FreeMono" panose="020F0409020205020404" charset="0"/>
@@ -8477,6 +10555,9 @@
           </a:p>
           <a:p>
             <a:pPr marL="0" indent="0">
+              <a:lnSpc>
+                <a:spcPct val="80000"/>
+              </a:lnSpc>
               <a:buNone/>
             </a:pPr>
             <a:r>
@@ -8484,22 +10565,97 @@
                 <a:latin typeface="FreeMono" panose="020F0409020205020404" charset="0"/>
                 <a:ea typeface="FreeMono" panose="020F0409020205020404" charset="0"/>
               </a:rPr>
-              <a:t>	</a:t>
-            </a:r>
+              <a:t>    int c = sum (a, b);   </a:t>
+            </a:r>
+            <a:r>
+              <a:rPr lang="en-US" altLang="en-US" sz="1800" b="1">
+                <a:latin typeface="FreeMono" panose="020F0409020205020404" charset="0"/>
+                <a:ea typeface="FreeMono" panose="020F0409020205020404" charset="0"/>
+              </a:rPr>
+              <a:t> // calling the function</a:t>
+            </a:r>
+            <a:endParaRPr lang="en-US" altLang="en-US" sz="1800" b="1">
+              <a:latin typeface="FreeMono" panose="020F0409020205020404" charset="0"/>
+              <a:ea typeface="FreeMono" panose="020F0409020205020404" charset="0"/>
+            </a:endParaRPr>
+          </a:p>
+          <a:p>
+            <a:pPr marL="0" indent="0">
+              <a:lnSpc>
+                <a:spcPct val="80000"/>
+              </a:lnSpc>
+              <a:buNone/>
+            </a:pPr>
             <a:r>
               <a:rPr lang="en-US" altLang="en-US" sz="1800">
                 <a:latin typeface="FreeMono" panose="020F0409020205020404" charset="0"/>
                 <a:ea typeface="FreeMono" panose="020F0409020205020404" charset="0"/>
-                <a:sym typeface="+mn-ea"/>
-              </a:rPr>
-              <a:t>char [] </a:t>
-            </a:r>
+              </a:rPr>
+              <a:t>}</a:t>
+            </a:r>
+            <a:endParaRPr lang="en-US" altLang="en-US" sz="1800">
+              <a:latin typeface="FreeMono" panose="020F0409020205020404" charset="0"/>
+              <a:ea typeface="FreeMono" panose="020F0409020205020404" charset="0"/>
+            </a:endParaRPr>
+          </a:p>
+          <a:p>
+            <a:pPr marL="0" indent="0">
+              <a:lnSpc>
+                <a:spcPct val="80000"/>
+              </a:lnSpc>
+              <a:buNone/>
+            </a:pPr>
+            <a:r>
+              <a:rPr lang="en-US" altLang="en-US" sz="1800" b="1">
+                <a:latin typeface="FreeMono" panose="020F0409020205020404" charset="0"/>
+                <a:ea typeface="FreeMono" panose="020F0409020205020404" charset="0"/>
+              </a:rPr>
+              <a:t>//defining the function</a:t>
+            </a:r>
+            <a:endParaRPr lang="en-US" altLang="en-US" sz="1800">
+              <a:latin typeface="FreeMono" panose="020F0409020205020404" charset="0"/>
+              <a:ea typeface="FreeMono" panose="020F0409020205020404" charset="0"/>
+            </a:endParaRPr>
+          </a:p>
+          <a:p>
+            <a:pPr marL="0" indent="0">
+              <a:lnSpc>
+                <a:spcPct val="80000"/>
+              </a:lnSpc>
+              <a:buNone/>
+            </a:pPr>
             <a:r>
               <a:rPr lang="en-US" altLang="en-US" sz="1800">
                 <a:latin typeface="FreeMono" panose="020F0409020205020404" charset="0"/>
                 <a:ea typeface="FreeMono" panose="020F0409020205020404" charset="0"/>
               </a:rPr>
-              <a:t>address; </a:t>
+              <a:t>int sum (int x, int y) </a:t>
+            </a:r>
+            <a:r>
+              <a:rPr lang="" altLang="en-US" sz="1800" b="1">
+                <a:latin typeface="FreeMono" panose="020F0409020205020404" charset="0"/>
+                <a:ea typeface="FreeMono" panose="020F0409020205020404" charset="0"/>
+              </a:rPr>
+              <a:t>//presents {} to define the 				   //function</a:t>
+            </a:r>
+            <a:endParaRPr lang="en-US" altLang="en-US" sz="1800" b="1">
+              <a:latin typeface="FreeMono" panose="020F0409020205020404" charset="0"/>
+              <a:ea typeface="FreeMono" panose="020F0409020205020404" charset="0"/>
+            </a:endParaRPr>
+          </a:p>
+          <a:p>
+            <a:pPr marL="0" indent="0">
+              <a:lnSpc>
+                <a:spcPct val="80000"/>
+              </a:lnSpc>
+              <a:buNone/>
+            </a:pPr>
+            <a:r>
+              <a:rPr lang="en-US" altLang="en-US" sz="1800">
+                <a:latin typeface="FreeMono" panose="020F0409020205020404" charset="0"/>
+                <a:ea typeface="FreeMono" panose="020F0409020205020404" charset="0"/>
+              </a:rPr>
+              <a:t>{</a:t>
             </a:r>
             <a:endParaRPr lang="en-US" altLang="en-US" sz="1800">
               <a:latin typeface="FreeMono" panose="020F0409020205020404" charset="0"/>
@@ -8507,23 +10663,58 @@
             </a:endParaRPr>
           </a:p>
           <a:p>
-            <a:pPr marL="457200" lvl="1" indent="0">
+            <a:pPr marL="0" indent="0">
+              <a:lnSpc>
+                <a:spcPct val="80000"/>
+              </a:lnSpc>
               <a:buNone/>
             </a:pPr>
             <a:r>
               <a:rPr lang="en-US" altLang="en-US" sz="1800">
                 <a:latin typeface="FreeMono" panose="020F0409020205020404" charset="0"/>
                 <a:ea typeface="FreeMono" panose="020F0409020205020404" charset="0"/>
-                <a:sym typeface="+mn-ea"/>
-              </a:rPr>
-              <a:t>	char [] </a:t>
-            </a:r>
+              </a:rPr>
+              <a:t>    </a:t>
+            </a:r>
+            <a:r>
+              <a:rPr lang="" altLang="en-US" sz="1800">
+                <a:latin typeface="FreeMono" panose="020F0409020205020404" charset="0"/>
+                <a:ea typeface="FreeMono" panose="020F0409020205020404" charset="0"/>
+              </a:rPr>
+              <a:t>int z = x + y;</a:t>
+            </a:r>
+            <a:endParaRPr lang="en-US" altLang="en-US" sz="1800">
+              <a:latin typeface="FreeMono" panose="020F0409020205020404" charset="0"/>
+              <a:ea typeface="FreeMono" panose="020F0409020205020404" charset="0"/>
+            </a:endParaRPr>
+          </a:p>
+          <a:p>
+            <a:pPr marL="0" indent="0">
+              <a:lnSpc>
+                <a:spcPct val="80000"/>
+              </a:lnSpc>
+              <a:buNone/>
+            </a:pPr>
             <a:r>
               <a:rPr lang="en-US" altLang="en-US" sz="1800">
                 <a:latin typeface="FreeMono" panose="020F0409020205020404" charset="0"/>
                 <a:ea typeface="FreeMono" panose="020F0409020205020404" charset="0"/>
               </a:rPr>
-              <a:t>marks; </a:t>
+              <a:t>    return </a:t>
+            </a:r>
+            <a:r>
+              <a:rPr lang="" altLang="en-US" sz="1800">
+                <a:latin typeface="FreeMono" panose="020F0409020205020404" charset="0"/>
+                <a:ea typeface="FreeMono" panose="020F0409020205020404" charset="0"/>
+              </a:rPr>
+              <a:t>z</a:t>
+            </a:r>
+            <a:r>
+              <a:rPr lang="en-US" altLang="en-US" sz="1800">
+                <a:latin typeface="FreeMono" panose="020F0409020205020404" charset="0"/>
+                <a:ea typeface="FreeMono" panose="020F0409020205020404" charset="0"/>
+              </a:rPr>
+              <a:t>;</a:t>
             </a:r>
             <a:endParaRPr lang="en-US" altLang="en-US" sz="1800">
               <a:latin typeface="FreeMono" panose="020F0409020205020404" charset="0"/>
@@ -8531,7 +10722,10 @@
             </a:endParaRPr>
           </a:p>
           <a:p>
-            <a:pPr marL="457200" lvl="1" indent="0">
+            <a:pPr marL="0" indent="0">
+              <a:lnSpc>
+                <a:spcPct val="80000"/>
+              </a:lnSpc>
               <a:buNone/>
             </a:pPr>
             <a:r>
@@ -8539,7 +10733,7 @@
                 <a:latin typeface="FreeMono" panose="020F0409020205020404" charset="0"/>
                 <a:ea typeface="FreeMono" panose="020F0409020205020404" charset="0"/>
               </a:rPr>
-              <a:t>	float height;</a:t>
+              <a:t>}</a:t>
             </a:r>
             <a:endParaRPr lang="en-US" altLang="en-US" sz="1800">
               <a:latin typeface="FreeMono" panose="020F0409020205020404" charset="0"/>
@@ -8547,176 +10741,10 @@
             </a:endParaRPr>
           </a:p>
           <a:p>
-            <a:pPr marL="457200" lvl="1" indent="0">
-              <a:buNone/>
-            </a:pPr>
-            <a:r>
-              <a:rPr lang="en-US" altLang="en-US" sz="1800">
-                <a:latin typeface="FreeMono" panose="020F0409020205020404" charset="0"/>
-                <a:ea typeface="FreeMono" panose="020F0409020205020404" charset="0"/>
-              </a:rPr>
-              <a:t>	Attendences attendences;</a:t>
-            </a:r>
-            <a:endParaRPr lang="en-US" altLang="en-US" sz="1800">
-              <a:latin typeface="FreeMono" panose="020F0409020205020404" charset="0"/>
-              <a:ea typeface="FreeMono" panose="020F0409020205020404" charset="0"/>
-            </a:endParaRPr>
-          </a:p>
-          <a:p>
-            <a:pPr marL="457200" lvl="1" indent="0">
-              <a:buNone/>
-            </a:pPr>
-            <a:r>
-              <a:rPr lang="en-US" altLang="en-US" sz="1800">
-                <a:latin typeface="FreeMono" panose="020F0409020205020404" charset="0"/>
-                <a:ea typeface="FreeMono" panose="020F0409020205020404" charset="0"/>
-              </a:rPr>
-              <a:t> </a:t>
-            </a:r>
-            <a:endParaRPr lang="en-US" altLang="en-US" sz="1800">
-              <a:latin typeface="FreeMono" panose="020F0409020205020404" charset="0"/>
-              <a:ea typeface="FreeMono" panose="020F0409020205020404" charset="0"/>
-            </a:endParaRPr>
-          </a:p>
-          <a:p>
-            <a:pPr marL="457200" lvl="1" indent="0">
-              <a:buNone/>
-            </a:pPr>
-            <a:r>
-              <a:rPr lang="en-US" altLang="en-US" sz="1800">
-                <a:latin typeface="FreeMono" panose="020F0409020205020404" charset="0"/>
-                <a:ea typeface="FreeMono" panose="020F0409020205020404" charset="0"/>
-              </a:rPr>
-              <a:t>float </a:t>
-            </a:r>
-            <a:r>
-              <a:rPr lang="en-US" altLang="en-US" sz="1795">
-                <a:latin typeface="FreeMono" panose="020F0409020205020404" charset="0"/>
-                <a:ea typeface="FreeMono" panose="020F0409020205020404" charset="0"/>
-              </a:rPr>
-              <a:t>calculatePercentage()</a:t>
-            </a:r>
-            <a:endParaRPr lang="en-US" altLang="en-US" sz="1795">
-              <a:latin typeface="FreeMono" panose="020F0409020205020404" charset="0"/>
-              <a:ea typeface="FreeMono" panose="020F0409020205020404" charset="0"/>
-            </a:endParaRPr>
-          </a:p>
-          <a:p>
-            <a:pPr marL="457200" lvl="1" indent="0">
-              <a:buNone/>
-            </a:pPr>
-            <a:r>
-              <a:rPr lang="en-US" altLang="en-US" sz="1795">
-                <a:latin typeface="FreeMono" panose="020F0409020205020404" charset="0"/>
-                <a:ea typeface="FreeMono" panose="020F0409020205020404" charset="0"/>
-              </a:rPr>
-              <a:t>int getAttendenanceOfMonth(Month)</a:t>
-            </a:r>
-            <a:endParaRPr lang="en-US" altLang="en-US" sz="1795">
-              <a:latin typeface="FreeMono" panose="020F0409020205020404" charset="0"/>
-              <a:ea typeface="FreeMono" panose="020F0409020205020404" charset="0"/>
-            </a:endParaRPr>
-          </a:p>
-          <a:p>
-            <a:pPr marL="457200" lvl="1" indent="0">
-              <a:buNone/>
-            </a:pPr>
-            <a:r>
-              <a:rPr lang="en-US" altLang="en-US" sz="1795">
-                <a:latin typeface="FreeMono" panose="020F0409020205020404" charset="0"/>
-                <a:ea typeface="FreeMono" panose="020F0409020205020404" charset="0"/>
-              </a:rPr>
-              <a:t>}</a:t>
-            </a:r>
-            <a:endParaRPr lang="en-US" altLang="en-US" sz="1795">
-              <a:latin typeface="FreeMono" panose="020F0409020205020404" charset="0"/>
-              <a:ea typeface="FreeMono" panose="020F0409020205020404" charset="0"/>
-            </a:endParaRPr>
-          </a:p>
-          <a:p>
             <a:pPr marL="0" indent="0">
-              <a:buNone/>
-            </a:pPr>
-            <a:endParaRPr lang="en-US" altLang="en-US" sz="1800">
-              <a:latin typeface="FreeMono" panose="020F0409020205020404" charset="0"/>
-              <a:ea typeface="FreeMono" panose="020F0409020205020404" charset="0"/>
-            </a:endParaRPr>
-          </a:p>
-          <a:p>
-            <a:pPr marL="0" indent="0">
-              <a:buNone/>
-            </a:pPr>
-            <a:r>
-              <a:rPr lang="en-US" altLang="en-US" sz="1800">
-                <a:latin typeface="FreeMono" panose="020F0409020205020404" charset="0"/>
-                <a:ea typeface="FreeMono" panose="020F0409020205020404" charset="0"/>
-              </a:rPr>
-              <a:t>Object Creation :  </a:t>
-            </a:r>
-            <a:endParaRPr lang="en-US" altLang="en-US" sz="1800">
-              <a:latin typeface="FreeMono" panose="020F0409020205020404" charset="0"/>
-              <a:ea typeface="FreeMono" panose="020F0409020205020404" charset="0"/>
-            </a:endParaRPr>
-          </a:p>
-          <a:p>
-            <a:pPr marL="0" indent="0">
-              <a:buNone/>
-            </a:pPr>
-            <a:r>
-              <a:rPr lang="en-US" altLang="en-US" sz="1800">
-                <a:latin typeface="FreeMono" panose="020F0409020205020404" charset="0"/>
-                <a:ea typeface="FreeMono" panose="020F0409020205020404" charset="0"/>
-              </a:rPr>
-              <a:t> Student s1 = new Student();    // </a:t>
-            </a:r>
-            <a:r>
-              <a:rPr lang="en-US" altLang="en-US" sz="1800">
-                <a:latin typeface="FreeMono" panose="020F0409020205020404" charset="0"/>
-                <a:ea typeface="FreeMono" panose="020F0409020205020404" charset="0"/>
-                <a:sym typeface="+mn-ea"/>
-              </a:rPr>
-              <a:t>s1.rollNo</a:t>
-            </a:r>
-            <a:r>
-              <a:rPr lang="en-US" altLang="en-US" sz="1800">
-                <a:latin typeface="FreeMono" panose="020F0409020205020404" charset="0"/>
-                <a:ea typeface="FreeMono" panose="020F0409020205020404" charset="0"/>
-              </a:rPr>
-              <a:t> - 12</a:t>
-            </a:r>
-            <a:endParaRPr lang="en-US" altLang="en-US" sz="1800">
-              <a:latin typeface="FreeMono" panose="020F0409020205020404" charset="0"/>
-              <a:ea typeface="FreeMono" panose="020F0409020205020404" charset="0"/>
-            </a:endParaRPr>
-          </a:p>
-          <a:p>
-            <a:pPr marL="0" indent="0">
-              <a:buNone/>
-            </a:pPr>
-            <a:r>
-              <a:rPr lang="en-US" altLang="en-US" sz="1800">
-                <a:latin typeface="FreeMono" panose="020F0409020205020404" charset="0"/>
-                <a:ea typeface="FreeMono" panose="020F0409020205020404" charset="0"/>
-                <a:sym typeface="+mn-ea"/>
-              </a:rPr>
-              <a:t> Student s2 = new Student();    // s2.rollNo - 23</a:t>
-            </a:r>
-            <a:endParaRPr lang="en-US" altLang="en-US" sz="1800">
-              <a:latin typeface="FreeMono" panose="020F0409020205020404" charset="0"/>
-              <a:ea typeface="FreeMono" panose="020F0409020205020404" charset="0"/>
-            </a:endParaRPr>
-          </a:p>
-          <a:p>
-            <a:pPr marL="0" indent="0">
-              <a:buNone/>
-            </a:pPr>
-            <a:endParaRPr lang="en-US" altLang="en-US" sz="1800">
-              <a:latin typeface="FreeMono" panose="020F0409020205020404" charset="0"/>
-              <a:ea typeface="FreeMono" panose="020F0409020205020404" charset="0"/>
-            </a:endParaRPr>
-          </a:p>
-          <a:p>
-            <a:pPr marL="0" indent="0">
+              <a:lnSpc>
+                <a:spcPct val="80000"/>
+              </a:lnSpc>
               <a:buNone/>
             </a:pPr>
             <a:endParaRPr lang="en-US" altLang="en-US" sz="1800">
@@ -8754,18 +10782,23 @@
             <p:ph type="title"/>
           </p:nvPr>
         </p:nvSpPr>
-        <p:spPr/>
+        <p:spPr>
+          <a:xfrm>
+            <a:off x="685800" y="64135"/>
+            <a:ext cx="7772400" cy="923290"/>
+          </a:xfrm>
+        </p:spPr>
         <p:txBody>
           <a:bodyPr/>
           <a:p>
             <a:r>
-              <a:rPr lang="en-US">
-                <a:latin typeface="Noto Serif CJK JP" panose="02020400000000000000" charset="-122"/>
-                <a:ea typeface="Noto Serif CJK JP" panose="02020400000000000000" charset="-122"/>
-              </a:rPr>
-              <a:t>Data Encapsulation</a:t>
-            </a:r>
-            <a:endParaRPr lang="en-US">
+              <a:rPr lang="en-US" altLang="en-US">
+                <a:latin typeface="Noto Serif CJK JP" panose="02020400000000000000" charset="-122"/>
+                <a:ea typeface="Noto Serif CJK JP" panose="02020400000000000000" charset="-122"/>
+              </a:rPr>
+              <a:t>Scope of Variables</a:t>
+            </a:r>
+            <a:endParaRPr lang="en-US" altLang="en-US">
               <a:latin typeface="Noto Serif CJK JP" panose="02020400000000000000" charset="-122"/>
               <a:ea typeface="Noto Serif CJK JP" panose="02020400000000000000" charset="-122"/>
             </a:endParaRPr>
@@ -8782,99 +10815,82 @@
             <p:ph idx="1"/>
           </p:nvPr>
         </p:nvSpPr>
-        <p:spPr/>
+        <p:spPr>
+          <a:xfrm>
+            <a:off x="6985" y="987425"/>
+            <a:ext cx="8749030" cy="6202045"/>
+          </a:xfrm>
+        </p:spPr>
         <p:txBody>
           <a:bodyPr/>
           <a:p>
-            <a:r>
-              <a:rPr lang="en-US" altLang="en-US" sz="2400">
-                <a:latin typeface="Noto Serif CJK JP" panose="02020400000000000000" charset="-122"/>
-                <a:ea typeface="Noto Serif CJK JP" panose="02020400000000000000" charset="-122"/>
-              </a:rPr>
-              <a:t>W</a:t>
-            </a:r>
-            <a:r>
-              <a:rPr lang="en-US" sz="2400">
-                <a:latin typeface="Noto Serif CJK JP" panose="02020400000000000000" charset="-122"/>
-                <a:ea typeface="Noto Serif CJK JP" panose="02020400000000000000" charset="-122"/>
-              </a:rPr>
-              <a:t>rapping upon the data and related methods into a single unit</a:t>
-            </a:r>
-            <a:endParaRPr lang="en-US" sz="2400">
+            <a:pPr>
+              <a:lnSpc>
+                <a:spcPct val="100000"/>
+              </a:lnSpc>
+            </a:pPr>
+            <a:r>
+              <a:rPr lang="en-US" sz="2800">
+                <a:latin typeface="Noto Serif CJK JP" panose="02020400000000000000" charset="-122"/>
+                <a:ea typeface="Noto Serif CJK JP" panose="02020400000000000000" charset="-122"/>
+              </a:rPr>
+              <a:t>All the variables have their area of functioning, and out of that boundary they don't hold their value, this boundary is called scope of the variable </a:t>
+            </a:r>
+            <a:endParaRPr lang="en-US" sz="2800">
               <a:latin typeface="Noto Serif CJK JP" panose="02020400000000000000" charset="-122"/>
               <a:ea typeface="Noto Serif CJK JP" panose="02020400000000000000" charset="-122"/>
             </a:endParaRPr>
           </a:p>
           <a:p>
-            <a:r>
-              <a:rPr lang="en-US" altLang="en-US" sz="2400">
-                <a:latin typeface="Noto Serif CJK JP" panose="02020400000000000000" charset="-122"/>
-                <a:ea typeface="Noto Serif CJK JP" panose="02020400000000000000" charset="-122"/>
-              </a:rPr>
-              <a:t>Prevent </a:t>
-            </a:r>
-            <a:r>
-              <a:rPr lang="en-US" sz="2400">
-                <a:latin typeface="Noto Serif CJK JP" panose="02020400000000000000" charset="-122"/>
-                <a:ea typeface="Noto Serif CJK JP" panose="02020400000000000000" charset="-122"/>
-              </a:rPr>
-              <a:t>access of private data members from outside the class</a:t>
-            </a:r>
-            <a:endParaRPr lang="en-US" sz="2400">
+            <a:pPr>
+              <a:lnSpc>
+                <a:spcPct val="100000"/>
+              </a:lnSpc>
+            </a:pPr>
+            <a:r>
+              <a:rPr lang="" altLang="en-US" sz="2800">
+                <a:latin typeface="Noto Serif CJK JP" panose="02020400000000000000" charset="-122"/>
+                <a:ea typeface="Noto Serif CJK JP" panose="02020400000000000000" charset="-122"/>
+              </a:rPr>
+              <a:t>Scope are defined using blocks {} in C++</a:t>
+            </a:r>
+            <a:endParaRPr lang="en-US" sz="2800">
               <a:latin typeface="Noto Serif CJK JP" panose="02020400000000000000" charset="-122"/>
               <a:ea typeface="Noto Serif CJK JP" panose="02020400000000000000" charset="-122"/>
             </a:endParaRPr>
           </a:p>
           <a:p>
-            <a:r>
-              <a:rPr lang="en-US" altLang="en-US" sz="2400">
-                <a:latin typeface="Noto Serif CJK JP" panose="02020400000000000000" charset="-122"/>
-                <a:ea typeface="Noto Serif CJK JP" panose="02020400000000000000" charset="-122"/>
-              </a:rPr>
-              <a:t>To </a:t>
-            </a:r>
-            <a:r>
-              <a:rPr lang="en-US" sz="2400">
-                <a:latin typeface="Noto Serif CJK JP" panose="02020400000000000000" charset="-122"/>
-                <a:ea typeface="Noto Serif CJK JP" panose="02020400000000000000" charset="-122"/>
-              </a:rPr>
-              <a:t>achieve encapsulation </a:t>
-            </a:r>
-            <a:r>
-              <a:rPr lang="en-US" altLang="en-US" sz="2400">
-                <a:latin typeface="Noto Serif CJK JP" panose="02020400000000000000" charset="-122"/>
-                <a:ea typeface="Noto Serif CJK JP" panose="02020400000000000000" charset="-122"/>
-              </a:rPr>
-              <a:t>- derived Data Type </a:t>
-            </a:r>
-            <a:r>
-              <a:rPr lang="en-US" altLang="en-US" sz="2400" b="1">
-                <a:latin typeface="Noto Serif CJK JP" panose="02020400000000000000" charset="-122"/>
-                <a:ea typeface="Noto Serif CJK JP" panose="02020400000000000000" charset="-122"/>
-              </a:rPr>
-              <a:t>class </a:t>
-            </a:r>
-            <a:r>
-              <a:rPr lang="en-US" altLang="en-US" sz="2400">
-                <a:latin typeface="Noto Serif CJK JP" panose="02020400000000000000" charset="-122"/>
-                <a:ea typeface="Noto Serif CJK JP" panose="02020400000000000000" charset="-122"/>
-              </a:rPr>
-              <a:t>is used</a:t>
-            </a:r>
-            <a:endParaRPr lang="en-US" altLang="en-US" sz="2400">
+            <a:pPr>
+              <a:lnSpc>
+                <a:spcPct val="100000"/>
+              </a:lnSpc>
+            </a:pPr>
+            <a:r>
+              <a:rPr lang="en-US" sz="2800">
+                <a:latin typeface="Noto Serif CJK JP" panose="02020400000000000000" charset="-122"/>
+                <a:ea typeface="Noto Serif CJK JP" panose="02020400000000000000" charset="-122"/>
+              </a:rPr>
+              <a:t>Global variables are those, which ar once declared and can be used throughout the lifetime of the program by any class or any function</a:t>
+            </a:r>
+            <a:endParaRPr lang="en-US" sz="2800">
               <a:latin typeface="Noto Serif CJK JP" panose="02020400000000000000" charset="-122"/>
               <a:ea typeface="Noto Serif CJK JP" panose="02020400000000000000" charset="-122"/>
             </a:endParaRPr>
           </a:p>
           <a:p>
-            <a:r>
-              <a:rPr lang="en-US" altLang="en-US" sz="2400">
-                <a:latin typeface="Noto Serif CJK JP" panose="02020400000000000000" charset="-122"/>
-                <a:ea typeface="Noto Serif CJK JP" panose="02020400000000000000" charset="-122"/>
-              </a:rPr>
-              <a:t>Provide interface - Best Practice</a:t>
-            </a:r>
-            <a:endParaRPr lang="en-US" altLang="en-US" sz="2400">
+            <a:pPr>
+              <a:lnSpc>
+                <a:spcPct val="100000"/>
+              </a:lnSpc>
+            </a:pPr>
+            <a:r>
+              <a:rPr lang="en-US" sz="2800">
+                <a:latin typeface="Noto Serif CJK JP" panose="02020400000000000000" charset="-122"/>
+                <a:ea typeface="Noto Serif CJK JP" panose="02020400000000000000" charset="-122"/>
+              </a:rPr>
+              <a:t>Local variables are the variables which exist only between the curly braces, in which its declared. Outside that they are unavailable and leads to compile time error</a:t>
+            </a:r>
+            <a:endParaRPr lang="en-US" sz="2800">
               <a:latin typeface="Noto Serif CJK JP" panose="02020400000000000000" charset="-122"/>
               <a:ea typeface="Noto Serif CJK JP" panose="02020400000000000000" charset="-122"/>
             </a:endParaRPr>
@@ -8909,23 +10925,18 @@
             <p:ph type="title"/>
           </p:nvPr>
         </p:nvSpPr>
-        <p:spPr>
-          <a:xfrm>
-            <a:off x="685800" y="182880"/>
-            <a:ext cx="7772400" cy="1143000"/>
-          </a:xfrm>
-        </p:spPr>
+        <p:spPr/>
         <p:txBody>
           <a:bodyPr/>
           <a:p>
             <a:r>
-              <a:rPr lang="en-US">
-                <a:latin typeface="Noto Serif CJK JP" panose="02020400000000000000" charset="-122"/>
-                <a:ea typeface="Noto Serif CJK JP" panose="02020400000000000000" charset="-122"/>
-              </a:rPr>
-              <a:t>Data Abstraction</a:t>
-            </a:r>
-            <a:endParaRPr lang="en-US">
+              <a:rPr lang="en-US" altLang="en-US">
+                <a:latin typeface="Noto Serif CJK JP" panose="02020400000000000000" charset="-122"/>
+                <a:ea typeface="Noto Serif CJK JP" panose="02020400000000000000" charset="-122"/>
+              </a:rPr>
+              <a:t>Concepts</a:t>
+            </a:r>
+            <a:endParaRPr lang="en-US" altLang="en-US">
               <a:latin typeface="Noto Serif CJK JP" panose="02020400000000000000" charset="-122"/>
               <a:ea typeface="Noto Serif CJK JP" panose="02020400000000000000" charset="-122"/>
             </a:endParaRPr>
@@ -8942,22 +10953,24 @@
             <p:ph idx="1"/>
           </p:nvPr>
         </p:nvSpPr>
-        <p:spPr>
-          <a:xfrm>
-            <a:off x="504825" y="1325880"/>
-            <a:ext cx="7772400" cy="4114800"/>
-          </a:xfrm>
-        </p:spPr>
+        <p:spPr/>
         <p:txBody>
           <a:bodyPr/>
           <a:p>
-            <a:pPr marL="0" indent="0">
+            <a:pPr>
               <a:lnSpc>
-                <a:spcPct val="60000"/>
+                <a:spcPct val="120000"/>
               </a:lnSpc>
-              <a:buNone/>
-            </a:pPr>
-            <a:endParaRPr lang="en-US" sz="2400">
+            </a:pPr>
+            <a:r>
+              <a:rPr lang="en-US" sz="2800">
+                <a:latin typeface="Noto Serif CJK JP" panose="02020400000000000000" charset="-122"/>
+                <a:ea typeface="Noto Serif CJK JP" panose="02020400000000000000" charset="-122"/>
+                <a:sym typeface="+mn-ea"/>
+              </a:rPr>
+              <a:t>Object</a:t>
+            </a:r>
+            <a:endParaRPr lang="en-US" sz="2800">
               <a:latin typeface="Noto Serif CJK JP" panose="02020400000000000000" charset="-122"/>
               <a:ea typeface="Noto Serif CJK JP" panose="02020400000000000000" charset="-122"/>
             </a:endParaRPr>
@@ -8965,10 +10978,17 @@
           <a:p>
             <a:pPr>
               <a:lnSpc>
-                <a:spcPct val="60000"/>
+                <a:spcPct val="120000"/>
               </a:lnSpc>
             </a:pPr>
-            <a:endParaRPr lang="en-US" sz="2400">
+            <a:r>
+              <a:rPr lang="en-US" sz="2800">
+                <a:latin typeface="Noto Serif CJK JP" panose="02020400000000000000" charset="-122"/>
+                <a:ea typeface="Noto Serif CJK JP" panose="02020400000000000000" charset="-122"/>
+              </a:rPr>
+              <a:t>Class</a:t>
+            </a:r>
+            <a:endParaRPr lang="en-US" sz="2800">
               <a:latin typeface="Noto Serif CJK JP" panose="02020400000000000000" charset="-122"/>
               <a:ea typeface="Noto Serif CJK JP" panose="02020400000000000000" charset="-122"/>
             </a:endParaRPr>
@@ -8976,24 +10996,17 @@
           <a:p>
             <a:pPr>
               <a:lnSpc>
-                <a:spcPct val="60000"/>
+                <a:spcPct val="120000"/>
               </a:lnSpc>
             </a:pPr>
             <a:r>
-              <a:rPr lang="" altLang="en-US" sz="2400">
-                <a:latin typeface="Noto Serif CJK JP" panose="02020400000000000000" charset="-122"/>
-                <a:ea typeface="Noto Serif CJK JP" panose="02020400000000000000" charset="-122"/>
-              </a:rPr>
-              <a:t>Reveal only r</a:t>
-            </a:r>
-            <a:r>
-              <a:rPr lang="en-US" sz="2400">
-                <a:latin typeface="Noto Serif CJK JP" panose="02020400000000000000" charset="-122"/>
-                <a:ea typeface="Noto Serif CJK JP" panose="02020400000000000000" charset="-122"/>
-              </a:rPr>
-              <a:t>elevant to the context</a:t>
-            </a:r>
-            <a:endParaRPr lang="en-US" sz="2400">
+              <a:rPr lang="en-US" sz="2800">
+                <a:latin typeface="Noto Serif CJK JP" panose="02020400000000000000" charset="-122"/>
+                <a:ea typeface="Noto Serif CJK JP" panose="02020400000000000000" charset="-122"/>
+              </a:rPr>
+              <a:t>Data Encapsulation</a:t>
+            </a:r>
+            <a:endParaRPr lang="en-US" sz="2800">
               <a:latin typeface="Noto Serif CJK JP" panose="02020400000000000000" charset="-122"/>
               <a:ea typeface="Noto Serif CJK JP" panose="02020400000000000000" charset="-122"/>
             </a:endParaRPr>
@@ -9001,10 +11014,17 @@
           <a:p>
             <a:pPr>
               <a:lnSpc>
-                <a:spcPct val="60000"/>
+                <a:spcPct val="120000"/>
               </a:lnSpc>
             </a:pPr>
-            <a:endParaRPr lang="en-US" sz="2400">
+            <a:r>
+              <a:rPr lang="en-US" sz="2800">
+                <a:latin typeface="Noto Serif CJK JP" panose="02020400000000000000" charset="-122"/>
+                <a:ea typeface="Noto Serif CJK JP" panose="02020400000000000000" charset="-122"/>
+              </a:rPr>
+              <a:t>Data Abstractions</a:t>
+            </a:r>
+            <a:endParaRPr lang="en-US" sz="2800">
               <a:latin typeface="Noto Serif CJK JP" panose="02020400000000000000" charset="-122"/>
               <a:ea typeface="Noto Serif CJK JP" panose="02020400000000000000" charset="-122"/>
             </a:endParaRPr>
@@ -9012,38 +11032,18 @@
           <a:p>
             <a:pPr>
               <a:lnSpc>
-                <a:spcPct val="60000"/>
+                <a:spcPct val="120000"/>
               </a:lnSpc>
             </a:pPr>
             <a:r>
-              <a:rPr lang="" altLang="en-US" sz="2400">
-                <a:latin typeface="Noto Serif CJK JP" panose="02020400000000000000" charset="-122"/>
-                <a:ea typeface="Noto Serif CJK JP" panose="02020400000000000000" charset="-122"/>
-              </a:rPr>
-              <a:t>Hiding </a:t>
-            </a:r>
-            <a:r>
-              <a:rPr lang="en-US" sz="2400">
-                <a:latin typeface="Noto Serif CJK JP" panose="02020400000000000000" charset="-122"/>
-                <a:ea typeface="Noto Serif CJK JP" panose="02020400000000000000" charset="-122"/>
-              </a:rPr>
-              <a:t>the </a:t>
-            </a:r>
-            <a:r>
-              <a:rPr lang="" altLang="en-US" sz="2400">
-                <a:latin typeface="Noto Serif CJK JP" panose="02020400000000000000" charset="-122"/>
-                <a:ea typeface="Noto Serif CJK JP" panose="02020400000000000000" charset="-122"/>
-              </a:rPr>
-              <a:t>background</a:t>
-            </a:r>
-            <a:r>
-              <a:rPr lang="en-US" sz="2400">
-                <a:latin typeface="Noto Serif CJK JP" panose="02020400000000000000" charset="-122"/>
-                <a:ea typeface="Noto Serif CJK JP" panose="02020400000000000000" charset="-122"/>
-              </a:rPr>
-              <a:t> details</a:t>
-            </a:r>
-            <a:endParaRPr lang="en-US" sz="2400">
+              <a:rPr lang="en-US" sz="2800">
+                <a:latin typeface="Noto Serif CJK JP" panose="02020400000000000000" charset="-122"/>
+                <a:ea typeface="Noto Serif CJK JP" panose="02020400000000000000" charset="-122"/>
+                <a:sym typeface="+mn-ea"/>
+              </a:rPr>
+              <a:t>Inheritance</a:t>
+            </a:r>
+            <a:endParaRPr lang="en-US" sz="2800">
               <a:latin typeface="Noto Serif CJK JP" panose="02020400000000000000" charset="-122"/>
               <a:ea typeface="Noto Serif CJK JP" panose="02020400000000000000" charset="-122"/>
             </a:endParaRPr>
@@ -9051,265 +11051,17 @@
           <a:p>
             <a:pPr>
               <a:lnSpc>
-                <a:spcPct val="60000"/>
+                <a:spcPct val="120000"/>
               </a:lnSpc>
             </a:pPr>
-            <a:endParaRPr lang="en-US" sz="2400">
-              <a:latin typeface="Noto Serif CJK JP" panose="02020400000000000000" charset="-122"/>
-              <a:ea typeface="Noto Serif CJK JP" panose="02020400000000000000" charset="-122"/>
-            </a:endParaRPr>
-          </a:p>
-          <a:p>
-            <a:pPr>
-              <a:lnSpc>
-                <a:spcPct val="60000"/>
-              </a:lnSpc>
-            </a:pPr>
-            <a:r>
-              <a:rPr lang="en-US" altLang="en-US" sz="2400">
-                <a:latin typeface="Noto Serif CJK JP" panose="02020400000000000000" charset="-122"/>
-                <a:ea typeface="Noto Serif CJK JP" panose="02020400000000000000" charset="-122"/>
-              </a:rPr>
-              <a:t>Yields to property : </a:t>
-            </a:r>
-            <a:r>
-              <a:rPr lang="en-US" altLang="en-US" sz="2400" b="1">
-                <a:latin typeface="Noto Serif CJK JP" panose="02020400000000000000" charset="-122"/>
-                <a:ea typeface="Noto Serif CJK JP" panose="02020400000000000000" charset="-122"/>
-              </a:rPr>
-              <a:t>data hiding </a:t>
-            </a:r>
-            <a:endParaRPr lang="en-US" altLang="en-US" sz="2400">
-              <a:latin typeface="Noto Serif CJK JP" panose="02020400000000000000" charset="-122"/>
-              <a:ea typeface="Noto Serif CJK JP" panose="02020400000000000000" charset="-122"/>
-            </a:endParaRPr>
-          </a:p>
-          <a:p>
-            <a:pPr>
-              <a:lnSpc>
-                <a:spcPct val="60000"/>
-              </a:lnSpc>
-            </a:pPr>
-            <a:endParaRPr lang="en-US" altLang="en-US" sz="2400">
-              <a:latin typeface="Noto Serif CJK JP" panose="02020400000000000000" charset="-122"/>
-              <a:ea typeface="Noto Serif CJK JP" panose="02020400000000000000" charset="-122"/>
-            </a:endParaRPr>
-          </a:p>
-          <a:p>
-            <a:pPr>
-              <a:lnSpc>
-                <a:spcPct val="60000"/>
-              </a:lnSpc>
-            </a:pPr>
-            <a:r>
-              <a:rPr lang="en-US" altLang="en-US" sz="2400">
-                <a:latin typeface="Noto Serif CJK JP" panose="02020400000000000000" charset="-122"/>
-                <a:ea typeface="Noto Serif CJK JP" panose="02020400000000000000" charset="-122"/>
-              </a:rPr>
-              <a:t>Implemented using </a:t>
-            </a:r>
-            <a:r>
-              <a:rPr lang="en-US" altLang="en-US" sz="2400" b="1">
-                <a:solidFill>
-                  <a:srgbClr val="FF0000"/>
-                </a:solidFill>
-                <a:latin typeface="Noto Serif CJK JP" panose="02020400000000000000" charset="-122"/>
-                <a:ea typeface="Noto Serif CJK JP" panose="02020400000000000000" charset="-122"/>
-              </a:rPr>
-              <a:t>Access Specifiers</a:t>
-            </a:r>
-            <a:endParaRPr lang="en-US" altLang="en-US" sz="2400" b="1">
-              <a:latin typeface="Noto Serif CJK JP" panose="02020400000000000000" charset="-122"/>
-              <a:ea typeface="Noto Serif CJK JP" panose="02020400000000000000" charset="-122"/>
-            </a:endParaRPr>
-          </a:p>
-          <a:p>
-            <a:pPr lvl="1">
-              <a:lnSpc>
-                <a:spcPct val="100000"/>
-              </a:lnSpc>
-            </a:pPr>
-            <a:r>
-              <a:rPr lang="en-US" altLang="en-US" sz="2000">
-                <a:latin typeface="Noto Serif CJK JP" panose="02020400000000000000" charset="-122"/>
-                <a:ea typeface="Noto Serif CJK JP" panose="02020400000000000000" charset="-122"/>
-              </a:rPr>
-              <a:t>private</a:t>
-            </a:r>
-            <a:r>
-              <a:rPr lang="" altLang="en-US" sz="2000">
-                <a:latin typeface="Noto Serif CJK JP" panose="02020400000000000000" charset="-122"/>
-                <a:ea typeface="Noto Serif CJK JP" panose="02020400000000000000" charset="-122"/>
-              </a:rPr>
-              <a:t>	  </a:t>
-            </a:r>
-            <a:endParaRPr lang="" altLang="en-US" sz="2000">
-              <a:latin typeface="Noto Serif CJK JP" panose="02020400000000000000" charset="-122"/>
-              <a:ea typeface="Noto Serif CJK JP" panose="02020400000000000000" charset="-122"/>
-            </a:endParaRPr>
-          </a:p>
-          <a:p>
-            <a:pPr lvl="2">
-              <a:lnSpc>
-                <a:spcPct val="100000"/>
-              </a:lnSpc>
-            </a:pPr>
-            <a:r>
-              <a:rPr lang="" altLang="en-US" sz="1710">
-                <a:latin typeface="Noto Serif CJK JP" panose="02020400000000000000" charset="-122"/>
-                <a:ea typeface="Noto Serif CJK JP" panose="02020400000000000000" charset="-122"/>
-              </a:rPr>
-              <a:t> </a:t>
-            </a:r>
-            <a:r>
-              <a:rPr lang="en-US" altLang="en-US" sz="1710" b="1">
-                <a:latin typeface="Noto Serif CJK JP" panose="02020400000000000000" charset="-122"/>
-                <a:ea typeface="Noto Serif CJK JP" panose="02020400000000000000" charset="-122"/>
-              </a:rPr>
-              <a:t>Scope</a:t>
-            </a:r>
-            <a:r>
-              <a:rPr lang="en-US" altLang="en-US" sz="1710">
-                <a:latin typeface="Noto Serif CJK JP" panose="02020400000000000000" charset="-122"/>
-                <a:ea typeface="Noto Serif CJK JP" panose="02020400000000000000" charset="-122"/>
-              </a:rPr>
-              <a:t> :</a:t>
-            </a:r>
-            <a:r>
-              <a:rPr lang="" altLang="en-US" sz="1710">
-                <a:latin typeface="Noto Serif CJK JP" panose="02020400000000000000" charset="-122"/>
-                <a:ea typeface="Noto Serif CJK JP" panose="02020400000000000000" charset="-122"/>
-              </a:rPr>
-              <a:t>-</a:t>
-            </a:r>
-            <a:r>
-              <a:rPr lang="en-US" altLang="en-US" sz="1710">
-                <a:latin typeface="Noto Serif CJK JP" panose="02020400000000000000" charset="-122"/>
-                <a:ea typeface="Noto Serif CJK JP" panose="02020400000000000000" charset="-122"/>
-              </a:rPr>
-              <a:t> class boundary</a:t>
-            </a:r>
-            <a:endParaRPr lang="en-US" altLang="en-US" sz="1710">
-              <a:latin typeface="Noto Serif CJK JP" panose="02020400000000000000" charset="-122"/>
-              <a:ea typeface="Noto Serif CJK JP" panose="02020400000000000000" charset="-122"/>
-            </a:endParaRPr>
-          </a:p>
-          <a:p>
-            <a:pPr lvl="1">
-              <a:lnSpc>
-                <a:spcPct val="100000"/>
-              </a:lnSpc>
-            </a:pPr>
-            <a:r>
-              <a:rPr lang="en-US" altLang="en-US" sz="2000">
-                <a:latin typeface="Noto Serif CJK JP" panose="02020400000000000000" charset="-122"/>
-                <a:ea typeface="Noto Serif CJK JP" panose="02020400000000000000" charset="-122"/>
-              </a:rPr>
-              <a:t>protected  </a:t>
-            </a:r>
-            <a:endParaRPr lang="en-US" altLang="en-US" sz="2000">
-              <a:latin typeface="Noto Serif CJK JP" panose="02020400000000000000" charset="-122"/>
-              <a:ea typeface="Noto Serif CJK JP" panose="02020400000000000000" charset="-122"/>
-            </a:endParaRPr>
-          </a:p>
-          <a:p>
-            <a:pPr lvl="2">
-              <a:lnSpc>
-                <a:spcPct val="100000"/>
-              </a:lnSpc>
-            </a:pPr>
-            <a:r>
-              <a:rPr lang="en-US" altLang="en-US" sz="1710" b="1">
-                <a:latin typeface="Noto Serif CJK JP" panose="02020400000000000000" charset="-122"/>
-                <a:ea typeface="Noto Serif CJK JP" panose="02020400000000000000" charset="-122"/>
-                <a:sym typeface="+mn-ea"/>
-              </a:rPr>
-              <a:t>Scope </a:t>
-            </a:r>
-            <a:r>
-              <a:rPr lang="en-US" altLang="en-US" sz="1710">
-                <a:latin typeface="Noto Serif CJK JP" panose="02020400000000000000" charset="-122"/>
-                <a:ea typeface="Noto Serif CJK JP" panose="02020400000000000000" charset="-122"/>
-                <a:sym typeface="+mn-ea"/>
-              </a:rPr>
-              <a:t>:</a:t>
-            </a:r>
-            <a:r>
-              <a:rPr lang="" altLang="en-US" sz="1710">
-                <a:latin typeface="Noto Serif CJK JP" panose="02020400000000000000" charset="-122"/>
-                <a:ea typeface="Noto Serif CJK JP" panose="02020400000000000000" charset="-122"/>
-                <a:sym typeface="+mn-ea"/>
-              </a:rPr>
-              <a:t>-</a:t>
-            </a:r>
-            <a:r>
-              <a:rPr lang="en-US" altLang="en-US" sz="1710">
-                <a:latin typeface="Noto Serif CJK JP" panose="02020400000000000000" charset="-122"/>
-                <a:ea typeface="Noto Serif CJK JP" panose="02020400000000000000" charset="-122"/>
-                <a:sym typeface="+mn-ea"/>
-              </a:rPr>
-              <a:t> class boundary + Inhertiance</a:t>
-            </a:r>
-            <a:endParaRPr lang="en-US" altLang="en-US" sz="1710">
-              <a:latin typeface="Noto Serif CJK JP" panose="02020400000000000000" charset="-122"/>
-              <a:ea typeface="Noto Serif CJK JP" panose="02020400000000000000" charset="-122"/>
-            </a:endParaRPr>
-          </a:p>
-          <a:p>
-            <a:pPr lvl="1">
-              <a:lnSpc>
-                <a:spcPct val="100000"/>
-              </a:lnSpc>
-            </a:pPr>
-            <a:r>
-              <a:rPr lang="en-US" altLang="en-US" sz="2000">
-                <a:latin typeface="Noto Serif CJK JP" panose="02020400000000000000" charset="-122"/>
-                <a:ea typeface="Noto Serif CJK JP" panose="02020400000000000000" charset="-122"/>
-              </a:rPr>
-              <a:t>public  </a:t>
-            </a:r>
-            <a:endParaRPr lang="en-US" altLang="en-US" sz="2000">
-              <a:latin typeface="Noto Serif CJK JP" panose="02020400000000000000" charset="-122"/>
-              <a:ea typeface="Noto Serif CJK JP" panose="02020400000000000000" charset="-122"/>
-            </a:endParaRPr>
-          </a:p>
-          <a:p>
-            <a:pPr lvl="2">
-              <a:lnSpc>
-                <a:spcPct val="100000"/>
-              </a:lnSpc>
-            </a:pPr>
-            <a:r>
-              <a:rPr lang="en-US" altLang="en-US" sz="1710" b="1">
-                <a:latin typeface="Noto Serif CJK JP" panose="02020400000000000000" charset="-122"/>
-                <a:ea typeface="Noto Serif CJK JP" panose="02020400000000000000" charset="-122"/>
-                <a:sym typeface="+mn-ea"/>
-              </a:rPr>
-              <a:t>Scope </a:t>
-            </a:r>
-            <a:r>
-              <a:rPr lang="en-US" altLang="en-US" sz="1710">
-                <a:latin typeface="Noto Serif CJK JP" panose="02020400000000000000" charset="-122"/>
-                <a:ea typeface="Noto Serif CJK JP" panose="02020400000000000000" charset="-122"/>
-                <a:sym typeface="+mn-ea"/>
-              </a:rPr>
-              <a:t>:- </a:t>
-            </a:r>
-            <a:r>
-              <a:rPr lang="en-US" altLang="en-US" sz="1710">
-                <a:latin typeface="Noto Serif CJK JP" panose="02020400000000000000" charset="-122"/>
-                <a:ea typeface="Noto Serif CJK JP" panose="02020400000000000000" charset="-122"/>
-              </a:rPr>
-              <a:t>class boundary + Inhertiance +  </a:t>
-            </a:r>
-            <a:r>
-              <a:rPr lang="" altLang="en-US" sz="1710">
-                <a:latin typeface="Noto Serif CJK JP" panose="02020400000000000000" charset="-122"/>
-                <a:ea typeface="Noto Serif CJK JP" panose="02020400000000000000" charset="-122"/>
-              </a:rPr>
-              <a:t>Object</a:t>
-            </a:r>
-            <a:endParaRPr lang="" altLang="en-US" sz="1710">
+            <a:r>
+              <a:rPr lang="en-US" sz="2800">
+                <a:latin typeface="Noto Serif CJK JP" panose="02020400000000000000" charset="-122"/>
+                <a:ea typeface="Noto Serif CJK JP" panose="02020400000000000000" charset="-122"/>
+              </a:rPr>
+              <a:t>Polymorphism</a:t>
+            </a:r>
+            <a:endParaRPr lang="en-US" sz="2800">
               <a:latin typeface="Noto Serif CJK JP" panose="02020400000000000000" charset="-122"/>
               <a:ea typeface="Noto Serif CJK JP" panose="02020400000000000000" charset="-122"/>
             </a:endParaRPr>

--- a/Objected Oriented Programming Concepts Using C++ & Data Structures/OOPs with C++.pptx
+++ b/Objected Oriented Programming Concepts Using C++ & Data Structures/OOPs with C++.pptx
@@ -9297,13 +9297,13 @@
                         <a:buNone/>
                       </a:pPr>
                       <a:r>
-                        <a:rPr lang="" altLang="en-US">
+                        <a:rPr lang="en-US" altLang="en-US">
                           <a:latin typeface="Noto Serif CJK JP" panose="02020400000000000000" charset="-122"/>
                           <a:ea typeface="Noto Serif CJK JP" panose="02020400000000000000" charset="-122"/>
                         </a:rPr>
                         <a:t>intermediate level</a:t>
                       </a:r>
-                      <a:endParaRPr lang="" altLang="en-US">
+                      <a:endParaRPr lang="en-US" altLang="en-US">
                         <a:latin typeface="Noto Serif CJK JP" panose="02020400000000000000" charset="-122"/>
                         <a:ea typeface="Noto Serif CJK JP" panose="02020400000000000000" charset="-122"/>
                       </a:endParaRPr>
@@ -9365,13 +9365,13 @@
                         <a:buNone/>
                       </a:pPr>
                       <a:r>
-                        <a:rPr lang="" altLang="en-US">
+                        <a:rPr lang="en-US" altLang="en-US">
                           <a:latin typeface="Noto Serif CJK JP" panose="02020400000000000000" charset="-122"/>
                           <a:ea typeface="Noto Serif CJK JP" panose="02020400000000000000" charset="-122"/>
                         </a:rPr>
                         <a:t>converted into machine language by assembler</a:t>
                       </a:r>
-                      <a:endParaRPr lang="" altLang="en-US">
+                      <a:endParaRPr lang="en-US" altLang="en-US">
                         <a:latin typeface="Noto Serif CJK JP" panose="02020400000000000000" charset="-122"/>
                         <a:ea typeface="Noto Serif CJK JP" panose="02020400000000000000" charset="-122"/>
                       </a:endParaRPr>
@@ -9418,13 +9418,13 @@
                         <a:t>almost impossible for humans to use because they consist entirely of numbers</a:t>
                       </a:r>
                       <a:r>
-                        <a:rPr lang="" altLang="en-US">
+                        <a:rPr lang="en-US" altLang="en-US">
                           <a:latin typeface="Noto Serif CJK JP" panose="02020400000000000000" charset="-122"/>
                           <a:ea typeface="Noto Serif CJK JP" panose="02020400000000000000" charset="-122"/>
                         </a:rPr>
                         <a:t>/Binary </a:t>
                       </a:r>
-                      <a:endParaRPr lang="" altLang="en-US">
+                      <a:endParaRPr lang="en-US" altLang="en-US">
                         <a:latin typeface="Noto Serif CJK JP" panose="02020400000000000000" charset="-122"/>
                         <a:ea typeface="Noto Serif CJK JP" panose="02020400000000000000" charset="-122"/>
                       </a:endParaRPr>
@@ -9486,13 +9486,13 @@
                         <a:buNone/>
                       </a:pPr>
                       <a:r>
-                        <a:rPr lang="" altLang="en-US">
+                        <a:rPr lang="en-US" altLang="en-US">
                           <a:latin typeface="Noto Serif CJK JP" panose="02020400000000000000" charset="-122"/>
                           <a:ea typeface="Noto Serif CJK JP" panose="02020400000000000000" charset="-122"/>
                         </a:rPr>
                         <a:t>Eg : 101010101011</a:t>
                       </a:r>
-                      <a:endParaRPr lang="" altLang="en-US">
+                      <a:endParaRPr lang="en-US" altLang="en-US">
                         <a:latin typeface="Noto Serif CJK JP" panose="02020400000000000000" charset="-122"/>
                         <a:ea typeface="Noto Serif CJK JP" panose="02020400000000000000" charset="-122"/>
                       </a:endParaRPr>
@@ -9508,13 +9508,13 @@
                         <a:buNone/>
                       </a:pPr>
                       <a:r>
-                        <a:rPr lang="" altLang="en-US">
+                        <a:rPr lang="en-US" altLang="en-US">
                           <a:latin typeface="Noto Serif CJK JP" panose="02020400000000000000" charset="-122"/>
                           <a:ea typeface="Noto Serif CJK JP" panose="02020400000000000000" charset="-122"/>
                         </a:rPr>
                         <a:t>Eg : MOV A B</a:t>
                       </a:r>
-                      <a:endParaRPr lang="" altLang="en-US">
+                      <a:endParaRPr lang="en-US" altLang="en-US">
                         <a:latin typeface="Noto Serif CJK JP" panose="02020400000000000000" charset="-122"/>
                         <a:ea typeface="Noto Serif CJK JP" panose="02020400000000000000" charset="-122"/>
                       </a:endParaRPr>
@@ -9524,13 +9524,13 @@
                         <a:buNone/>
                       </a:pPr>
                       <a:r>
-                        <a:rPr lang="" altLang="en-US">
+                        <a:rPr lang="en-US" altLang="en-US">
                           <a:latin typeface="Noto Serif CJK JP" panose="02020400000000000000" charset="-122"/>
                           <a:ea typeface="Noto Serif CJK JP" panose="02020400000000000000" charset="-122"/>
                         </a:rPr>
                         <a:t>        ADD 2 3</a:t>
                       </a:r>
-                      <a:endParaRPr lang="" altLang="en-US">
+                      <a:endParaRPr lang="en-US" altLang="en-US">
                         <a:latin typeface="Noto Serif CJK JP" panose="02020400000000000000" charset="-122"/>
                         <a:ea typeface="Noto Serif CJK JP" panose="02020400000000000000" charset="-122"/>
                       </a:endParaRPr>
@@ -9539,7 +9539,7 @@
                       <a:pPr>
                         <a:buNone/>
                       </a:pPr>
-                      <a:endParaRPr lang="" altLang="en-US">
+                      <a:endParaRPr lang="en-US" altLang="en-US">
                         <a:latin typeface="Noto Serif CJK JP" panose="02020400000000000000" charset="-122"/>
                         <a:ea typeface="Noto Serif CJK JP" panose="02020400000000000000" charset="-122"/>
                       </a:endParaRPr>
@@ -9555,13 +9555,13 @@
                         <a:buNone/>
                       </a:pPr>
                       <a:r>
-                        <a:rPr lang="" altLang="en-US">
+                        <a:rPr lang="en-US" altLang="en-US">
                           <a:latin typeface="Noto Serif CJK JP" panose="02020400000000000000" charset="-122"/>
                           <a:ea typeface="Noto Serif CJK JP" panose="02020400000000000000" charset="-122"/>
                         </a:rPr>
                         <a:t>Eg : C</a:t>
                       </a:r>
-                      <a:endParaRPr lang="" altLang="en-US">
+                      <a:endParaRPr lang="en-US" altLang="en-US">
                         <a:latin typeface="Noto Serif CJK JP" panose="02020400000000000000" charset="-122"/>
                         <a:ea typeface="Noto Serif CJK JP" panose="02020400000000000000" charset="-122"/>
                       </a:endParaRPr>
@@ -9612,13 +9612,13 @@
           <a:bodyPr/>
           <a:p>
             <a:r>
-              <a:rPr lang="" altLang="en-US">
+              <a:rPr lang="en-US" altLang="en-US">
                 <a:latin typeface="Noto Serif CJK JP" panose="02020400000000000000" charset="-122"/>
                 <a:ea typeface="Noto Serif CJK JP" panose="02020400000000000000" charset="-122"/>
               </a:rPr>
               <a:t>Variables in C++</a:t>
             </a:r>
-            <a:endParaRPr lang="" altLang="en-US">
+            <a:endParaRPr lang="en-US" altLang="en-US">
               <a:latin typeface="Noto Serif CJK JP" panose="02020400000000000000" charset="-122"/>
               <a:ea typeface="Noto Serif CJK JP" panose="02020400000000000000" charset="-122"/>
             </a:endParaRPr>
@@ -9650,7 +9650,7 @@
               </a:lnSpc>
             </a:pPr>
             <a:r>
-              <a:rPr lang="" altLang="en-US" sz="2800">
+              <a:rPr lang="en-US" altLang="en-US" sz="2800">
                 <a:latin typeface="Noto Serif CJK JP" panose="02020400000000000000" charset="-122"/>
                 <a:ea typeface="Noto Serif CJK JP" panose="02020400000000000000" charset="-122"/>
               </a:rPr>
@@ -9675,7 +9675,7 @@
               </a:lnSpc>
             </a:pPr>
             <a:r>
-              <a:rPr lang="" altLang="en-US" sz="2800">
+              <a:rPr lang="en-US" altLang="en-US" sz="2800">
                 <a:latin typeface="Noto Serif CJK JP" panose="02020400000000000000" charset="-122"/>
                 <a:ea typeface="Noto Serif CJK JP" panose="02020400000000000000" charset="-122"/>
               </a:rPr>
@@ -9700,7 +9700,7 @@
               </a:lnSpc>
             </a:pPr>
             <a:r>
-              <a:rPr lang="" altLang="en-US" sz="2800">
+              <a:rPr lang="en-US" altLang="en-US" sz="2800">
                 <a:latin typeface="Noto Serif CJK JP" panose="02020400000000000000" charset="-122"/>
                 <a:ea typeface="Noto Serif CJK JP" panose="02020400000000000000" charset="-122"/>
               </a:rPr>
@@ -9725,14 +9725,14 @@
               </a:lnSpc>
             </a:pPr>
             <a:r>
-              <a:rPr lang="" altLang="en-US" sz="2800" b="1">
+              <a:rPr lang="en-US" altLang="en-US" sz="2800" b="1">
                 <a:latin typeface="Noto Serif CJK JP" panose="02020400000000000000" charset="-122"/>
                 <a:ea typeface="Noto Serif CJK JP" panose="02020400000000000000" charset="-122"/>
               </a:rPr>
               <a:t>Syntax :</a:t>
             </a:r>
             <a:r>
-              <a:rPr lang="" altLang="en-US" sz="2800">
+              <a:rPr lang="en-US" altLang="en-US" sz="2800">
                 <a:latin typeface="Noto Serif CJK JP" panose="02020400000000000000" charset="-122"/>
                 <a:ea typeface="Noto Serif CJK JP" panose="02020400000000000000" charset="-122"/>
               </a:rPr>
@@ -9757,13 +9757,13 @@
               </a:lnSpc>
             </a:pPr>
             <a:r>
-              <a:rPr lang="" altLang="en-US" sz="2450">
+              <a:rPr lang="en-US" altLang="en-US" sz="2450">
                 <a:latin typeface="Noto Serif CJK JP" panose="02020400000000000000" charset="-122"/>
                 <a:ea typeface="Noto Serif CJK JP" panose="02020400000000000000" charset="-122"/>
               </a:rPr>
               <a:t>Eg : int a; char b;</a:t>
             </a:r>
-            <a:endParaRPr lang="" altLang="en-US" sz="2450">
+            <a:endParaRPr lang="en-US" altLang="en-US" sz="2450">
               <a:latin typeface="Noto Serif CJK JP" panose="02020400000000000000" charset="-122"/>
               <a:ea typeface="Noto Serif CJK JP" panose="02020400000000000000" charset="-122"/>
             </a:endParaRPr>
@@ -9775,13 +9775,13 @@
               </a:lnSpc>
             </a:pPr>
             <a:r>
-              <a:rPr lang="" altLang="en-US" sz="2800">
+              <a:rPr lang="en-US" altLang="en-US" sz="2800">
                 <a:latin typeface="Noto Serif CJK JP" panose="02020400000000000000" charset="-122"/>
                 <a:ea typeface="Noto Serif CJK JP" panose="02020400000000000000" charset="-122"/>
               </a:rPr>
               <a:t>Built-in Data types : predefined data types and can be used directly by the user to declare variables. example: int, char , float, bool etc.</a:t>
             </a:r>
-            <a:endParaRPr lang="" altLang="en-US" sz="2800">
+            <a:endParaRPr lang="en-US" altLang="en-US" sz="2800">
               <a:latin typeface="Noto Serif CJK JP" panose="02020400000000000000" charset="-122"/>
               <a:ea typeface="Noto Serif CJK JP" panose="02020400000000000000" charset="-122"/>
             </a:endParaRPr>
@@ -9830,21 +9830,7 @@
                 <a:latin typeface="Noto Serif CJK JP" panose="02020400000000000000" charset="-122"/>
                 <a:ea typeface="Noto Serif CJK JP" panose="02020400000000000000" charset="-122"/>
               </a:rPr>
-              <a:t> </a:t>
-            </a:r>
-            <a:r>
-              <a:rPr lang="" altLang="en-US">
-                <a:latin typeface="Noto Serif CJK JP" panose="02020400000000000000" charset="-122"/>
-                <a:ea typeface="Noto Serif CJK JP" panose="02020400000000000000" charset="-122"/>
-              </a:rPr>
-              <a:t>F</a:t>
-            </a:r>
-            <a:r>
-              <a:rPr lang="en-US" altLang="en-US">
-                <a:latin typeface="Noto Serif CJK JP" panose="02020400000000000000" charset="-122"/>
-                <a:ea typeface="Noto Serif CJK JP" panose="02020400000000000000" charset="-122"/>
-              </a:rPr>
-              <a:t>unctions in C++</a:t>
+              <a:t> Functions in C++</a:t>
             </a:r>
             <a:endParaRPr lang="en-US" altLang="en-US">
               <a:latin typeface="Noto Serif CJK JP" panose="02020400000000000000" charset="-122"/>
@@ -9896,13 +9882,13 @@
               </a:lnSpc>
             </a:pPr>
             <a:r>
-              <a:rPr lang="" altLang="en-US" sz="2300">
+              <a:rPr lang="en-US" altLang="en-US" sz="2300">
                 <a:latin typeface="Noto Serif CJK JP" panose="02020400000000000000" charset="-122"/>
                 <a:ea typeface="Noto Serif CJK JP" panose="02020400000000000000" charset="-122"/>
               </a:rPr>
               <a:t>defines an logic or action/steps  in the program</a:t>
             </a:r>
-            <a:endParaRPr lang="" altLang="en-US" sz="2300">
+            <a:endParaRPr lang="en-US" altLang="en-US" sz="2300">
               <a:latin typeface="Noto Serif CJK JP" panose="02020400000000000000" charset="-122"/>
               <a:ea typeface="Noto Serif CJK JP" panose="02020400000000000000" charset="-122"/>
             </a:endParaRPr>
@@ -9914,7 +9900,7 @@
               </a:lnSpc>
             </a:pPr>
             <a:r>
-              <a:rPr lang="" altLang="en-US" sz="2300">
+              <a:rPr lang="en-US" altLang="en-US" sz="2300">
                 <a:latin typeface="Noto Serif CJK JP" panose="02020400000000000000" charset="-122"/>
                 <a:ea typeface="Noto Serif CJK JP" panose="02020400000000000000" charset="-122"/>
               </a:rPr>
@@ -9932,7 +9918,7 @@
               </a:lnSpc>
             </a:pPr>
             <a:r>
-              <a:rPr lang="" altLang="en-US" sz="2300">
+              <a:rPr lang="en-US" altLang="en-US" sz="2300">
                 <a:latin typeface="Noto Serif CJK JP" panose="02020400000000000000" charset="-122"/>
                 <a:ea typeface="Noto Serif CJK JP" panose="02020400000000000000" charset="-122"/>
               </a:rPr>
@@ -9946,7 +9932,7 @@
               <a:t>eturn-type: suggests what the function will return. It can be int, char, </a:t>
             </a:r>
             <a:r>
-              <a:rPr lang="" altLang="en-US" sz="2300">
+              <a:rPr lang="en-US" altLang="en-US" sz="2300">
                 <a:latin typeface="Noto Serif CJK JP" panose="02020400000000000000" charset="-122"/>
                 <a:ea typeface="Noto Serif CJK JP" panose="02020400000000000000" charset="-122"/>
               </a:rPr>
@@ -10018,7 +10004,7 @@
               </a:lnSpc>
             </a:pPr>
             <a:r>
-              <a:rPr lang="" altLang="en-US" sz="2000">
+              <a:rPr lang="en-US" altLang="en-US" sz="2000">
                 <a:latin typeface="Noto Serif CJK JP" panose="02020400000000000000" charset="-122"/>
                 <a:ea typeface="Noto Serif CJK JP" panose="02020400000000000000" charset="-122"/>
                 <a:sym typeface="+mn-ea"/>
@@ -10031,71 +10017,7 @@
                 <a:ea typeface="Noto Serif CJK JP" panose="02020400000000000000" charset="-122"/>
                 <a:sym typeface="+mn-ea"/>
               </a:rPr>
-              <a:t>int </a:t>
-            </a:r>
-            <a:r>
-              <a:rPr lang="" altLang="en-US" sz="2000" b="1">
-                <a:latin typeface="Noto Serif CJK JP" panose="02020400000000000000" charset="-122"/>
-                <a:ea typeface="Noto Serif CJK JP" panose="02020400000000000000" charset="-122"/>
-                <a:sym typeface="+mn-ea"/>
-              </a:rPr>
-              <a:t>add</a:t>
-            </a:r>
-            <a:r>
-              <a:rPr lang="en-US" altLang="en-US" sz="2000" b="1">
-                <a:latin typeface="Noto Serif CJK JP" panose="02020400000000000000" charset="-122"/>
-                <a:ea typeface="Noto Serif CJK JP" panose="02020400000000000000" charset="-122"/>
-                <a:sym typeface="+mn-ea"/>
-              </a:rPr>
-              <a:t>(int a</a:t>
-            </a:r>
-            <a:r>
-              <a:rPr lang="" altLang="en-US" sz="2000" b="1">
-                <a:latin typeface="Noto Serif CJK JP" panose="02020400000000000000" charset="-122"/>
-                <a:ea typeface="Noto Serif CJK JP" panose="02020400000000000000" charset="-122"/>
-                <a:sym typeface="+mn-ea"/>
-              </a:rPr>
-              <a:t>,int b</a:t>
-            </a:r>
-            <a:r>
-              <a:rPr lang="en-US" altLang="en-US" sz="2000" b="1">
-                <a:latin typeface="Noto Serif CJK JP" panose="02020400000000000000" charset="-122"/>
-                <a:ea typeface="Noto Serif CJK JP" panose="02020400000000000000" charset="-122"/>
-                <a:sym typeface="+mn-ea"/>
-              </a:rPr>
-              <a:t>);  </a:t>
-            </a:r>
-            <a:r>
-              <a:rPr lang="" altLang="en-US" sz="2000" b="1">
-                <a:latin typeface="Noto Serif CJK JP" panose="02020400000000000000" charset="-122"/>
-                <a:ea typeface="Noto Serif CJK JP" panose="02020400000000000000" charset="-122"/>
-                <a:sym typeface="+mn-ea"/>
-              </a:rPr>
-              <a:t>void print(char a);  </a:t>
-            </a:r>
-            <a:r>
-              <a:rPr lang="en-US" altLang="en-US" sz="2000" b="1">
-                <a:latin typeface="Noto Serif CJK JP" panose="02020400000000000000" charset="-122"/>
-                <a:ea typeface="Noto Serif CJK JP" panose="02020400000000000000" charset="-122"/>
-                <a:sym typeface="+mn-ea"/>
-              </a:rPr>
-              <a:t>void </a:t>
-            </a:r>
-            <a:r>
-              <a:rPr lang="" altLang="en-US" sz="2000" b="1">
-                <a:latin typeface="Noto Serif CJK JP" panose="02020400000000000000" charset="-122"/>
-                <a:ea typeface="Noto Serif CJK JP" panose="02020400000000000000" charset="-122"/>
-                <a:sym typeface="+mn-ea"/>
-              </a:rPr>
-              <a:t>getSomething</a:t>
-            </a:r>
-            <a:r>
-              <a:rPr lang="en-US" altLang="en-US" sz="2000" b="1">
-                <a:latin typeface="Noto Serif CJK JP" panose="02020400000000000000" charset="-122"/>
-                <a:ea typeface="Noto Serif CJK JP" panose="02020400000000000000" charset="-122"/>
-                <a:sym typeface="+mn-ea"/>
-              </a:rPr>
-              <a:t>();   </a:t>
+              <a:t>int add(int a,int b);  void print(char a);  void getSomething();   </a:t>
             </a:r>
             <a:endParaRPr lang="en-US" altLang="en-US" sz="2000" b="1">
               <a:latin typeface="Noto Serif CJK JP" panose="02020400000000000000" charset="-122"/>
@@ -10123,7 +10045,7 @@
               <a:buNone/>
             </a:pPr>
             <a:r>
-              <a:rPr lang="" altLang="en-US" sz="2300" b="1">
+              <a:rPr lang="en-US" altLang="en-US" sz="2300" b="1">
                 <a:latin typeface="Noto Serif CJK JP" panose="02020400000000000000" charset="-122"/>
                 <a:ea typeface="Noto Serif CJK JP" panose="02020400000000000000" charset="-122"/>
               </a:rPr>
@@ -10185,7 +10107,7 @@
           <a:bodyPr/>
           <a:p>
             <a:r>
-              <a:rPr lang="" altLang="en-US" sz="2800">
+              <a:rPr lang="en-US" altLang="en-US" sz="2800">
                 <a:latin typeface="Noto Serif CJK JP" panose="02020400000000000000" charset="-122"/>
                 <a:ea typeface="Noto Serif CJK JP" panose="02020400000000000000" charset="-122"/>
                 <a:sym typeface="+mn-ea"/>
@@ -10205,21 +10127,7 @@
                 <a:latin typeface="Noto Serif CJK JP" panose="02020400000000000000" charset="-122"/>
                 <a:ea typeface="Noto Serif CJK JP" panose="02020400000000000000" charset="-122"/>
               </a:rPr>
-              <a:t>, Defini</a:t>
-            </a:r>
-            <a:r>
-              <a:rPr lang="" altLang="en-US" sz="2800">
-                <a:latin typeface="Noto Serif CJK JP" panose="02020400000000000000" charset="-122"/>
-                <a:ea typeface="Noto Serif CJK JP" panose="02020400000000000000" charset="-122"/>
-              </a:rPr>
-              <a:t>tion</a:t>
-            </a:r>
-            <a:r>
-              <a:rPr lang="en-US" altLang="en-US" sz="2800">
-                <a:latin typeface="Noto Serif CJK JP" panose="02020400000000000000" charset="-122"/>
-                <a:ea typeface="Noto Serif CJK JP" panose="02020400000000000000" charset="-122"/>
-              </a:rPr>
-              <a:t> and Calling a Function</a:t>
+              <a:t>, Definition and Calling a Function</a:t>
             </a:r>
             <a:endParaRPr lang="en-US" altLang="en-US" sz="2800">
               <a:latin typeface="Noto Serif CJK JP" panose="02020400000000000000" charset="-122"/>
@@ -10271,7 +10179,7 @@
               </a:lnSpc>
             </a:pPr>
             <a:r>
-              <a:rPr lang="" altLang="en-US" sz="2300">
+              <a:rPr lang="en-US" altLang="en-US" sz="2300">
                 <a:latin typeface="Noto Serif CJK JP" panose="02020400000000000000" charset="-122"/>
                 <a:ea typeface="Noto Serif CJK JP" panose="02020400000000000000" charset="-122"/>
               </a:rPr>
@@ -10283,17 +10191,9 @@
                 <a:ea typeface="Noto Serif CJK JP" panose="02020400000000000000" charset="-122"/>
                 <a:sym typeface="+mn-ea"/>
               </a:rPr>
-              <a:t>Definition </a:t>
-            </a:r>
-            <a:r>
-              <a:rPr lang="" altLang="en-US" sz="2300">
-                <a:latin typeface="Noto Serif CJK JP" panose="02020400000000000000" charset="-122"/>
-                <a:ea typeface="Noto Serif CJK JP" panose="02020400000000000000" charset="-122"/>
-                <a:sym typeface="+mn-ea"/>
-              </a:rPr>
-              <a:t>, tells what the function do. Here the logic or action/steps to be done is written.</a:t>
-            </a:r>
-            <a:endParaRPr lang="" altLang="en-US" sz="2300">
+              <a:t>Definition , tells what the function do. Here the logic or action/steps to be done is written.</a:t>
+            </a:r>
+            <a:endParaRPr lang="en-US" altLang="en-US" sz="2300">
               <a:latin typeface="Noto Serif CJK JP" panose="02020400000000000000" charset="-122"/>
               <a:ea typeface="Noto Serif CJK JP" panose="02020400000000000000" charset="-122"/>
               <a:sym typeface="+mn-ea"/>
@@ -10306,13 +10206,13 @@
               </a:lnSpc>
             </a:pPr>
             <a:r>
-              <a:rPr lang="" altLang="en-US" sz="2300">
+              <a:rPr lang="en-US" altLang="en-US" sz="2300">
                 <a:latin typeface="Noto Serif CJK JP" panose="02020400000000000000" charset="-122"/>
                 <a:ea typeface="Noto Serif CJK JP" panose="02020400000000000000" charset="-122"/>
               </a:rPr>
               <a:t>Calling a Function : Functions are called by their names, its where we tell the machine to execute the instructions listed in defintion and we can pass the data to the functions </a:t>
             </a:r>
-            <a:endParaRPr lang="" altLang="en-US" sz="2300">
+            <a:endParaRPr lang="en-US" altLang="en-US" sz="2300">
               <a:latin typeface="Noto Serif CJK JP" panose="02020400000000000000" charset="-122"/>
               <a:ea typeface="Noto Serif CJK JP" panose="02020400000000000000" charset="-122"/>
             </a:endParaRPr>
@@ -10437,14 +10337,7 @@
                 <a:latin typeface="FreeMono" panose="020F0409020205020404" charset="0"/>
                 <a:ea typeface="FreeMono" panose="020F0409020205020404" charset="0"/>
               </a:rPr>
-              <a:t>;  </a:t>
-            </a:r>
-            <a:r>
-              <a:rPr lang="" altLang="en-US" sz="1800" b="1">
-                <a:latin typeface="FreeMono" panose="020F0409020205020404" charset="0"/>
-                <a:ea typeface="FreeMono" panose="020F0409020205020404" charset="0"/>
-              </a:rPr>
-              <a:t>//presents ';' to indicate 				     //declaration or end of stmt</a:t>
+              <a:t>;  //presents ';' to indicate 				     //declaration or end of stmt</a:t>
             </a:r>
             <a:endParaRPr lang="en-US" altLang="en-US" sz="1800" b="1">
               <a:latin typeface="FreeMono" panose="020F0409020205020404" charset="0"/>
@@ -10459,7 +10352,7 @@
               <a:buNone/>
             </a:pPr>
             <a:r>
-              <a:rPr lang="" altLang="en-US" sz="1800">
+              <a:rPr lang="en-US" altLang="en-US" sz="1800">
                 <a:latin typeface="FreeMono" panose="020F0409020205020404" charset="0"/>
                 <a:ea typeface="FreeMono" panose="020F0409020205020404" charset="0"/>
               </a:rPr>
@@ -10478,18 +10371,11 @@
               <a:buNone/>
             </a:pPr>
             <a:r>
-              <a:rPr lang="" altLang="en-US" sz="1800">
-                <a:latin typeface="FreeMono" panose="020F0409020205020404" charset="0"/>
-                <a:ea typeface="FreeMono" panose="020F0409020205020404" charset="0"/>
-              </a:rPr>
-              <a:t>void </a:t>
-            </a:r>
-            <a:r>
               <a:rPr lang="en-US" altLang="en-US" sz="1800">
                 <a:latin typeface="FreeMono" panose="020F0409020205020404" charset="0"/>
                 <a:ea typeface="FreeMono" panose="020F0409020205020404" charset="0"/>
               </a:rPr>
-              <a:t>main()</a:t>
+              <a:t>void main()</a:t>
             </a:r>
             <a:endParaRPr lang="en-US" altLang="en-US" sz="1800">
               <a:latin typeface="FreeMono" panose="020F0409020205020404" charset="0"/>
@@ -10632,7 +10518,7 @@
               <a:t>int sum (int x, int y) </a:t>
             </a:r>
             <a:r>
-              <a:rPr lang="" altLang="en-US" sz="1800" b="1">
+              <a:rPr lang="en-US" altLang="en-US" sz="1800" b="1">
                 <a:latin typeface="FreeMono" panose="020F0409020205020404" charset="0"/>
                 <a:ea typeface="FreeMono" panose="020F0409020205020404" charset="0"/>
               </a:rPr>
@@ -10674,14 +10560,7 @@
                 <a:latin typeface="FreeMono" panose="020F0409020205020404" charset="0"/>
                 <a:ea typeface="FreeMono" panose="020F0409020205020404" charset="0"/>
               </a:rPr>
-              <a:t>    </a:t>
-            </a:r>
-            <a:r>
-              <a:rPr lang="" altLang="en-US" sz="1800">
-                <a:latin typeface="FreeMono" panose="020F0409020205020404" charset="0"/>
-                <a:ea typeface="FreeMono" panose="020F0409020205020404" charset="0"/>
-              </a:rPr>
-              <a:t>int z = x + y;</a:t>
+              <a:t>    int z = x + y;</a:t>
             </a:r>
             <a:endParaRPr lang="en-US" altLang="en-US" sz="1800">
               <a:latin typeface="FreeMono" panose="020F0409020205020404" charset="0"/>
@@ -10700,21 +10579,7 @@
                 <a:latin typeface="FreeMono" panose="020F0409020205020404" charset="0"/>
                 <a:ea typeface="FreeMono" panose="020F0409020205020404" charset="0"/>
               </a:rPr>
-              <a:t>    return </a:t>
-            </a:r>
-            <a:r>
-              <a:rPr lang="" altLang="en-US" sz="1800">
-                <a:latin typeface="FreeMono" panose="020F0409020205020404" charset="0"/>
-                <a:ea typeface="FreeMono" panose="020F0409020205020404" charset="0"/>
-              </a:rPr>
-              <a:t>z</a:t>
-            </a:r>
-            <a:r>
-              <a:rPr lang="en-US" altLang="en-US" sz="1800">
-                <a:latin typeface="FreeMono" panose="020F0409020205020404" charset="0"/>
-                <a:ea typeface="FreeMono" panose="020F0409020205020404" charset="0"/>
-              </a:rPr>
-              <a:t>;</a:t>
+              <a:t>    return z;</a:t>
             </a:r>
             <a:endParaRPr lang="en-US" altLang="en-US" sz="1800">
               <a:latin typeface="FreeMono" panose="020F0409020205020404" charset="0"/>
@@ -10848,7 +10713,7 @@
               </a:lnSpc>
             </a:pPr>
             <a:r>
-              <a:rPr lang="" altLang="en-US" sz="2800">
+              <a:rPr lang="en-US" altLang="en-US" sz="2800">
                 <a:latin typeface="Noto Serif CJK JP" panose="02020400000000000000" charset="-122"/>
                 <a:ea typeface="Noto Serif CJK JP" panose="02020400000000000000" charset="-122"/>
               </a:rPr>
